--- a/Дерево интервалов.pptx
+++ b/Дерево интервалов.pptx
@@ -5,26 +5,27 @@
     <p:sldMasterId id="2147483684" r:id="rId1"/>
   </p:sldMasterIdLst>
   <p:notesMasterIdLst>
-    <p:notesMasterId r:id="rId19"/>
+    <p:notesMasterId r:id="rId20"/>
   </p:notesMasterIdLst>
   <p:sldIdLst>
     <p:sldId id="256" r:id="rId2"/>
     <p:sldId id="257" r:id="rId3"/>
-    <p:sldId id="258" r:id="rId4"/>
-    <p:sldId id="259" r:id="rId5"/>
-    <p:sldId id="261" r:id="rId6"/>
-    <p:sldId id="260" r:id="rId7"/>
-    <p:sldId id="262" r:id="rId8"/>
-    <p:sldId id="263" r:id="rId9"/>
-    <p:sldId id="270" r:id="rId10"/>
-    <p:sldId id="269" r:id="rId11"/>
-    <p:sldId id="268" r:id="rId12"/>
-    <p:sldId id="267" r:id="rId13"/>
-    <p:sldId id="266" r:id="rId14"/>
-    <p:sldId id="265" r:id="rId15"/>
-    <p:sldId id="272" r:id="rId16"/>
-    <p:sldId id="274" r:id="rId17"/>
-    <p:sldId id="273" r:id="rId18"/>
+    <p:sldId id="275" r:id="rId4"/>
+    <p:sldId id="276" r:id="rId5"/>
+    <p:sldId id="259" r:id="rId6"/>
+    <p:sldId id="261" r:id="rId7"/>
+    <p:sldId id="260" r:id="rId8"/>
+    <p:sldId id="262" r:id="rId9"/>
+    <p:sldId id="263" r:id="rId10"/>
+    <p:sldId id="270" r:id="rId11"/>
+    <p:sldId id="269" r:id="rId12"/>
+    <p:sldId id="268" r:id="rId13"/>
+    <p:sldId id="267" r:id="rId14"/>
+    <p:sldId id="266" r:id="rId15"/>
+    <p:sldId id="265" r:id="rId16"/>
+    <p:sldId id="272" r:id="rId17"/>
+    <p:sldId id="274" r:id="rId18"/>
+    <p:sldId id="273" r:id="rId19"/>
   </p:sldIdLst>
   <p:sldSz cx="9144000" cy="5143500" type="screen16x9"/>
   <p:notesSz cx="6858000" cy="9144000"/>
@@ -5240,7 +5241,7 @@
           <a:p>
             <a:fld id="{5E6EF83D-6BC1-45AB-BB38-7AC10106CD99}" type="datetimeFigureOut">
               <a:rPr lang="ru-RU" smtClean="0"/>
-              <a:t>17.01.2023</a:t>
+              <a:t>23.01.2023</a:t>
             </a:fld>
             <a:endParaRPr lang="ru-RU"/>
           </a:p>
@@ -5638,7 +5639,7 @@
           <a:p>
             <a:fld id="{CB08DC8E-4640-488D-B1B6-83F28F1FDD21}" type="datetime1">
               <a:rPr lang="ru-RU" smtClean="0"/>
-              <a:t>17.01.2023</a:t>
+              <a:t>23.01.2023</a:t>
             </a:fld>
             <a:endParaRPr lang="ru-RU"/>
           </a:p>
@@ -5808,7 +5809,7 @@
           <a:p>
             <a:fld id="{5A610DD2-F775-4697-82F2-E02E860AB71E}" type="datetime1">
               <a:rPr lang="ru-RU" smtClean="0"/>
-              <a:t>17.01.2023</a:t>
+              <a:t>23.01.2023</a:t>
             </a:fld>
             <a:endParaRPr lang="ru-RU"/>
           </a:p>
@@ -5988,7 +5989,7 @@
           <a:p>
             <a:fld id="{03B9CCB0-0EBE-4C2E-8727-91DA3DE36683}" type="datetime1">
               <a:rPr lang="ru-RU" smtClean="0"/>
-              <a:t>17.01.2023</a:t>
+              <a:t>23.01.2023</a:t>
             </a:fld>
             <a:endParaRPr lang="ru-RU"/>
           </a:p>
@@ -6158,7 +6159,7 @@
           <a:p>
             <a:fld id="{E9C79B4B-112B-45ED-8A93-DEC054AB2950}" type="datetime1">
               <a:rPr lang="ru-RU" smtClean="0"/>
-              <a:t>17.01.2023</a:t>
+              <a:t>23.01.2023</a:t>
             </a:fld>
             <a:endParaRPr lang="ru-RU"/>
           </a:p>
@@ -6404,7 +6405,7 @@
           <a:p>
             <a:fld id="{B985C757-C107-46F2-849C-4A1E818FDD01}" type="datetime1">
               <a:rPr lang="ru-RU" smtClean="0"/>
-              <a:t>17.01.2023</a:t>
+              <a:t>23.01.2023</a:t>
             </a:fld>
             <a:endParaRPr lang="ru-RU"/>
           </a:p>
@@ -6636,7 +6637,7 @@
           <a:p>
             <a:fld id="{D0149EBC-0C93-4DB8-A456-2321A158E730}" type="datetime1">
               <a:rPr lang="ru-RU" smtClean="0"/>
-              <a:t>17.01.2023</a:t>
+              <a:t>23.01.2023</a:t>
             </a:fld>
             <a:endParaRPr lang="ru-RU"/>
           </a:p>
@@ -7003,7 +7004,7 @@
           <a:p>
             <a:fld id="{E1CD0E30-33F0-42D3-9D59-D54983B90C31}" type="datetime1">
               <a:rPr lang="ru-RU" smtClean="0"/>
-              <a:t>17.01.2023</a:t>
+              <a:t>23.01.2023</a:t>
             </a:fld>
             <a:endParaRPr lang="ru-RU"/>
           </a:p>
@@ -7121,7 +7122,7 @@
           <a:p>
             <a:fld id="{01526A73-21D1-4D26-9400-2506123BD22E}" type="datetime1">
               <a:rPr lang="ru-RU" smtClean="0"/>
-              <a:t>17.01.2023</a:t>
+              <a:t>23.01.2023</a:t>
             </a:fld>
             <a:endParaRPr lang="ru-RU"/>
           </a:p>
@@ -7216,7 +7217,7 @@
           <a:p>
             <a:fld id="{F4F5F325-762E-4EC5-8E64-EF9616445EA7}" type="datetime1">
               <a:rPr lang="ru-RU" smtClean="0"/>
-              <a:t>17.01.2023</a:t>
+              <a:t>23.01.2023</a:t>
             </a:fld>
             <a:endParaRPr lang="ru-RU"/>
           </a:p>
@@ -7493,7 +7494,7 @@
           <a:p>
             <a:fld id="{D5496A59-C952-4C1B-9C7F-CD1C8FB515CF}" type="datetime1">
               <a:rPr lang="ru-RU" smtClean="0"/>
-              <a:t>17.01.2023</a:t>
+              <a:t>23.01.2023</a:t>
             </a:fld>
             <a:endParaRPr lang="ru-RU"/>
           </a:p>
@@ -7750,7 +7751,7 @@
           <a:p>
             <a:fld id="{18A5F2C4-F47D-4C06-9CD0-462F0A6E6C3A}" type="datetime1">
               <a:rPr lang="ru-RU" smtClean="0"/>
-              <a:t>17.01.2023</a:t>
+              <a:t>23.01.2023</a:t>
             </a:fld>
             <a:endParaRPr lang="ru-RU"/>
           </a:p>
@@ -7963,7 +7964,7 @@
           <a:p>
             <a:fld id="{CE32A494-4286-4E45-82FF-AA40DAE6BA7A}" type="datetime1">
               <a:rPr lang="ru-RU" smtClean="0"/>
-              <a:t>17.01.2023</a:t>
+              <a:t>23.01.2023</a:t>
             </a:fld>
             <a:endParaRPr lang="ru-RU"/>
           </a:p>
@@ -8720,7 +8721,7 @@
         </p:nvSpPr>
         <p:spPr>
           <a:xfrm>
-            <a:off x="656907" y="231775"/>
+            <a:off x="693420" y="231775"/>
             <a:ext cx="6805748" cy="600164"/>
           </a:xfrm>
           <a:prstGeom prst="rect">
@@ -8739,7 +8740,7 @@
                 <a:latin typeface="Rubik" pitchFamily="2" charset="-79"/>
                 <a:cs typeface="Rubik" pitchFamily="2" charset="-79"/>
               </a:rPr>
-              <a:t>Частичное перекрытие</a:t>
+              <a:t>Полное перекрытие</a:t>
             </a:r>
           </a:p>
         </p:txBody>
@@ -8796,12 +8797,116 @@
           </a:p>
         </p:txBody>
       </p:sp>
+      <p:sp>
+        <p:nvSpPr>
+          <p:cNvPr id="11" name="Прямоугольник: скругленные углы 10">
+            <a:extLst>
+              <a:ext uri="{FF2B5EF4-FFF2-40B4-BE49-F238E27FC236}">
+                <a16:creationId xmlns:a16="http://schemas.microsoft.com/office/drawing/2014/main" id="{41151348-B9DB-9541-59E7-7A9B26552861}"/>
+              </a:ext>
+            </a:extLst>
+          </p:cNvPr>
+          <p:cNvSpPr/>
+          <p:nvPr/>
+        </p:nvSpPr>
+        <p:spPr>
+          <a:xfrm>
+            <a:off x="8532812" y="231774"/>
+            <a:ext cx="1005840" cy="600165"/>
+          </a:xfrm>
+          <a:prstGeom prst="roundRect">
+            <a:avLst/>
+          </a:prstGeom>
+          <a:gradFill>
+            <a:gsLst>
+              <a:gs pos="0">
+                <a:srgbClr val="F29E54"/>
+              </a:gs>
+              <a:gs pos="100000">
+                <a:srgbClr val="EE7C37"/>
+              </a:gs>
+            </a:gsLst>
+            <a:lin ang="3000000" scaled="0"/>
+          </a:gradFill>
+          <a:ln>
+            <a:noFill/>
+          </a:ln>
+        </p:spPr>
+        <p:style>
+          <a:lnRef idx="2">
+            <a:schemeClr val="accent1">
+              <a:shade val="50000"/>
+            </a:schemeClr>
+          </a:lnRef>
+          <a:fillRef idx="1">
+            <a:schemeClr val="accent1"/>
+          </a:fillRef>
+          <a:effectRef idx="0">
+            <a:schemeClr val="accent1"/>
+          </a:effectRef>
+          <a:fontRef idx="minor">
+            <a:schemeClr val="lt1"/>
+          </a:fontRef>
+        </p:style>
+        <p:txBody>
+          <a:bodyPr rtlCol="0" anchor="ctr"/>
+          <a:lstStyle/>
+          <a:p>
+            <a:pPr algn="ctr"/>
+            <a:endParaRPr lang="ru-RU"/>
+          </a:p>
+        </p:txBody>
+      </p:sp>
+      <p:sp>
+        <p:nvSpPr>
+          <p:cNvPr id="13" name="TextBox 12">
+            <a:extLst>
+              <a:ext uri="{FF2B5EF4-FFF2-40B4-BE49-F238E27FC236}">
+                <a16:creationId xmlns:a16="http://schemas.microsoft.com/office/drawing/2014/main" id="{78EC24C5-6470-A76F-91E8-C010FD03EC9B}"/>
+              </a:ext>
+            </a:extLst>
+          </p:cNvPr>
+          <p:cNvSpPr txBox="1"/>
+          <p:nvPr/>
+        </p:nvSpPr>
+        <p:spPr>
+          <a:xfrm flipH="1">
+            <a:off x="8587978" y="279237"/>
+            <a:ext cx="556022" cy="523220"/>
+          </a:xfrm>
+          <a:prstGeom prst="rect">
+            <a:avLst/>
+          </a:prstGeom>
+          <a:noFill/>
+        </p:spPr>
+        <p:txBody>
+          <a:bodyPr wrap="square" rtlCol="0">
+            <a:spAutoFit/>
+          </a:bodyPr>
+          <a:lstStyle/>
+          <a:p>
+            <a:r>
+              <a:rPr lang="en-US" sz="2800" dirty="0">
+                <a:solidFill>
+                  <a:schemeClr val="bg1"/>
+                </a:solidFill>
+              </a:rPr>
+              <a:t>10</a:t>
+            </a:r>
+            <a:endParaRPr lang="ru-RU" sz="2800" dirty="0">
+              <a:solidFill>
+                <a:schemeClr val="bg1"/>
+              </a:solidFill>
+            </a:endParaRPr>
+          </a:p>
+        </p:txBody>
+      </p:sp>
       <p:pic>
         <p:nvPicPr>
-          <p:cNvPr id="3" name="Рисунок 2">
+          <p:cNvPr id="4" name="Рисунок 3">
             <a:extLst>
               <a:ext uri="{FF2B5EF4-FFF2-40B4-BE49-F238E27FC236}">
-                <a16:creationId xmlns:a16="http://schemas.microsoft.com/office/drawing/2014/main" id="{1AF5CBED-80FF-6B30-824C-50E41D42591D}"/>
+                <a16:creationId xmlns:a16="http://schemas.microsoft.com/office/drawing/2014/main" id="{22E02674-DF34-EA8E-93AA-A8EA69E196CC}"/>
               </a:ext>
             </a:extLst>
           </p:cNvPr>
@@ -8827,14 +8932,173 @@
         </p:blipFill>
         <p:spPr>
           <a:xfrm>
-            <a:off x="611188" y="1371599"/>
-            <a:ext cx="3883550" cy="3038475"/>
+            <a:off x="611187" y="1371598"/>
+            <a:ext cx="3883551" cy="3038475"/>
           </a:xfrm>
           <a:prstGeom prst="rect">
             <a:avLst/>
           </a:prstGeom>
         </p:spPr>
       </p:pic>
+      <p:pic>
+        <p:nvPicPr>
+          <p:cNvPr id="8" name="Рисунок 7">
+            <a:extLst>
+              <a:ext uri="{FF2B5EF4-FFF2-40B4-BE49-F238E27FC236}">
+                <a16:creationId xmlns:a16="http://schemas.microsoft.com/office/drawing/2014/main" id="{2CD3E126-404A-63D2-6571-6833129C234B}"/>
+              </a:ext>
+            </a:extLst>
+          </p:cNvPr>
+          <p:cNvPicPr>
+            <a:picLocks noChangeAspect="1"/>
+          </p:cNvPicPr>
+          <p:nvPr/>
+        </p:nvPicPr>
+        <p:blipFill>
+          <a:blip r:embed="rId4">
+            <a:extLst>
+              <a:ext uri="{28A0092B-C50C-407E-A947-70E740481C1C}">
+                <a14:useLocalDpi xmlns:a14="http://schemas.microsoft.com/office/drawing/2010/main" val="0"/>
+              </a:ext>
+              <a:ext uri="{96DAC541-7B7A-43D3-8B79-37D633B846F1}">
+                <asvg:svgBlip xmlns:asvg="http://schemas.microsoft.com/office/drawing/2016/SVG/main" r:embed="rId5"/>
+              </a:ext>
+            </a:extLst>
+          </a:blip>
+          <a:stretch>
+            <a:fillRect/>
+          </a:stretch>
+        </p:blipFill>
+        <p:spPr>
+          <a:xfrm>
+            <a:off x="4649264" y="1371598"/>
+            <a:ext cx="3883552" cy="3038476"/>
+          </a:xfrm>
+          <a:prstGeom prst="rect">
+            <a:avLst/>
+          </a:prstGeom>
+        </p:spPr>
+      </p:pic>
+    </p:spTree>
+    <p:extLst>
+      <p:ext uri="{BB962C8B-B14F-4D97-AF65-F5344CB8AC3E}">
+        <p14:creationId xmlns:p14="http://schemas.microsoft.com/office/powerpoint/2010/main" val="1777784502"/>
+      </p:ext>
+    </p:extLst>
+  </p:cSld>
+  <p:clrMapOvr>
+    <a:masterClrMapping/>
+  </p:clrMapOvr>
+</p:sld>
+</file>
+
+<file path=ppt/slides/slide11.xml><?xml version="1.0" encoding="utf-8"?>
+<p:sld xmlns:a="http://schemas.openxmlformats.org/drawingml/2006/main" xmlns:r="http://schemas.openxmlformats.org/officeDocument/2006/relationships" xmlns:p="http://schemas.openxmlformats.org/presentationml/2006/main">
+  <p:cSld>
+    <p:spTree>
+      <p:nvGrpSpPr>
+        <p:cNvPr id="1" name=""/>
+        <p:cNvGrpSpPr/>
+        <p:nvPr/>
+      </p:nvGrpSpPr>
+      <p:grpSpPr>
+        <a:xfrm>
+          <a:off x="0" y="0"/>
+          <a:ext cx="0" cy="0"/>
+          <a:chOff x="0" y="0"/>
+          <a:chExt cx="0" cy="0"/>
+        </a:xfrm>
+      </p:grpSpPr>
+      <p:sp>
+        <p:nvSpPr>
+          <p:cNvPr id="6" name="TextBox 5">
+            <a:extLst>
+              <a:ext uri="{FF2B5EF4-FFF2-40B4-BE49-F238E27FC236}">
+                <a16:creationId xmlns:a16="http://schemas.microsoft.com/office/drawing/2014/main" id="{1E89E242-C586-7BBB-5345-FD5D9EDF1FC7}"/>
+              </a:ext>
+            </a:extLst>
+          </p:cNvPr>
+          <p:cNvSpPr txBox="1"/>
+          <p:nvPr/>
+        </p:nvSpPr>
+        <p:spPr>
+          <a:xfrm>
+            <a:off x="656907" y="231775"/>
+            <a:ext cx="6805748" cy="600164"/>
+          </a:xfrm>
+          <a:prstGeom prst="rect">
+            <a:avLst/>
+          </a:prstGeom>
+          <a:noFill/>
+        </p:spPr>
+        <p:txBody>
+          <a:bodyPr wrap="square">
+            <a:spAutoFit/>
+          </a:bodyPr>
+          <a:lstStyle/>
+          <a:p>
+            <a:r>
+              <a:rPr lang="ru-RU" sz="3300" b="1" dirty="0">
+                <a:latin typeface="Rubik" pitchFamily="2" charset="-79"/>
+                <a:cs typeface="Rubik" pitchFamily="2" charset="-79"/>
+              </a:rPr>
+              <a:t>Частичное перекрытие</a:t>
+            </a:r>
+          </a:p>
+        </p:txBody>
+      </p:sp>
+      <p:sp>
+        <p:nvSpPr>
+          <p:cNvPr id="12" name="Прямоугольник: скругленные углы 11">
+            <a:extLst>
+              <a:ext uri="{FF2B5EF4-FFF2-40B4-BE49-F238E27FC236}">
+                <a16:creationId xmlns:a16="http://schemas.microsoft.com/office/drawing/2014/main" id="{AB154D77-238F-68CD-60CE-AEF2ADC9A45B}"/>
+              </a:ext>
+            </a:extLst>
+          </p:cNvPr>
+          <p:cNvSpPr/>
+          <p:nvPr/>
+        </p:nvSpPr>
+        <p:spPr>
+          <a:xfrm>
+            <a:off x="611188" y="231775"/>
+            <a:ext cx="45719" cy="600164"/>
+          </a:xfrm>
+          <a:prstGeom prst="roundRect">
+            <a:avLst/>
+          </a:prstGeom>
+          <a:solidFill>
+            <a:srgbClr val="FFD089"/>
+          </a:solidFill>
+          <a:ln>
+            <a:noFill/>
+          </a:ln>
+        </p:spPr>
+        <p:style>
+          <a:lnRef idx="2">
+            <a:schemeClr val="accent1">
+              <a:shade val="50000"/>
+            </a:schemeClr>
+          </a:lnRef>
+          <a:fillRef idx="1">
+            <a:schemeClr val="accent1"/>
+          </a:fillRef>
+          <a:effectRef idx="0">
+            <a:schemeClr val="accent1"/>
+          </a:effectRef>
+          <a:fontRef idx="minor">
+            <a:schemeClr val="lt1"/>
+          </a:fontRef>
+        </p:style>
+        <p:txBody>
+          <a:bodyPr rtlCol="0" anchor="ctr"/>
+          <a:lstStyle/>
+          <a:p>
+            <a:pPr algn="ctr"/>
+            <a:endParaRPr lang="ru-RU"/>
+          </a:p>
+        </p:txBody>
+      </p:sp>
       <p:sp>
         <p:nvSpPr>
           <p:cNvPr id="9" name="Прямоугольник: скругленные углы 8">
@@ -8929,17 +9193,69 @@
                   <a:schemeClr val="bg1"/>
                 </a:solidFill>
               </a:rPr>
-              <a:t>10</a:t>
-            </a:r>
+              <a:t>1</a:t>
+            </a:r>
+            <a:r>
+              <a:rPr lang="en-US" sz="2800" dirty="0">
+                <a:solidFill>
+                  <a:schemeClr val="bg1"/>
+                </a:solidFill>
+              </a:rPr>
+              <a:t>1</a:t>
+            </a:r>
+            <a:endParaRPr lang="ru-RU" sz="2800" dirty="0">
+              <a:solidFill>
+                <a:schemeClr val="bg1"/>
+              </a:solidFill>
+            </a:endParaRPr>
           </a:p>
         </p:txBody>
       </p:sp>
       <p:pic>
         <p:nvPicPr>
-          <p:cNvPr id="13" name="Рисунок 12">
+          <p:cNvPr id="4" name="Рисунок 3">
             <a:extLst>
               <a:ext uri="{FF2B5EF4-FFF2-40B4-BE49-F238E27FC236}">
-                <a16:creationId xmlns:a16="http://schemas.microsoft.com/office/drawing/2014/main" id="{9A9665B3-C5E3-F1F7-9654-3B4BEE86B75D}"/>
+                <a16:creationId xmlns:a16="http://schemas.microsoft.com/office/drawing/2014/main" id="{D4162604-F34F-508E-B43E-4D3316389B5B}"/>
+              </a:ext>
+            </a:extLst>
+          </p:cNvPr>
+          <p:cNvPicPr>
+            <a:picLocks noChangeAspect="1"/>
+          </p:cNvPicPr>
+          <p:nvPr/>
+        </p:nvPicPr>
+        <p:blipFill>
+          <a:blip r:embed="rId2">
+            <a:extLst>
+              <a:ext uri="{28A0092B-C50C-407E-A947-70E740481C1C}">
+                <a14:useLocalDpi xmlns:a14="http://schemas.microsoft.com/office/drawing/2010/main" val="0"/>
+              </a:ext>
+              <a:ext uri="{96DAC541-7B7A-43D3-8B79-37D633B846F1}">
+                <asvg:svgBlip xmlns:asvg="http://schemas.microsoft.com/office/drawing/2016/SVG/main" r:embed="rId3"/>
+              </a:ext>
+            </a:extLst>
+          </a:blip>
+          <a:stretch>
+            <a:fillRect/>
+          </a:stretch>
+        </p:blipFill>
+        <p:spPr>
+          <a:xfrm>
+            <a:off x="611188" y="1371598"/>
+            <a:ext cx="3883551" cy="3038475"/>
+          </a:xfrm>
+          <a:prstGeom prst="rect">
+            <a:avLst/>
+          </a:prstGeom>
+        </p:spPr>
+      </p:pic>
+      <p:pic>
+        <p:nvPicPr>
+          <p:cNvPr id="7" name="Рисунок 6">
+            <a:extLst>
+              <a:ext uri="{FF2B5EF4-FFF2-40B4-BE49-F238E27FC236}">
+                <a16:creationId xmlns:a16="http://schemas.microsoft.com/office/drawing/2014/main" id="{7DD03231-76C5-8563-B6F9-534B4FEB6E93}"/>
               </a:ext>
             </a:extLst>
           </p:cNvPr>
@@ -8965,7 +9281,7 @@
         </p:blipFill>
         <p:spPr>
           <a:xfrm>
-            <a:off x="4649261" y="1371598"/>
+            <a:off x="4649263" y="1371599"/>
             <a:ext cx="3883551" cy="3038475"/>
           </a:xfrm>
           <a:prstGeom prst="rect">
@@ -8986,7 +9302,7 @@
 </p:sld>
 </file>
 
-<file path=ppt/slides/slide11.xml><?xml version="1.0" encoding="utf-8"?>
+<file path=ppt/slides/slide12.xml><?xml version="1.0" encoding="utf-8"?>
 <p:sld xmlns:a="http://schemas.openxmlformats.org/drawingml/2006/main" xmlns:r="http://schemas.openxmlformats.org/officeDocument/2006/relationships" xmlns:p="http://schemas.openxmlformats.org/presentationml/2006/main">
   <p:cSld>
     <p:spTree>
@@ -9093,84 +9409,6 @@
           </a:p>
         </p:txBody>
       </p:sp>
-      <p:pic>
-        <p:nvPicPr>
-          <p:cNvPr id="2" name="Рисунок 1">
-            <a:extLst>
-              <a:ext uri="{FF2B5EF4-FFF2-40B4-BE49-F238E27FC236}">
-                <a16:creationId xmlns:a16="http://schemas.microsoft.com/office/drawing/2014/main" id="{891B3979-23AA-31CF-6B78-7697AFA83502}"/>
-              </a:ext>
-            </a:extLst>
-          </p:cNvPr>
-          <p:cNvPicPr>
-            <a:picLocks noChangeAspect="1"/>
-          </p:cNvPicPr>
-          <p:nvPr/>
-        </p:nvPicPr>
-        <p:blipFill>
-          <a:blip r:embed="rId2">
-            <a:extLst>
-              <a:ext uri="{28A0092B-C50C-407E-A947-70E740481C1C}">
-                <a14:useLocalDpi xmlns:a14="http://schemas.microsoft.com/office/drawing/2010/main" val="0"/>
-              </a:ext>
-              <a:ext uri="{96DAC541-7B7A-43D3-8B79-37D633B846F1}">
-                <asvg:svgBlip xmlns:asvg="http://schemas.microsoft.com/office/drawing/2016/SVG/main" r:embed="rId3"/>
-              </a:ext>
-            </a:extLst>
-          </a:blip>
-          <a:stretch>
-            <a:fillRect/>
-          </a:stretch>
-        </p:blipFill>
-        <p:spPr>
-          <a:xfrm>
-            <a:off x="611187" y="1371599"/>
-            <a:ext cx="3883550" cy="3038474"/>
-          </a:xfrm>
-          <a:prstGeom prst="rect">
-            <a:avLst/>
-          </a:prstGeom>
-        </p:spPr>
-      </p:pic>
-      <p:pic>
-        <p:nvPicPr>
-          <p:cNvPr id="4" name="Рисунок 3">
-            <a:extLst>
-              <a:ext uri="{FF2B5EF4-FFF2-40B4-BE49-F238E27FC236}">
-                <a16:creationId xmlns:a16="http://schemas.microsoft.com/office/drawing/2014/main" id="{04C488B3-D6A9-DA44-1E08-F1DD48E91AC9}"/>
-              </a:ext>
-            </a:extLst>
-          </p:cNvPr>
-          <p:cNvPicPr>
-            <a:picLocks noChangeAspect="1"/>
-          </p:cNvPicPr>
-          <p:nvPr/>
-        </p:nvPicPr>
-        <p:blipFill>
-          <a:blip r:embed="rId4">
-            <a:extLst>
-              <a:ext uri="{28A0092B-C50C-407E-A947-70E740481C1C}">
-                <a14:useLocalDpi xmlns:a14="http://schemas.microsoft.com/office/drawing/2010/main" val="0"/>
-              </a:ext>
-              <a:ext uri="{96DAC541-7B7A-43D3-8B79-37D633B846F1}">
-                <asvg:svgBlip xmlns:asvg="http://schemas.microsoft.com/office/drawing/2016/SVG/main" r:embed="rId5"/>
-              </a:ext>
-            </a:extLst>
-          </a:blip>
-          <a:stretch>
-            <a:fillRect/>
-          </a:stretch>
-        </p:blipFill>
-        <p:spPr>
-          <a:xfrm>
-            <a:off x="4649264" y="1371599"/>
-            <a:ext cx="3883549" cy="3038474"/>
-          </a:xfrm>
-          <a:prstGeom prst="rect">
-            <a:avLst/>
-          </a:prstGeom>
-        </p:spPr>
-      </p:pic>
       <p:sp>
         <p:nvSpPr>
           <p:cNvPr id="7" name="Прямоугольник: скругленные углы 6">
@@ -9265,11 +9503,102 @@
                   <a:schemeClr val="bg1"/>
                 </a:solidFill>
               </a:rPr>
-              <a:t>11</a:t>
-            </a:r>
+              <a:t>1</a:t>
+            </a:r>
+            <a:r>
+              <a:rPr lang="en-US" sz="2800" dirty="0">
+                <a:solidFill>
+                  <a:schemeClr val="bg1"/>
+                </a:solidFill>
+              </a:rPr>
+              <a:t>2</a:t>
+            </a:r>
+            <a:endParaRPr lang="ru-RU" sz="2800" dirty="0">
+              <a:solidFill>
+                <a:schemeClr val="bg1"/>
+              </a:solidFill>
+            </a:endParaRPr>
           </a:p>
         </p:txBody>
       </p:sp>
+      <p:pic>
+        <p:nvPicPr>
+          <p:cNvPr id="5" name="Рисунок 4">
+            <a:extLst>
+              <a:ext uri="{FF2B5EF4-FFF2-40B4-BE49-F238E27FC236}">
+                <a16:creationId xmlns:a16="http://schemas.microsoft.com/office/drawing/2014/main" id="{50B3C306-AC28-F103-A0BE-363A435503AA}"/>
+              </a:ext>
+            </a:extLst>
+          </p:cNvPr>
+          <p:cNvPicPr>
+            <a:picLocks noChangeAspect="1"/>
+          </p:cNvPicPr>
+          <p:nvPr/>
+        </p:nvPicPr>
+        <p:blipFill>
+          <a:blip r:embed="rId2">
+            <a:extLst>
+              <a:ext uri="{28A0092B-C50C-407E-A947-70E740481C1C}">
+                <a14:useLocalDpi xmlns:a14="http://schemas.microsoft.com/office/drawing/2010/main" val="0"/>
+              </a:ext>
+              <a:ext uri="{96DAC541-7B7A-43D3-8B79-37D633B846F1}">
+                <asvg:svgBlip xmlns:asvg="http://schemas.microsoft.com/office/drawing/2016/SVG/main" r:embed="rId3"/>
+              </a:ext>
+            </a:extLst>
+          </a:blip>
+          <a:stretch>
+            <a:fillRect/>
+          </a:stretch>
+        </p:blipFill>
+        <p:spPr>
+          <a:xfrm>
+            <a:off x="611187" y="1371599"/>
+            <a:ext cx="3883550" cy="3038474"/>
+          </a:xfrm>
+          <a:prstGeom prst="rect">
+            <a:avLst/>
+          </a:prstGeom>
+        </p:spPr>
+      </p:pic>
+      <p:pic>
+        <p:nvPicPr>
+          <p:cNvPr id="10" name="Рисунок 9">
+            <a:extLst>
+              <a:ext uri="{FF2B5EF4-FFF2-40B4-BE49-F238E27FC236}">
+                <a16:creationId xmlns:a16="http://schemas.microsoft.com/office/drawing/2014/main" id="{CD969152-7A10-F093-7C3C-3E8AE2A5246A}"/>
+              </a:ext>
+            </a:extLst>
+          </p:cNvPr>
+          <p:cNvPicPr>
+            <a:picLocks noChangeAspect="1"/>
+          </p:cNvPicPr>
+          <p:nvPr/>
+        </p:nvPicPr>
+        <p:blipFill>
+          <a:blip r:embed="rId4">
+            <a:extLst>
+              <a:ext uri="{28A0092B-C50C-407E-A947-70E740481C1C}">
+                <a14:useLocalDpi xmlns:a14="http://schemas.microsoft.com/office/drawing/2010/main" val="0"/>
+              </a:ext>
+              <a:ext uri="{96DAC541-7B7A-43D3-8B79-37D633B846F1}">
+                <asvg:svgBlip xmlns:asvg="http://schemas.microsoft.com/office/drawing/2016/SVG/main" r:embed="rId5"/>
+              </a:ext>
+            </a:extLst>
+          </a:blip>
+          <a:stretch>
+            <a:fillRect/>
+          </a:stretch>
+        </p:blipFill>
+        <p:spPr>
+          <a:xfrm>
+            <a:off x="4649262" y="1371599"/>
+            <a:ext cx="3883550" cy="3038474"/>
+          </a:xfrm>
+          <a:prstGeom prst="rect">
+            <a:avLst/>
+          </a:prstGeom>
+        </p:spPr>
+      </p:pic>
     </p:spTree>
     <p:extLst>
       <p:ext uri="{BB962C8B-B14F-4D97-AF65-F5344CB8AC3E}">
@@ -9283,7 +9612,7 @@
 </p:sld>
 </file>
 
-<file path=ppt/slides/slide12.xml><?xml version="1.0" encoding="utf-8"?>
+<file path=ppt/slides/slide13.xml><?xml version="1.0" encoding="utf-8"?>
 <p:sld xmlns:a="http://schemas.openxmlformats.org/drawingml/2006/main" xmlns:r="http://schemas.openxmlformats.org/officeDocument/2006/relationships" xmlns:p="http://schemas.openxmlformats.org/presentationml/2006/main">
   <p:cSld>
     <p:spTree>
@@ -9404,7 +9733,7 @@
         </p:nvSpPr>
         <p:spPr>
           <a:xfrm>
-            <a:off x="525779" y="1924050"/>
+            <a:off x="525779" y="1342753"/>
             <a:ext cx="5173981" cy="369332"/>
           </a:xfrm>
           <a:prstGeom prst="rect">
@@ -9419,44 +9748,20 @@
           <a:lstStyle/>
           <a:p>
             <a:r>
+              <a:rPr lang="en-US" dirty="0" err="1">
+                <a:effectLst/>
+                <a:latin typeface="Rubik" pitchFamily="2" charset="-79"/>
+                <a:cs typeface="Rubik" pitchFamily="2" charset="-79"/>
+              </a:rPr>
+              <a:t>root.Insert</a:t>
+            </a:r>
+            <a:r>
               <a:rPr lang="en-US" dirty="0">
                 <a:effectLst/>
                 <a:latin typeface="Rubik" pitchFamily="2" charset="-79"/>
                 <a:cs typeface="Rubik" pitchFamily="2" charset="-79"/>
               </a:rPr>
-              <a:t>Insert(root, [</a:t>
-            </a:r>
-            <a:r>
-              <a:rPr lang="en-US" dirty="0" err="1">
-                <a:effectLst/>
-                <a:latin typeface="Rubik" pitchFamily="2" charset="-79"/>
-                <a:cs typeface="Rubik" pitchFamily="2" charset="-79"/>
-              </a:rPr>
-              <a:t>x.low</a:t>
-            </a:r>
-            <a:r>
-              <a:rPr lang="en-US" dirty="0">
-                <a:effectLst/>
-                <a:latin typeface="Rubik" pitchFamily="2" charset="-79"/>
-                <a:cs typeface="Rubik" pitchFamily="2" charset="-79"/>
-              </a:rPr>
-              <a:t>, </a:t>
-            </a:r>
-            <a:r>
-              <a:rPr lang="en-US" dirty="0" err="1">
-                <a:effectLst/>
-                <a:latin typeface="Rubik" pitchFamily="2" charset="-79"/>
-                <a:cs typeface="Rubik" pitchFamily="2" charset="-79"/>
-              </a:rPr>
-              <a:t>x.high</a:t>
-            </a:r>
-            <a:r>
-              <a:rPr lang="en-US" dirty="0">
-                <a:effectLst/>
-                <a:latin typeface="Rubik" pitchFamily="2" charset="-79"/>
-                <a:cs typeface="Rubik" pitchFamily="2" charset="-79"/>
-              </a:rPr>
-              <a:t>])</a:t>
+              <a:t>(x)</a:t>
             </a:r>
             <a:r>
               <a:rPr lang="ru-RU" dirty="0">
@@ -9464,7 +9769,7 @@
                 <a:latin typeface="Rubik" pitchFamily="2" charset="-79"/>
                 <a:cs typeface="Rubik" pitchFamily="2" charset="-79"/>
               </a:rPr>
-              <a:t> – добавление узла</a:t>
+              <a:t>– добавление узла</a:t>
             </a:r>
             <a:endParaRPr lang="ru-RU" dirty="0">
               <a:latin typeface="Rubik" pitchFamily="2" charset="-79"/>
@@ -9487,7 +9792,7 @@
         </p:nvSpPr>
         <p:spPr>
           <a:xfrm>
-            <a:off x="525778" y="2571750"/>
+            <a:off x="525778" y="1990453"/>
             <a:ext cx="6903722" cy="369332"/>
           </a:xfrm>
           <a:prstGeom prst="rect">
@@ -9507,7 +9812,7 @@
                 <a:latin typeface="Rubik" pitchFamily="2" charset="-79"/>
                 <a:cs typeface="Rubik" pitchFamily="2" charset="-79"/>
               </a:rPr>
-              <a:t>isOverlapping</a:t>
+              <a:t>root.Search</a:t>
             </a:r>
             <a:r>
               <a:rPr lang="en-US" dirty="0">
@@ -9515,39 +9820,7 @@
                 <a:latin typeface="Rubik" pitchFamily="2" charset="-79"/>
                 <a:cs typeface="Rubik" pitchFamily="2" charset="-79"/>
               </a:rPr>
-              <a:t>(root, [</a:t>
-            </a:r>
-            <a:r>
-              <a:rPr lang="en-US" dirty="0" err="1">
-                <a:effectLst/>
-                <a:latin typeface="Rubik" pitchFamily="2" charset="-79"/>
-                <a:cs typeface="Rubik" pitchFamily="2" charset="-79"/>
-              </a:rPr>
-              <a:t>x.low</a:t>
-            </a:r>
-            <a:r>
-              <a:rPr lang="en-US" dirty="0">
-                <a:effectLst/>
-                <a:latin typeface="Rubik" pitchFamily="2" charset="-79"/>
-                <a:cs typeface="Rubik" pitchFamily="2" charset="-79"/>
-              </a:rPr>
-              <a:t>, </a:t>
-            </a:r>
-            <a:r>
-              <a:rPr lang="en-US" dirty="0" err="1">
-                <a:effectLst/>
-                <a:latin typeface="Rubik" pitchFamily="2" charset="-79"/>
-                <a:cs typeface="Rubik" pitchFamily="2" charset="-79"/>
-              </a:rPr>
-              <a:t>x.high</a:t>
-            </a:r>
-            <a:r>
-              <a:rPr lang="en-US" dirty="0">
-                <a:effectLst/>
-                <a:latin typeface="Rubik" pitchFamily="2" charset="-79"/>
-                <a:cs typeface="Rubik" pitchFamily="2" charset="-79"/>
-              </a:rPr>
-              <a:t>]) – </a:t>
+              <a:t>(x) – </a:t>
             </a:r>
             <a:r>
               <a:rPr lang="ru-RU" dirty="0">
@@ -9578,7 +9851,7 @@
         </p:nvSpPr>
         <p:spPr>
           <a:xfrm>
-            <a:off x="525777" y="3219450"/>
+            <a:off x="525777" y="2638153"/>
             <a:ext cx="5974083" cy="369332"/>
           </a:xfrm>
           <a:prstGeom prst="rect">
@@ -9593,11 +9866,11 @@
           <a:lstStyle/>
           <a:p>
             <a:r>
-              <a:rPr lang="en-US" dirty="0">
+              <a:rPr lang="en-US" dirty="0" err="1">
                 <a:latin typeface="Rubik" pitchFamily="2" charset="-79"/>
                 <a:cs typeface="Rubik" pitchFamily="2" charset="-79"/>
               </a:rPr>
-              <a:t>Remove</a:t>
+              <a:t>root.Remove</a:t>
             </a:r>
             <a:r>
               <a:rPr lang="en-US" dirty="0">
@@ -9605,39 +9878,7 @@
                 <a:latin typeface="Rubik" pitchFamily="2" charset="-79"/>
                 <a:cs typeface="Rubik" pitchFamily="2" charset="-79"/>
               </a:rPr>
-              <a:t>(root, [</a:t>
-            </a:r>
-            <a:r>
-              <a:rPr lang="en-US" dirty="0" err="1">
-                <a:effectLst/>
-                <a:latin typeface="Rubik" pitchFamily="2" charset="-79"/>
-                <a:cs typeface="Rubik" pitchFamily="2" charset="-79"/>
-              </a:rPr>
-              <a:t>x.low</a:t>
-            </a:r>
-            <a:r>
-              <a:rPr lang="en-US" dirty="0">
-                <a:effectLst/>
-                <a:latin typeface="Rubik" pitchFamily="2" charset="-79"/>
-                <a:cs typeface="Rubik" pitchFamily="2" charset="-79"/>
-              </a:rPr>
-              <a:t>, </a:t>
-            </a:r>
-            <a:r>
-              <a:rPr lang="en-US" dirty="0" err="1">
-                <a:effectLst/>
-                <a:latin typeface="Rubik" pitchFamily="2" charset="-79"/>
-                <a:cs typeface="Rubik" pitchFamily="2" charset="-79"/>
-              </a:rPr>
-              <a:t>x.high</a:t>
-            </a:r>
-            <a:r>
-              <a:rPr lang="en-US" dirty="0">
-                <a:effectLst/>
-                <a:latin typeface="Rubik" pitchFamily="2" charset="-79"/>
-                <a:cs typeface="Rubik" pitchFamily="2" charset="-79"/>
-              </a:rPr>
-              <a:t>])</a:t>
+              <a:t>(x)</a:t>
             </a:r>
             <a:r>
               <a:rPr lang="ru-RU" dirty="0">
@@ -9748,8 +9989,21 @@
                   <a:schemeClr val="bg1"/>
                 </a:solidFill>
               </a:rPr>
-              <a:t>12</a:t>
-            </a:r>
+              <a:t>1</a:t>
+            </a:r>
+            <a:r>
+              <a:rPr lang="en-US" sz="2800" dirty="0">
+                <a:solidFill>
+                  <a:schemeClr val="bg1"/>
+                </a:solidFill>
+              </a:rPr>
+              <a:t>3</a:t>
+            </a:r>
+            <a:endParaRPr lang="ru-RU" sz="2800" dirty="0">
+              <a:solidFill>
+                <a:schemeClr val="bg1"/>
+              </a:solidFill>
+            </a:endParaRPr>
           </a:p>
         </p:txBody>
       </p:sp>
@@ -9766,7 +10020,7 @@
 </p:sld>
 </file>
 
-<file path=ppt/slides/slide13.xml><?xml version="1.0" encoding="utf-8"?>
+<file path=ppt/slides/slide14.xml><?xml version="1.0" encoding="utf-8"?>
 <p:sld xmlns:a="http://schemas.openxmlformats.org/drawingml/2006/main" xmlns:r="http://schemas.openxmlformats.org/officeDocument/2006/relationships" xmlns:p="http://schemas.openxmlformats.org/presentationml/2006/main">
   <p:cSld>
     <p:spTree>
@@ -9995,7 +10249,7 @@
         <p:spPr>
           <a:xfrm>
             <a:off x="537210" y="2809874"/>
-            <a:ext cx="4781550" cy="646331"/>
+            <a:ext cx="4781550" cy="923330"/>
           </a:xfrm>
           <a:prstGeom prst="rect">
             <a:avLst/>
@@ -10007,6 +10261,35 @@
             <a:spAutoFit/>
           </a:bodyPr>
           <a:lstStyle/>
+          <a:p>
+            <a:r>
+              <a:rPr lang="ru-RU" b="1" i="1" dirty="0">
+                <a:effectLst/>
+                <a:latin typeface="Rubik" pitchFamily="2" charset="-79"/>
+                <a:cs typeface="Rubik" pitchFamily="2" charset="-79"/>
+              </a:rPr>
+              <a:t>Пример </a:t>
+            </a:r>
+            <a:r>
+              <a:rPr lang="ru-RU" b="1" i="1" dirty="0">
+                <a:latin typeface="Rubik" pitchFamily="2" charset="-79"/>
+                <a:cs typeface="Rubik" pitchFamily="2" charset="-79"/>
+              </a:rPr>
+              <a:t>применения</a:t>
+            </a:r>
+            <a:r>
+              <a:rPr lang="en-US" b="1" i="1" dirty="0">
+                <a:latin typeface="Rubik" pitchFamily="2" charset="-79"/>
+                <a:cs typeface="Rubik" pitchFamily="2" charset="-79"/>
+              </a:rPr>
+              <a:t>:</a:t>
+            </a:r>
+            <a:endParaRPr lang="en-US" b="1" i="1" dirty="0">
+              <a:effectLst/>
+              <a:latin typeface="Rubik" pitchFamily="2" charset="-79"/>
+              <a:cs typeface="Rubik" pitchFamily="2" charset="-79"/>
+            </a:endParaRPr>
+          </a:p>
           <a:p>
             <a:r>
               <a:rPr lang="ru-RU" dirty="0">
@@ -10117,8 +10400,21 @@
                   <a:schemeClr val="bg1"/>
                 </a:solidFill>
               </a:rPr>
-              <a:t>13</a:t>
-            </a:r>
+              <a:t>1</a:t>
+            </a:r>
+            <a:r>
+              <a:rPr lang="en-US" sz="2800" dirty="0">
+                <a:solidFill>
+                  <a:schemeClr val="bg1"/>
+                </a:solidFill>
+              </a:rPr>
+              <a:t>4</a:t>
+            </a:r>
+            <a:endParaRPr lang="ru-RU" sz="2800" dirty="0">
+              <a:solidFill>
+                <a:schemeClr val="bg1"/>
+              </a:solidFill>
+            </a:endParaRPr>
           </a:p>
         </p:txBody>
       </p:sp>
@@ -10135,7 +10431,7 @@
 </p:sld>
 </file>
 
-<file path=ppt/slides/slide14.xml><?xml version="1.0" encoding="utf-8"?>
+<file path=ppt/slides/slide15.xml><?xml version="1.0" encoding="utf-8"?>
 <p:sld xmlns:a="http://schemas.openxmlformats.org/drawingml/2006/main" xmlns:r="http://schemas.openxmlformats.org/officeDocument/2006/relationships" xmlns:p="http://schemas.openxmlformats.org/presentationml/2006/main">
   <p:cSld>
     <p:spTree>
@@ -10366,8 +10662,21 @@
                   <a:schemeClr val="bg1"/>
                 </a:solidFill>
               </a:rPr>
-              <a:t>14</a:t>
-            </a:r>
+              <a:t>1</a:t>
+            </a:r>
+            <a:r>
+              <a:rPr lang="en-US" sz="2800" dirty="0">
+                <a:solidFill>
+                  <a:schemeClr val="bg1"/>
+                </a:solidFill>
+              </a:rPr>
+              <a:t>5</a:t>
+            </a:r>
+            <a:endParaRPr lang="ru-RU" sz="2800" dirty="0">
+              <a:solidFill>
+                <a:schemeClr val="bg1"/>
+              </a:solidFill>
+            </a:endParaRPr>
           </a:p>
         </p:txBody>
       </p:sp>
@@ -10384,7 +10693,7 @@
 </p:sld>
 </file>
 
-<file path=ppt/slides/slide15.xml><?xml version="1.0" encoding="utf-8"?>
+<file path=ppt/slides/slide16.xml><?xml version="1.0" encoding="utf-8"?>
 <p:sld xmlns:a="http://schemas.openxmlformats.org/drawingml/2006/main" xmlns:r="http://schemas.openxmlformats.org/officeDocument/2006/relationships" xmlns:p="http://schemas.openxmlformats.org/presentationml/2006/main">
   <p:cSld>
     <p:spTree>
@@ -10645,8 +10954,21 @@
                   <a:schemeClr val="bg1"/>
                 </a:solidFill>
               </a:rPr>
-              <a:t>15</a:t>
-            </a:r>
+              <a:t>1</a:t>
+            </a:r>
+            <a:r>
+              <a:rPr lang="en-US" sz="2800" dirty="0">
+                <a:solidFill>
+                  <a:schemeClr val="bg1"/>
+                </a:solidFill>
+              </a:rPr>
+              <a:t>6</a:t>
+            </a:r>
+            <a:endParaRPr lang="ru-RU" sz="2800" dirty="0">
+              <a:solidFill>
+                <a:schemeClr val="bg1"/>
+              </a:solidFill>
+            </a:endParaRPr>
           </a:p>
         </p:txBody>
       </p:sp>
@@ -10663,7 +10985,7 @@
 </p:sld>
 </file>
 
-<file path=ppt/slides/slide16.xml><?xml version="1.0" encoding="utf-8"?>
+<file path=ppt/slides/slide17.xml><?xml version="1.0" encoding="utf-8"?>
 <p:sld xmlns:a="http://schemas.openxmlformats.org/drawingml/2006/main" xmlns:r="http://schemas.openxmlformats.org/officeDocument/2006/relationships" xmlns:p="http://schemas.openxmlformats.org/presentationml/2006/main">
   <p:cSld>
     <p:spTree>
@@ -10894,8 +11216,21 @@
                   <a:schemeClr val="bg1"/>
                 </a:solidFill>
               </a:rPr>
-              <a:t>16</a:t>
-            </a:r>
+              <a:t>1</a:t>
+            </a:r>
+            <a:r>
+              <a:rPr lang="en-US" sz="2800" dirty="0">
+                <a:solidFill>
+                  <a:schemeClr val="bg1"/>
+                </a:solidFill>
+              </a:rPr>
+              <a:t>7</a:t>
+            </a:r>
+            <a:endParaRPr lang="ru-RU" sz="2800" dirty="0">
+              <a:solidFill>
+                <a:schemeClr val="bg1"/>
+              </a:solidFill>
+            </a:endParaRPr>
           </a:p>
         </p:txBody>
       </p:sp>
@@ -10912,7 +11247,7 @@
 </p:sld>
 </file>
 
-<file path=ppt/slides/slide17.xml><?xml version="1.0" encoding="utf-8"?>
+<file path=ppt/slides/slide18.xml><?xml version="1.0" encoding="utf-8"?>
 <p:sld xmlns:a="http://schemas.openxmlformats.org/drawingml/2006/main" xmlns:r="http://schemas.openxmlformats.org/officeDocument/2006/relationships" xmlns:p="http://schemas.openxmlformats.org/presentationml/2006/main">
   <p:cSld>
     <p:spTree>
@@ -11449,8 +11784,21 @@
                   <a:schemeClr val="bg1"/>
                 </a:solidFill>
               </a:rPr>
-              <a:t>17</a:t>
-            </a:r>
+              <a:t>1</a:t>
+            </a:r>
+            <a:r>
+              <a:rPr lang="en-US" sz="2800" dirty="0">
+                <a:solidFill>
+                  <a:schemeClr val="bg1"/>
+                </a:solidFill>
+              </a:rPr>
+              <a:t>8</a:t>
+            </a:r>
+            <a:endParaRPr lang="ru-RU" sz="2800" dirty="0">
+              <a:solidFill>
+                <a:schemeClr val="bg1"/>
+              </a:solidFill>
+            </a:endParaRPr>
           </a:p>
         </p:txBody>
       </p:sp>
@@ -11498,7 +11846,7 @@
         </p:nvSpPr>
         <p:spPr>
           <a:xfrm>
-            <a:off x="693420" y="231775"/>
+            <a:off x="693420" y="212040"/>
             <a:ext cx="6805748" cy="600164"/>
           </a:xfrm>
           <a:prstGeom prst="rect">
@@ -11517,7 +11865,7 @@
                 <a:latin typeface="Rubik" pitchFamily="2" charset="-79"/>
                 <a:cs typeface="Rubik" pitchFamily="2" charset="-79"/>
               </a:rPr>
-              <a:t>Формальная постановка задачи </a:t>
+              <a:t>План работы</a:t>
             </a:r>
           </a:p>
         </p:txBody>
@@ -12135,10 +12483,10 @@
       </p:grpSpPr>
       <p:sp>
         <p:nvSpPr>
-          <p:cNvPr id="6" name="TextBox 5">
+          <p:cNvPr id="5" name="TextBox 4">
             <a:extLst>
               <a:ext uri="{FF2B5EF4-FFF2-40B4-BE49-F238E27FC236}">
-                <a16:creationId xmlns:a16="http://schemas.microsoft.com/office/drawing/2014/main" id="{1E89E242-C586-7BBB-5345-FD5D9EDF1FC7}"/>
+                <a16:creationId xmlns:a16="http://schemas.microsoft.com/office/drawing/2014/main" id="{6E8EFCD1-B8C1-7FFD-2378-0E193E9FCDA1}"/>
               </a:ext>
             </a:extLst>
           </p:cNvPr>
@@ -12147,7 +12495,7 @@
         </p:nvSpPr>
         <p:spPr>
           <a:xfrm>
-            <a:off x="693420" y="231775"/>
+            <a:off x="693420" y="212040"/>
             <a:ext cx="6805748" cy="600164"/>
           </a:xfrm>
           <a:prstGeom prst="rect">
@@ -12162,21 +12510,21 @@
           <a:lstStyle/>
           <a:p>
             <a:r>
-              <a:rPr lang="ru-RU" sz="3300" b="1" dirty="0">
+              <a:rPr lang="ru-RU" sz="3300" b="1" i="1" dirty="0">
                 <a:latin typeface="Rubik" pitchFamily="2" charset="-79"/>
                 <a:cs typeface="Rubik" pitchFamily="2" charset="-79"/>
               </a:rPr>
-              <a:t>Характеристики</a:t>
+              <a:t>Формальная постановка задачи </a:t>
             </a:r>
           </a:p>
         </p:txBody>
       </p:sp>
       <p:sp>
         <p:nvSpPr>
-          <p:cNvPr id="12" name="Прямоугольник: скругленные углы 11">
+          <p:cNvPr id="6" name="Прямоугольник: скругленные углы 5">
             <a:extLst>
               <a:ext uri="{FF2B5EF4-FFF2-40B4-BE49-F238E27FC236}">
-                <a16:creationId xmlns:a16="http://schemas.microsoft.com/office/drawing/2014/main" id="{AB154D77-238F-68CD-60CE-AEF2ADC9A45B}"/>
+                <a16:creationId xmlns:a16="http://schemas.microsoft.com/office/drawing/2014/main" id="{64C7567D-A24B-8EBD-2CA8-02F6919E5CC9}"/>
               </a:ext>
             </a:extLst>
           </p:cNvPr>
@@ -12225,480 +12573,10 @@
       </p:sp>
       <p:sp>
         <p:nvSpPr>
-          <p:cNvPr id="3" name="TextBox 2">
+          <p:cNvPr id="7" name="Прямоугольник: скругленные углы 6">
             <a:extLst>
               <a:ext uri="{FF2B5EF4-FFF2-40B4-BE49-F238E27FC236}">
-                <a16:creationId xmlns:a16="http://schemas.microsoft.com/office/drawing/2014/main" id="{C22F523A-A762-7A00-B182-3F256655A2A7}"/>
-              </a:ext>
-            </a:extLst>
-          </p:cNvPr>
-          <p:cNvSpPr txBox="1"/>
-          <p:nvPr/>
-        </p:nvSpPr>
-        <p:spPr>
-          <a:xfrm>
-            <a:off x="612417" y="1274431"/>
-            <a:ext cx="3954282" cy="338554"/>
-          </a:xfrm>
-          <a:prstGeom prst="rect">
-            <a:avLst/>
-          </a:prstGeom>
-          <a:noFill/>
-        </p:spPr>
-        <p:txBody>
-          <a:bodyPr wrap="square">
-            <a:spAutoFit/>
-          </a:bodyPr>
-          <a:lstStyle/>
-          <a:p>
-            <a:r>
-              <a:rPr lang="ru-RU" sz="1600" dirty="0">
-                <a:effectLst/>
-                <a:latin typeface="Rubik" pitchFamily="2" charset="-79"/>
-                <a:cs typeface="Rubik" pitchFamily="2" charset="-79"/>
-              </a:rPr>
-              <a:t>Время работы - </a:t>
-            </a:r>
-            <a:r>
-              <a:rPr lang="en-US" sz="1600" dirty="0">
-                <a:effectLst/>
-                <a:latin typeface="Rubik" pitchFamily="2" charset="-79"/>
-                <a:cs typeface="Rubik" pitchFamily="2" charset="-79"/>
-              </a:rPr>
-              <a:t>O(n)</a:t>
-            </a:r>
-            <a:endParaRPr lang="ru-RU" sz="1600" dirty="0">
-              <a:latin typeface="Rubik" pitchFamily="2" charset="-79"/>
-              <a:cs typeface="Rubik" pitchFamily="2" charset="-79"/>
-            </a:endParaRPr>
-          </a:p>
-        </p:txBody>
-      </p:sp>
-      <p:sp>
-        <p:nvSpPr>
-          <p:cNvPr id="4" name="TextBox 3">
-            <a:extLst>
-              <a:ext uri="{FF2B5EF4-FFF2-40B4-BE49-F238E27FC236}">
-                <a16:creationId xmlns:a16="http://schemas.microsoft.com/office/drawing/2014/main" id="{DDAA5059-7039-CD1F-D4EB-B70FD08ECEA9}"/>
-              </a:ext>
-            </a:extLst>
-          </p:cNvPr>
-          <p:cNvSpPr txBox="1"/>
-          <p:nvPr/>
-        </p:nvSpPr>
-        <p:spPr>
-          <a:xfrm>
-            <a:off x="612417" y="1584623"/>
-            <a:ext cx="3954282" cy="338554"/>
-          </a:xfrm>
-          <a:prstGeom prst="rect">
-            <a:avLst/>
-          </a:prstGeom>
-          <a:noFill/>
-        </p:spPr>
-        <p:txBody>
-          <a:bodyPr wrap="square">
-            <a:spAutoFit/>
-          </a:bodyPr>
-          <a:lstStyle/>
-          <a:p>
-            <a:r>
-              <a:rPr lang="ru-RU" sz="1600" dirty="0">
-                <a:effectLst/>
-                <a:latin typeface="Rubik" pitchFamily="2" charset="-79"/>
-                <a:cs typeface="Rubik" pitchFamily="2" charset="-79"/>
-              </a:rPr>
-              <a:t>Время вставки- O(</a:t>
-            </a:r>
-            <a:r>
-              <a:rPr lang="ru-RU" sz="1600" dirty="0" err="1">
-                <a:effectLst/>
-                <a:latin typeface="Rubik" pitchFamily="2" charset="-79"/>
-                <a:cs typeface="Rubik" pitchFamily="2" charset="-79"/>
-              </a:rPr>
-              <a:t>log</a:t>
-            </a:r>
-            <a:r>
-              <a:rPr lang="ru-RU" sz="1600" dirty="0">
-                <a:effectLst/>
-                <a:latin typeface="Rubik" pitchFamily="2" charset="-79"/>
-                <a:cs typeface="Rubik" pitchFamily="2" charset="-79"/>
-              </a:rPr>
-              <a:t> n)</a:t>
-            </a:r>
-            <a:endParaRPr lang="ru-RU" sz="1600" dirty="0">
-              <a:latin typeface="Rubik" pitchFamily="2" charset="-79"/>
-              <a:cs typeface="Rubik" pitchFamily="2" charset="-79"/>
-            </a:endParaRPr>
-          </a:p>
-        </p:txBody>
-      </p:sp>
-      <p:sp>
-        <p:nvSpPr>
-          <p:cNvPr id="5" name="TextBox 4">
-            <a:extLst>
-              <a:ext uri="{FF2B5EF4-FFF2-40B4-BE49-F238E27FC236}">
-                <a16:creationId xmlns:a16="http://schemas.microsoft.com/office/drawing/2014/main" id="{7AD21316-373C-EF23-F36B-A99389BDF9E3}"/>
-              </a:ext>
-            </a:extLst>
-          </p:cNvPr>
-          <p:cNvSpPr txBox="1"/>
-          <p:nvPr/>
-        </p:nvSpPr>
-        <p:spPr>
-          <a:xfrm>
-            <a:off x="612417" y="1894815"/>
-            <a:ext cx="3973875" cy="338554"/>
-          </a:xfrm>
-          <a:prstGeom prst="rect">
-            <a:avLst/>
-          </a:prstGeom>
-          <a:noFill/>
-        </p:spPr>
-        <p:txBody>
-          <a:bodyPr wrap="square">
-            <a:spAutoFit/>
-          </a:bodyPr>
-          <a:lstStyle/>
-          <a:p>
-            <a:r>
-              <a:rPr lang="ru-RU" sz="1600" dirty="0">
-                <a:effectLst/>
-                <a:latin typeface="Rubik" pitchFamily="2" charset="-79"/>
-                <a:cs typeface="Rubik" pitchFamily="2" charset="-79"/>
-              </a:rPr>
-              <a:t>Время удаления - O(</a:t>
-            </a:r>
-            <a:r>
-              <a:rPr lang="ru-RU" sz="1600" dirty="0" err="1">
-                <a:effectLst/>
-                <a:latin typeface="Rubik" pitchFamily="2" charset="-79"/>
-                <a:cs typeface="Rubik" pitchFamily="2" charset="-79"/>
-              </a:rPr>
-              <a:t>log</a:t>
-            </a:r>
-            <a:r>
-              <a:rPr lang="ru-RU" sz="1600" dirty="0">
-                <a:effectLst/>
-                <a:latin typeface="Rubik" pitchFamily="2" charset="-79"/>
-                <a:cs typeface="Rubik" pitchFamily="2" charset="-79"/>
-              </a:rPr>
-              <a:t> n)</a:t>
-            </a:r>
-            <a:endParaRPr lang="ru-RU" sz="1600" dirty="0">
-              <a:latin typeface="Rubik" pitchFamily="2" charset="-79"/>
-              <a:cs typeface="Rubik" pitchFamily="2" charset="-79"/>
-            </a:endParaRPr>
-          </a:p>
-        </p:txBody>
-      </p:sp>
-      <p:sp>
-        <p:nvSpPr>
-          <p:cNvPr id="7" name="TextBox 6">
-            <a:extLst>
-              <a:ext uri="{FF2B5EF4-FFF2-40B4-BE49-F238E27FC236}">
-                <a16:creationId xmlns:a16="http://schemas.microsoft.com/office/drawing/2014/main" id="{99CABDF0-A4E2-2EA1-3BAB-73E79760FA48}"/>
-              </a:ext>
-            </a:extLst>
-          </p:cNvPr>
-          <p:cNvSpPr txBox="1"/>
-          <p:nvPr/>
-        </p:nvSpPr>
-        <p:spPr>
-          <a:xfrm>
-            <a:off x="612417" y="2205006"/>
-            <a:ext cx="3954282" cy="338554"/>
-          </a:xfrm>
-          <a:prstGeom prst="rect">
-            <a:avLst/>
-          </a:prstGeom>
-          <a:noFill/>
-        </p:spPr>
-        <p:txBody>
-          <a:bodyPr wrap="square">
-            <a:spAutoFit/>
-          </a:bodyPr>
-          <a:lstStyle/>
-          <a:p>
-            <a:r>
-              <a:rPr lang="ru-RU" sz="1600" dirty="0">
-                <a:effectLst/>
-                <a:latin typeface="Rubik" pitchFamily="2" charset="-79"/>
-                <a:cs typeface="Rubik" pitchFamily="2" charset="-79"/>
-              </a:rPr>
-              <a:t>Ограничение памяти - </a:t>
-            </a:r>
-            <a:r>
-              <a:rPr lang="en-US" sz="1600" dirty="0">
-                <a:effectLst/>
-                <a:latin typeface="Rubik" pitchFamily="2" charset="-79"/>
-                <a:cs typeface="Rubik" pitchFamily="2" charset="-79"/>
-              </a:rPr>
-              <a:t>O(n)</a:t>
-            </a:r>
-            <a:endParaRPr lang="ru-RU" sz="1600" dirty="0">
-              <a:latin typeface="Rubik" pitchFamily="2" charset="-79"/>
-              <a:cs typeface="Rubik" pitchFamily="2" charset="-79"/>
-            </a:endParaRPr>
-          </a:p>
-        </p:txBody>
-      </p:sp>
-      <p:pic>
-        <p:nvPicPr>
-          <p:cNvPr id="9" name="Рисунок 8">
-            <a:extLst>
-              <a:ext uri="{FF2B5EF4-FFF2-40B4-BE49-F238E27FC236}">
-                <a16:creationId xmlns:a16="http://schemas.microsoft.com/office/drawing/2014/main" id="{668DB03B-5FFE-758D-BD7E-3BD533AFF021}"/>
-              </a:ext>
-            </a:extLst>
-          </p:cNvPr>
-          <p:cNvPicPr>
-            <a:picLocks noChangeAspect="1"/>
-          </p:cNvPicPr>
-          <p:nvPr/>
-        </p:nvPicPr>
-        <p:blipFill>
-          <a:blip r:embed="rId2">
-            <a:extLst>
-              <a:ext uri="{28A0092B-C50C-407E-A947-70E740481C1C}">
-                <a14:useLocalDpi xmlns:a14="http://schemas.microsoft.com/office/drawing/2010/main" val="0"/>
-              </a:ext>
-              <a:ext uri="{96DAC541-7B7A-43D3-8B79-37D633B846F1}">
-                <asvg:svgBlip xmlns:asvg="http://schemas.microsoft.com/office/drawing/2016/SVG/main" r:embed="rId3"/>
-              </a:ext>
-            </a:extLst>
-          </a:blip>
-          <a:stretch>
-            <a:fillRect/>
-          </a:stretch>
-        </p:blipFill>
-        <p:spPr>
-          <a:xfrm>
-            <a:off x="4312532" y="0"/>
-            <a:ext cx="4831468" cy="5143500"/>
-          </a:xfrm>
-          <a:prstGeom prst="rect">
-            <a:avLst/>
-          </a:prstGeom>
-        </p:spPr>
-      </p:pic>
-      <p:sp>
-        <p:nvSpPr>
-          <p:cNvPr id="10" name="TextBox 9">
-            <a:extLst>
-              <a:ext uri="{FF2B5EF4-FFF2-40B4-BE49-F238E27FC236}">
-                <a16:creationId xmlns:a16="http://schemas.microsoft.com/office/drawing/2014/main" id="{AD702BF3-0668-B0CD-6AB5-6CF146A33BCD}"/>
-              </a:ext>
-            </a:extLst>
-          </p:cNvPr>
-          <p:cNvSpPr txBox="1"/>
-          <p:nvPr/>
-        </p:nvSpPr>
-        <p:spPr>
-          <a:xfrm>
-            <a:off x="4572288" y="2814554"/>
-            <a:ext cx="3960239" cy="584775"/>
-          </a:xfrm>
-          <a:prstGeom prst="rect">
-            <a:avLst/>
-          </a:prstGeom>
-          <a:noFill/>
-        </p:spPr>
-        <p:txBody>
-          <a:bodyPr wrap="square">
-            <a:spAutoFit/>
-          </a:bodyPr>
-          <a:lstStyle/>
-          <a:p>
-            <a:r>
-              <a:rPr lang="ru-RU" sz="1600" dirty="0">
-                <a:effectLst/>
-                <a:latin typeface="Rubik" pitchFamily="2" charset="-79"/>
-                <a:cs typeface="Rubik" pitchFamily="2" charset="-79"/>
-              </a:rPr>
-              <a:t>Количество строк в коде - 898(Язык программирования С#)</a:t>
-            </a:r>
-            <a:endParaRPr lang="ru-RU" sz="1600" dirty="0">
-              <a:latin typeface="Rubik" pitchFamily="2" charset="-79"/>
-              <a:cs typeface="Rubik" pitchFamily="2" charset="-79"/>
-            </a:endParaRPr>
-          </a:p>
-        </p:txBody>
-      </p:sp>
-      <p:sp>
-        <p:nvSpPr>
-          <p:cNvPr id="11" name="TextBox 10">
-            <a:extLst>
-              <a:ext uri="{FF2B5EF4-FFF2-40B4-BE49-F238E27FC236}">
-                <a16:creationId xmlns:a16="http://schemas.microsoft.com/office/drawing/2014/main" id="{9F749EB8-D06A-F5CD-FF4A-62813B37C746}"/>
-              </a:ext>
-            </a:extLst>
-          </p:cNvPr>
-          <p:cNvSpPr txBox="1"/>
-          <p:nvPr/>
-        </p:nvSpPr>
-        <p:spPr>
-          <a:xfrm>
-            <a:off x="4572000" y="3427837"/>
-            <a:ext cx="3960814" cy="338554"/>
-          </a:xfrm>
-          <a:prstGeom prst="rect">
-            <a:avLst/>
-          </a:prstGeom>
-          <a:noFill/>
-        </p:spPr>
-        <p:txBody>
-          <a:bodyPr wrap="square">
-            <a:spAutoFit/>
-          </a:bodyPr>
-          <a:lstStyle/>
-          <a:p>
-            <a:r>
-              <a:rPr lang="ru-RU" sz="1600" dirty="0">
-                <a:effectLst/>
-                <a:latin typeface="Rubik" pitchFamily="2" charset="-79"/>
-                <a:cs typeface="Rubik" pitchFamily="2" charset="-79"/>
-              </a:rPr>
-              <a:t>Количество классов - 3</a:t>
-            </a:r>
-            <a:endParaRPr lang="ru-RU" sz="1600" dirty="0">
-              <a:latin typeface="Rubik" pitchFamily="2" charset="-79"/>
-              <a:cs typeface="Rubik" pitchFamily="2" charset="-79"/>
-            </a:endParaRPr>
-          </a:p>
-        </p:txBody>
-      </p:sp>
-      <p:sp>
-        <p:nvSpPr>
-          <p:cNvPr id="13" name="TextBox 12">
-            <a:extLst>
-              <a:ext uri="{FF2B5EF4-FFF2-40B4-BE49-F238E27FC236}">
-                <a16:creationId xmlns:a16="http://schemas.microsoft.com/office/drawing/2014/main" id="{A25EDBDC-B985-856D-2A65-011B518550B0}"/>
-              </a:ext>
-            </a:extLst>
-          </p:cNvPr>
-          <p:cNvSpPr txBox="1"/>
-          <p:nvPr/>
-        </p:nvSpPr>
-        <p:spPr>
-          <a:xfrm>
-            <a:off x="4572448" y="3738029"/>
-            <a:ext cx="3959919" cy="338554"/>
-          </a:xfrm>
-          <a:prstGeom prst="rect">
-            <a:avLst/>
-          </a:prstGeom>
-          <a:noFill/>
-        </p:spPr>
-        <p:txBody>
-          <a:bodyPr wrap="square">
-            <a:spAutoFit/>
-          </a:bodyPr>
-          <a:lstStyle/>
-          <a:p>
-            <a:r>
-              <a:rPr lang="ru-RU" sz="1600" dirty="0">
-                <a:effectLst/>
-                <a:latin typeface="Rubik" pitchFamily="2" charset="-79"/>
-                <a:cs typeface="Rubik" pitchFamily="2" charset="-79"/>
-              </a:rPr>
-              <a:t>Количество методов - 9</a:t>
-            </a:r>
-            <a:endParaRPr lang="ru-RU" sz="1600" dirty="0">
-              <a:latin typeface="Rubik" pitchFamily="2" charset="-79"/>
-              <a:cs typeface="Rubik" pitchFamily="2" charset="-79"/>
-            </a:endParaRPr>
-          </a:p>
-        </p:txBody>
-      </p:sp>
-      <p:sp>
-        <p:nvSpPr>
-          <p:cNvPr id="15" name="TextBox 14">
-            <a:extLst>
-              <a:ext uri="{FF2B5EF4-FFF2-40B4-BE49-F238E27FC236}">
-                <a16:creationId xmlns:a16="http://schemas.microsoft.com/office/drawing/2014/main" id="{656FC7F0-9877-D743-B493-4EAE2A155529}"/>
-              </a:ext>
-            </a:extLst>
-          </p:cNvPr>
-          <p:cNvSpPr txBox="1"/>
-          <p:nvPr/>
-        </p:nvSpPr>
-        <p:spPr>
-          <a:xfrm>
-            <a:off x="4572000" y="4048220"/>
-            <a:ext cx="3960814" cy="338554"/>
-          </a:xfrm>
-          <a:prstGeom prst="rect">
-            <a:avLst/>
-          </a:prstGeom>
-          <a:noFill/>
-        </p:spPr>
-        <p:txBody>
-          <a:bodyPr wrap="square">
-            <a:spAutoFit/>
-          </a:bodyPr>
-          <a:lstStyle/>
-          <a:p>
-            <a:r>
-              <a:rPr lang="ru-RU" sz="1600" dirty="0">
-                <a:effectLst/>
-                <a:latin typeface="Rubik" pitchFamily="2" charset="-79"/>
-                <a:cs typeface="Rubik" pitchFamily="2" charset="-79"/>
-              </a:rPr>
-              <a:t>Количество тестов- 37</a:t>
-            </a:r>
-            <a:endParaRPr lang="ru-RU" sz="1600" dirty="0">
-              <a:latin typeface="Rubik" pitchFamily="2" charset="-79"/>
-              <a:cs typeface="Rubik" pitchFamily="2" charset="-79"/>
-            </a:endParaRPr>
-          </a:p>
-        </p:txBody>
-      </p:sp>
-      <p:pic>
-        <p:nvPicPr>
-          <p:cNvPr id="17" name="Рисунок 16">
-            <a:extLst>
-              <a:ext uri="{FF2B5EF4-FFF2-40B4-BE49-F238E27FC236}">
-                <a16:creationId xmlns:a16="http://schemas.microsoft.com/office/drawing/2014/main" id="{AD8EC999-51CC-B529-1677-C2BD45B3B5F2}"/>
-              </a:ext>
-            </a:extLst>
-          </p:cNvPr>
-          <p:cNvPicPr>
-            <a:picLocks noChangeAspect="1"/>
-          </p:cNvPicPr>
-          <p:nvPr/>
-        </p:nvPicPr>
-        <p:blipFill>
-          <a:blip r:embed="rId4">
-            <a:extLst>
-              <a:ext uri="{28A0092B-C50C-407E-A947-70E740481C1C}">
-                <a14:useLocalDpi xmlns:a14="http://schemas.microsoft.com/office/drawing/2010/main" val="0"/>
-              </a:ext>
-              <a:ext uri="{96DAC541-7B7A-43D3-8B79-37D633B846F1}">
-                <asvg:svgBlip xmlns:asvg="http://schemas.microsoft.com/office/drawing/2016/SVG/main" r:embed="rId5"/>
-              </a:ext>
-            </a:extLst>
-          </a:blip>
-          <a:stretch>
-            <a:fillRect/>
-          </a:stretch>
-        </p:blipFill>
-        <p:spPr>
-          <a:xfrm>
-            <a:off x="-364111" y="3264597"/>
-            <a:ext cx="4324350" cy="2457450"/>
-          </a:xfrm>
-          <a:prstGeom prst="rect">
-            <a:avLst/>
-          </a:prstGeom>
-        </p:spPr>
-      </p:pic>
-      <p:sp>
-        <p:nvSpPr>
-          <p:cNvPr id="16" name="Прямоугольник: скругленные углы 15">
-            <a:extLst>
-              <a:ext uri="{FF2B5EF4-FFF2-40B4-BE49-F238E27FC236}">
-                <a16:creationId xmlns:a16="http://schemas.microsoft.com/office/drawing/2014/main" id="{96A54E57-ECD8-4FF0-A72C-AFB5E6FE6CD7}"/>
+                <a16:creationId xmlns:a16="http://schemas.microsoft.com/office/drawing/2014/main" id="{68FB318A-DFEF-8A98-5AC4-7A5D97C5D570}"/>
               </a:ext>
             </a:extLst>
           </p:cNvPr>
@@ -12755,10 +12633,10 @@
       </p:sp>
       <p:sp>
         <p:nvSpPr>
-          <p:cNvPr id="18" name="TextBox 17">
+          <p:cNvPr id="8" name="TextBox 7">
             <a:extLst>
               <a:ext uri="{FF2B5EF4-FFF2-40B4-BE49-F238E27FC236}">
-                <a16:creationId xmlns:a16="http://schemas.microsoft.com/office/drawing/2014/main" id="{0D881CAB-ACE0-B55B-E40C-B8A85F0E5661}"/>
+                <a16:creationId xmlns:a16="http://schemas.microsoft.com/office/drawing/2014/main" id="{050356EE-987E-91DF-6187-124115762E9C}"/>
               </a:ext>
             </a:extLst>
           </p:cNvPr>
@@ -12795,7 +12673,7 @@
     </p:spTree>
     <p:extLst>
       <p:ext uri="{BB962C8B-B14F-4D97-AF65-F5344CB8AC3E}">
-        <p14:creationId xmlns:p14="http://schemas.microsoft.com/office/powerpoint/2010/main" val="670920248"/>
+        <p14:creationId xmlns:p14="http://schemas.microsoft.com/office/powerpoint/2010/main" val="1445046228"/>
       </p:ext>
     </p:extLst>
   </p:cSld>
@@ -12806,6 +12684,962 @@
 </file>
 
 <file path=ppt/slides/slide4.xml><?xml version="1.0" encoding="utf-8"?>
+<p:sld xmlns:a="http://schemas.openxmlformats.org/drawingml/2006/main" xmlns:r="http://schemas.openxmlformats.org/officeDocument/2006/relationships" xmlns:p="http://schemas.openxmlformats.org/presentationml/2006/main">
+  <p:cSld>
+    <p:spTree>
+      <p:nvGrpSpPr>
+        <p:cNvPr id="1" name=""/>
+        <p:cNvGrpSpPr/>
+        <p:nvPr/>
+      </p:nvGrpSpPr>
+      <p:grpSpPr>
+        <a:xfrm>
+          <a:off x="0" y="0"/>
+          <a:ext cx="0" cy="0"/>
+          <a:chOff x="0" y="0"/>
+          <a:chExt cx="0" cy="0"/>
+        </a:xfrm>
+      </p:grpSpPr>
+      <p:sp>
+        <p:nvSpPr>
+          <p:cNvPr id="5" name="TextBox 4">
+            <a:extLst>
+              <a:ext uri="{FF2B5EF4-FFF2-40B4-BE49-F238E27FC236}">
+                <a16:creationId xmlns:a16="http://schemas.microsoft.com/office/drawing/2014/main" id="{C57A3697-C69A-AFA9-1B40-0A1465E65860}"/>
+              </a:ext>
+            </a:extLst>
+          </p:cNvPr>
+          <p:cNvSpPr txBox="1"/>
+          <p:nvPr/>
+        </p:nvSpPr>
+        <p:spPr>
+          <a:xfrm>
+            <a:off x="693420" y="212040"/>
+            <a:ext cx="6805748" cy="600164"/>
+          </a:xfrm>
+          <a:prstGeom prst="rect">
+            <a:avLst/>
+          </a:prstGeom>
+          <a:noFill/>
+        </p:spPr>
+        <p:txBody>
+          <a:bodyPr wrap="square">
+            <a:spAutoFit/>
+          </a:bodyPr>
+          <a:lstStyle/>
+          <a:p>
+            <a:r>
+              <a:rPr lang="ru-RU" sz="3300" b="1" i="1" dirty="0">
+                <a:latin typeface="Rubik" pitchFamily="2" charset="-79"/>
+                <a:cs typeface="Rubik" pitchFamily="2" charset="-79"/>
+              </a:rPr>
+              <a:t>Описание алгоритма</a:t>
+            </a:r>
+          </a:p>
+        </p:txBody>
+      </p:sp>
+      <p:sp>
+        <p:nvSpPr>
+          <p:cNvPr id="6" name="Прямоугольник: скругленные углы 5">
+            <a:extLst>
+              <a:ext uri="{FF2B5EF4-FFF2-40B4-BE49-F238E27FC236}">
+                <a16:creationId xmlns:a16="http://schemas.microsoft.com/office/drawing/2014/main" id="{A620EE31-0A2E-9923-4625-DFEF44D080AB}"/>
+              </a:ext>
+            </a:extLst>
+          </p:cNvPr>
+          <p:cNvSpPr/>
+          <p:nvPr/>
+        </p:nvSpPr>
+        <p:spPr>
+          <a:xfrm>
+            <a:off x="611188" y="231775"/>
+            <a:ext cx="45719" cy="600164"/>
+          </a:xfrm>
+          <a:prstGeom prst="roundRect">
+            <a:avLst/>
+          </a:prstGeom>
+          <a:solidFill>
+            <a:srgbClr val="FFD089"/>
+          </a:solidFill>
+          <a:ln>
+            <a:noFill/>
+          </a:ln>
+        </p:spPr>
+        <p:style>
+          <a:lnRef idx="2">
+            <a:schemeClr val="accent1">
+              <a:shade val="50000"/>
+            </a:schemeClr>
+          </a:lnRef>
+          <a:fillRef idx="1">
+            <a:schemeClr val="accent1"/>
+          </a:fillRef>
+          <a:effectRef idx="0">
+            <a:schemeClr val="accent1"/>
+          </a:effectRef>
+          <a:fontRef idx="minor">
+            <a:schemeClr val="lt1"/>
+          </a:fontRef>
+        </p:style>
+        <p:txBody>
+          <a:bodyPr rtlCol="0" anchor="ctr"/>
+          <a:lstStyle/>
+          <a:p>
+            <a:pPr algn="ctr"/>
+            <a:endParaRPr lang="ru-RU"/>
+          </a:p>
+        </p:txBody>
+      </p:sp>
+      <p:sp>
+        <p:nvSpPr>
+          <p:cNvPr id="7" name="Прямоугольник: скругленные углы 6">
+            <a:extLst>
+              <a:ext uri="{FF2B5EF4-FFF2-40B4-BE49-F238E27FC236}">
+                <a16:creationId xmlns:a16="http://schemas.microsoft.com/office/drawing/2014/main" id="{FA404779-BEDB-32EF-7AD4-89023D18B97F}"/>
+              </a:ext>
+            </a:extLst>
+          </p:cNvPr>
+          <p:cNvSpPr/>
+          <p:nvPr/>
+        </p:nvSpPr>
+        <p:spPr>
+          <a:xfrm>
+            <a:off x="8532812" y="225242"/>
+            <a:ext cx="1005840" cy="600165"/>
+          </a:xfrm>
+          <a:prstGeom prst="roundRect">
+            <a:avLst/>
+          </a:prstGeom>
+          <a:gradFill>
+            <a:gsLst>
+              <a:gs pos="0">
+                <a:srgbClr val="F29E54"/>
+              </a:gs>
+              <a:gs pos="100000">
+                <a:srgbClr val="EE7C37"/>
+              </a:gs>
+            </a:gsLst>
+            <a:lin ang="3000000" scaled="0"/>
+          </a:gradFill>
+          <a:ln>
+            <a:noFill/>
+          </a:ln>
+        </p:spPr>
+        <p:style>
+          <a:lnRef idx="2">
+            <a:schemeClr val="accent1">
+              <a:shade val="50000"/>
+            </a:schemeClr>
+          </a:lnRef>
+          <a:fillRef idx="1">
+            <a:schemeClr val="accent1"/>
+          </a:fillRef>
+          <a:effectRef idx="0">
+            <a:schemeClr val="accent1"/>
+          </a:effectRef>
+          <a:fontRef idx="minor">
+            <a:schemeClr val="lt1"/>
+          </a:fontRef>
+        </p:style>
+        <p:txBody>
+          <a:bodyPr rtlCol="0" anchor="ctr"/>
+          <a:lstStyle/>
+          <a:p>
+            <a:pPr algn="ctr"/>
+            <a:endParaRPr lang="ru-RU"/>
+          </a:p>
+        </p:txBody>
+      </p:sp>
+      <p:sp>
+        <p:nvSpPr>
+          <p:cNvPr id="8" name="TextBox 7">
+            <a:extLst>
+              <a:ext uri="{FF2B5EF4-FFF2-40B4-BE49-F238E27FC236}">
+                <a16:creationId xmlns:a16="http://schemas.microsoft.com/office/drawing/2014/main" id="{3BA5EFA6-FA81-59EB-5454-8CFB08BF65B0}"/>
+              </a:ext>
+            </a:extLst>
+          </p:cNvPr>
+          <p:cNvSpPr txBox="1"/>
+          <p:nvPr/>
+        </p:nvSpPr>
+        <p:spPr>
+          <a:xfrm flipH="1">
+            <a:off x="8653292" y="270246"/>
+            <a:ext cx="382440" cy="523220"/>
+          </a:xfrm>
+          <a:prstGeom prst="rect">
+            <a:avLst/>
+          </a:prstGeom>
+          <a:noFill/>
+        </p:spPr>
+        <p:txBody>
+          <a:bodyPr wrap="square" rtlCol="0">
+            <a:spAutoFit/>
+          </a:bodyPr>
+          <a:lstStyle/>
+          <a:p>
+            <a:r>
+              <a:rPr lang="en-US" sz="2800" dirty="0">
+                <a:solidFill>
+                  <a:schemeClr val="bg1"/>
+                </a:solidFill>
+              </a:rPr>
+              <a:t>4</a:t>
+            </a:r>
+            <a:endParaRPr lang="ru-RU" sz="2800" dirty="0">
+              <a:solidFill>
+                <a:schemeClr val="bg1"/>
+              </a:solidFill>
+            </a:endParaRPr>
+          </a:p>
+        </p:txBody>
+      </p:sp>
+      <mc:AlternateContent xmlns:mc="http://schemas.openxmlformats.org/markup-compatibility/2006">
+        <mc:Choice xmlns:a14="http://schemas.microsoft.com/office/drawing/2010/main" Requires="a14">
+          <p:sp>
+            <p:nvSpPr>
+              <p:cNvPr id="10" name="TextBox 9">
+                <a:extLst>
+                  <a:ext uri="{FF2B5EF4-FFF2-40B4-BE49-F238E27FC236}">
+                    <a16:creationId xmlns:a16="http://schemas.microsoft.com/office/drawing/2014/main" id="{F8B590C5-EFF4-4815-4F66-15F78D4D3836}"/>
+                  </a:ext>
+                </a:extLst>
+              </p:cNvPr>
+              <p:cNvSpPr txBox="1"/>
+              <p:nvPr/>
+            </p:nvSpPr>
+            <p:spPr>
+              <a:xfrm>
+                <a:off x="561066" y="1613479"/>
+                <a:ext cx="7921626" cy="2955168"/>
+              </a:xfrm>
+              <a:prstGeom prst="rect">
+                <a:avLst/>
+              </a:prstGeom>
+              <a:noFill/>
+            </p:spPr>
+            <p:txBody>
+              <a:bodyPr wrap="square">
+                <a:spAutoFit/>
+              </a:bodyPr>
+              <a:lstStyle/>
+              <a:p>
+                <a:pPr algn="just">
+                  <a:lnSpc>
+                    <a:spcPct val="150000"/>
+                  </a:lnSpc>
+                </a:pPr>
+                <a:r>
+                  <a:rPr lang="ru-RU" sz="1800" dirty="0">
+                    <a:effectLst/>
+                    <a:latin typeface="Rubik" pitchFamily="2" charset="-79"/>
+                    <a:ea typeface="Calibri" panose="020F0502020204030204" pitchFamily="34" charset="0"/>
+                    <a:cs typeface="Rubik" pitchFamily="2" charset="-79"/>
+                  </a:rPr>
+                  <a:t>Дано множество отрезков </a:t>
+                </a:r>
+                <a14:m>
+                  <m:oMath xmlns:m="http://schemas.openxmlformats.org/officeDocument/2006/math">
+                    <m:r>
+                      <a:rPr lang="ru-RU" sz="1800" i="1">
+                        <a:effectLst/>
+                        <a:latin typeface="Cambria Math" panose="02040503050406030204" pitchFamily="18" charset="0"/>
+                        <a:ea typeface="Calibri" panose="020F0502020204030204" pitchFamily="34" charset="0"/>
+                      </a:rPr>
+                      <m:t>𝐼</m:t>
+                    </m:r>
+                    <m:r>
+                      <a:rPr lang="ru-RU" sz="1800" i="1">
+                        <a:effectLst/>
+                        <a:latin typeface="Cambria Math" panose="02040503050406030204" pitchFamily="18" charset="0"/>
+                        <a:ea typeface="Calibri" panose="020F0502020204030204" pitchFamily="34" charset="0"/>
+                      </a:rPr>
+                      <m:t>={</m:t>
+                    </m:r>
+                    <m:d>
+                      <m:dPr>
+                        <m:begChr m:val="["/>
+                        <m:endChr m:val="]"/>
+                        <m:ctrlPr>
+                          <a:rPr lang="ru-RU" sz="1800" i="1">
+                            <a:effectLst/>
+                            <a:latin typeface="Cambria Math" panose="02040503050406030204" pitchFamily="18" charset="0"/>
+                            <a:ea typeface="Calibri" panose="020F0502020204030204" pitchFamily="34" charset="0"/>
+                          </a:rPr>
+                        </m:ctrlPr>
+                      </m:dPr>
+                      <m:e>
+                        <m:sSub>
+                          <m:sSubPr>
+                            <m:ctrlPr>
+                              <a:rPr lang="ru-RU" sz="1800" i="1">
+                                <a:effectLst/>
+                                <a:latin typeface="Cambria Math" panose="02040503050406030204" pitchFamily="18" charset="0"/>
+                                <a:ea typeface="Calibri" panose="020F0502020204030204" pitchFamily="34" charset="0"/>
+                              </a:rPr>
+                            </m:ctrlPr>
+                          </m:sSubPr>
+                          <m:e>
+                            <m:r>
+                              <a:rPr lang="ru-RU" sz="1800" i="1">
+                                <a:effectLst/>
+                                <a:latin typeface="Cambria Math" panose="02040503050406030204" pitchFamily="18" charset="0"/>
+                                <a:ea typeface="Calibri" panose="020F0502020204030204" pitchFamily="34" charset="0"/>
+                              </a:rPr>
+                              <m:t>𝑥</m:t>
+                            </m:r>
+                          </m:e>
+                          <m:sub>
+                            <m:r>
+                              <a:rPr lang="ru-RU" sz="1800" i="1">
+                                <a:effectLst/>
+                                <a:latin typeface="Cambria Math" panose="02040503050406030204" pitchFamily="18" charset="0"/>
+                                <a:ea typeface="Calibri" panose="020F0502020204030204" pitchFamily="34" charset="0"/>
+                              </a:rPr>
+                              <m:t>1</m:t>
+                            </m:r>
+                          </m:sub>
+                        </m:sSub>
+                        <m:r>
+                          <a:rPr lang="ru-RU" sz="1800" i="1">
+                            <a:effectLst/>
+                            <a:latin typeface="Cambria Math" panose="02040503050406030204" pitchFamily="18" charset="0"/>
+                            <a:ea typeface="Calibri" panose="020F0502020204030204" pitchFamily="34" charset="0"/>
+                          </a:rPr>
+                          <m:t>, </m:t>
+                        </m:r>
+                        <m:sSubSup>
+                          <m:sSubSupPr>
+                            <m:ctrlPr>
+                              <a:rPr lang="ru-RU" sz="1800" i="1">
+                                <a:effectLst/>
+                                <a:latin typeface="Cambria Math" panose="02040503050406030204" pitchFamily="18" charset="0"/>
+                                <a:ea typeface="Calibri" panose="020F0502020204030204" pitchFamily="34" charset="0"/>
+                              </a:rPr>
+                            </m:ctrlPr>
+                          </m:sSubSupPr>
+                          <m:e>
+                            <m:r>
+                              <a:rPr lang="ru-RU" sz="1800" i="1">
+                                <a:effectLst/>
+                                <a:latin typeface="Cambria Math" panose="02040503050406030204" pitchFamily="18" charset="0"/>
+                                <a:ea typeface="Calibri" panose="020F0502020204030204" pitchFamily="34" charset="0"/>
+                              </a:rPr>
+                              <m:t>𝑥</m:t>
+                            </m:r>
+                          </m:e>
+                          <m:sub>
+                            <m:r>
+                              <a:rPr lang="ru-RU" sz="1800" i="1">
+                                <a:effectLst/>
+                                <a:latin typeface="Cambria Math" panose="02040503050406030204" pitchFamily="18" charset="0"/>
+                                <a:ea typeface="Calibri" panose="020F0502020204030204" pitchFamily="34" charset="0"/>
+                              </a:rPr>
+                              <m:t>1</m:t>
+                            </m:r>
+                          </m:sub>
+                          <m:sup>
+                            <m:r>
+                              <a:rPr lang="ru-RU" sz="1800" i="1">
+                                <a:effectLst/>
+                                <a:latin typeface="Cambria Math" panose="02040503050406030204" pitchFamily="18" charset="0"/>
+                                <a:ea typeface="Calibri" panose="020F0502020204030204" pitchFamily="34" charset="0"/>
+                              </a:rPr>
+                              <m:t>′</m:t>
+                            </m:r>
+                          </m:sup>
+                        </m:sSubSup>
+                      </m:e>
+                    </m:d>
+                    <m:r>
+                      <a:rPr lang="ru-RU" sz="1800" i="1">
+                        <a:effectLst/>
+                        <a:latin typeface="Cambria Math" panose="02040503050406030204" pitchFamily="18" charset="0"/>
+                        <a:ea typeface="Calibri" panose="020F0502020204030204" pitchFamily="34" charset="0"/>
+                      </a:rPr>
+                      <m:t>,…, [</m:t>
+                    </m:r>
+                    <m:sSub>
+                      <m:sSubPr>
+                        <m:ctrlPr>
+                          <a:rPr lang="ru-RU" sz="1800" i="1">
+                            <a:effectLst/>
+                            <a:latin typeface="Cambria Math" panose="02040503050406030204" pitchFamily="18" charset="0"/>
+                            <a:ea typeface="Calibri" panose="020F0502020204030204" pitchFamily="34" charset="0"/>
+                          </a:rPr>
+                        </m:ctrlPr>
+                      </m:sSubPr>
+                      <m:e>
+                        <m:r>
+                          <a:rPr lang="ru-RU" sz="1800" i="1">
+                            <a:effectLst/>
+                            <a:latin typeface="Cambria Math" panose="02040503050406030204" pitchFamily="18" charset="0"/>
+                            <a:ea typeface="Calibri" panose="020F0502020204030204" pitchFamily="34" charset="0"/>
+                          </a:rPr>
+                          <m:t>𝑥</m:t>
+                        </m:r>
+                      </m:e>
+                      <m:sub>
+                        <m:r>
+                          <a:rPr lang="ru-RU" sz="1800" i="1">
+                            <a:effectLst/>
+                            <a:latin typeface="Cambria Math" panose="02040503050406030204" pitchFamily="18" charset="0"/>
+                            <a:ea typeface="Calibri" panose="020F0502020204030204" pitchFamily="34" charset="0"/>
+                          </a:rPr>
+                          <m:t>𝑛</m:t>
+                        </m:r>
+                      </m:sub>
+                    </m:sSub>
+                    <m:r>
+                      <a:rPr lang="ru-RU" sz="1800" i="1">
+                        <a:effectLst/>
+                        <a:latin typeface="Cambria Math" panose="02040503050406030204" pitchFamily="18" charset="0"/>
+                        <a:ea typeface="Calibri" panose="020F0502020204030204" pitchFamily="34" charset="0"/>
+                      </a:rPr>
+                      <m:t>, </m:t>
+                    </m:r>
+                    <m:sSubSup>
+                      <m:sSubSupPr>
+                        <m:ctrlPr>
+                          <a:rPr lang="ru-RU" sz="1800" i="1">
+                            <a:effectLst/>
+                            <a:latin typeface="Cambria Math" panose="02040503050406030204" pitchFamily="18" charset="0"/>
+                            <a:ea typeface="Calibri" panose="020F0502020204030204" pitchFamily="34" charset="0"/>
+                          </a:rPr>
+                        </m:ctrlPr>
+                      </m:sSubSupPr>
+                      <m:e>
+                        <m:r>
+                          <a:rPr lang="ru-RU" sz="1800" i="1">
+                            <a:effectLst/>
+                            <a:latin typeface="Cambria Math" panose="02040503050406030204" pitchFamily="18" charset="0"/>
+                            <a:ea typeface="Calibri" panose="020F0502020204030204" pitchFamily="34" charset="0"/>
+                          </a:rPr>
+                          <m:t>𝑥</m:t>
+                        </m:r>
+                      </m:e>
+                      <m:sub>
+                        <m:r>
+                          <a:rPr lang="ru-RU" sz="1800" i="1">
+                            <a:effectLst/>
+                            <a:latin typeface="Cambria Math" panose="02040503050406030204" pitchFamily="18" charset="0"/>
+                            <a:ea typeface="Calibri" panose="020F0502020204030204" pitchFamily="34" charset="0"/>
+                          </a:rPr>
+                          <m:t>𝑛</m:t>
+                        </m:r>
+                      </m:sub>
+                      <m:sup>
+                        <m:r>
+                          <a:rPr lang="ru-RU" sz="1800" i="1">
+                            <a:effectLst/>
+                            <a:latin typeface="Cambria Math" panose="02040503050406030204" pitchFamily="18" charset="0"/>
+                            <a:ea typeface="Calibri" panose="020F0502020204030204" pitchFamily="34" charset="0"/>
+                          </a:rPr>
+                          <m:t>′</m:t>
+                        </m:r>
+                      </m:sup>
+                    </m:sSubSup>
+                    <m:r>
+                      <a:rPr lang="ru-RU" sz="1800" i="1">
+                        <a:effectLst/>
+                        <a:latin typeface="Cambria Math" panose="02040503050406030204" pitchFamily="18" charset="0"/>
+                        <a:ea typeface="Calibri" panose="020F0502020204030204" pitchFamily="34" charset="0"/>
+                      </a:rPr>
+                      <m:t>]}</m:t>
+                    </m:r>
+                  </m:oMath>
+                </a14:m>
+                <a:r>
+                  <a:rPr lang="ru-RU" sz="1800" dirty="0">
+                    <a:effectLst/>
+                    <a:latin typeface="Rubik" pitchFamily="2" charset="-79"/>
+                    <a:ea typeface="Times New Roman" panose="02020603050405020304" pitchFamily="18" charset="0"/>
+                    <a:cs typeface="Rubik" pitchFamily="2" charset="-79"/>
+                  </a:rPr>
+                  <a:t> и множество запросов. Каждый запрос характеризуется точкой </a:t>
+                </a:r>
+                <a14:m>
+                  <m:oMath xmlns:m="http://schemas.openxmlformats.org/officeDocument/2006/math">
+                    <m:sSub>
+                      <m:sSubPr>
+                        <m:ctrlPr>
+                          <a:rPr lang="ru-RU" sz="1800" i="1">
+                            <a:effectLst/>
+                            <a:latin typeface="Cambria Math" panose="02040503050406030204" pitchFamily="18" charset="0"/>
+                            <a:ea typeface="Times New Roman" panose="02020603050405020304" pitchFamily="18" charset="0"/>
+                          </a:rPr>
+                        </m:ctrlPr>
+                      </m:sSubPr>
+                      <m:e>
+                        <m:r>
+                          <a:rPr lang="ru-RU" sz="1800" i="1">
+                            <a:effectLst/>
+                            <a:latin typeface="Cambria Math" panose="02040503050406030204" pitchFamily="18" charset="0"/>
+                            <a:ea typeface="Times New Roman" panose="02020603050405020304" pitchFamily="18" charset="0"/>
+                          </a:rPr>
+                          <m:t>𝑞</m:t>
+                        </m:r>
+                      </m:e>
+                      <m:sub>
+                        <m:r>
+                          <a:rPr lang="ru-RU" sz="1800" i="1">
+                            <a:effectLst/>
+                            <a:latin typeface="Cambria Math" panose="02040503050406030204" pitchFamily="18" charset="0"/>
+                            <a:ea typeface="Times New Roman" panose="02020603050405020304" pitchFamily="18" charset="0"/>
+                          </a:rPr>
+                          <m:t>𝑥</m:t>
+                        </m:r>
+                      </m:sub>
+                    </m:sSub>
+                  </m:oMath>
+                </a14:m>
+                <a:r>
+                  <a:rPr lang="ru-RU" sz="1800" dirty="0">
+                    <a:effectLst/>
+                    <a:latin typeface="Rubik" pitchFamily="2" charset="-79"/>
+                    <a:ea typeface="Times New Roman" panose="02020603050405020304" pitchFamily="18" charset="0"/>
+                    <a:cs typeface="Rubik" pitchFamily="2" charset="-79"/>
+                  </a:rPr>
+                  <a:t>. Для каждого запроса необходимо определить множество отрезков из </a:t>
+                </a:r>
+                <a14:m>
+                  <m:oMath xmlns:m="http://schemas.openxmlformats.org/officeDocument/2006/math">
+                    <m:r>
+                      <a:rPr lang="ru-RU" sz="1800" i="1">
+                        <a:effectLst/>
+                        <a:latin typeface="Cambria Math" panose="02040503050406030204" pitchFamily="18" charset="0"/>
+                        <a:ea typeface="Times New Roman" panose="02020603050405020304" pitchFamily="18" charset="0"/>
+                      </a:rPr>
+                      <m:t>𝐼</m:t>
+                    </m:r>
+                  </m:oMath>
+                </a14:m>
+                <a:r>
+                  <a:rPr lang="ru-RU" sz="1800" dirty="0">
+                    <a:effectLst/>
+                    <a:latin typeface="Rubik" pitchFamily="2" charset="-79"/>
+                    <a:ea typeface="Times New Roman" panose="02020603050405020304" pitchFamily="18" charset="0"/>
+                    <a:cs typeface="Rubik" pitchFamily="2" charset="-79"/>
+                  </a:rPr>
+                  <a:t>, которые содержат в себе </a:t>
+                </a:r>
+                <a14:m>
+                  <m:oMath xmlns:m="http://schemas.openxmlformats.org/officeDocument/2006/math">
+                    <m:sSub>
+                      <m:sSubPr>
+                        <m:ctrlPr>
+                          <a:rPr lang="ru-RU" sz="1800" i="1">
+                            <a:effectLst/>
+                            <a:latin typeface="Cambria Math" panose="02040503050406030204" pitchFamily="18" charset="0"/>
+                            <a:ea typeface="Times New Roman" panose="02020603050405020304" pitchFamily="18" charset="0"/>
+                          </a:rPr>
+                        </m:ctrlPr>
+                      </m:sSubPr>
+                      <m:e>
+                        <m:r>
+                          <a:rPr lang="ru-RU" sz="1800" i="1">
+                            <a:effectLst/>
+                            <a:latin typeface="Cambria Math" panose="02040503050406030204" pitchFamily="18" charset="0"/>
+                            <a:ea typeface="Times New Roman" panose="02020603050405020304" pitchFamily="18" charset="0"/>
+                          </a:rPr>
+                          <m:t>𝑞</m:t>
+                        </m:r>
+                      </m:e>
+                      <m:sub>
+                        <m:r>
+                          <a:rPr lang="ru-RU" sz="1800" i="1">
+                            <a:effectLst/>
+                            <a:latin typeface="Cambria Math" panose="02040503050406030204" pitchFamily="18" charset="0"/>
+                            <a:ea typeface="Times New Roman" panose="02020603050405020304" pitchFamily="18" charset="0"/>
+                          </a:rPr>
+                          <m:t>𝑥</m:t>
+                        </m:r>
+                      </m:sub>
+                    </m:sSub>
+                  </m:oMath>
+                </a14:m>
+                <a:r>
+                  <a:rPr lang="ru-RU" sz="1800" dirty="0">
+                    <a:effectLst/>
+                    <a:latin typeface="Rubik" pitchFamily="2" charset="-79"/>
+                    <a:ea typeface="Times New Roman" panose="02020603050405020304" pitchFamily="18" charset="0"/>
+                    <a:cs typeface="Rubik" pitchFamily="2" charset="-79"/>
+                  </a:rPr>
+                  <a:t>. </a:t>
+                </a:r>
+                <a:endParaRPr lang="en-US" sz="1800" dirty="0">
+                  <a:effectLst/>
+                  <a:latin typeface="Rubik" pitchFamily="2" charset="-79"/>
+                  <a:ea typeface="Times New Roman" panose="02020603050405020304" pitchFamily="18" charset="0"/>
+                  <a:cs typeface="Rubik" pitchFamily="2" charset="-79"/>
+                </a:endParaRPr>
+              </a:p>
+              <a:p>
+                <a:pPr algn="just">
+                  <a:lnSpc>
+                    <a:spcPct val="150000"/>
+                  </a:lnSpc>
+                </a:pPr>
+                <a:r>
+                  <a:rPr lang="ru-RU" sz="1800" dirty="0">
+                    <a:effectLst/>
+                    <a:latin typeface="Rubik" pitchFamily="2" charset="-79"/>
+                    <a:ea typeface="Times New Roman" panose="02020603050405020304" pitchFamily="18" charset="0"/>
+                    <a:cs typeface="Rubik" pitchFamily="2" charset="-79"/>
+                  </a:rPr>
+                  <a:t>Построение дерева интервалов занимает время </a:t>
+                </a:r>
+                <a14:m>
+                  <m:oMath xmlns:m="http://schemas.openxmlformats.org/officeDocument/2006/math">
+                    <m:r>
+                      <a:rPr lang="ru-RU" sz="1800" i="1">
+                        <a:effectLst/>
+                        <a:latin typeface="Cambria Math" panose="02040503050406030204" pitchFamily="18" charset="0"/>
+                        <a:ea typeface="Times New Roman" panose="02020603050405020304" pitchFamily="18" charset="0"/>
+                      </a:rPr>
+                      <m:t>𝑂</m:t>
+                    </m:r>
+                    <m:r>
+                      <a:rPr lang="ru-RU" sz="1800" i="1">
+                        <a:effectLst/>
+                        <a:latin typeface="Cambria Math" panose="02040503050406030204" pitchFamily="18" charset="0"/>
+                        <a:ea typeface="Times New Roman" panose="02020603050405020304" pitchFamily="18" charset="0"/>
+                      </a:rPr>
+                      <m:t>(</m:t>
+                    </m:r>
+                    <m:r>
+                      <a:rPr lang="ru-RU" sz="1800" i="1">
+                        <a:effectLst/>
+                        <a:latin typeface="Cambria Math" panose="02040503050406030204" pitchFamily="18" charset="0"/>
+                        <a:ea typeface="Times New Roman" panose="02020603050405020304" pitchFamily="18" charset="0"/>
+                      </a:rPr>
+                      <m:t>𝑛</m:t>
+                    </m:r>
+                    <m:func>
+                      <m:funcPr>
+                        <m:ctrlPr>
+                          <a:rPr lang="ru-RU" sz="1800" i="1">
+                            <a:effectLst/>
+                            <a:latin typeface="Cambria Math" panose="02040503050406030204" pitchFamily="18" charset="0"/>
+                            <a:ea typeface="Times New Roman" panose="02020603050405020304" pitchFamily="18" charset="0"/>
+                          </a:rPr>
+                        </m:ctrlPr>
+                      </m:funcPr>
+                      <m:fName>
+                        <m:r>
+                          <m:rPr>
+                            <m:sty m:val="p"/>
+                          </m:rPr>
+                          <a:rPr lang="ru-RU" sz="1800">
+                            <a:effectLst/>
+                            <a:latin typeface="Cambria Math" panose="02040503050406030204" pitchFamily="18" charset="0"/>
+                            <a:ea typeface="Times New Roman" panose="02020603050405020304" pitchFamily="18" charset="0"/>
+                          </a:rPr>
+                          <m:t>log</m:t>
+                        </m:r>
+                      </m:fName>
+                      <m:e>
+                        <m:r>
+                          <a:rPr lang="ru-RU" sz="1800" i="1">
+                            <a:effectLst/>
+                            <a:latin typeface="Cambria Math" panose="02040503050406030204" pitchFamily="18" charset="0"/>
+                            <a:ea typeface="Times New Roman" panose="02020603050405020304" pitchFamily="18" charset="0"/>
+                          </a:rPr>
+                          <m:t>𝑛</m:t>
+                        </m:r>
+                      </m:e>
+                    </m:func>
+                    <m:r>
+                      <a:rPr lang="ru-RU" sz="1800" i="1">
+                        <a:effectLst/>
+                        <a:latin typeface="Cambria Math" panose="02040503050406030204" pitchFamily="18" charset="0"/>
+                        <a:ea typeface="Times New Roman" panose="02020603050405020304" pitchFamily="18" charset="0"/>
+                      </a:rPr>
+                      <m:t>)</m:t>
+                    </m:r>
+                  </m:oMath>
+                </a14:m>
+                <a:r>
+                  <a:rPr lang="ru-RU" sz="1800" dirty="0">
+                    <a:effectLst/>
+                    <a:latin typeface="Rubik" pitchFamily="2" charset="-79"/>
+                    <a:ea typeface="Times New Roman" panose="02020603050405020304" pitchFamily="18" charset="0"/>
+                    <a:cs typeface="Rubik" pitchFamily="2" charset="-79"/>
+                  </a:rPr>
+                  <a:t>, а также </a:t>
+                </a:r>
+                <a14:m>
+                  <m:oMath xmlns:m="http://schemas.openxmlformats.org/officeDocument/2006/math">
+                    <m:r>
+                      <a:rPr lang="ru-RU" sz="1800" i="1">
+                        <a:effectLst/>
+                        <a:latin typeface="Cambria Math" panose="02040503050406030204" pitchFamily="18" charset="0"/>
+                        <a:ea typeface="Times New Roman" panose="02020603050405020304" pitchFamily="18" charset="0"/>
+                      </a:rPr>
+                      <m:t>𝑂</m:t>
+                    </m:r>
+                    <m:d>
+                      <m:dPr>
+                        <m:ctrlPr>
+                          <a:rPr lang="ru-RU" sz="1800" i="1">
+                            <a:effectLst/>
+                            <a:latin typeface="Cambria Math" panose="02040503050406030204" pitchFamily="18" charset="0"/>
+                            <a:ea typeface="Times New Roman" panose="02020603050405020304" pitchFamily="18" charset="0"/>
+                          </a:rPr>
+                        </m:ctrlPr>
+                      </m:dPr>
+                      <m:e>
+                        <m:r>
+                          <a:rPr lang="ru-RU" sz="1800" i="1">
+                            <a:effectLst/>
+                            <a:latin typeface="Cambria Math" panose="02040503050406030204" pitchFamily="18" charset="0"/>
+                            <a:ea typeface="Times New Roman" panose="02020603050405020304" pitchFamily="18" charset="0"/>
+                          </a:rPr>
+                          <m:t>𝑛</m:t>
+                        </m:r>
+                      </m:e>
+                    </m:d>
+                  </m:oMath>
+                </a14:m>
+                <a:r>
+                  <a:rPr lang="ru-RU" sz="1800" dirty="0">
+                    <a:effectLst/>
+                    <a:latin typeface="Rubik" pitchFamily="2" charset="-79"/>
+                    <a:ea typeface="Times New Roman" panose="02020603050405020304" pitchFamily="18" charset="0"/>
+                    <a:cs typeface="Rubik" pitchFamily="2" charset="-79"/>
+                  </a:rPr>
+                  <a:t> памяти. На каждый запрос дерево интервалов позволяет отвечать за </a:t>
+                </a:r>
+                <a14:m>
+                  <m:oMath xmlns:m="http://schemas.openxmlformats.org/officeDocument/2006/math">
+                    <m:r>
+                      <a:rPr lang="ru-RU" sz="1800" i="1">
+                        <a:effectLst/>
+                        <a:latin typeface="Cambria Math" panose="02040503050406030204" pitchFamily="18" charset="0"/>
+                        <a:ea typeface="Times New Roman" panose="02020603050405020304" pitchFamily="18" charset="0"/>
+                      </a:rPr>
+                      <m:t>𝑂</m:t>
+                    </m:r>
+                    <m:r>
+                      <a:rPr lang="ru-RU" sz="1800" i="1">
+                        <a:effectLst/>
+                        <a:latin typeface="Cambria Math" panose="02040503050406030204" pitchFamily="18" charset="0"/>
+                        <a:ea typeface="Times New Roman" panose="02020603050405020304" pitchFamily="18" charset="0"/>
+                      </a:rPr>
+                      <m:t>(</m:t>
+                    </m:r>
+                    <m:func>
+                      <m:funcPr>
+                        <m:ctrlPr>
+                          <a:rPr lang="ru-RU" sz="1800" i="1">
+                            <a:effectLst/>
+                            <a:latin typeface="Cambria Math" panose="02040503050406030204" pitchFamily="18" charset="0"/>
+                            <a:ea typeface="Times New Roman" panose="02020603050405020304" pitchFamily="18" charset="0"/>
+                          </a:rPr>
+                        </m:ctrlPr>
+                      </m:funcPr>
+                      <m:fName>
+                        <m:r>
+                          <m:rPr>
+                            <m:sty m:val="p"/>
+                          </m:rPr>
+                          <a:rPr lang="ru-RU" sz="1800">
+                            <a:effectLst/>
+                            <a:latin typeface="Cambria Math" panose="02040503050406030204" pitchFamily="18" charset="0"/>
+                            <a:ea typeface="Times New Roman" panose="02020603050405020304" pitchFamily="18" charset="0"/>
+                          </a:rPr>
+                          <m:t>log</m:t>
+                        </m:r>
+                      </m:fName>
+                      <m:e>
+                        <m:r>
+                          <a:rPr lang="ru-RU" sz="1800" i="1">
+                            <a:effectLst/>
+                            <a:latin typeface="Cambria Math" panose="02040503050406030204" pitchFamily="18" charset="0"/>
+                            <a:ea typeface="Times New Roman" panose="02020603050405020304" pitchFamily="18" charset="0"/>
+                          </a:rPr>
+                          <m:t>𝑛</m:t>
+                        </m:r>
+                      </m:e>
+                    </m:func>
+                    <m:r>
+                      <a:rPr lang="ru-RU" sz="1800" i="1">
+                        <a:effectLst/>
+                        <a:latin typeface="Cambria Math" panose="02040503050406030204" pitchFamily="18" charset="0"/>
+                        <a:ea typeface="Times New Roman" panose="02020603050405020304" pitchFamily="18" charset="0"/>
+                      </a:rPr>
+                      <m:t>+</m:t>
+                    </m:r>
+                    <m:r>
+                      <a:rPr lang="ru-RU" sz="1800" i="1">
+                        <a:effectLst/>
+                        <a:latin typeface="Cambria Math" panose="02040503050406030204" pitchFamily="18" charset="0"/>
+                        <a:ea typeface="Times New Roman" panose="02020603050405020304" pitchFamily="18" charset="0"/>
+                      </a:rPr>
+                      <m:t>𝑘</m:t>
+                    </m:r>
+                    <m:r>
+                      <a:rPr lang="ru-RU" sz="1800" i="1">
+                        <a:effectLst/>
+                        <a:latin typeface="Cambria Math" panose="02040503050406030204" pitchFamily="18" charset="0"/>
+                        <a:ea typeface="Times New Roman" panose="02020603050405020304" pitchFamily="18" charset="0"/>
+                      </a:rPr>
+                      <m:t>)</m:t>
+                    </m:r>
+                  </m:oMath>
+                </a14:m>
+                <a:r>
+                  <a:rPr lang="ru-RU" sz="1800" dirty="0">
+                    <a:effectLst/>
+                    <a:latin typeface="Rubik" pitchFamily="2" charset="-79"/>
+                    <a:ea typeface="Times New Roman" panose="02020603050405020304" pitchFamily="18" charset="0"/>
+                    <a:cs typeface="Rubik" pitchFamily="2" charset="-79"/>
+                  </a:rPr>
+                  <a:t>, где </a:t>
+                </a:r>
+                <a14:m>
+                  <m:oMath xmlns:m="http://schemas.openxmlformats.org/officeDocument/2006/math">
+                    <m:r>
+                      <a:rPr lang="ru-RU" sz="1800" i="1">
+                        <a:effectLst/>
+                        <a:latin typeface="Cambria Math" panose="02040503050406030204" pitchFamily="18" charset="0"/>
+                        <a:ea typeface="Times New Roman" panose="02020603050405020304" pitchFamily="18" charset="0"/>
+                      </a:rPr>
+                      <m:t>𝑘</m:t>
+                    </m:r>
+                  </m:oMath>
+                </a14:m>
+                <a:r>
+                  <a:rPr lang="ru-RU" sz="1800" dirty="0">
+                    <a:effectLst/>
+                    <a:latin typeface="Rubik" pitchFamily="2" charset="-79"/>
+                    <a:ea typeface="Calibri" panose="020F0502020204030204" pitchFamily="34" charset="0"/>
+                    <a:cs typeface="Rubik" pitchFamily="2" charset="-79"/>
+                  </a:rPr>
+                  <a:t> – размер ответа на запрос.</a:t>
+                </a:r>
+              </a:p>
+            </p:txBody>
+          </p:sp>
+        </mc:Choice>
+        <mc:Fallback>
+          <p:sp>
+            <p:nvSpPr>
+              <p:cNvPr id="10" name="TextBox 9">
+                <a:extLst>
+                  <a:ext uri="{FF2B5EF4-FFF2-40B4-BE49-F238E27FC236}">
+                    <a16:creationId xmlns:a16="http://schemas.microsoft.com/office/drawing/2014/main" id="{F8B590C5-EFF4-4815-4F66-15F78D4D3836}"/>
+                  </a:ext>
+                </a:extLst>
+              </p:cNvPr>
+              <p:cNvSpPr txBox="1">
+                <a:spLocks noRot="1" noChangeAspect="1" noMove="1" noResize="1" noEditPoints="1" noAdjustHandles="1" noChangeArrowheads="1" noChangeShapeType="1" noTextEdit="1"/>
+              </p:cNvSpPr>
+              <p:nvPr/>
+            </p:nvSpPr>
+            <p:spPr>
+              <a:xfrm>
+                <a:off x="561066" y="1613479"/>
+                <a:ext cx="7921626" cy="2955168"/>
+              </a:xfrm>
+              <a:prstGeom prst="rect">
+                <a:avLst/>
+              </a:prstGeom>
+              <a:blipFill>
+                <a:blip r:embed="rId2"/>
+                <a:stretch>
+                  <a:fillRect l="-615" r="-615" b="-2686"/>
+                </a:stretch>
+              </a:blipFill>
+            </p:spPr>
+            <p:txBody>
+              <a:bodyPr/>
+              <a:lstStyle/>
+              <a:p>
+                <a:r>
+                  <a:rPr lang="ru-RU">
+                    <a:noFill/>
+                  </a:rPr>
+                  <a:t> </a:t>
+                </a:r>
+              </a:p>
+            </p:txBody>
+          </p:sp>
+        </mc:Fallback>
+      </mc:AlternateContent>
+      <p:sp>
+        <p:nvSpPr>
+          <p:cNvPr id="13" name="TextBox 12">
+            <a:extLst>
+              <a:ext uri="{FF2B5EF4-FFF2-40B4-BE49-F238E27FC236}">
+                <a16:creationId xmlns:a16="http://schemas.microsoft.com/office/drawing/2014/main" id="{220FF4FD-B21C-0D77-599D-CDAA9520B8D4}"/>
+              </a:ext>
+            </a:extLst>
+          </p:cNvPr>
+          <p:cNvSpPr txBox="1"/>
+          <p:nvPr/>
+        </p:nvSpPr>
+        <p:spPr>
+          <a:xfrm>
+            <a:off x="561067" y="994572"/>
+            <a:ext cx="7921625" cy="462371"/>
+          </a:xfrm>
+          <a:prstGeom prst="rect">
+            <a:avLst/>
+          </a:prstGeom>
+          <a:noFill/>
+        </p:spPr>
+        <p:txBody>
+          <a:bodyPr wrap="square" rtlCol="0">
+            <a:spAutoFit/>
+          </a:bodyPr>
+          <a:lstStyle/>
+          <a:p>
+            <a:pPr>
+              <a:lnSpc>
+                <a:spcPct val="150000"/>
+              </a:lnSpc>
+            </a:pPr>
+            <a:r>
+              <a:rPr lang="ru-RU" sz="1800" dirty="0">
+                <a:effectLst/>
+                <a:latin typeface="Rubik" pitchFamily="2" charset="-79"/>
+                <a:ea typeface="Calibri" panose="020F0502020204030204" pitchFamily="34" charset="0"/>
+                <a:cs typeface="Rubik" pitchFamily="2" charset="-79"/>
+              </a:rPr>
+              <a:t>Дерево интервалов позволяет решать следующую </a:t>
+            </a:r>
+            <a:r>
+              <a:rPr lang="ru-RU" dirty="0">
+                <a:latin typeface="Rubik" pitchFamily="2" charset="-79"/>
+                <a:ea typeface="Calibri" panose="020F0502020204030204" pitchFamily="34" charset="0"/>
+                <a:cs typeface="Rubik" pitchFamily="2" charset="-79"/>
+              </a:rPr>
+              <a:t>задачу. </a:t>
+            </a:r>
+            <a:endParaRPr lang="en-US" sz="1800" dirty="0">
+              <a:effectLst/>
+              <a:latin typeface="Rubik" pitchFamily="2" charset="-79"/>
+              <a:ea typeface="Calibri" panose="020F0502020204030204" pitchFamily="34" charset="0"/>
+              <a:cs typeface="Rubik" pitchFamily="2" charset="-79"/>
+            </a:endParaRPr>
+          </a:p>
+        </p:txBody>
+      </p:sp>
+    </p:spTree>
+    <p:extLst>
+      <p:ext uri="{BB962C8B-B14F-4D97-AF65-F5344CB8AC3E}">
+        <p14:creationId xmlns:p14="http://schemas.microsoft.com/office/powerpoint/2010/main" val="1772473922"/>
+      </p:ext>
+    </p:extLst>
+  </p:cSld>
+  <p:clrMapOvr>
+    <a:masterClrMapping/>
+  </p:clrMapOvr>
+</p:sld>
+</file>
+
+<file path=ppt/slides/slide5.xml><?xml version="1.0" encoding="utf-8"?>
 <p:sld xmlns:a="http://schemas.openxmlformats.org/drawingml/2006/main" xmlns:r="http://schemas.openxmlformats.org/officeDocument/2006/relationships" xmlns:p="http://schemas.openxmlformats.org/presentationml/2006/main">
   <p:cSld>
     <p:spTree>
@@ -13896,7 +14730,7 @@
         </p:nvSpPr>
         <p:spPr>
           <a:xfrm>
-            <a:off x="8532812" y="231774"/>
+            <a:off x="8532812" y="225243"/>
             <a:ext cx="1005840" cy="600165"/>
           </a:xfrm>
           <a:prstGeom prst="roundRect">
@@ -13971,13 +14805,18 @@
           <a:lstStyle/>
           <a:p>
             <a:r>
-              <a:rPr lang="ru-RU" sz="2800" dirty="0">
+              <a:rPr lang="en-US" sz="2800" dirty="0">
                 <a:solidFill>
                   <a:schemeClr val="bg1"/>
                 </a:solidFill>
               </a:rPr>
-              <a:t>4</a:t>
-            </a:r>
+              <a:t>5</a:t>
+            </a:r>
+            <a:endParaRPr lang="ru-RU" sz="2800" dirty="0">
+              <a:solidFill>
+                <a:schemeClr val="bg1"/>
+              </a:solidFill>
+            </a:endParaRPr>
           </a:p>
         </p:txBody>
       </p:sp>
@@ -13994,7 +14833,7 @@
 </p:sld>
 </file>
 
-<file path=ppt/slides/slide5.xml><?xml version="1.0" encoding="utf-8"?>
+<file path=ppt/slides/slide6.xml><?xml version="1.0" encoding="utf-8"?>
 <p:sld xmlns:a="http://schemas.openxmlformats.org/drawingml/2006/main" xmlns:r="http://schemas.openxmlformats.org/officeDocument/2006/relationships" xmlns:p="http://schemas.openxmlformats.org/presentationml/2006/main">
   <p:cSld>
     <p:spTree>
@@ -14232,7 +15071,7 @@
         </p:nvSpPr>
         <p:spPr>
           <a:xfrm>
-            <a:off x="527425" y="4767640"/>
+            <a:off x="1642772" y="4746073"/>
             <a:ext cx="4403705" cy="254361"/>
           </a:xfrm>
           <a:prstGeom prst="rect">
@@ -14275,7 +15114,7 @@
         </p:nvSpPr>
         <p:spPr>
           <a:xfrm>
-            <a:off x="5339664" y="4767640"/>
+            <a:off x="6455011" y="4746073"/>
             <a:ext cx="2198281" cy="254361"/>
           </a:xfrm>
           <a:prstGeom prst="rect">
@@ -14312,78 +15151,117 @@
           </a:p>
         </p:txBody>
       </p:sp>
-      <p:sp>
-        <p:nvSpPr>
-          <p:cNvPr id="14" name="TextBox 13">
-            <a:extLst>
-              <a:ext uri="{FF2B5EF4-FFF2-40B4-BE49-F238E27FC236}">
-                <a16:creationId xmlns:a16="http://schemas.microsoft.com/office/drawing/2014/main" id="{E260AB75-B293-5691-66A8-0445AF0A3299}"/>
-              </a:ext>
-            </a:extLst>
-          </p:cNvPr>
-          <p:cNvSpPr txBox="1"/>
-          <p:nvPr/>
-        </p:nvSpPr>
-        <p:spPr>
-          <a:xfrm>
-            <a:off x="7946480" y="4767640"/>
-            <a:ext cx="670095" cy="254361"/>
-          </a:xfrm>
-          <a:prstGeom prst="rect">
-            <a:avLst/>
-          </a:prstGeom>
-          <a:noFill/>
-        </p:spPr>
-        <p:txBody>
-          <a:bodyPr wrap="square">
-            <a:spAutoFit/>
-          </a:bodyPr>
-          <a:lstStyle/>
-          <a:p>
-            <a:r>
-              <a:rPr lang="en-US" sz="1400" dirty="0">
-                <a:effectLst/>
-                <a:latin typeface="Rubik" pitchFamily="2" charset="-79"/>
-                <a:cs typeface="Rubik" pitchFamily="2" charset="-79"/>
-              </a:rPr>
-              <a:t>k&lt;=n</a:t>
-            </a:r>
-            <a:endParaRPr lang="ru-RU" sz="1400" dirty="0">
-              <a:latin typeface="Rubik" pitchFamily="2" charset="-79"/>
-              <a:cs typeface="Rubik" pitchFamily="2" charset="-79"/>
-            </a:endParaRPr>
-          </a:p>
-        </p:txBody>
-      </p:sp>
-      <p:sp>
-        <p:nvSpPr>
-          <p:cNvPr id="3" name="Номер слайда 2">
-            <a:extLst>
-              <a:ext uri="{FF2B5EF4-FFF2-40B4-BE49-F238E27FC236}">
-                <a16:creationId xmlns:a16="http://schemas.microsoft.com/office/drawing/2014/main" id="{D7B63189-17D3-39FA-38D0-A8A966537F05}"/>
-              </a:ext>
-            </a:extLst>
-          </p:cNvPr>
-          <p:cNvSpPr>
-            <a:spLocks noGrp="1"/>
-          </p:cNvSpPr>
-          <p:nvPr>
-            <p:ph type="sldNum" sz="quarter" idx="12"/>
-          </p:nvPr>
-        </p:nvSpPr>
-        <p:spPr/>
-        <p:txBody>
-          <a:bodyPr/>
-          <a:lstStyle/>
-          <a:p>
-            <a:fld id="{69E97805-E822-45F1-921A-0ABEBD7075E4}" type="slidenum">
-              <a:rPr lang="ru-RU" smtClean="0"/>
-              <a:t>5</a:t>
-            </a:fld>
-            <a:endParaRPr lang="ru-RU" dirty="0"/>
-          </a:p>
-        </p:txBody>
-      </p:sp>
+      <mc:AlternateContent xmlns:mc="http://schemas.openxmlformats.org/markup-compatibility/2006">
+        <mc:Choice xmlns:a14="http://schemas.microsoft.com/office/drawing/2010/main" Requires="a14">
+          <p:sp>
+            <p:nvSpPr>
+              <p:cNvPr id="14" name="TextBox 13">
+                <a:extLst>
+                  <a:ext uri="{FF2B5EF4-FFF2-40B4-BE49-F238E27FC236}">
+                    <a16:creationId xmlns:a16="http://schemas.microsoft.com/office/drawing/2014/main" id="{E260AB75-B293-5691-66A8-0445AF0A3299}"/>
+                  </a:ext>
+                </a:extLst>
+              </p:cNvPr>
+              <p:cNvSpPr txBox="1"/>
+              <p:nvPr/>
+            </p:nvSpPr>
+            <p:spPr>
+              <a:xfrm>
+                <a:off x="554844" y="4727059"/>
+                <a:ext cx="670095" cy="369332"/>
+              </a:xfrm>
+              <a:prstGeom prst="rect">
+                <a:avLst/>
+              </a:prstGeom>
+              <a:noFill/>
+            </p:spPr>
+            <p:txBody>
+              <a:bodyPr wrap="square">
+                <a:spAutoFit/>
+              </a:bodyPr>
+              <a:lstStyle/>
+              <a:p>
+                <a:r>
+                  <a:rPr lang="en-US" dirty="0">
+                    <a:effectLst/>
+                    <a:latin typeface="Rubik" pitchFamily="2" charset="-79"/>
+                    <a:cs typeface="Rubik" pitchFamily="2" charset="-79"/>
+                  </a:rPr>
+                  <a:t>k</a:t>
+                </a:r>
+                <a14:m>
+                  <m:oMath xmlns:m="http://schemas.openxmlformats.org/officeDocument/2006/math">
+                    <m:r>
+                      <a:rPr lang="en-US" b="0" i="1" smtClean="0">
+                        <a:effectLst/>
+                        <a:latin typeface="Cambria Math" panose="02040503050406030204" pitchFamily="18" charset="0"/>
+                        <a:cs typeface="Rubik" pitchFamily="2" charset="-79"/>
+                      </a:rPr>
+                      <m:t>≤</m:t>
+                    </m:r>
+                  </m:oMath>
+                </a14:m>
+                <a:r>
+                  <a:rPr lang="en-US" dirty="0">
+                    <a:effectLst/>
+                    <a:latin typeface="Rubik" pitchFamily="2" charset="-79"/>
+                    <a:cs typeface="Rubik" pitchFamily="2" charset="-79"/>
+                  </a:rPr>
+                  <a:t>n</a:t>
+                </a:r>
+                <a:endParaRPr lang="ru-RU" dirty="0">
+                  <a:latin typeface="Rubik" pitchFamily="2" charset="-79"/>
+                  <a:cs typeface="Rubik" pitchFamily="2" charset="-79"/>
+                </a:endParaRPr>
+              </a:p>
+            </p:txBody>
+          </p:sp>
+        </mc:Choice>
+        <mc:Fallback>
+          <p:sp>
+            <p:nvSpPr>
+              <p:cNvPr id="14" name="TextBox 13">
+                <a:extLst>
+                  <a:ext uri="{FF2B5EF4-FFF2-40B4-BE49-F238E27FC236}">
+                    <a16:creationId xmlns:a16="http://schemas.microsoft.com/office/drawing/2014/main" id="{E260AB75-B293-5691-66A8-0445AF0A3299}"/>
+                  </a:ext>
+                </a:extLst>
+              </p:cNvPr>
+              <p:cNvSpPr txBox="1">
+                <a:spLocks noRot="1" noChangeAspect="1" noMove="1" noResize="1" noEditPoints="1" noAdjustHandles="1" noChangeArrowheads="1" noChangeShapeType="1" noTextEdit="1"/>
+              </p:cNvSpPr>
+              <p:nvPr/>
+            </p:nvSpPr>
+            <p:spPr>
+              <a:xfrm>
+                <a:off x="554844" y="4727059"/>
+                <a:ext cx="670095" cy="369332"/>
+              </a:xfrm>
+              <a:prstGeom prst="rect">
+                <a:avLst/>
+              </a:prstGeom>
+              <a:blipFill>
+                <a:blip r:embed="rId8"/>
+                <a:stretch>
+                  <a:fillRect l="-7273" t="-6557" b="-26230"/>
+                </a:stretch>
+              </a:blipFill>
+            </p:spPr>
+            <p:txBody>
+              <a:bodyPr/>
+              <a:lstStyle/>
+              <a:p>
+                <a:r>
+                  <a:rPr lang="ru-RU">
+                    <a:noFill/>
+                  </a:rPr>
+                  <a:t> </a:t>
+                </a:r>
+              </a:p>
+            </p:txBody>
+          </p:sp>
+        </mc:Fallback>
+      </mc:AlternateContent>
       <p:sp>
         <p:nvSpPr>
           <p:cNvPr id="10" name="Прямоугольник: скругленные углы 9">
@@ -14473,13 +15351,18 @@
           <a:lstStyle/>
           <a:p>
             <a:r>
-              <a:rPr lang="ru-RU" sz="2800" dirty="0">
+              <a:rPr lang="en-US" sz="2800" dirty="0">
                 <a:solidFill>
                   <a:schemeClr val="bg1"/>
                 </a:solidFill>
               </a:rPr>
-              <a:t>5</a:t>
-            </a:r>
+              <a:t>6</a:t>
+            </a:r>
+            <a:endParaRPr lang="ru-RU" sz="2800" dirty="0">
+              <a:solidFill>
+                <a:schemeClr val="bg1"/>
+              </a:solidFill>
+            </a:endParaRPr>
           </a:p>
         </p:txBody>
       </p:sp>
@@ -14496,7 +15379,7 @@
 </p:sld>
 </file>
 
-<file path=ppt/slides/slide6.xml><?xml version="1.0" encoding="utf-8"?>
+<file path=ppt/slides/slide7.xml><?xml version="1.0" encoding="utf-8"?>
 <p:sld xmlns:a="http://schemas.openxmlformats.org/drawingml/2006/main" xmlns:r="http://schemas.openxmlformats.org/officeDocument/2006/relationships" xmlns:p="http://schemas.openxmlformats.org/presentationml/2006/main">
   <p:cSld>
     <p:spTree>
@@ -15339,7 +16222,7 @@
         </p:nvSpPr>
         <p:spPr>
           <a:xfrm flipH="1">
-            <a:off x="8653292" y="270246"/>
+            <a:off x="8653292" y="263715"/>
             <a:ext cx="382440" cy="523220"/>
           </a:xfrm>
           <a:prstGeom prst="rect">
@@ -15354,13 +16237,18 @@
           <a:lstStyle/>
           <a:p>
             <a:r>
-              <a:rPr lang="ru-RU" sz="2800" dirty="0">
+              <a:rPr lang="en-US" sz="2800" dirty="0">
                 <a:solidFill>
                   <a:schemeClr val="bg1"/>
                 </a:solidFill>
               </a:rPr>
-              <a:t>6</a:t>
-            </a:r>
+              <a:t>7</a:t>
+            </a:r>
+            <a:endParaRPr lang="ru-RU" sz="2800" dirty="0">
+              <a:solidFill>
+                <a:schemeClr val="bg1"/>
+              </a:solidFill>
+            </a:endParaRPr>
           </a:p>
         </p:txBody>
       </p:sp>
@@ -15849,7 +16737,7 @@
 </p:sld>
 </file>
 
-<file path=ppt/slides/slide7.xml><?xml version="1.0" encoding="utf-8"?>
+<file path=ppt/slides/slide8.xml><?xml version="1.0" encoding="utf-8"?>
 <p:sld xmlns:a="http://schemas.openxmlformats.org/drawingml/2006/main" xmlns:r="http://schemas.openxmlformats.org/officeDocument/2006/relationships" xmlns:p="http://schemas.openxmlformats.org/presentationml/2006/main">
   <p:cSld>
     <p:spTree>
@@ -16932,13 +17820,18 @@
           <a:lstStyle/>
           <a:p>
             <a:r>
-              <a:rPr lang="ru-RU" sz="2800" dirty="0">
+              <a:rPr lang="en-US" sz="2800" dirty="0">
                 <a:solidFill>
                   <a:schemeClr val="bg1"/>
                 </a:solidFill>
               </a:rPr>
-              <a:t>7</a:t>
-            </a:r>
+              <a:t>8</a:t>
+            </a:r>
+            <a:endParaRPr lang="ru-RU" sz="2800" dirty="0">
+              <a:solidFill>
+                <a:schemeClr val="bg1"/>
+              </a:solidFill>
+            </a:endParaRPr>
           </a:p>
         </p:txBody>
       </p:sp>
@@ -17862,7 +18755,7 @@
 </p:sld>
 </file>
 
-<file path=ppt/slides/slide8.xml><?xml version="1.0" encoding="utf-8"?>
+<file path=ppt/slides/slide9.xml><?xml version="1.0" encoding="utf-8"?>
 <p:sld xmlns:a="http://schemas.openxmlformats.org/drawingml/2006/main" xmlns:r="http://schemas.openxmlformats.org/officeDocument/2006/relationships" xmlns:p="http://schemas.openxmlformats.org/presentationml/2006/main">
   <p:cSld>
     <p:spTree>
@@ -19501,7 +20394,7 @@
         </p:nvSpPr>
         <p:spPr>
           <a:xfrm flipH="1">
-            <a:off x="8653292" y="270246"/>
+            <a:off x="8653292" y="263715"/>
             <a:ext cx="382440" cy="523220"/>
           </a:xfrm>
           <a:prstGeom prst="rect">
@@ -19516,13 +20409,18 @@
           <a:lstStyle/>
           <a:p>
             <a:r>
-              <a:rPr lang="ru-RU" sz="2800" dirty="0">
+              <a:rPr lang="en-US" sz="2800" dirty="0">
                 <a:solidFill>
                   <a:schemeClr val="bg1"/>
                 </a:solidFill>
               </a:rPr>
-              <a:t>8</a:t>
-            </a:r>
+              <a:t>9</a:t>
+            </a:r>
+            <a:endParaRPr lang="ru-RU" sz="2800" dirty="0">
+              <a:solidFill>
+                <a:schemeClr val="bg1"/>
+              </a:solidFill>
+            </a:endParaRPr>
           </a:p>
         </p:txBody>
       </p:sp>
@@ -21336,303 +22234,6 @@
 </p:sld>
 </file>
 
-<file path=ppt/slides/slide9.xml><?xml version="1.0" encoding="utf-8"?>
-<p:sld xmlns:a="http://schemas.openxmlformats.org/drawingml/2006/main" xmlns:r="http://schemas.openxmlformats.org/officeDocument/2006/relationships" xmlns:p="http://schemas.openxmlformats.org/presentationml/2006/main">
-  <p:cSld>
-    <p:spTree>
-      <p:nvGrpSpPr>
-        <p:cNvPr id="1" name=""/>
-        <p:cNvGrpSpPr/>
-        <p:nvPr/>
-      </p:nvGrpSpPr>
-      <p:grpSpPr>
-        <a:xfrm>
-          <a:off x="0" y="0"/>
-          <a:ext cx="0" cy="0"/>
-          <a:chOff x="0" y="0"/>
-          <a:chExt cx="0" cy="0"/>
-        </a:xfrm>
-      </p:grpSpPr>
-      <p:sp>
-        <p:nvSpPr>
-          <p:cNvPr id="6" name="TextBox 5">
-            <a:extLst>
-              <a:ext uri="{FF2B5EF4-FFF2-40B4-BE49-F238E27FC236}">
-                <a16:creationId xmlns:a16="http://schemas.microsoft.com/office/drawing/2014/main" id="{1E89E242-C586-7BBB-5345-FD5D9EDF1FC7}"/>
-              </a:ext>
-            </a:extLst>
-          </p:cNvPr>
-          <p:cNvSpPr txBox="1"/>
-          <p:nvPr/>
-        </p:nvSpPr>
-        <p:spPr>
-          <a:xfrm>
-            <a:off x="693420" y="231775"/>
-            <a:ext cx="6805748" cy="600164"/>
-          </a:xfrm>
-          <a:prstGeom prst="rect">
-            <a:avLst/>
-          </a:prstGeom>
-          <a:noFill/>
-        </p:spPr>
-        <p:txBody>
-          <a:bodyPr wrap="square">
-            <a:spAutoFit/>
-          </a:bodyPr>
-          <a:lstStyle/>
-          <a:p>
-            <a:r>
-              <a:rPr lang="ru-RU" sz="3300" b="1" dirty="0">
-                <a:latin typeface="Rubik" pitchFamily="2" charset="-79"/>
-                <a:cs typeface="Rubik" pitchFamily="2" charset="-79"/>
-              </a:rPr>
-              <a:t>Полное перекрытие</a:t>
-            </a:r>
-          </a:p>
-        </p:txBody>
-      </p:sp>
-      <p:sp>
-        <p:nvSpPr>
-          <p:cNvPr id="12" name="Прямоугольник: скругленные углы 11">
-            <a:extLst>
-              <a:ext uri="{FF2B5EF4-FFF2-40B4-BE49-F238E27FC236}">
-                <a16:creationId xmlns:a16="http://schemas.microsoft.com/office/drawing/2014/main" id="{AB154D77-238F-68CD-60CE-AEF2ADC9A45B}"/>
-              </a:ext>
-            </a:extLst>
-          </p:cNvPr>
-          <p:cNvSpPr/>
-          <p:nvPr/>
-        </p:nvSpPr>
-        <p:spPr>
-          <a:xfrm>
-            <a:off x="611188" y="231775"/>
-            <a:ext cx="45719" cy="600164"/>
-          </a:xfrm>
-          <a:prstGeom prst="roundRect">
-            <a:avLst/>
-          </a:prstGeom>
-          <a:solidFill>
-            <a:srgbClr val="FFD089"/>
-          </a:solidFill>
-          <a:ln>
-            <a:noFill/>
-          </a:ln>
-        </p:spPr>
-        <p:style>
-          <a:lnRef idx="2">
-            <a:schemeClr val="accent1">
-              <a:shade val="50000"/>
-            </a:schemeClr>
-          </a:lnRef>
-          <a:fillRef idx="1">
-            <a:schemeClr val="accent1"/>
-          </a:fillRef>
-          <a:effectRef idx="0">
-            <a:schemeClr val="accent1"/>
-          </a:effectRef>
-          <a:fontRef idx="minor">
-            <a:schemeClr val="lt1"/>
-          </a:fontRef>
-        </p:style>
-        <p:txBody>
-          <a:bodyPr rtlCol="0" anchor="ctr"/>
-          <a:lstStyle/>
-          <a:p>
-            <a:pPr algn="ctr"/>
-            <a:endParaRPr lang="ru-RU"/>
-          </a:p>
-        </p:txBody>
-      </p:sp>
-      <p:pic>
-        <p:nvPicPr>
-          <p:cNvPr id="3" name="Рисунок 2">
-            <a:extLst>
-              <a:ext uri="{FF2B5EF4-FFF2-40B4-BE49-F238E27FC236}">
-                <a16:creationId xmlns:a16="http://schemas.microsoft.com/office/drawing/2014/main" id="{64630688-E850-7D12-8199-0FEA68BFFFA8}"/>
-              </a:ext>
-            </a:extLst>
-          </p:cNvPr>
-          <p:cNvPicPr>
-            <a:picLocks noChangeAspect="1"/>
-          </p:cNvPicPr>
-          <p:nvPr/>
-        </p:nvPicPr>
-        <p:blipFill>
-          <a:blip r:embed="rId2">
-            <a:extLst>
-              <a:ext uri="{28A0092B-C50C-407E-A947-70E740481C1C}">
-                <a14:useLocalDpi xmlns:a14="http://schemas.microsoft.com/office/drawing/2010/main" val="0"/>
-              </a:ext>
-              <a:ext uri="{96DAC541-7B7A-43D3-8B79-37D633B846F1}">
-                <asvg:svgBlip xmlns:asvg="http://schemas.microsoft.com/office/drawing/2016/SVG/main" r:embed="rId3"/>
-              </a:ext>
-            </a:extLst>
-          </a:blip>
-          <a:stretch>
-            <a:fillRect/>
-          </a:stretch>
-        </p:blipFill>
-        <p:spPr>
-          <a:xfrm>
-            <a:off x="611188" y="1371600"/>
-            <a:ext cx="3883551" cy="3038475"/>
-          </a:xfrm>
-          <a:prstGeom prst="rect">
-            <a:avLst/>
-          </a:prstGeom>
-        </p:spPr>
-      </p:pic>
-      <p:pic>
-        <p:nvPicPr>
-          <p:cNvPr id="5" name="Рисунок 4">
-            <a:extLst>
-              <a:ext uri="{FF2B5EF4-FFF2-40B4-BE49-F238E27FC236}">
-                <a16:creationId xmlns:a16="http://schemas.microsoft.com/office/drawing/2014/main" id="{92D9590F-1511-A79E-0A96-02079DCFB466}"/>
-              </a:ext>
-            </a:extLst>
-          </p:cNvPr>
-          <p:cNvPicPr>
-            <a:picLocks noChangeAspect="1"/>
-          </p:cNvPicPr>
-          <p:nvPr/>
-        </p:nvPicPr>
-        <p:blipFill>
-          <a:blip r:embed="rId4">
-            <a:extLst>
-              <a:ext uri="{28A0092B-C50C-407E-A947-70E740481C1C}">
-                <a14:useLocalDpi xmlns:a14="http://schemas.microsoft.com/office/drawing/2010/main" val="0"/>
-              </a:ext>
-              <a:ext uri="{96DAC541-7B7A-43D3-8B79-37D633B846F1}">
-                <asvg:svgBlip xmlns:asvg="http://schemas.microsoft.com/office/drawing/2016/SVG/main" r:embed="rId5"/>
-              </a:ext>
-            </a:extLst>
-          </a:blip>
-          <a:stretch>
-            <a:fillRect/>
-          </a:stretch>
-        </p:blipFill>
-        <p:spPr>
-          <a:xfrm>
-            <a:off x="4649263" y="1371599"/>
-            <a:ext cx="3883551" cy="3038475"/>
-          </a:xfrm>
-          <a:prstGeom prst="rect">
-            <a:avLst/>
-          </a:prstGeom>
-        </p:spPr>
-      </p:pic>
-      <p:sp>
-        <p:nvSpPr>
-          <p:cNvPr id="11" name="Прямоугольник: скругленные углы 10">
-            <a:extLst>
-              <a:ext uri="{FF2B5EF4-FFF2-40B4-BE49-F238E27FC236}">
-                <a16:creationId xmlns:a16="http://schemas.microsoft.com/office/drawing/2014/main" id="{41151348-B9DB-9541-59E7-7A9B26552861}"/>
-              </a:ext>
-            </a:extLst>
-          </p:cNvPr>
-          <p:cNvSpPr/>
-          <p:nvPr/>
-        </p:nvSpPr>
-        <p:spPr>
-          <a:xfrm>
-            <a:off x="8532812" y="231774"/>
-            <a:ext cx="1005840" cy="600165"/>
-          </a:xfrm>
-          <a:prstGeom prst="roundRect">
-            <a:avLst/>
-          </a:prstGeom>
-          <a:gradFill>
-            <a:gsLst>
-              <a:gs pos="0">
-                <a:srgbClr val="F29E54"/>
-              </a:gs>
-              <a:gs pos="100000">
-                <a:srgbClr val="EE7C37"/>
-              </a:gs>
-            </a:gsLst>
-            <a:lin ang="3000000" scaled="0"/>
-          </a:gradFill>
-          <a:ln>
-            <a:noFill/>
-          </a:ln>
-        </p:spPr>
-        <p:style>
-          <a:lnRef idx="2">
-            <a:schemeClr val="accent1">
-              <a:shade val="50000"/>
-            </a:schemeClr>
-          </a:lnRef>
-          <a:fillRef idx="1">
-            <a:schemeClr val="accent1"/>
-          </a:fillRef>
-          <a:effectRef idx="0">
-            <a:schemeClr val="accent1"/>
-          </a:effectRef>
-          <a:fontRef idx="minor">
-            <a:schemeClr val="lt1"/>
-          </a:fontRef>
-        </p:style>
-        <p:txBody>
-          <a:bodyPr rtlCol="0" anchor="ctr"/>
-          <a:lstStyle/>
-          <a:p>
-            <a:pPr algn="ctr"/>
-            <a:endParaRPr lang="ru-RU"/>
-          </a:p>
-        </p:txBody>
-      </p:sp>
-      <p:sp>
-        <p:nvSpPr>
-          <p:cNvPr id="13" name="TextBox 12">
-            <a:extLst>
-              <a:ext uri="{FF2B5EF4-FFF2-40B4-BE49-F238E27FC236}">
-                <a16:creationId xmlns:a16="http://schemas.microsoft.com/office/drawing/2014/main" id="{78EC24C5-6470-A76F-91E8-C010FD03EC9B}"/>
-              </a:ext>
-            </a:extLst>
-          </p:cNvPr>
-          <p:cNvSpPr txBox="1"/>
-          <p:nvPr/>
-        </p:nvSpPr>
-        <p:spPr>
-          <a:xfrm flipH="1">
-            <a:off x="8653292" y="270246"/>
-            <a:ext cx="382440" cy="523220"/>
-          </a:xfrm>
-          <a:prstGeom prst="rect">
-            <a:avLst/>
-          </a:prstGeom>
-          <a:noFill/>
-        </p:spPr>
-        <p:txBody>
-          <a:bodyPr wrap="square" rtlCol="0">
-            <a:spAutoFit/>
-          </a:bodyPr>
-          <a:lstStyle/>
-          <a:p>
-            <a:r>
-              <a:rPr lang="ru-RU" sz="2800" dirty="0">
-                <a:solidFill>
-                  <a:schemeClr val="bg1"/>
-                </a:solidFill>
-              </a:rPr>
-              <a:t>9</a:t>
-            </a:r>
-          </a:p>
-        </p:txBody>
-      </p:sp>
-    </p:spTree>
-    <p:extLst>
-      <p:ext uri="{BB962C8B-B14F-4D97-AF65-F5344CB8AC3E}">
-        <p14:creationId xmlns:p14="http://schemas.microsoft.com/office/powerpoint/2010/main" val="1777784502"/>
-      </p:ext>
-    </p:extLst>
-  </p:cSld>
-  <p:clrMapOvr>
-    <a:masterClrMapping/>
-  </p:clrMapOvr>
-</p:sld>
-</file>
-
 <file path=ppt/theme/theme1.xml><?xml version="1.0" encoding="utf-8"?>
 <a:theme xmlns:a="http://schemas.openxmlformats.org/drawingml/2006/main" name="Тема Office">
   <a:themeElements>

--- a/Дерево интервалов.pptx
+++ b/Дерево интервалов.pptx
@@ -10,8 +10,8 @@
   <p:sldIdLst>
     <p:sldId id="256" r:id="rId2"/>
     <p:sldId id="257" r:id="rId3"/>
-    <p:sldId id="275" r:id="rId4"/>
-    <p:sldId id="276" r:id="rId5"/>
+    <p:sldId id="276" r:id="rId4"/>
+    <p:sldId id="277" r:id="rId5"/>
     <p:sldId id="259" r:id="rId6"/>
     <p:sldId id="261" r:id="rId7"/>
     <p:sldId id="260" r:id="rId8"/>
@@ -5241,7 +5241,7 @@
           <a:p>
             <a:fld id="{5E6EF83D-6BC1-45AB-BB38-7AC10106CD99}" type="datetimeFigureOut">
               <a:rPr lang="ru-RU" smtClean="0"/>
-              <a:t>23.01.2023</a:t>
+              <a:t>24.01.2023</a:t>
             </a:fld>
             <a:endParaRPr lang="ru-RU"/>
           </a:p>
@@ -5639,7 +5639,7 @@
           <a:p>
             <a:fld id="{CB08DC8E-4640-488D-B1B6-83F28F1FDD21}" type="datetime1">
               <a:rPr lang="ru-RU" smtClean="0"/>
-              <a:t>23.01.2023</a:t>
+              <a:t>24.01.2023</a:t>
             </a:fld>
             <a:endParaRPr lang="ru-RU"/>
           </a:p>
@@ -5809,7 +5809,7 @@
           <a:p>
             <a:fld id="{5A610DD2-F775-4697-82F2-E02E860AB71E}" type="datetime1">
               <a:rPr lang="ru-RU" smtClean="0"/>
-              <a:t>23.01.2023</a:t>
+              <a:t>24.01.2023</a:t>
             </a:fld>
             <a:endParaRPr lang="ru-RU"/>
           </a:p>
@@ -5989,7 +5989,7 @@
           <a:p>
             <a:fld id="{03B9CCB0-0EBE-4C2E-8727-91DA3DE36683}" type="datetime1">
               <a:rPr lang="ru-RU" smtClean="0"/>
-              <a:t>23.01.2023</a:t>
+              <a:t>24.01.2023</a:t>
             </a:fld>
             <a:endParaRPr lang="ru-RU"/>
           </a:p>
@@ -6159,7 +6159,7 @@
           <a:p>
             <a:fld id="{E9C79B4B-112B-45ED-8A93-DEC054AB2950}" type="datetime1">
               <a:rPr lang="ru-RU" smtClean="0"/>
-              <a:t>23.01.2023</a:t>
+              <a:t>24.01.2023</a:t>
             </a:fld>
             <a:endParaRPr lang="ru-RU"/>
           </a:p>
@@ -6405,7 +6405,7 @@
           <a:p>
             <a:fld id="{B985C757-C107-46F2-849C-4A1E818FDD01}" type="datetime1">
               <a:rPr lang="ru-RU" smtClean="0"/>
-              <a:t>23.01.2023</a:t>
+              <a:t>24.01.2023</a:t>
             </a:fld>
             <a:endParaRPr lang="ru-RU"/>
           </a:p>
@@ -6637,7 +6637,7 @@
           <a:p>
             <a:fld id="{D0149EBC-0C93-4DB8-A456-2321A158E730}" type="datetime1">
               <a:rPr lang="ru-RU" smtClean="0"/>
-              <a:t>23.01.2023</a:t>
+              <a:t>24.01.2023</a:t>
             </a:fld>
             <a:endParaRPr lang="ru-RU"/>
           </a:p>
@@ -7004,7 +7004,7 @@
           <a:p>
             <a:fld id="{E1CD0E30-33F0-42D3-9D59-D54983B90C31}" type="datetime1">
               <a:rPr lang="ru-RU" smtClean="0"/>
-              <a:t>23.01.2023</a:t>
+              <a:t>24.01.2023</a:t>
             </a:fld>
             <a:endParaRPr lang="ru-RU"/>
           </a:p>
@@ -7122,7 +7122,7 @@
           <a:p>
             <a:fld id="{01526A73-21D1-4D26-9400-2506123BD22E}" type="datetime1">
               <a:rPr lang="ru-RU" smtClean="0"/>
-              <a:t>23.01.2023</a:t>
+              <a:t>24.01.2023</a:t>
             </a:fld>
             <a:endParaRPr lang="ru-RU"/>
           </a:p>
@@ -7217,7 +7217,7 @@
           <a:p>
             <a:fld id="{F4F5F325-762E-4EC5-8E64-EF9616445EA7}" type="datetime1">
               <a:rPr lang="ru-RU" smtClean="0"/>
-              <a:t>23.01.2023</a:t>
+              <a:t>24.01.2023</a:t>
             </a:fld>
             <a:endParaRPr lang="ru-RU"/>
           </a:p>
@@ -7494,7 +7494,7 @@
           <a:p>
             <a:fld id="{D5496A59-C952-4C1B-9C7F-CD1C8FB515CF}" type="datetime1">
               <a:rPr lang="ru-RU" smtClean="0"/>
-              <a:t>23.01.2023</a:t>
+              <a:t>24.01.2023</a:t>
             </a:fld>
             <a:endParaRPr lang="ru-RU"/>
           </a:p>
@@ -7751,7 +7751,7 @@
           <a:p>
             <a:fld id="{18A5F2C4-F47D-4C06-9CD0-462F0A6E6C3A}" type="datetime1">
               <a:rPr lang="ru-RU" smtClean="0"/>
-              <a:t>23.01.2023</a:t>
+              <a:t>24.01.2023</a:t>
             </a:fld>
             <a:endParaRPr lang="ru-RU"/>
           </a:p>
@@ -7964,7 +7964,7 @@
           <a:p>
             <a:fld id="{CE32A494-4286-4E45-82FF-AA40DAE6BA7A}" type="datetime1">
               <a:rPr lang="ru-RU" smtClean="0"/>
-              <a:t>23.01.2023</a:t>
+              <a:t>24.01.2023</a:t>
             </a:fld>
             <a:endParaRPr lang="ru-RU"/>
           </a:p>
@@ -8595,7 +8595,7 @@
         </p:nvSpPr>
         <p:spPr>
           <a:xfrm>
-            <a:off x="6222048" y="4388505"/>
+            <a:off x="6222048" y="4240405"/>
             <a:ext cx="2310766" cy="523220"/>
           </a:xfrm>
           <a:prstGeom prst="rect">
@@ -9643,7 +9643,7 @@
         </p:nvSpPr>
         <p:spPr>
           <a:xfrm>
-            <a:off x="693420" y="231775"/>
+            <a:off x="687388" y="227584"/>
             <a:ext cx="6805748" cy="600164"/>
           </a:xfrm>
           <a:prstGeom prst="rect">
@@ -9662,7 +9662,7 @@
                 <a:latin typeface="Rubik" pitchFamily="2" charset="-79"/>
                 <a:cs typeface="Rubik" pitchFamily="2" charset="-79"/>
               </a:rPr>
-              <a:t>Реализация операций</a:t>
+              <a:t>Реализация</a:t>
             </a:r>
           </a:p>
         </p:txBody>
@@ -9733,7 +9733,7 @@
         </p:nvSpPr>
         <p:spPr>
           <a:xfrm>
-            <a:off x="525779" y="1342753"/>
+            <a:off x="525778" y="1592434"/>
             <a:ext cx="5173981" cy="369332"/>
           </a:xfrm>
           <a:prstGeom prst="rect">
@@ -9792,7 +9792,7 @@
         </p:nvSpPr>
         <p:spPr>
           <a:xfrm>
-            <a:off x="525778" y="1990453"/>
+            <a:off x="525778" y="2033912"/>
             <a:ext cx="6903722" cy="369332"/>
           </a:xfrm>
           <a:prstGeom prst="rect">
@@ -9851,7 +9851,7 @@
         </p:nvSpPr>
         <p:spPr>
           <a:xfrm>
-            <a:off x="525777" y="2638153"/>
+            <a:off x="525778" y="2473314"/>
             <a:ext cx="5974083" cy="369332"/>
           </a:xfrm>
           <a:prstGeom prst="rect">
@@ -10007,6 +10007,245 @@
           </a:p>
         </p:txBody>
       </p:sp>
+      <p:sp>
+        <p:nvSpPr>
+          <p:cNvPr id="2" name="TextBox 1">
+            <a:extLst>
+              <a:ext uri="{FF2B5EF4-FFF2-40B4-BE49-F238E27FC236}">
+                <a16:creationId xmlns:a16="http://schemas.microsoft.com/office/drawing/2014/main" id="{4D215B10-619F-7D53-2664-45D1B60D0858}"/>
+              </a:ext>
+            </a:extLst>
+          </p:cNvPr>
+          <p:cNvSpPr txBox="1"/>
+          <p:nvPr/>
+        </p:nvSpPr>
+        <p:spPr>
+          <a:xfrm>
+            <a:off x="525778" y="1112680"/>
+            <a:ext cx="5173981" cy="400110"/>
+          </a:xfrm>
+          <a:prstGeom prst="rect">
+            <a:avLst/>
+          </a:prstGeom>
+          <a:noFill/>
+        </p:spPr>
+        <p:txBody>
+          <a:bodyPr wrap="square">
+            <a:spAutoFit/>
+          </a:bodyPr>
+          <a:lstStyle/>
+          <a:p>
+            <a:r>
+              <a:rPr lang="ru-RU" sz="2000" i="1" dirty="0">
+                <a:effectLst/>
+                <a:latin typeface="Rubik" pitchFamily="2" charset="-79"/>
+                <a:cs typeface="Rubik" pitchFamily="2" charset="-79"/>
+              </a:rPr>
+              <a:t>Операции</a:t>
+            </a:r>
+            <a:endParaRPr lang="ru-RU" sz="2000" i="1" dirty="0">
+              <a:latin typeface="Rubik" pitchFamily="2" charset="-79"/>
+              <a:cs typeface="Rubik" pitchFamily="2" charset="-79"/>
+            </a:endParaRPr>
+          </a:p>
+        </p:txBody>
+      </p:sp>
+      <p:sp>
+        <p:nvSpPr>
+          <p:cNvPr id="3" name="TextBox 2">
+            <a:extLst>
+              <a:ext uri="{FF2B5EF4-FFF2-40B4-BE49-F238E27FC236}">
+                <a16:creationId xmlns:a16="http://schemas.microsoft.com/office/drawing/2014/main" id="{A1A8B491-675A-14AE-8205-7DF81E8FC036}"/>
+              </a:ext>
+            </a:extLst>
+          </p:cNvPr>
+          <p:cNvSpPr txBox="1"/>
+          <p:nvPr/>
+        </p:nvSpPr>
+        <p:spPr>
+          <a:xfrm>
+            <a:off x="525778" y="3111888"/>
+            <a:ext cx="5744393" cy="400110"/>
+          </a:xfrm>
+          <a:prstGeom prst="rect">
+            <a:avLst/>
+          </a:prstGeom>
+          <a:noFill/>
+        </p:spPr>
+        <p:txBody>
+          <a:bodyPr wrap="square">
+            <a:spAutoFit/>
+          </a:bodyPr>
+          <a:lstStyle/>
+          <a:p>
+            <a:r>
+              <a:rPr lang="ru-RU" sz="2000" i="1" dirty="0">
+                <a:effectLst/>
+                <a:latin typeface="Rubik" pitchFamily="2" charset="-79"/>
+                <a:cs typeface="Rubik" pitchFamily="2" charset="-79"/>
+              </a:rPr>
+              <a:t>Характеристики программного кода</a:t>
+            </a:r>
+            <a:endParaRPr lang="ru-RU" sz="2000" i="1" dirty="0">
+              <a:latin typeface="Rubik" pitchFamily="2" charset="-79"/>
+              <a:cs typeface="Rubik" pitchFamily="2" charset="-79"/>
+            </a:endParaRPr>
+          </a:p>
+        </p:txBody>
+      </p:sp>
+      <p:sp>
+        <p:nvSpPr>
+          <p:cNvPr id="8" name="TextBox 7">
+            <a:extLst>
+              <a:ext uri="{FF2B5EF4-FFF2-40B4-BE49-F238E27FC236}">
+                <a16:creationId xmlns:a16="http://schemas.microsoft.com/office/drawing/2014/main" id="{52786FD0-E72F-C6AD-8B03-8E537EE8D99C}"/>
+              </a:ext>
+            </a:extLst>
+          </p:cNvPr>
+          <p:cNvSpPr txBox="1"/>
+          <p:nvPr/>
+        </p:nvSpPr>
+        <p:spPr>
+          <a:xfrm>
+            <a:off x="525778" y="3607332"/>
+            <a:ext cx="6488976" cy="369332"/>
+          </a:xfrm>
+          <a:prstGeom prst="rect">
+            <a:avLst/>
+          </a:prstGeom>
+          <a:noFill/>
+        </p:spPr>
+        <p:txBody>
+          <a:bodyPr wrap="square">
+            <a:spAutoFit/>
+          </a:bodyPr>
+          <a:lstStyle/>
+          <a:p>
+            <a:r>
+              <a:rPr lang="ru-RU" dirty="0">
+                <a:latin typeface="Rubik" pitchFamily="2" charset="-79"/>
+                <a:cs typeface="Rubik" pitchFamily="2" charset="-79"/>
+              </a:rPr>
+              <a:t>Количество строк – 500</a:t>
+            </a:r>
+          </a:p>
+        </p:txBody>
+      </p:sp>
+      <p:sp>
+        <p:nvSpPr>
+          <p:cNvPr id="11" name="TextBox 10">
+            <a:extLst>
+              <a:ext uri="{FF2B5EF4-FFF2-40B4-BE49-F238E27FC236}">
+                <a16:creationId xmlns:a16="http://schemas.microsoft.com/office/drawing/2014/main" id="{F92594CB-FF1F-701A-0388-9428BBFF9C00}"/>
+              </a:ext>
+            </a:extLst>
+          </p:cNvPr>
+          <p:cNvSpPr txBox="1"/>
+          <p:nvPr/>
+        </p:nvSpPr>
+        <p:spPr>
+          <a:xfrm>
+            <a:off x="525778" y="4056308"/>
+            <a:ext cx="6488976" cy="369332"/>
+          </a:xfrm>
+          <a:prstGeom prst="rect">
+            <a:avLst/>
+          </a:prstGeom>
+          <a:noFill/>
+        </p:spPr>
+        <p:txBody>
+          <a:bodyPr wrap="square">
+            <a:spAutoFit/>
+          </a:bodyPr>
+          <a:lstStyle/>
+          <a:p>
+            <a:r>
+              <a:rPr lang="ru-RU" dirty="0">
+                <a:latin typeface="Rubik" pitchFamily="2" charset="-79"/>
+                <a:cs typeface="Rubik" pitchFamily="2" charset="-79"/>
+              </a:rPr>
+              <a:t>Количество классов – 1</a:t>
+            </a:r>
+          </a:p>
+        </p:txBody>
+      </p:sp>
+      <p:sp>
+        <p:nvSpPr>
+          <p:cNvPr id="13" name="TextBox 12">
+            <a:extLst>
+              <a:ext uri="{FF2B5EF4-FFF2-40B4-BE49-F238E27FC236}">
+                <a16:creationId xmlns:a16="http://schemas.microsoft.com/office/drawing/2014/main" id="{FF035940-5208-869E-6622-66E4061740F9}"/>
+              </a:ext>
+            </a:extLst>
+          </p:cNvPr>
+          <p:cNvSpPr txBox="1"/>
+          <p:nvPr/>
+        </p:nvSpPr>
+        <p:spPr>
+          <a:xfrm>
+            <a:off x="525778" y="4505285"/>
+            <a:ext cx="6488976" cy="369332"/>
+          </a:xfrm>
+          <a:prstGeom prst="rect">
+            <a:avLst/>
+          </a:prstGeom>
+          <a:noFill/>
+        </p:spPr>
+        <p:txBody>
+          <a:bodyPr wrap="square">
+            <a:spAutoFit/>
+          </a:bodyPr>
+          <a:lstStyle/>
+          <a:p>
+            <a:r>
+              <a:rPr lang="ru-RU" dirty="0">
+                <a:latin typeface="Rubik" pitchFamily="2" charset="-79"/>
+                <a:cs typeface="Rubik" pitchFamily="2" charset="-79"/>
+              </a:rPr>
+              <a:t>Количество методов – 4</a:t>
+            </a:r>
+          </a:p>
+        </p:txBody>
+      </p:sp>
+      <p:pic>
+        <p:nvPicPr>
+          <p:cNvPr id="15" name="Рисунок 14">
+            <a:extLst>
+              <a:ext uri="{FF2B5EF4-FFF2-40B4-BE49-F238E27FC236}">
+                <a16:creationId xmlns:a16="http://schemas.microsoft.com/office/drawing/2014/main" id="{5ACCBFFD-64FE-E0A6-58F1-83EA0804128C}"/>
+              </a:ext>
+            </a:extLst>
+          </p:cNvPr>
+          <p:cNvPicPr>
+            <a:picLocks noChangeAspect="1"/>
+          </p:cNvPicPr>
+          <p:nvPr/>
+        </p:nvPicPr>
+        <p:blipFill>
+          <a:blip r:embed="rId2">
+            <a:extLst>
+              <a:ext uri="{28A0092B-C50C-407E-A947-70E740481C1C}">
+                <a14:useLocalDpi xmlns:a14="http://schemas.microsoft.com/office/drawing/2010/main" val="0"/>
+              </a:ext>
+              <a:ext uri="{96DAC541-7B7A-43D3-8B79-37D633B846F1}">
+                <asvg:svgBlip xmlns:asvg="http://schemas.microsoft.com/office/drawing/2016/SVG/main" r:embed="rId3"/>
+              </a:ext>
+            </a:extLst>
+          </a:blip>
+          <a:stretch>
+            <a:fillRect/>
+          </a:stretch>
+        </p:blipFill>
+        <p:spPr>
+          <a:xfrm>
+            <a:off x="5362381" y="2994474"/>
+            <a:ext cx="3781619" cy="2149026"/>
+          </a:xfrm>
+          <a:prstGeom prst="rect">
+            <a:avLst/>
+          </a:prstGeom>
+        </p:spPr>
+      </p:pic>
     </p:spTree>
     <p:extLst>
       <p:ext uri="{BB962C8B-B14F-4D97-AF65-F5344CB8AC3E}">
@@ -10264,11 +10503,18 @@
           <a:p>
             <a:r>
               <a:rPr lang="ru-RU" b="1" i="1" dirty="0">
+                <a:latin typeface="Rubik" pitchFamily="2" charset="-79"/>
+                <a:cs typeface="Rubik" pitchFamily="2" charset="-79"/>
+              </a:rPr>
+              <a:t>Область</a:t>
+            </a:r>
+            <a:r>
+              <a:rPr lang="ru-RU" b="1" i="1" dirty="0">
                 <a:effectLst/>
                 <a:latin typeface="Rubik" pitchFamily="2" charset="-79"/>
                 <a:cs typeface="Rubik" pitchFamily="2" charset="-79"/>
               </a:rPr>
-              <a:t>Пример </a:t>
+              <a:t> </a:t>
             </a:r>
             <a:r>
               <a:rPr lang="ru-RU" b="1" i="1" dirty="0">
@@ -11865,7 +12111,7 @@
                 <a:latin typeface="Rubik" pitchFamily="2" charset="-79"/>
                 <a:cs typeface="Rubik" pitchFamily="2" charset="-79"/>
               </a:rPr>
-              <a:t>План работы</a:t>
+              <a:t>Формальная постановка задачи</a:t>
             </a:r>
           </a:p>
         </p:txBody>
@@ -12486,225 +12732,6 @@
           <p:cNvPr id="5" name="TextBox 4">
             <a:extLst>
               <a:ext uri="{FF2B5EF4-FFF2-40B4-BE49-F238E27FC236}">
-                <a16:creationId xmlns:a16="http://schemas.microsoft.com/office/drawing/2014/main" id="{6E8EFCD1-B8C1-7FFD-2378-0E193E9FCDA1}"/>
-              </a:ext>
-            </a:extLst>
-          </p:cNvPr>
-          <p:cNvSpPr txBox="1"/>
-          <p:nvPr/>
-        </p:nvSpPr>
-        <p:spPr>
-          <a:xfrm>
-            <a:off x="693420" y="212040"/>
-            <a:ext cx="6805748" cy="600164"/>
-          </a:xfrm>
-          <a:prstGeom prst="rect">
-            <a:avLst/>
-          </a:prstGeom>
-          <a:noFill/>
-        </p:spPr>
-        <p:txBody>
-          <a:bodyPr wrap="square">
-            <a:spAutoFit/>
-          </a:bodyPr>
-          <a:lstStyle/>
-          <a:p>
-            <a:r>
-              <a:rPr lang="ru-RU" sz="3300" b="1" i="1" dirty="0">
-                <a:latin typeface="Rubik" pitchFamily="2" charset="-79"/>
-                <a:cs typeface="Rubik" pitchFamily="2" charset="-79"/>
-              </a:rPr>
-              <a:t>Формальная постановка задачи </a:t>
-            </a:r>
-          </a:p>
-        </p:txBody>
-      </p:sp>
-      <p:sp>
-        <p:nvSpPr>
-          <p:cNvPr id="6" name="Прямоугольник: скругленные углы 5">
-            <a:extLst>
-              <a:ext uri="{FF2B5EF4-FFF2-40B4-BE49-F238E27FC236}">
-                <a16:creationId xmlns:a16="http://schemas.microsoft.com/office/drawing/2014/main" id="{64C7567D-A24B-8EBD-2CA8-02F6919E5CC9}"/>
-              </a:ext>
-            </a:extLst>
-          </p:cNvPr>
-          <p:cNvSpPr/>
-          <p:nvPr/>
-        </p:nvSpPr>
-        <p:spPr>
-          <a:xfrm>
-            <a:off x="611188" y="231775"/>
-            <a:ext cx="45719" cy="600164"/>
-          </a:xfrm>
-          <a:prstGeom prst="roundRect">
-            <a:avLst/>
-          </a:prstGeom>
-          <a:solidFill>
-            <a:srgbClr val="FFD089"/>
-          </a:solidFill>
-          <a:ln>
-            <a:noFill/>
-          </a:ln>
-        </p:spPr>
-        <p:style>
-          <a:lnRef idx="2">
-            <a:schemeClr val="accent1">
-              <a:shade val="50000"/>
-            </a:schemeClr>
-          </a:lnRef>
-          <a:fillRef idx="1">
-            <a:schemeClr val="accent1"/>
-          </a:fillRef>
-          <a:effectRef idx="0">
-            <a:schemeClr val="accent1"/>
-          </a:effectRef>
-          <a:fontRef idx="minor">
-            <a:schemeClr val="lt1"/>
-          </a:fontRef>
-        </p:style>
-        <p:txBody>
-          <a:bodyPr rtlCol="0" anchor="ctr"/>
-          <a:lstStyle/>
-          <a:p>
-            <a:pPr algn="ctr"/>
-            <a:endParaRPr lang="ru-RU"/>
-          </a:p>
-        </p:txBody>
-      </p:sp>
-      <p:sp>
-        <p:nvSpPr>
-          <p:cNvPr id="7" name="Прямоугольник: скругленные углы 6">
-            <a:extLst>
-              <a:ext uri="{FF2B5EF4-FFF2-40B4-BE49-F238E27FC236}">
-                <a16:creationId xmlns:a16="http://schemas.microsoft.com/office/drawing/2014/main" id="{68FB318A-DFEF-8A98-5AC4-7A5D97C5D570}"/>
-              </a:ext>
-            </a:extLst>
-          </p:cNvPr>
-          <p:cNvSpPr/>
-          <p:nvPr/>
-        </p:nvSpPr>
-        <p:spPr>
-          <a:xfrm>
-            <a:off x="8532812" y="231774"/>
-            <a:ext cx="1005840" cy="600165"/>
-          </a:xfrm>
-          <a:prstGeom prst="roundRect">
-            <a:avLst/>
-          </a:prstGeom>
-          <a:gradFill>
-            <a:gsLst>
-              <a:gs pos="0">
-                <a:srgbClr val="F29E54"/>
-              </a:gs>
-              <a:gs pos="100000">
-                <a:srgbClr val="EE7C37"/>
-              </a:gs>
-            </a:gsLst>
-            <a:lin ang="3000000" scaled="0"/>
-          </a:gradFill>
-          <a:ln>
-            <a:noFill/>
-          </a:ln>
-        </p:spPr>
-        <p:style>
-          <a:lnRef idx="2">
-            <a:schemeClr val="accent1">
-              <a:shade val="50000"/>
-            </a:schemeClr>
-          </a:lnRef>
-          <a:fillRef idx="1">
-            <a:schemeClr val="accent1"/>
-          </a:fillRef>
-          <a:effectRef idx="0">
-            <a:schemeClr val="accent1"/>
-          </a:effectRef>
-          <a:fontRef idx="minor">
-            <a:schemeClr val="lt1"/>
-          </a:fontRef>
-        </p:style>
-        <p:txBody>
-          <a:bodyPr rtlCol="0" anchor="ctr"/>
-          <a:lstStyle/>
-          <a:p>
-            <a:pPr algn="ctr"/>
-            <a:endParaRPr lang="ru-RU"/>
-          </a:p>
-        </p:txBody>
-      </p:sp>
-      <p:sp>
-        <p:nvSpPr>
-          <p:cNvPr id="8" name="TextBox 7">
-            <a:extLst>
-              <a:ext uri="{FF2B5EF4-FFF2-40B4-BE49-F238E27FC236}">
-                <a16:creationId xmlns:a16="http://schemas.microsoft.com/office/drawing/2014/main" id="{050356EE-987E-91DF-6187-124115762E9C}"/>
-              </a:ext>
-            </a:extLst>
-          </p:cNvPr>
-          <p:cNvSpPr txBox="1"/>
-          <p:nvPr/>
-        </p:nvSpPr>
-        <p:spPr>
-          <a:xfrm flipH="1">
-            <a:off x="8653292" y="270246"/>
-            <a:ext cx="382440" cy="523220"/>
-          </a:xfrm>
-          <a:prstGeom prst="rect">
-            <a:avLst/>
-          </a:prstGeom>
-          <a:noFill/>
-        </p:spPr>
-        <p:txBody>
-          <a:bodyPr wrap="square" rtlCol="0">
-            <a:spAutoFit/>
-          </a:bodyPr>
-          <a:lstStyle/>
-          <a:p>
-            <a:r>
-              <a:rPr lang="ru-RU" sz="2800" dirty="0">
-                <a:solidFill>
-                  <a:schemeClr val="bg1"/>
-                </a:solidFill>
-              </a:rPr>
-              <a:t>3</a:t>
-            </a:r>
-          </a:p>
-        </p:txBody>
-      </p:sp>
-    </p:spTree>
-    <p:extLst>
-      <p:ext uri="{BB962C8B-B14F-4D97-AF65-F5344CB8AC3E}">
-        <p14:creationId xmlns:p14="http://schemas.microsoft.com/office/powerpoint/2010/main" val="1445046228"/>
-      </p:ext>
-    </p:extLst>
-  </p:cSld>
-  <p:clrMapOvr>
-    <a:masterClrMapping/>
-  </p:clrMapOvr>
-</p:sld>
-</file>
-
-<file path=ppt/slides/slide4.xml><?xml version="1.0" encoding="utf-8"?>
-<p:sld xmlns:a="http://schemas.openxmlformats.org/drawingml/2006/main" xmlns:r="http://schemas.openxmlformats.org/officeDocument/2006/relationships" xmlns:p="http://schemas.openxmlformats.org/presentationml/2006/main">
-  <p:cSld>
-    <p:spTree>
-      <p:nvGrpSpPr>
-        <p:cNvPr id="1" name=""/>
-        <p:cNvGrpSpPr/>
-        <p:nvPr/>
-      </p:nvGrpSpPr>
-      <p:grpSpPr>
-        <a:xfrm>
-          <a:off x="0" y="0"/>
-          <a:ext cx="0" cy="0"/>
-          <a:chOff x="0" y="0"/>
-          <a:chExt cx="0" cy="0"/>
-        </a:xfrm>
-      </p:grpSpPr>
-      <p:sp>
-        <p:nvSpPr>
-          <p:cNvPr id="5" name="TextBox 4">
-            <a:extLst>
-              <a:ext uri="{FF2B5EF4-FFF2-40B4-BE49-F238E27FC236}">
                 <a16:creationId xmlns:a16="http://schemas.microsoft.com/office/drawing/2014/main" id="{C57A3697-C69A-AFA9-1B40-0A1465E65860}"/>
               </a:ext>
             </a:extLst>
@@ -12714,7 +12741,7 @@
         </p:nvSpPr>
         <p:spPr>
           <a:xfrm>
-            <a:off x="693420" y="212040"/>
+            <a:off x="693420" y="205509"/>
             <a:ext cx="6805748" cy="600164"/>
           </a:xfrm>
           <a:prstGeom prst="rect">
@@ -12910,8 +12937,8 @@
             </p:nvSpPr>
             <p:spPr>
               <a:xfrm>
-                <a:off x="561066" y="1613479"/>
-                <a:ext cx="7921626" cy="2955168"/>
+                <a:off x="611186" y="1829016"/>
+                <a:ext cx="7921626" cy="1782796"/>
               </a:xfrm>
               <a:prstGeom prst="rect">
                 <a:avLst/>
@@ -13008,29 +13035,29 @@
                           </a:rPr>
                           <m:t>, </m:t>
                         </m:r>
-                        <m:sSubSup>
-                          <m:sSubSupPr>
+                        <m:sSub>
+                          <m:sSubPr>
                             <m:ctrlPr>
-                              <a:rPr lang="ru-RU" sz="1800" i="1">
+                              <a:rPr lang="en-US" sz="1800" b="0" i="1" smtClean="0">
                                 <a:effectLst/>
                                 <a:latin typeface="Cambria Math" panose="02040503050406030204" pitchFamily="18" charset="0"/>
                                 <a:ea typeface="Calibri" panose="020F0502020204030204" pitchFamily="34" charset="0"/>
                               </a:rPr>
                             </m:ctrlPr>
-                          </m:sSubSupPr>
+                          </m:sSubPr>
                           <m:e>
                             <m:r>
-                              <a:rPr lang="ru-RU" sz="1800" i="1">
+                              <a:rPr lang="en-US" sz="1800" b="0" i="1" smtClean="0">
                                 <a:effectLst/>
                                 <a:latin typeface="Cambria Math" panose="02040503050406030204" pitchFamily="18" charset="0"/>
                                 <a:ea typeface="Calibri" panose="020F0502020204030204" pitchFamily="34" charset="0"/>
                               </a:rPr>
-                              <m:t>𝑥</m:t>
+                              <m:t>𝑦</m:t>
                             </m:r>
                           </m:e>
                           <m:sub>
                             <m:r>
-                              <a:rPr lang="ru-RU" sz="1800" i="1">
+                              <a:rPr lang="en-US" sz="1800" b="0" i="1" smtClean="0">
                                 <a:effectLst/>
                                 <a:latin typeface="Cambria Math" panose="02040503050406030204" pitchFamily="18" charset="0"/>
                                 <a:ea typeface="Calibri" panose="020F0502020204030204" pitchFamily="34" charset="0"/>
@@ -13038,17 +13065,7 @@
                               <m:t>1</m:t>
                             </m:r>
                           </m:sub>
-                          <m:sup>
-                            <m:r>
-                              <a:rPr lang="ru-RU" sz="1800" i="1">
-                                <a:effectLst/>
-                                <a:latin typeface="Cambria Math" panose="02040503050406030204" pitchFamily="18" charset="0"/>
-                                <a:ea typeface="Calibri" panose="020F0502020204030204" pitchFamily="34" charset="0"/>
-                              </a:rPr>
-                              <m:t>′</m:t>
-                            </m:r>
-                          </m:sup>
-                        </m:sSubSup>
+                        </m:sSub>
                       </m:e>
                     </m:d>
                     <m:r>
@@ -13096,31 +13113,31 @@
                         <a:latin typeface="Cambria Math" panose="02040503050406030204" pitchFamily="18" charset="0"/>
                         <a:ea typeface="Calibri" panose="020F0502020204030204" pitchFamily="34" charset="0"/>
                       </a:rPr>
-                      <m:t>, </m:t>
+                      <m:t>,</m:t>
                     </m:r>
-                    <m:sSubSup>
-                      <m:sSubSupPr>
+                    <m:sSub>
+                      <m:sSubPr>
                         <m:ctrlPr>
-                          <a:rPr lang="ru-RU" sz="1800" i="1">
+                          <a:rPr lang="en-US" sz="1800" b="0" i="1" smtClean="0">
                             <a:effectLst/>
                             <a:latin typeface="Cambria Math" panose="02040503050406030204" pitchFamily="18" charset="0"/>
                             <a:ea typeface="Calibri" panose="020F0502020204030204" pitchFamily="34" charset="0"/>
                           </a:rPr>
                         </m:ctrlPr>
-                      </m:sSubSupPr>
+                      </m:sSubPr>
                       <m:e>
                         <m:r>
-                          <a:rPr lang="ru-RU" sz="1800" i="1">
+                          <a:rPr lang="en-US" sz="1800" b="0" i="1" smtClean="0">
                             <a:effectLst/>
                             <a:latin typeface="Cambria Math" panose="02040503050406030204" pitchFamily="18" charset="0"/>
                             <a:ea typeface="Calibri" panose="020F0502020204030204" pitchFamily="34" charset="0"/>
                           </a:rPr>
-                          <m:t>𝑥</m:t>
+                          <m:t>𝑦</m:t>
                         </m:r>
                       </m:e>
                       <m:sub>
                         <m:r>
-                          <a:rPr lang="ru-RU" sz="1800" i="1">
+                          <a:rPr lang="en-US" sz="1800" b="0" i="1" smtClean="0">
                             <a:effectLst/>
                             <a:latin typeface="Cambria Math" panose="02040503050406030204" pitchFamily="18" charset="0"/>
                             <a:ea typeface="Calibri" panose="020F0502020204030204" pitchFamily="34" charset="0"/>
@@ -13128,17 +13145,7 @@
                           <m:t>𝑛</m:t>
                         </m:r>
                       </m:sub>
-                      <m:sup>
-                        <m:r>
-                          <a:rPr lang="ru-RU" sz="1800" i="1">
-                            <a:effectLst/>
-                            <a:latin typeface="Cambria Math" panose="02040503050406030204" pitchFamily="18" charset="0"/>
-                            <a:ea typeface="Calibri" panose="020F0502020204030204" pitchFamily="34" charset="0"/>
-                          </a:rPr>
-                          <m:t>′</m:t>
-                        </m:r>
-                      </m:sup>
-                    </m:sSubSup>
+                    </m:sSub>
                     <m:r>
                       <a:rPr lang="ru-RU" sz="1800" i="1">
                         <a:effectLst/>
@@ -13156,10 +13163,35 @@
                     <a:ea typeface="Times New Roman" panose="02020603050405020304" pitchFamily="18" charset="0"/>
                     <a:cs typeface="Rubik" pitchFamily="2" charset="-79"/>
                   </a:rPr>
-                  <a:t> и множество запросов. Каждый запрос характеризуется точкой </a:t>
+                  <a:t> и множество запросов. Каждый запрос характеризуется </a:t>
+                </a:r>
+                <a:r>
+                  <a:rPr lang="ru-RU" dirty="0">
+                    <a:latin typeface="Rubik" pitchFamily="2" charset="-79"/>
+                    <a:ea typeface="Times New Roman" panose="02020603050405020304" pitchFamily="18" charset="0"/>
+                    <a:cs typeface="Rubik" pitchFamily="2" charset="-79"/>
+                  </a:rPr>
+                  <a:t>интервалом</a:t>
+                </a:r>
+                <a:r>
+                  <a:rPr lang="ru-RU" sz="1800" dirty="0">
+                    <a:effectLst/>
+                    <a:latin typeface="Rubik" pitchFamily="2" charset="-79"/>
+                    <a:ea typeface="Times New Roman" panose="02020603050405020304" pitchFamily="18" charset="0"/>
+                    <a:cs typeface="Rubik" pitchFamily="2" charset="-79"/>
+                  </a:rPr>
+                  <a:t> </a:t>
                 </a:r>
                 <a14:m>
                   <m:oMath xmlns:m="http://schemas.openxmlformats.org/officeDocument/2006/math">
+                    <m:r>
+                      <a:rPr lang="en-US" sz="1800" b="0" i="0" smtClean="0">
+                        <a:effectLst/>
+                        <a:latin typeface="Cambria Math" panose="02040503050406030204" pitchFamily="18" charset="0"/>
+                        <a:ea typeface="Times New Roman" panose="02020603050405020304" pitchFamily="18" charset="0"/>
+                      </a:rPr>
+                      <m:t>[</m:t>
+                    </m:r>
                     <m:sSub>
                       <m:sSubPr>
                         <m:ctrlPr>
@@ -13191,6 +13223,53 @@
                         </m:r>
                       </m:sub>
                     </m:sSub>
+                    <m:r>
+                      <a:rPr lang="en-US" sz="1800" b="0" i="1" smtClean="0">
+                        <a:effectLst/>
+                        <a:latin typeface="Cambria Math" panose="02040503050406030204" pitchFamily="18" charset="0"/>
+                        <a:ea typeface="Times New Roman" panose="02020603050405020304" pitchFamily="18" charset="0"/>
+                      </a:rPr>
+                      <m:t>,</m:t>
+                    </m:r>
+                    <m:sSub>
+                      <m:sSubPr>
+                        <m:ctrlPr>
+                          <a:rPr lang="en-US" sz="1800" b="0" i="1" smtClean="0">
+                            <a:effectLst/>
+                            <a:latin typeface="Cambria Math" panose="02040503050406030204" pitchFamily="18" charset="0"/>
+                            <a:ea typeface="Times New Roman" panose="02020603050405020304" pitchFamily="18" charset="0"/>
+                          </a:rPr>
+                        </m:ctrlPr>
+                      </m:sSubPr>
+                      <m:e>
+                        <m:r>
+                          <a:rPr lang="en-US" sz="1800" b="0" i="1" smtClean="0">
+                            <a:effectLst/>
+                            <a:latin typeface="Cambria Math" panose="02040503050406030204" pitchFamily="18" charset="0"/>
+                            <a:ea typeface="Times New Roman" panose="02020603050405020304" pitchFamily="18" charset="0"/>
+                          </a:rPr>
+                          <m:t>𝑞</m:t>
+                        </m:r>
+                      </m:e>
+                      <m:sub>
+                        <m:r>
+                          <a:rPr lang="en-US" sz="1800" b="0" i="1" smtClean="0">
+                            <a:effectLst/>
+                            <a:latin typeface="Cambria Math" panose="02040503050406030204" pitchFamily="18" charset="0"/>
+                            <a:ea typeface="Times New Roman" panose="02020603050405020304" pitchFamily="18" charset="0"/>
+                          </a:rPr>
+                          <m:t>𝑦</m:t>
+                        </m:r>
+                      </m:sub>
+                    </m:sSub>
+                    <m:r>
+                      <a:rPr lang="en-US" sz="1800" b="0" i="1" smtClean="0">
+                        <a:effectLst/>
+                        <a:latin typeface="Cambria Math" panose="02040503050406030204" pitchFamily="18" charset="0"/>
+                        <a:ea typeface="Times New Roman" panose="02020603050405020304" pitchFamily="18" charset="0"/>
+                      </a:rPr>
+                      <m:t>]</m:t>
+                    </m:r>
                   </m:oMath>
                 </a14:m>
                 <a:r>
@@ -13221,10 +13300,26 @@
                     <a:ea typeface="Times New Roman" panose="02020603050405020304" pitchFamily="18" charset="0"/>
                     <a:cs typeface="Rubik" pitchFamily="2" charset="-79"/>
                   </a:rPr>
-                  <a:t>, которые содержат в себе </a:t>
+                  <a:t>, которые </a:t>
+                </a:r>
+                <a:r>
+                  <a:rPr lang="ru-RU" dirty="0">
+                    <a:latin typeface="Rubik" pitchFamily="2" charset="-79"/>
+                    <a:ea typeface="Times New Roman" panose="02020603050405020304" pitchFamily="18" charset="0"/>
+                    <a:cs typeface="Rubik" pitchFamily="2" charset="-79"/>
+                  </a:rPr>
+                  <a:t>перекрывают</a:t>
                 </a:r>
                 <a14:m>
                   <m:oMath xmlns:m="http://schemas.openxmlformats.org/officeDocument/2006/math">
+                    <m:r>
+                      <a:rPr lang="ru-RU" sz="1800" b="0" i="0" smtClean="0">
+                        <a:effectLst/>
+                        <a:latin typeface="Cambria Math" panose="02040503050406030204" pitchFamily="18" charset="0"/>
+                        <a:ea typeface="Times New Roman" panose="02020603050405020304" pitchFamily="18" charset="0"/>
+                      </a:rPr>
+                      <m:t> </m:t>
+                    </m:r>
                     <m:sSub>
                       <m:sSubPr>
                         <m:ctrlPr>
@@ -13236,6 +13331,14 @@
                         </m:ctrlPr>
                       </m:sSubPr>
                       <m:e>
+                        <m:r>
+                          <a:rPr lang="en-US" sz="1800" b="0" i="1" smtClean="0">
+                            <a:effectLst/>
+                            <a:latin typeface="Cambria Math" panose="02040503050406030204" pitchFamily="18" charset="0"/>
+                            <a:ea typeface="Times New Roman" panose="02020603050405020304" pitchFamily="18" charset="0"/>
+                          </a:rPr>
+                          <m:t>[</m:t>
+                        </m:r>
                         <m:r>
                           <a:rPr lang="ru-RU" sz="1800" i="1">
                             <a:effectLst/>
@@ -13256,6 +13359,53 @@
                         </m:r>
                       </m:sub>
                     </m:sSub>
+                    <m:r>
+                      <a:rPr lang="en-US" sz="1800" b="0" i="1" smtClean="0">
+                        <a:effectLst/>
+                        <a:latin typeface="Cambria Math" panose="02040503050406030204" pitchFamily="18" charset="0"/>
+                        <a:ea typeface="Times New Roman" panose="02020603050405020304" pitchFamily="18" charset="0"/>
+                      </a:rPr>
+                      <m:t>,</m:t>
+                    </m:r>
+                    <m:sSub>
+                      <m:sSubPr>
+                        <m:ctrlPr>
+                          <a:rPr lang="en-US" sz="1800" b="0" i="1" smtClean="0">
+                            <a:effectLst/>
+                            <a:latin typeface="Cambria Math" panose="02040503050406030204" pitchFamily="18" charset="0"/>
+                            <a:ea typeface="Times New Roman" panose="02020603050405020304" pitchFamily="18" charset="0"/>
+                          </a:rPr>
+                        </m:ctrlPr>
+                      </m:sSubPr>
+                      <m:e>
+                        <m:r>
+                          <a:rPr lang="en-US" sz="1800" b="0" i="1" smtClean="0">
+                            <a:effectLst/>
+                            <a:latin typeface="Cambria Math" panose="02040503050406030204" pitchFamily="18" charset="0"/>
+                            <a:ea typeface="Times New Roman" panose="02020603050405020304" pitchFamily="18" charset="0"/>
+                          </a:rPr>
+                          <m:t>𝑞</m:t>
+                        </m:r>
+                      </m:e>
+                      <m:sub>
+                        <m:r>
+                          <a:rPr lang="en-US" sz="1800" b="0" i="1" smtClean="0">
+                            <a:effectLst/>
+                            <a:latin typeface="Cambria Math" panose="02040503050406030204" pitchFamily="18" charset="0"/>
+                            <a:ea typeface="Times New Roman" panose="02020603050405020304" pitchFamily="18" charset="0"/>
+                          </a:rPr>
+                          <m:t>𝑦</m:t>
+                        </m:r>
+                      </m:sub>
+                    </m:sSub>
+                    <m:r>
+                      <a:rPr lang="en-US" sz="1800" b="0" i="1" smtClean="0">
+                        <a:effectLst/>
+                        <a:latin typeface="Cambria Math" panose="02040503050406030204" pitchFamily="18" charset="0"/>
+                        <a:ea typeface="Times New Roman" panose="02020603050405020304" pitchFamily="18" charset="0"/>
+                      </a:rPr>
+                      <m:t>]</m:t>
+                    </m:r>
                   </m:oMath>
                 </a14:m>
                 <a:r>
@@ -13267,13 +13417,308 @@
                   </a:rPr>
                   <a:t>. </a:t>
                 </a:r>
-                <a:endParaRPr lang="en-US" sz="1800" dirty="0">
-                  <a:effectLst/>
-                  <a:latin typeface="Rubik" pitchFamily="2" charset="-79"/>
-                  <a:ea typeface="Times New Roman" panose="02020603050405020304" pitchFamily="18" charset="0"/>
-                  <a:cs typeface="Rubik" pitchFamily="2" charset="-79"/>
-                </a:endParaRPr>
               </a:p>
+            </p:txBody>
+          </p:sp>
+        </mc:Choice>
+        <mc:Fallback>
+          <p:sp>
+            <p:nvSpPr>
+              <p:cNvPr id="10" name="TextBox 9">
+                <a:extLst>
+                  <a:ext uri="{FF2B5EF4-FFF2-40B4-BE49-F238E27FC236}">
+                    <a16:creationId xmlns:a16="http://schemas.microsoft.com/office/drawing/2014/main" id="{F8B590C5-EFF4-4815-4F66-15F78D4D3836}"/>
+                  </a:ext>
+                </a:extLst>
+              </p:cNvPr>
+              <p:cNvSpPr txBox="1">
+                <a:spLocks noRot="1" noChangeAspect="1" noMove="1" noResize="1" noEditPoints="1" noAdjustHandles="1" noChangeArrowheads="1" noChangeShapeType="1" noTextEdit="1"/>
+              </p:cNvSpPr>
+              <p:nvPr/>
+            </p:nvSpPr>
+            <p:spPr>
+              <a:xfrm>
+                <a:off x="611186" y="1829016"/>
+                <a:ext cx="7921626" cy="1782796"/>
+              </a:xfrm>
+              <a:prstGeom prst="rect">
+                <a:avLst/>
+              </a:prstGeom>
+              <a:blipFill>
+                <a:blip r:embed="rId2"/>
+                <a:stretch>
+                  <a:fillRect l="-615" r="-615" b="-3767"/>
+                </a:stretch>
+              </a:blipFill>
+            </p:spPr>
+            <p:txBody>
+              <a:bodyPr/>
+              <a:lstStyle/>
+              <a:p>
+                <a:r>
+                  <a:rPr lang="ru-RU">
+                    <a:noFill/>
+                  </a:rPr>
+                  <a:t> </a:t>
+                </a:r>
+              </a:p>
+            </p:txBody>
+          </p:sp>
+        </mc:Fallback>
+      </mc:AlternateContent>
+    </p:spTree>
+    <p:extLst>
+      <p:ext uri="{BB962C8B-B14F-4D97-AF65-F5344CB8AC3E}">
+        <p14:creationId xmlns:p14="http://schemas.microsoft.com/office/powerpoint/2010/main" val="1772473922"/>
+      </p:ext>
+    </p:extLst>
+  </p:cSld>
+  <p:clrMapOvr>
+    <a:masterClrMapping/>
+  </p:clrMapOvr>
+</p:sld>
+</file>
+
+<file path=ppt/slides/slide4.xml><?xml version="1.0" encoding="utf-8"?>
+<p:sld xmlns:a="http://schemas.openxmlformats.org/drawingml/2006/main" xmlns:r="http://schemas.openxmlformats.org/officeDocument/2006/relationships" xmlns:p="http://schemas.openxmlformats.org/presentationml/2006/main">
+  <p:cSld>
+    <p:spTree>
+      <p:nvGrpSpPr>
+        <p:cNvPr id="1" name=""/>
+        <p:cNvGrpSpPr/>
+        <p:nvPr/>
+      </p:nvGrpSpPr>
+      <p:grpSpPr>
+        <a:xfrm>
+          <a:off x="0" y="0"/>
+          <a:ext cx="0" cy="0"/>
+          <a:chOff x="0" y="0"/>
+          <a:chExt cx="0" cy="0"/>
+        </a:xfrm>
+      </p:grpSpPr>
+      <p:sp>
+        <p:nvSpPr>
+          <p:cNvPr id="5" name="TextBox 4">
+            <a:extLst>
+              <a:ext uri="{FF2B5EF4-FFF2-40B4-BE49-F238E27FC236}">
+                <a16:creationId xmlns:a16="http://schemas.microsoft.com/office/drawing/2014/main" id="{C57A3697-C69A-AFA9-1B40-0A1465E65860}"/>
+              </a:ext>
+            </a:extLst>
+          </p:cNvPr>
+          <p:cNvSpPr txBox="1"/>
+          <p:nvPr/>
+        </p:nvSpPr>
+        <p:spPr>
+          <a:xfrm>
+            <a:off x="693420" y="198977"/>
+            <a:ext cx="6805748" cy="600164"/>
+          </a:xfrm>
+          <a:prstGeom prst="rect">
+            <a:avLst/>
+          </a:prstGeom>
+          <a:noFill/>
+        </p:spPr>
+        <p:txBody>
+          <a:bodyPr wrap="square">
+            <a:spAutoFit/>
+          </a:bodyPr>
+          <a:lstStyle/>
+          <a:p>
+            <a:r>
+              <a:rPr lang="ru-RU" sz="3300" b="1" i="1" dirty="0">
+                <a:latin typeface="Rubik" pitchFamily="2" charset="-79"/>
+                <a:cs typeface="Rubik" pitchFamily="2" charset="-79"/>
+              </a:rPr>
+              <a:t>Характеристика</a:t>
+            </a:r>
+          </a:p>
+        </p:txBody>
+      </p:sp>
+      <p:sp>
+        <p:nvSpPr>
+          <p:cNvPr id="6" name="Прямоугольник: скругленные углы 5">
+            <a:extLst>
+              <a:ext uri="{FF2B5EF4-FFF2-40B4-BE49-F238E27FC236}">
+                <a16:creationId xmlns:a16="http://schemas.microsoft.com/office/drawing/2014/main" id="{A620EE31-0A2E-9923-4625-DFEF44D080AB}"/>
+              </a:ext>
+            </a:extLst>
+          </p:cNvPr>
+          <p:cNvSpPr/>
+          <p:nvPr/>
+        </p:nvSpPr>
+        <p:spPr>
+          <a:xfrm>
+            <a:off x="611188" y="231775"/>
+            <a:ext cx="45719" cy="600164"/>
+          </a:xfrm>
+          <a:prstGeom prst="roundRect">
+            <a:avLst/>
+          </a:prstGeom>
+          <a:solidFill>
+            <a:srgbClr val="FFD089"/>
+          </a:solidFill>
+          <a:ln>
+            <a:noFill/>
+          </a:ln>
+        </p:spPr>
+        <p:style>
+          <a:lnRef idx="2">
+            <a:schemeClr val="accent1">
+              <a:shade val="50000"/>
+            </a:schemeClr>
+          </a:lnRef>
+          <a:fillRef idx="1">
+            <a:schemeClr val="accent1"/>
+          </a:fillRef>
+          <a:effectRef idx="0">
+            <a:schemeClr val="accent1"/>
+          </a:effectRef>
+          <a:fontRef idx="minor">
+            <a:schemeClr val="lt1"/>
+          </a:fontRef>
+        </p:style>
+        <p:txBody>
+          <a:bodyPr rtlCol="0" anchor="ctr"/>
+          <a:lstStyle/>
+          <a:p>
+            <a:pPr algn="ctr"/>
+            <a:endParaRPr lang="ru-RU"/>
+          </a:p>
+        </p:txBody>
+      </p:sp>
+      <p:sp>
+        <p:nvSpPr>
+          <p:cNvPr id="7" name="Прямоугольник: скругленные углы 6">
+            <a:extLst>
+              <a:ext uri="{FF2B5EF4-FFF2-40B4-BE49-F238E27FC236}">
+                <a16:creationId xmlns:a16="http://schemas.microsoft.com/office/drawing/2014/main" id="{FA404779-BEDB-32EF-7AD4-89023D18B97F}"/>
+              </a:ext>
+            </a:extLst>
+          </p:cNvPr>
+          <p:cNvSpPr/>
+          <p:nvPr/>
+        </p:nvSpPr>
+        <p:spPr>
+          <a:xfrm>
+            <a:off x="8532812" y="225242"/>
+            <a:ext cx="1005840" cy="600165"/>
+          </a:xfrm>
+          <a:prstGeom prst="roundRect">
+            <a:avLst/>
+          </a:prstGeom>
+          <a:gradFill>
+            <a:gsLst>
+              <a:gs pos="0">
+                <a:srgbClr val="F29E54"/>
+              </a:gs>
+              <a:gs pos="100000">
+                <a:srgbClr val="EE7C37"/>
+              </a:gs>
+            </a:gsLst>
+            <a:lin ang="3000000" scaled="0"/>
+          </a:gradFill>
+          <a:ln>
+            <a:noFill/>
+          </a:ln>
+        </p:spPr>
+        <p:style>
+          <a:lnRef idx="2">
+            <a:schemeClr val="accent1">
+              <a:shade val="50000"/>
+            </a:schemeClr>
+          </a:lnRef>
+          <a:fillRef idx="1">
+            <a:schemeClr val="accent1"/>
+          </a:fillRef>
+          <a:effectRef idx="0">
+            <a:schemeClr val="accent1"/>
+          </a:effectRef>
+          <a:fontRef idx="minor">
+            <a:schemeClr val="lt1"/>
+          </a:fontRef>
+        </p:style>
+        <p:txBody>
+          <a:bodyPr rtlCol="0" anchor="ctr"/>
+          <a:lstStyle/>
+          <a:p>
+            <a:pPr algn="ctr"/>
+            <a:endParaRPr lang="ru-RU"/>
+          </a:p>
+        </p:txBody>
+      </p:sp>
+      <p:sp>
+        <p:nvSpPr>
+          <p:cNvPr id="8" name="TextBox 7">
+            <a:extLst>
+              <a:ext uri="{FF2B5EF4-FFF2-40B4-BE49-F238E27FC236}">
+                <a16:creationId xmlns:a16="http://schemas.microsoft.com/office/drawing/2014/main" id="{3BA5EFA6-FA81-59EB-5454-8CFB08BF65B0}"/>
+              </a:ext>
+            </a:extLst>
+          </p:cNvPr>
+          <p:cNvSpPr txBox="1"/>
+          <p:nvPr/>
+        </p:nvSpPr>
+        <p:spPr>
+          <a:xfrm flipH="1">
+            <a:off x="8653292" y="270246"/>
+            <a:ext cx="382440" cy="523220"/>
+          </a:xfrm>
+          <a:prstGeom prst="rect">
+            <a:avLst/>
+          </a:prstGeom>
+          <a:noFill/>
+        </p:spPr>
+        <p:txBody>
+          <a:bodyPr wrap="square" rtlCol="0">
+            <a:spAutoFit/>
+          </a:bodyPr>
+          <a:lstStyle/>
+          <a:p>
+            <a:r>
+              <a:rPr lang="en-US" sz="2800" dirty="0">
+                <a:solidFill>
+                  <a:schemeClr val="bg1"/>
+                </a:solidFill>
+              </a:rPr>
+              <a:t>4</a:t>
+            </a:r>
+            <a:endParaRPr lang="ru-RU" sz="2800" dirty="0">
+              <a:solidFill>
+                <a:schemeClr val="bg1"/>
+              </a:solidFill>
+            </a:endParaRPr>
+          </a:p>
+        </p:txBody>
+      </p:sp>
+      <mc:AlternateContent xmlns:mc="http://schemas.openxmlformats.org/markup-compatibility/2006">
+        <mc:Choice xmlns:a14="http://schemas.microsoft.com/office/drawing/2010/main" Requires="a14">
+          <p:sp>
+            <p:nvSpPr>
+              <p:cNvPr id="10" name="TextBox 9">
+                <a:extLst>
+                  <a:ext uri="{FF2B5EF4-FFF2-40B4-BE49-F238E27FC236}">
+                    <a16:creationId xmlns:a16="http://schemas.microsoft.com/office/drawing/2014/main" id="{F8B590C5-EFF4-4815-4F66-15F78D4D3836}"/>
+                  </a:ext>
+                </a:extLst>
+              </p:cNvPr>
+              <p:cNvSpPr txBox="1"/>
+              <p:nvPr/>
+            </p:nvSpPr>
+            <p:spPr>
+              <a:xfrm>
+                <a:off x="611186" y="1925162"/>
+                <a:ext cx="7921626" cy="1293175"/>
+              </a:xfrm>
+              <a:prstGeom prst="rect">
+                <a:avLst/>
+              </a:prstGeom>
+              <a:noFill/>
+            </p:spPr>
+            <p:txBody>
+              <a:bodyPr wrap="square">
+                <a:spAutoFit/>
+              </a:bodyPr>
+              <a:lstStyle/>
               <a:p>
                 <a:pPr algn="just">
                   <a:lnSpc>
@@ -13539,8 +13984,8 @@
             </p:nvSpPr>
             <p:spPr>
               <a:xfrm>
-                <a:off x="561066" y="1613479"/>
-                <a:ext cx="7921626" cy="2955168"/>
+                <a:off x="611186" y="1925162"/>
+                <a:ext cx="7921626" cy="1293175"/>
               </a:xfrm>
               <a:prstGeom prst="rect">
                 <a:avLst/>
@@ -13548,7 +13993,7 @@
               <a:blipFill>
                 <a:blip r:embed="rId2"/>
                 <a:stretch>
-                  <a:fillRect l="-615" r="-615" b="-2686"/>
+                  <a:fillRect l="-615" r="-615" b="-7075"/>
                 </a:stretch>
               </a:blipFill>
             </p:spPr>
@@ -13567,69 +14012,10 @@
           </p:sp>
         </mc:Fallback>
       </mc:AlternateContent>
-      <p:sp>
-        <p:nvSpPr>
-          <p:cNvPr id="13" name="TextBox 12">
-            <a:extLst>
-              <a:ext uri="{FF2B5EF4-FFF2-40B4-BE49-F238E27FC236}">
-                <a16:creationId xmlns:a16="http://schemas.microsoft.com/office/drawing/2014/main" id="{220FF4FD-B21C-0D77-599D-CDAA9520B8D4}"/>
-              </a:ext>
-            </a:extLst>
-          </p:cNvPr>
-          <p:cNvSpPr txBox="1"/>
-          <p:nvPr/>
-        </p:nvSpPr>
-        <p:spPr>
-          <a:xfrm>
-            <a:off x="561067" y="994572"/>
-            <a:ext cx="7921625" cy="462371"/>
-          </a:xfrm>
-          <a:prstGeom prst="rect">
-            <a:avLst/>
-          </a:prstGeom>
-          <a:noFill/>
-        </p:spPr>
-        <p:txBody>
-          <a:bodyPr wrap="square" rtlCol="0">
-            <a:spAutoFit/>
-          </a:bodyPr>
-          <a:lstStyle/>
-          <a:p>
-            <a:pPr>
-              <a:lnSpc>
-                <a:spcPct val="150000"/>
-              </a:lnSpc>
-            </a:pPr>
-            <a:r>
-              <a:rPr lang="ru-RU" sz="1800" dirty="0">
-                <a:effectLst/>
-                <a:latin typeface="Rubik" pitchFamily="2" charset="-79"/>
-                <a:ea typeface="Calibri" panose="020F0502020204030204" pitchFamily="34" charset="0"/>
-                <a:cs typeface="Rubik" pitchFamily="2" charset="-79"/>
-              </a:rPr>
-              <a:t>Дерево интервалов позволяет решать следующую </a:t>
-            </a:r>
-            <a:r>
-              <a:rPr lang="ru-RU" dirty="0">
-                <a:latin typeface="Rubik" pitchFamily="2" charset="-79"/>
-                <a:ea typeface="Calibri" panose="020F0502020204030204" pitchFamily="34" charset="0"/>
-                <a:cs typeface="Rubik" pitchFamily="2" charset="-79"/>
-              </a:rPr>
-              <a:t>задачу. </a:t>
-            </a:r>
-            <a:endParaRPr lang="en-US" sz="1800" dirty="0">
-              <a:effectLst/>
-              <a:latin typeface="Rubik" pitchFamily="2" charset="-79"/>
-              <a:ea typeface="Calibri" panose="020F0502020204030204" pitchFamily="34" charset="0"/>
-              <a:cs typeface="Rubik" pitchFamily="2" charset="-79"/>
-            </a:endParaRPr>
-          </a:p>
-        </p:txBody>
-      </p:sp>
     </p:spTree>
     <p:extLst>
       <p:ext uri="{BB962C8B-B14F-4D97-AF65-F5344CB8AC3E}">
-        <p14:creationId xmlns:p14="http://schemas.microsoft.com/office/powerpoint/2010/main" val="1772473922"/>
+        <p14:creationId xmlns:p14="http://schemas.microsoft.com/office/powerpoint/2010/main" val="549742144"/>
       </p:ext>
     </p:extLst>
   </p:cSld>
@@ -15151,8 +15537,8 @@
           </a:p>
         </p:txBody>
       </p:sp>
-      <mc:AlternateContent xmlns:mc="http://schemas.openxmlformats.org/markup-compatibility/2006">
-        <mc:Choice xmlns:a14="http://schemas.microsoft.com/office/drawing/2010/main" Requires="a14">
+      <mc:AlternateContent xmlns:mc="http://schemas.openxmlformats.org/markup-compatibility/2006" xmlns:a14="http://schemas.microsoft.com/office/drawing/2010/main">
+        <mc:Choice Requires="a14">
           <p:sp>
             <p:nvSpPr>
               <p:cNvPr id="14" name="TextBox 13">
@@ -15217,7 +15603,7 @@
             </p:txBody>
           </p:sp>
         </mc:Choice>
-        <mc:Fallback>
+        <mc:Fallback xmlns="">
           <p:sp>
             <p:nvSpPr>
               <p:cNvPr id="14" name="TextBox 13">

--- a/Дерево интервалов.pptx
+++ b/Дерево интервалов.pptx
@@ -9,9 +9,9 @@
   </p:notesMasterIdLst>
   <p:sldIdLst>
     <p:sldId id="256" r:id="rId2"/>
-    <p:sldId id="257" r:id="rId3"/>
-    <p:sldId id="276" r:id="rId4"/>
-    <p:sldId id="277" r:id="rId5"/>
+    <p:sldId id="276" r:id="rId3"/>
+    <p:sldId id="277" r:id="rId4"/>
+    <p:sldId id="278" r:id="rId5"/>
     <p:sldId id="259" r:id="rId6"/>
     <p:sldId id="261" r:id="rId7"/>
     <p:sldId id="260" r:id="rId8"/>
@@ -10041,7 +10041,7 @@
                 <a:latin typeface="Rubik" pitchFamily="2" charset="-79"/>
                 <a:cs typeface="Rubik" pitchFamily="2" charset="-79"/>
               </a:rPr>
-              <a:t>Операции</a:t>
+              <a:t>Методы</a:t>
             </a:r>
             <a:endParaRPr lang="ru-RU" sz="2000" i="1" dirty="0">
               <a:latin typeface="Rubik" pitchFamily="2" charset="-79"/>
@@ -10543,7 +10543,7 @@
                 <a:latin typeface="Rubik" pitchFamily="2" charset="-79"/>
                 <a:cs typeface="Rubik" pitchFamily="2" charset="-79"/>
               </a:rPr>
-              <a:t>Поиска видимых элементов внутри трехмерной сцены.</a:t>
+              <a:t>Поиск видимых элементов внутри трехмерной сцены.</a:t>
             </a:r>
             <a:endParaRPr lang="ru-RU" dirty="0">
               <a:latin typeface="Rubik" pitchFamily="2" charset="-79"/>
@@ -12080,655 +12080,6 @@
       </p:grpSpPr>
       <p:sp>
         <p:nvSpPr>
-          <p:cNvPr id="6" name="TextBox 5">
-            <a:extLst>
-              <a:ext uri="{FF2B5EF4-FFF2-40B4-BE49-F238E27FC236}">
-                <a16:creationId xmlns:a16="http://schemas.microsoft.com/office/drawing/2014/main" id="{1E89E242-C586-7BBB-5345-FD5D9EDF1FC7}"/>
-              </a:ext>
-            </a:extLst>
-          </p:cNvPr>
-          <p:cNvSpPr txBox="1"/>
-          <p:nvPr/>
-        </p:nvSpPr>
-        <p:spPr>
-          <a:xfrm>
-            <a:off x="693420" y="212040"/>
-            <a:ext cx="6805748" cy="600164"/>
-          </a:xfrm>
-          <a:prstGeom prst="rect">
-            <a:avLst/>
-          </a:prstGeom>
-          <a:noFill/>
-        </p:spPr>
-        <p:txBody>
-          <a:bodyPr wrap="square">
-            <a:spAutoFit/>
-          </a:bodyPr>
-          <a:lstStyle/>
-          <a:p>
-            <a:r>
-              <a:rPr lang="ru-RU" sz="3300" b="1" i="1" dirty="0">
-                <a:latin typeface="Rubik" pitchFamily="2" charset="-79"/>
-                <a:cs typeface="Rubik" pitchFamily="2" charset="-79"/>
-              </a:rPr>
-              <a:t>Формальная постановка задачи</a:t>
-            </a:r>
-          </a:p>
-        </p:txBody>
-      </p:sp>
-      <p:sp>
-        <p:nvSpPr>
-          <p:cNvPr id="12" name="Прямоугольник: скругленные углы 11">
-            <a:extLst>
-              <a:ext uri="{FF2B5EF4-FFF2-40B4-BE49-F238E27FC236}">
-                <a16:creationId xmlns:a16="http://schemas.microsoft.com/office/drawing/2014/main" id="{AB154D77-238F-68CD-60CE-AEF2ADC9A45B}"/>
-              </a:ext>
-            </a:extLst>
-          </p:cNvPr>
-          <p:cNvSpPr/>
-          <p:nvPr/>
-        </p:nvSpPr>
-        <p:spPr>
-          <a:xfrm>
-            <a:off x="611188" y="231775"/>
-            <a:ext cx="45719" cy="600164"/>
-          </a:xfrm>
-          <a:prstGeom prst="roundRect">
-            <a:avLst/>
-          </a:prstGeom>
-          <a:solidFill>
-            <a:srgbClr val="FFD089"/>
-          </a:solidFill>
-          <a:ln>
-            <a:noFill/>
-          </a:ln>
-        </p:spPr>
-        <p:style>
-          <a:lnRef idx="2">
-            <a:schemeClr val="accent1">
-              <a:shade val="50000"/>
-            </a:schemeClr>
-          </a:lnRef>
-          <a:fillRef idx="1">
-            <a:schemeClr val="accent1"/>
-          </a:fillRef>
-          <a:effectRef idx="0">
-            <a:schemeClr val="accent1"/>
-          </a:effectRef>
-          <a:fontRef idx="minor">
-            <a:schemeClr val="lt1"/>
-          </a:fontRef>
-        </p:style>
-        <p:txBody>
-          <a:bodyPr rtlCol="0" anchor="ctr"/>
-          <a:lstStyle/>
-          <a:p>
-            <a:pPr algn="ctr"/>
-            <a:endParaRPr lang="ru-RU"/>
-          </a:p>
-        </p:txBody>
-      </p:sp>
-      <p:sp>
-        <p:nvSpPr>
-          <p:cNvPr id="14" name="TextBox 13">
-            <a:extLst>
-              <a:ext uri="{FF2B5EF4-FFF2-40B4-BE49-F238E27FC236}">
-                <a16:creationId xmlns:a16="http://schemas.microsoft.com/office/drawing/2014/main" id="{288228FF-5250-23E0-C1E6-8CAA6870E75A}"/>
-              </a:ext>
-            </a:extLst>
-          </p:cNvPr>
-          <p:cNvSpPr txBox="1"/>
-          <p:nvPr/>
-        </p:nvSpPr>
-        <p:spPr>
-          <a:xfrm>
-            <a:off x="782244" y="2322937"/>
-            <a:ext cx="7762838" cy="584775"/>
-          </a:xfrm>
-          <a:prstGeom prst="rect">
-            <a:avLst/>
-          </a:prstGeom>
-          <a:noFill/>
-        </p:spPr>
-        <p:txBody>
-          <a:bodyPr wrap="square">
-            <a:spAutoFit/>
-          </a:bodyPr>
-          <a:lstStyle/>
-          <a:p>
-            <a:r>
-              <a:rPr lang="ru-RU" sz="1600" dirty="0">
-                <a:effectLst/>
-                <a:latin typeface="Rubik" pitchFamily="2" charset="-79"/>
-                <a:cs typeface="Rubik" pitchFamily="2" charset="-79"/>
-              </a:rPr>
-              <a:t>Реализовать</a:t>
-            </a:r>
-            <a:r>
-              <a:rPr lang="ru-RU" sz="1600" dirty="0">
-                <a:effectLst/>
-              </a:rPr>
-              <a:t> для дерева интервалов операции (добавление, удаление, проверка на перекрытие)</a:t>
-            </a:r>
-            <a:endParaRPr lang="ru-RU" sz="1600" i="1" dirty="0">
-              <a:latin typeface="Rubik" pitchFamily="2" charset="-79"/>
-              <a:cs typeface="Rubik" pitchFamily="2" charset="-79"/>
-            </a:endParaRPr>
-          </a:p>
-        </p:txBody>
-      </p:sp>
-      <p:sp>
-        <p:nvSpPr>
-          <p:cNvPr id="18" name="TextBox 17">
-            <a:extLst>
-              <a:ext uri="{FF2B5EF4-FFF2-40B4-BE49-F238E27FC236}">
-                <a16:creationId xmlns:a16="http://schemas.microsoft.com/office/drawing/2014/main" id="{48CB0EDD-50D8-F5DE-FEA4-B9D198256A9C}"/>
-              </a:ext>
-            </a:extLst>
-          </p:cNvPr>
-          <p:cNvSpPr txBox="1"/>
-          <p:nvPr/>
-        </p:nvSpPr>
-        <p:spPr>
-          <a:xfrm>
-            <a:off x="782244" y="1277275"/>
-            <a:ext cx="7738300" cy="338554"/>
-          </a:xfrm>
-          <a:prstGeom prst="rect">
-            <a:avLst/>
-          </a:prstGeom>
-          <a:noFill/>
-        </p:spPr>
-        <p:txBody>
-          <a:bodyPr wrap="square">
-            <a:spAutoFit/>
-          </a:bodyPr>
-          <a:lstStyle/>
-          <a:p>
-            <a:r>
-              <a:rPr lang="ru-RU" sz="1600" dirty="0">
-                <a:effectLst/>
-                <a:latin typeface="Rubik" pitchFamily="2" charset="-79"/>
-                <a:cs typeface="Rubik" pitchFamily="2" charset="-79"/>
-              </a:rPr>
-              <a:t>Изучить структуру данных “</a:t>
-            </a:r>
-            <a:r>
-              <a:rPr lang="ru-RU" sz="1600" i="1" dirty="0">
-                <a:effectLst/>
-                <a:latin typeface="Rubik" pitchFamily="2" charset="-79"/>
-                <a:cs typeface="Rubik" pitchFamily="2" charset="-79"/>
-              </a:rPr>
-              <a:t>Дерево интервалов</a:t>
-            </a:r>
-            <a:r>
-              <a:rPr lang="ru-RU" sz="1600" dirty="0">
-                <a:effectLst/>
-                <a:latin typeface="Rubik" pitchFamily="2" charset="-79"/>
-                <a:cs typeface="Rubik" pitchFamily="2" charset="-79"/>
-              </a:rPr>
-              <a:t>”</a:t>
-            </a:r>
-            <a:endParaRPr lang="ru-RU" sz="1600" dirty="0">
-              <a:latin typeface="Rubik" pitchFamily="2" charset="-79"/>
-              <a:cs typeface="Rubik" pitchFamily="2" charset="-79"/>
-            </a:endParaRPr>
-          </a:p>
-        </p:txBody>
-      </p:sp>
-      <p:sp>
-        <p:nvSpPr>
-          <p:cNvPr id="20" name="TextBox 19">
-            <a:extLst>
-              <a:ext uri="{FF2B5EF4-FFF2-40B4-BE49-F238E27FC236}">
-                <a16:creationId xmlns:a16="http://schemas.microsoft.com/office/drawing/2014/main" id="{3794BFF7-B269-B337-AAE4-B9E039F310BC}"/>
-              </a:ext>
-            </a:extLst>
-          </p:cNvPr>
-          <p:cNvSpPr txBox="1"/>
-          <p:nvPr/>
-        </p:nvSpPr>
-        <p:spPr>
-          <a:xfrm>
-            <a:off x="794513" y="1785480"/>
-            <a:ext cx="7738300" cy="338554"/>
-          </a:xfrm>
-          <a:prstGeom prst="rect">
-            <a:avLst/>
-          </a:prstGeom>
-          <a:noFill/>
-        </p:spPr>
-        <p:txBody>
-          <a:bodyPr wrap="square">
-            <a:spAutoFit/>
-          </a:bodyPr>
-          <a:lstStyle/>
-          <a:p>
-            <a:r>
-              <a:rPr lang="ru-RU" sz="1600" dirty="0">
-                <a:effectLst/>
-                <a:latin typeface="Rubik" pitchFamily="2" charset="-79"/>
-                <a:cs typeface="Rubik" pitchFamily="2" charset="-79"/>
-              </a:rPr>
-              <a:t>Выполнить исследование на </a:t>
-            </a:r>
-            <a:r>
-              <a:rPr lang="ru-RU" sz="1600" i="1" dirty="0">
-                <a:effectLst/>
-                <a:latin typeface="Rubik" pitchFamily="2" charset="-79"/>
-                <a:cs typeface="Rubik" pitchFamily="2" charset="-79"/>
-              </a:rPr>
-              <a:t>производительность</a:t>
-            </a:r>
-            <a:r>
-              <a:rPr lang="ru-RU" sz="1600" dirty="0">
-                <a:effectLst/>
-                <a:latin typeface="Rubik" pitchFamily="2" charset="-79"/>
-                <a:cs typeface="Rubik" pitchFamily="2" charset="-79"/>
-              </a:rPr>
-              <a:t> (время работы)</a:t>
-            </a:r>
-            <a:endParaRPr lang="ru-RU" sz="1600" dirty="0">
-              <a:latin typeface="Rubik" pitchFamily="2" charset="-79"/>
-              <a:cs typeface="Rubik" pitchFamily="2" charset="-79"/>
-            </a:endParaRPr>
-          </a:p>
-        </p:txBody>
-      </p:sp>
-      <p:sp>
-        <p:nvSpPr>
-          <p:cNvPr id="22" name="TextBox 21">
-            <a:extLst>
-              <a:ext uri="{FF2B5EF4-FFF2-40B4-BE49-F238E27FC236}">
-                <a16:creationId xmlns:a16="http://schemas.microsoft.com/office/drawing/2014/main" id="{6D375401-7186-DBF3-D1DC-B1413CDD702E}"/>
-              </a:ext>
-            </a:extLst>
-          </p:cNvPr>
-          <p:cNvSpPr txBox="1"/>
-          <p:nvPr/>
-        </p:nvSpPr>
-        <p:spPr>
-          <a:xfrm>
-            <a:off x="782245" y="3448767"/>
-            <a:ext cx="7750569" cy="584775"/>
-          </a:xfrm>
-          <a:prstGeom prst="rect">
-            <a:avLst/>
-          </a:prstGeom>
-          <a:noFill/>
-        </p:spPr>
-        <p:txBody>
-          <a:bodyPr wrap="square">
-            <a:spAutoFit/>
-          </a:bodyPr>
-          <a:lstStyle/>
-          <a:p>
-            <a:r>
-              <a:rPr lang="ru-RU" sz="1600" dirty="0">
-                <a:effectLst/>
-                <a:latin typeface="Rubik" pitchFamily="2" charset="-79"/>
-                <a:cs typeface="Rubik" pitchFamily="2" charset="-79"/>
-              </a:rPr>
-              <a:t>Ограничения:</a:t>
-            </a:r>
-            <a:br>
-              <a:rPr lang="ru-RU" sz="1600" dirty="0">
-                <a:effectLst/>
-                <a:latin typeface="Rubik" pitchFamily="2" charset="-79"/>
-                <a:cs typeface="Rubik" pitchFamily="2" charset="-79"/>
-              </a:rPr>
-            </a:br>
-            <a:r>
-              <a:rPr lang="ru-RU" sz="1600" dirty="0">
-                <a:effectLst/>
-                <a:latin typeface="Rubik" pitchFamily="2" charset="-79"/>
-                <a:cs typeface="Rubik" pitchFamily="2" charset="-79"/>
-              </a:rPr>
-              <a:t>На вход принимаются значения типа </a:t>
-            </a:r>
-            <a:r>
-              <a:rPr lang="ru-RU" sz="1600" i="1" dirty="0" err="1">
-                <a:effectLst/>
-                <a:latin typeface="Rubik" pitchFamily="2" charset="-79"/>
-                <a:cs typeface="Rubik" pitchFamily="2" charset="-79"/>
-              </a:rPr>
-              <a:t>double</a:t>
-            </a:r>
-            <a:endParaRPr lang="ru-RU" sz="1600" i="1" dirty="0">
-              <a:latin typeface="Rubik" pitchFamily="2" charset="-79"/>
-              <a:cs typeface="Rubik" pitchFamily="2" charset="-79"/>
-            </a:endParaRPr>
-          </a:p>
-        </p:txBody>
-      </p:sp>
-      <p:sp>
-        <p:nvSpPr>
-          <p:cNvPr id="24" name="TextBox 23">
-            <a:extLst>
-              <a:ext uri="{FF2B5EF4-FFF2-40B4-BE49-F238E27FC236}">
-                <a16:creationId xmlns:a16="http://schemas.microsoft.com/office/drawing/2014/main" id="{FFE09EA0-4CA3-65FC-D67B-BE74128C600F}"/>
-              </a:ext>
-            </a:extLst>
-          </p:cNvPr>
-          <p:cNvSpPr txBox="1"/>
-          <p:nvPr/>
-        </p:nvSpPr>
-        <p:spPr>
-          <a:xfrm>
-            <a:off x="782244" y="4199597"/>
-            <a:ext cx="7750569" cy="584775"/>
-          </a:xfrm>
-          <a:prstGeom prst="rect">
-            <a:avLst/>
-          </a:prstGeom>
-          <a:noFill/>
-        </p:spPr>
-        <p:txBody>
-          <a:bodyPr wrap="square">
-            <a:spAutoFit/>
-          </a:bodyPr>
-          <a:lstStyle/>
-          <a:p>
-            <a:r>
-              <a:rPr lang="ru-RU" sz="1600" dirty="0">
-                <a:effectLst/>
-                <a:latin typeface="Rubik" pitchFamily="2" charset="-79"/>
-                <a:cs typeface="Rubik" pitchFamily="2" charset="-79"/>
-              </a:rPr>
-              <a:t>Результаты проведенной работы выложить </a:t>
-            </a:r>
-            <a:r>
-              <a:rPr lang="ru-RU" sz="1600" i="1" dirty="0">
-                <a:effectLst/>
-                <a:latin typeface="Rubik" pitchFamily="2" charset="-79"/>
-                <a:cs typeface="Rubik" pitchFamily="2" charset="-79"/>
-              </a:rPr>
-              <a:t>в среде </a:t>
-            </a:r>
-            <a:r>
-              <a:rPr lang="ru-RU" sz="1600" i="1" dirty="0" err="1">
-                <a:effectLst/>
-                <a:latin typeface="Rubik" pitchFamily="2" charset="-79"/>
-                <a:cs typeface="Rubik" pitchFamily="2" charset="-79"/>
-              </a:rPr>
-              <a:t>Github</a:t>
-            </a:r>
-            <a:r>
-              <a:rPr lang="ru-RU" sz="1600" i="1" dirty="0">
-                <a:effectLst/>
-                <a:latin typeface="Rubik" pitchFamily="2" charset="-79"/>
-                <a:cs typeface="Rubik" pitchFamily="2" charset="-79"/>
-              </a:rPr>
-              <a:t> </a:t>
-            </a:r>
-            <a:r>
-              <a:rPr lang="ru-RU" sz="1600" dirty="0">
-                <a:effectLst/>
-                <a:latin typeface="Rubik" pitchFamily="2" charset="-79"/>
-                <a:cs typeface="Rubik" pitchFamily="2" charset="-79"/>
-              </a:rPr>
-              <a:t>(отчет, презентация, </a:t>
-            </a:r>
-            <a:r>
-              <a:rPr lang="ru-RU" sz="1600" dirty="0" err="1">
-                <a:effectLst/>
-                <a:latin typeface="Rubik" pitchFamily="2" charset="-79"/>
-                <a:cs typeface="Rubik" pitchFamily="2" charset="-79"/>
-              </a:rPr>
-              <a:t>программыный</a:t>
-            </a:r>
-            <a:r>
-              <a:rPr lang="ru-RU" sz="1600" dirty="0">
-                <a:effectLst/>
-                <a:latin typeface="Rubik" pitchFamily="2" charset="-79"/>
-                <a:cs typeface="Rubik" pitchFamily="2" charset="-79"/>
-              </a:rPr>
-              <a:t> код, тесты, пакет </a:t>
-            </a:r>
-            <a:r>
-              <a:rPr lang="ru-RU" sz="1600" dirty="0" err="1">
-                <a:effectLst/>
-                <a:latin typeface="Rubik" pitchFamily="2" charset="-79"/>
-                <a:cs typeface="Rubik" pitchFamily="2" charset="-79"/>
-              </a:rPr>
-              <a:t>cats</a:t>
-            </a:r>
-            <a:r>
-              <a:rPr lang="ru-RU" sz="1600" dirty="0">
-                <a:effectLst/>
-                <a:latin typeface="Rubik" pitchFamily="2" charset="-79"/>
-                <a:cs typeface="Rubik" pitchFamily="2" charset="-79"/>
-              </a:rPr>
-              <a:t>)</a:t>
-            </a:r>
-            <a:endParaRPr lang="ru-RU" sz="1600" dirty="0">
-              <a:latin typeface="Rubik" pitchFamily="2" charset="-79"/>
-              <a:cs typeface="Rubik" pitchFamily="2" charset="-79"/>
-            </a:endParaRPr>
-          </a:p>
-        </p:txBody>
-      </p:sp>
-      <p:pic>
-        <p:nvPicPr>
-          <p:cNvPr id="28" name="Рисунок 27">
-            <a:extLst>
-              <a:ext uri="{FF2B5EF4-FFF2-40B4-BE49-F238E27FC236}">
-                <a16:creationId xmlns:a16="http://schemas.microsoft.com/office/drawing/2014/main" id="{EC26F490-41C3-86DD-66F3-83FB4FB628FF}"/>
-              </a:ext>
-            </a:extLst>
-          </p:cNvPr>
-          <p:cNvPicPr>
-            <a:picLocks noChangeAspect="1"/>
-          </p:cNvPicPr>
-          <p:nvPr/>
-        </p:nvPicPr>
-        <p:blipFill>
-          <a:blip r:embed="rId2">
-            <a:extLst>
-              <a:ext uri="{28A0092B-C50C-407E-A947-70E740481C1C}">
-                <a14:useLocalDpi xmlns:a14="http://schemas.microsoft.com/office/drawing/2010/main" val="0"/>
-              </a:ext>
-              <a:ext uri="{96DAC541-7B7A-43D3-8B79-37D633B846F1}">
-                <asvg:svgBlip xmlns:asvg="http://schemas.microsoft.com/office/drawing/2016/SVG/main" r:embed="rId3"/>
-              </a:ext>
-            </a:extLst>
-          </a:blip>
-          <a:stretch>
-            <a:fillRect/>
-          </a:stretch>
-        </p:blipFill>
-        <p:spPr>
-          <a:xfrm>
-            <a:off x="554036" y="1381134"/>
-            <a:ext cx="171057" cy="3235816"/>
-          </a:xfrm>
-          <a:prstGeom prst="rect">
-            <a:avLst/>
-          </a:prstGeom>
-        </p:spPr>
-      </p:pic>
-      <p:sp>
-        <p:nvSpPr>
-          <p:cNvPr id="29" name="TextBox 28">
-            <a:extLst>
-              <a:ext uri="{FF2B5EF4-FFF2-40B4-BE49-F238E27FC236}">
-                <a16:creationId xmlns:a16="http://schemas.microsoft.com/office/drawing/2014/main" id="{B0CE0294-F8C6-799D-38D8-398147E34ED6}"/>
-              </a:ext>
-            </a:extLst>
-          </p:cNvPr>
-          <p:cNvSpPr txBox="1"/>
-          <p:nvPr/>
-        </p:nvSpPr>
-        <p:spPr>
-          <a:xfrm>
-            <a:off x="794513" y="2999042"/>
-            <a:ext cx="7750569" cy="338554"/>
-          </a:xfrm>
-          <a:prstGeom prst="rect">
-            <a:avLst/>
-          </a:prstGeom>
-          <a:noFill/>
-        </p:spPr>
-        <p:txBody>
-          <a:bodyPr wrap="square">
-            <a:spAutoFit/>
-          </a:bodyPr>
-          <a:lstStyle/>
-          <a:p>
-            <a:r>
-              <a:rPr lang="ru-RU" sz="1600" dirty="0">
-                <a:effectLst/>
-                <a:latin typeface="Rubik" pitchFamily="2" charset="-79"/>
-                <a:cs typeface="Rubik" pitchFamily="2" charset="-79"/>
-              </a:rPr>
-              <a:t>Реализовать </a:t>
-            </a:r>
-            <a:r>
-              <a:rPr lang="ru-RU" sz="1600" i="1" dirty="0">
-                <a:effectLst/>
-                <a:latin typeface="Rubik" pitchFamily="2" charset="-79"/>
-                <a:cs typeface="Rubik" pitchFamily="2" charset="-79"/>
-              </a:rPr>
-              <a:t>систему автоматического тестирования</a:t>
-            </a:r>
-            <a:endParaRPr lang="ru-RU" sz="1600" i="1" dirty="0">
-              <a:latin typeface="Rubik" pitchFamily="2" charset="-79"/>
-              <a:cs typeface="Rubik" pitchFamily="2" charset="-79"/>
-            </a:endParaRPr>
-          </a:p>
-        </p:txBody>
-      </p:sp>
-      <p:sp>
-        <p:nvSpPr>
-          <p:cNvPr id="8" name="Прямоугольник: скругленные углы 7">
-            <a:extLst>
-              <a:ext uri="{FF2B5EF4-FFF2-40B4-BE49-F238E27FC236}">
-                <a16:creationId xmlns:a16="http://schemas.microsoft.com/office/drawing/2014/main" id="{9FE76F8D-693C-979A-59FF-5E5D4A99D47C}"/>
-              </a:ext>
-            </a:extLst>
-          </p:cNvPr>
-          <p:cNvSpPr/>
-          <p:nvPr/>
-        </p:nvSpPr>
-        <p:spPr>
-          <a:xfrm>
-            <a:off x="8532812" y="231774"/>
-            <a:ext cx="1005840" cy="600165"/>
-          </a:xfrm>
-          <a:prstGeom prst="roundRect">
-            <a:avLst/>
-          </a:prstGeom>
-          <a:gradFill>
-            <a:gsLst>
-              <a:gs pos="0">
-                <a:srgbClr val="F29E54"/>
-              </a:gs>
-              <a:gs pos="100000">
-                <a:srgbClr val="EE7C37"/>
-              </a:gs>
-            </a:gsLst>
-            <a:lin ang="3000000" scaled="0"/>
-          </a:gradFill>
-          <a:ln>
-            <a:noFill/>
-          </a:ln>
-        </p:spPr>
-        <p:style>
-          <a:lnRef idx="2">
-            <a:schemeClr val="accent1">
-              <a:shade val="50000"/>
-            </a:schemeClr>
-          </a:lnRef>
-          <a:fillRef idx="1">
-            <a:schemeClr val="accent1"/>
-          </a:fillRef>
-          <a:effectRef idx="0">
-            <a:schemeClr val="accent1"/>
-          </a:effectRef>
-          <a:fontRef idx="minor">
-            <a:schemeClr val="lt1"/>
-          </a:fontRef>
-        </p:style>
-        <p:txBody>
-          <a:bodyPr rtlCol="0" anchor="ctr"/>
-          <a:lstStyle/>
-          <a:p>
-            <a:pPr algn="ctr"/>
-            <a:endParaRPr lang="ru-RU"/>
-          </a:p>
-        </p:txBody>
-      </p:sp>
-      <p:sp>
-        <p:nvSpPr>
-          <p:cNvPr id="9" name="TextBox 8">
-            <a:extLst>
-              <a:ext uri="{FF2B5EF4-FFF2-40B4-BE49-F238E27FC236}">
-                <a16:creationId xmlns:a16="http://schemas.microsoft.com/office/drawing/2014/main" id="{5AB93C86-FA13-8649-3FAF-D5FEB559D003}"/>
-              </a:ext>
-            </a:extLst>
-          </p:cNvPr>
-          <p:cNvSpPr txBox="1"/>
-          <p:nvPr/>
-        </p:nvSpPr>
-        <p:spPr>
-          <a:xfrm flipH="1">
-            <a:off x="8653292" y="270246"/>
-            <a:ext cx="382440" cy="523220"/>
-          </a:xfrm>
-          <a:prstGeom prst="rect">
-            <a:avLst/>
-          </a:prstGeom>
-          <a:noFill/>
-        </p:spPr>
-        <p:txBody>
-          <a:bodyPr wrap="square" rtlCol="0">
-            <a:spAutoFit/>
-          </a:bodyPr>
-          <a:lstStyle/>
-          <a:p>
-            <a:r>
-              <a:rPr lang="ru-RU" sz="2800" dirty="0">
-                <a:solidFill>
-                  <a:schemeClr val="bg1"/>
-                </a:solidFill>
-              </a:rPr>
-              <a:t>2</a:t>
-            </a:r>
-          </a:p>
-        </p:txBody>
-      </p:sp>
-    </p:spTree>
-    <p:extLst>
-      <p:ext uri="{BB962C8B-B14F-4D97-AF65-F5344CB8AC3E}">
-        <p14:creationId xmlns:p14="http://schemas.microsoft.com/office/powerpoint/2010/main" val="3864834055"/>
-      </p:ext>
-    </p:extLst>
-  </p:cSld>
-  <p:clrMapOvr>
-    <a:masterClrMapping/>
-  </p:clrMapOvr>
-</p:sld>
-</file>
-
-<file path=ppt/slides/slide3.xml><?xml version="1.0" encoding="utf-8"?>
-<p:sld xmlns:a="http://schemas.openxmlformats.org/drawingml/2006/main" xmlns:r="http://schemas.openxmlformats.org/officeDocument/2006/relationships" xmlns:p="http://schemas.openxmlformats.org/presentationml/2006/main">
-  <p:cSld>
-    <p:spTree>
-      <p:nvGrpSpPr>
-        <p:cNvPr id="1" name=""/>
-        <p:cNvGrpSpPr/>
-        <p:nvPr/>
-      </p:nvGrpSpPr>
-      <p:grpSpPr>
-        <a:xfrm>
-          <a:off x="0" y="0"/>
-          <a:ext cx="0" cy="0"/>
-          <a:chOff x="0" y="0"/>
-          <a:chExt cx="0" cy="0"/>
-        </a:xfrm>
-      </p:grpSpPr>
-      <p:sp>
-        <p:nvSpPr>
           <p:cNvPr id="5" name="TextBox 4">
             <a:extLst>
               <a:ext uri="{FF2B5EF4-FFF2-40B4-BE49-F238E27FC236}">
@@ -12760,7 +12111,7 @@
                 <a:latin typeface="Rubik" pitchFamily="2" charset="-79"/>
                 <a:cs typeface="Rubik" pitchFamily="2" charset="-79"/>
               </a:rPr>
-              <a:t>Описание алгоритма</a:t>
+              <a:t>Суть алгоритма</a:t>
             </a:r>
           </a:p>
         </p:txBody>
@@ -13279,7 +12630,24 @@
                     <a:ea typeface="Times New Roman" panose="02020603050405020304" pitchFamily="18" charset="0"/>
                     <a:cs typeface="Rubik" pitchFamily="2" charset="-79"/>
                   </a:rPr>
-                  <a:t>. Для каждого запроса необходимо определить множество отрезков из </a:t>
+                  <a:t>. Для каждого запроса необходимо определить </a:t>
+                </a:r>
+                <a:r>
+                  <a:rPr lang="ru-RU" dirty="0">
+                    <a:latin typeface="Rubik" pitchFamily="2" charset="-79"/>
+                    <a:ea typeface="Times New Roman" panose="02020603050405020304" pitchFamily="18" charset="0"/>
+                    <a:cs typeface="Rubik" pitchFamily="2" charset="-79"/>
+                  </a:rPr>
+                  <a:t>под</a:t>
+                </a:r>
+                <a:r>
+                  <a:rPr lang="ru-RU" sz="1800" dirty="0">
+                    <a:effectLst/>
+                    <a:latin typeface="Rubik" pitchFamily="2" charset="-79"/>
+                    <a:ea typeface="Times New Roman" panose="02020603050405020304" pitchFamily="18" charset="0"/>
+                    <a:cs typeface="Rubik" pitchFamily="2" charset="-79"/>
+                  </a:rPr>
+                  <a:t>множество отрезков из </a:t>
                 </a:r>
                 <a14:m>
                   <m:oMath xmlns:m="http://schemas.openxmlformats.org/officeDocument/2006/math">
@@ -13479,7 +12847,7 @@
 </p:sld>
 </file>
 
-<file path=ppt/slides/slide4.xml><?xml version="1.0" encoding="utf-8"?>
+<file path=ppt/slides/slide3.xml><?xml version="1.0" encoding="utf-8"?>
 <p:sld xmlns:a="http://schemas.openxmlformats.org/drawingml/2006/main" xmlns:r="http://schemas.openxmlformats.org/officeDocument/2006/relationships" xmlns:p="http://schemas.openxmlformats.org/presentationml/2006/main">
   <p:cSld>
     <p:spTree>
@@ -13706,8 +13074,8 @@
             </p:nvSpPr>
             <p:spPr>
               <a:xfrm>
-                <a:off x="611186" y="1925162"/>
-                <a:ext cx="7921626" cy="1293175"/>
+                <a:off x="548637" y="1925162"/>
+                <a:ext cx="8487095" cy="1708673"/>
               </a:xfrm>
               <a:prstGeom prst="rect">
                 <a:avLst/>
@@ -13744,85 +13112,6 @@
                       </a:rPr>
                       <m:t>𝑂</m:t>
                     </m:r>
-                    <m:r>
-                      <a:rPr lang="ru-RU" sz="1800" i="1">
-                        <a:effectLst/>
-                        <a:latin typeface="Cambria Math" panose="02040503050406030204" pitchFamily="18" charset="0"/>
-                        <a:ea typeface="Times New Roman" panose="02020603050405020304" pitchFamily="18" charset="0"/>
-                      </a:rPr>
-                      <m:t>(</m:t>
-                    </m:r>
-                    <m:r>
-                      <a:rPr lang="ru-RU" sz="1800" i="1">
-                        <a:effectLst/>
-                        <a:latin typeface="Cambria Math" panose="02040503050406030204" pitchFamily="18" charset="0"/>
-                        <a:ea typeface="Times New Roman" panose="02020603050405020304" pitchFamily="18" charset="0"/>
-                      </a:rPr>
-                      <m:t>𝑛</m:t>
-                    </m:r>
-                    <m:func>
-                      <m:funcPr>
-                        <m:ctrlPr>
-                          <a:rPr lang="ru-RU" sz="1800" i="1">
-                            <a:effectLst/>
-                            <a:latin typeface="Cambria Math" panose="02040503050406030204" pitchFamily="18" charset="0"/>
-                            <a:ea typeface="Times New Roman" panose="02020603050405020304" pitchFamily="18" charset="0"/>
-                          </a:rPr>
-                        </m:ctrlPr>
-                      </m:funcPr>
-                      <m:fName>
-                        <m:r>
-                          <m:rPr>
-                            <m:sty m:val="p"/>
-                          </m:rPr>
-                          <a:rPr lang="ru-RU" sz="1800">
-                            <a:effectLst/>
-                            <a:latin typeface="Cambria Math" panose="02040503050406030204" pitchFamily="18" charset="0"/>
-                            <a:ea typeface="Times New Roman" panose="02020603050405020304" pitchFamily="18" charset="0"/>
-                          </a:rPr>
-                          <m:t>log</m:t>
-                        </m:r>
-                      </m:fName>
-                      <m:e>
-                        <m:r>
-                          <a:rPr lang="ru-RU" sz="1800" i="1">
-                            <a:effectLst/>
-                            <a:latin typeface="Cambria Math" panose="02040503050406030204" pitchFamily="18" charset="0"/>
-                            <a:ea typeface="Times New Roman" panose="02020603050405020304" pitchFamily="18" charset="0"/>
-                          </a:rPr>
-                          <m:t>𝑛</m:t>
-                        </m:r>
-                      </m:e>
-                    </m:func>
-                    <m:r>
-                      <a:rPr lang="ru-RU" sz="1800" i="1">
-                        <a:effectLst/>
-                        <a:latin typeface="Cambria Math" panose="02040503050406030204" pitchFamily="18" charset="0"/>
-                        <a:ea typeface="Times New Roman" panose="02020603050405020304" pitchFamily="18" charset="0"/>
-                      </a:rPr>
-                      <m:t>)</m:t>
-                    </m:r>
-                  </m:oMath>
-                </a14:m>
-                <a:r>
-                  <a:rPr lang="ru-RU" sz="1800" dirty="0">
-                    <a:effectLst/>
-                    <a:latin typeface="Rubik" pitchFamily="2" charset="-79"/>
-                    <a:ea typeface="Times New Roman" panose="02020603050405020304" pitchFamily="18" charset="0"/>
-                    <a:cs typeface="Rubik" pitchFamily="2" charset="-79"/>
-                  </a:rPr>
-                  <a:t>, а также </a:t>
-                </a:r>
-                <a14:m>
-                  <m:oMath xmlns:m="http://schemas.openxmlformats.org/officeDocument/2006/math">
-                    <m:r>
-                      <a:rPr lang="ru-RU" sz="1800" i="1">
-                        <a:effectLst/>
-                        <a:latin typeface="Cambria Math" panose="02040503050406030204" pitchFamily="18" charset="0"/>
-                        <a:ea typeface="Times New Roman" panose="02020603050405020304" pitchFamily="18" charset="0"/>
-                      </a:rPr>
-                      <m:t>𝑂</m:t>
-                    </m:r>
                     <m:d>
                       <m:dPr>
                         <m:ctrlPr>
@@ -13842,10 +13131,56 @@
                           </a:rPr>
                           <m:t>𝑛</m:t>
                         </m:r>
+                        <m:func>
+                          <m:funcPr>
+                            <m:ctrlPr>
+                              <a:rPr lang="ru-RU" sz="1800" i="1">
+                                <a:effectLst/>
+                                <a:latin typeface="Cambria Math" panose="02040503050406030204" pitchFamily="18" charset="0"/>
+                                <a:ea typeface="Times New Roman" panose="02020603050405020304" pitchFamily="18" charset="0"/>
+                              </a:rPr>
+                            </m:ctrlPr>
+                          </m:funcPr>
+                          <m:fName>
+                            <m:r>
+                              <m:rPr>
+                                <m:sty m:val="p"/>
+                              </m:rPr>
+                              <a:rPr lang="ru-RU" sz="1800">
+                                <a:effectLst/>
+                                <a:latin typeface="Cambria Math" panose="02040503050406030204" pitchFamily="18" charset="0"/>
+                                <a:ea typeface="Times New Roman" panose="02020603050405020304" pitchFamily="18" charset="0"/>
+                              </a:rPr>
+                              <m:t>log</m:t>
+                            </m:r>
+                          </m:fName>
+                          <m:e>
+                            <m:r>
+                              <a:rPr lang="ru-RU" sz="1800" i="1">
+                                <a:effectLst/>
+                                <a:latin typeface="Cambria Math" panose="02040503050406030204" pitchFamily="18" charset="0"/>
+                                <a:ea typeface="Times New Roman" panose="02020603050405020304" pitchFamily="18" charset="0"/>
+                              </a:rPr>
+                              <m:t>𝑛</m:t>
+                            </m:r>
+                          </m:e>
+                        </m:func>
                       </m:e>
                     </m:d>
                   </m:oMath>
                 </a14:m>
+                <a:endParaRPr lang="ru-RU" sz="1800" dirty="0">
+                  <a:effectLst/>
+                  <a:latin typeface="Rubik" pitchFamily="2" charset="-79"/>
+                  <a:ea typeface="Times New Roman" panose="02020603050405020304" pitchFamily="18" charset="0"/>
+                </a:endParaRPr>
+              </a:p>
+              <a:p>
+                <a:pPr algn="just">
+                  <a:lnSpc>
+                    <a:spcPct val="150000"/>
+                  </a:lnSpc>
+                </a:pPr>
                 <a:r>
                   <a:rPr lang="ru-RU" sz="1800" dirty="0">
                     <a:effectLst/>
@@ -13853,7 +13188,7 @@
                     <a:ea typeface="Times New Roman" panose="02020603050405020304" pitchFamily="18" charset="0"/>
                     <a:cs typeface="Rubik" pitchFamily="2" charset="-79"/>
                   </a:rPr>
-                  <a:t> памяти. На каждый запрос дерево интервалов позволяет отвечать за </a:t>
+                  <a:t>На каждый запрос дерево интервалов позволяет отвечать за </a:t>
                 </a:r>
                 <a14:m>
                   <m:oMath xmlns:m="http://schemas.openxmlformats.org/officeDocument/2006/math">
@@ -13940,7 +13275,7 @@
                     <a:ea typeface="Times New Roman" panose="02020603050405020304" pitchFamily="18" charset="0"/>
                     <a:cs typeface="Rubik" pitchFamily="2" charset="-79"/>
                   </a:rPr>
-                  <a:t>, где </a:t>
+                  <a:t>,             	где </a:t>
                 </a:r>
                 <a14:m>
                   <m:oMath xmlns:m="http://schemas.openxmlformats.org/officeDocument/2006/math">
@@ -13964,6 +13299,63 @@
                   <a:t> – размер ответа на запрос.</a:t>
                 </a:r>
               </a:p>
+              <a:p>
+                <a:pPr algn="just">
+                  <a:lnSpc>
+                    <a:spcPct val="150000"/>
+                  </a:lnSpc>
+                </a:pPr>
+                <a:r>
+                  <a:rPr lang="ru-RU" dirty="0">
+                    <a:latin typeface="Rubik" pitchFamily="2" charset="-79"/>
+                    <a:ea typeface="Times New Roman" panose="02020603050405020304" pitchFamily="18" charset="0"/>
+                    <a:cs typeface="Rubik" pitchFamily="2" charset="-79"/>
+                  </a:rPr>
+                  <a:t>Размер памяти </a:t>
+                </a:r>
+                <a14:m>
+                  <m:oMath xmlns:m="http://schemas.openxmlformats.org/officeDocument/2006/math">
+                    <m:r>
+                      <a:rPr lang="ru-RU" sz="1800" i="1">
+                        <a:effectLst/>
+                        <a:latin typeface="Cambria Math" panose="02040503050406030204" pitchFamily="18" charset="0"/>
+                        <a:ea typeface="Times New Roman" panose="02020603050405020304" pitchFamily="18" charset="0"/>
+                      </a:rPr>
+                      <m:t>𝑂</m:t>
+                    </m:r>
+                    <m:d>
+                      <m:dPr>
+                        <m:ctrlPr>
+                          <a:rPr lang="ru-RU" sz="1800" i="1">
+                            <a:effectLst/>
+                            <a:latin typeface="Cambria Math" panose="02040503050406030204" pitchFamily="18" charset="0"/>
+                            <a:ea typeface="Times New Roman" panose="02020603050405020304" pitchFamily="18" charset="0"/>
+                          </a:rPr>
+                        </m:ctrlPr>
+                      </m:dPr>
+                      <m:e>
+                        <m:r>
+                          <a:rPr lang="ru-RU" sz="1800" i="1">
+                            <a:effectLst/>
+                            <a:latin typeface="Cambria Math" panose="02040503050406030204" pitchFamily="18" charset="0"/>
+                            <a:ea typeface="Times New Roman" panose="02020603050405020304" pitchFamily="18" charset="0"/>
+                          </a:rPr>
+                          <m:t>𝑛</m:t>
+                        </m:r>
+                      </m:e>
+                    </m:d>
+                  </m:oMath>
+                </a14:m>
+                <a:r>
+                  <a:rPr lang="ru-RU" sz="1800" dirty="0">
+                    <a:effectLst/>
+                    <a:latin typeface="Rubik" pitchFamily="2" charset="-79"/>
+                    <a:ea typeface="Times New Roman" panose="02020603050405020304" pitchFamily="18" charset="0"/>
+                    <a:cs typeface="Rubik" pitchFamily="2" charset="-79"/>
+                  </a:rPr>
+                  <a:t>. </a:t>
+                </a:r>
+              </a:p>
             </p:txBody>
           </p:sp>
         </mc:Choice>
@@ -13984,8 +13376,8 @@
             </p:nvSpPr>
             <p:spPr>
               <a:xfrm>
-                <a:off x="611186" y="1925162"/>
-                <a:ext cx="7921626" cy="1293175"/>
+                <a:off x="548637" y="1925162"/>
+                <a:ext cx="8487095" cy="1708673"/>
               </a:xfrm>
               <a:prstGeom prst="rect">
                 <a:avLst/>
@@ -13993,7 +13385,7 @@
               <a:blipFill>
                 <a:blip r:embed="rId2"/>
                 <a:stretch>
-                  <a:fillRect l="-615" r="-615" b="-7075"/>
+                  <a:fillRect l="-575" r="-575" b="-5000"/>
                 </a:stretch>
               </a:blipFill>
             </p:spPr>
@@ -14016,6 +13408,639 @@
     <p:extLst>
       <p:ext uri="{BB962C8B-B14F-4D97-AF65-F5344CB8AC3E}">
         <p14:creationId xmlns:p14="http://schemas.microsoft.com/office/powerpoint/2010/main" val="549742144"/>
+      </p:ext>
+    </p:extLst>
+  </p:cSld>
+  <p:clrMapOvr>
+    <a:masterClrMapping/>
+  </p:clrMapOvr>
+</p:sld>
+</file>
+
+<file path=ppt/slides/slide4.xml><?xml version="1.0" encoding="utf-8"?>
+<p:sld xmlns:a="http://schemas.openxmlformats.org/drawingml/2006/main" xmlns:r="http://schemas.openxmlformats.org/officeDocument/2006/relationships" xmlns:p="http://schemas.openxmlformats.org/presentationml/2006/main">
+  <p:cSld>
+    <p:spTree>
+      <p:nvGrpSpPr>
+        <p:cNvPr id="1" name=""/>
+        <p:cNvGrpSpPr/>
+        <p:nvPr/>
+      </p:nvGrpSpPr>
+      <p:grpSpPr>
+        <a:xfrm>
+          <a:off x="0" y="0"/>
+          <a:ext cx="0" cy="0"/>
+          <a:chOff x="0" y="0"/>
+          <a:chExt cx="0" cy="0"/>
+        </a:xfrm>
+      </p:grpSpPr>
+      <p:sp>
+        <p:nvSpPr>
+          <p:cNvPr id="6" name="TextBox 5">
+            <a:extLst>
+              <a:ext uri="{FF2B5EF4-FFF2-40B4-BE49-F238E27FC236}">
+                <a16:creationId xmlns:a16="http://schemas.microsoft.com/office/drawing/2014/main" id="{1E89E242-C586-7BBB-5345-FD5D9EDF1FC7}"/>
+              </a:ext>
+            </a:extLst>
+          </p:cNvPr>
+          <p:cNvSpPr txBox="1"/>
+          <p:nvPr/>
+        </p:nvSpPr>
+        <p:spPr>
+          <a:xfrm>
+            <a:off x="693420" y="212040"/>
+            <a:ext cx="6805748" cy="600164"/>
+          </a:xfrm>
+          <a:prstGeom prst="rect">
+            <a:avLst/>
+          </a:prstGeom>
+          <a:noFill/>
+        </p:spPr>
+        <p:txBody>
+          <a:bodyPr wrap="square">
+            <a:spAutoFit/>
+          </a:bodyPr>
+          <a:lstStyle/>
+          <a:p>
+            <a:r>
+              <a:rPr lang="ru-RU" sz="3300" b="1" i="1" dirty="0">
+                <a:latin typeface="Rubik" pitchFamily="2" charset="-79"/>
+                <a:cs typeface="Rubik" pitchFamily="2" charset="-79"/>
+              </a:rPr>
+              <a:t>Задачи</a:t>
+            </a:r>
+          </a:p>
+        </p:txBody>
+      </p:sp>
+      <p:sp>
+        <p:nvSpPr>
+          <p:cNvPr id="12" name="Прямоугольник: скругленные углы 11">
+            <a:extLst>
+              <a:ext uri="{FF2B5EF4-FFF2-40B4-BE49-F238E27FC236}">
+                <a16:creationId xmlns:a16="http://schemas.microsoft.com/office/drawing/2014/main" id="{AB154D77-238F-68CD-60CE-AEF2ADC9A45B}"/>
+              </a:ext>
+            </a:extLst>
+          </p:cNvPr>
+          <p:cNvSpPr/>
+          <p:nvPr/>
+        </p:nvSpPr>
+        <p:spPr>
+          <a:xfrm>
+            <a:off x="611188" y="231775"/>
+            <a:ext cx="45719" cy="600164"/>
+          </a:xfrm>
+          <a:prstGeom prst="roundRect">
+            <a:avLst/>
+          </a:prstGeom>
+          <a:solidFill>
+            <a:srgbClr val="FFD089"/>
+          </a:solidFill>
+          <a:ln>
+            <a:noFill/>
+          </a:ln>
+        </p:spPr>
+        <p:style>
+          <a:lnRef idx="2">
+            <a:schemeClr val="accent1">
+              <a:shade val="50000"/>
+            </a:schemeClr>
+          </a:lnRef>
+          <a:fillRef idx="1">
+            <a:schemeClr val="accent1"/>
+          </a:fillRef>
+          <a:effectRef idx="0">
+            <a:schemeClr val="accent1"/>
+          </a:effectRef>
+          <a:fontRef idx="minor">
+            <a:schemeClr val="lt1"/>
+          </a:fontRef>
+        </p:style>
+        <p:txBody>
+          <a:bodyPr rtlCol="0" anchor="ctr"/>
+          <a:lstStyle/>
+          <a:p>
+            <a:pPr algn="ctr"/>
+            <a:endParaRPr lang="ru-RU"/>
+          </a:p>
+        </p:txBody>
+      </p:sp>
+      <p:sp>
+        <p:nvSpPr>
+          <p:cNvPr id="14" name="TextBox 13">
+            <a:extLst>
+              <a:ext uri="{FF2B5EF4-FFF2-40B4-BE49-F238E27FC236}">
+                <a16:creationId xmlns:a16="http://schemas.microsoft.com/office/drawing/2014/main" id="{288228FF-5250-23E0-C1E6-8CAA6870E75A}"/>
+              </a:ext>
+            </a:extLst>
+          </p:cNvPr>
+          <p:cNvSpPr txBox="1"/>
+          <p:nvPr/>
+        </p:nvSpPr>
+        <p:spPr>
+          <a:xfrm>
+            <a:off x="782244" y="2322937"/>
+            <a:ext cx="7762838" cy="584775"/>
+          </a:xfrm>
+          <a:prstGeom prst="rect">
+            <a:avLst/>
+          </a:prstGeom>
+          <a:noFill/>
+        </p:spPr>
+        <p:txBody>
+          <a:bodyPr wrap="square">
+            <a:spAutoFit/>
+          </a:bodyPr>
+          <a:lstStyle/>
+          <a:p>
+            <a:r>
+              <a:rPr lang="ru-RU" sz="1600" dirty="0">
+                <a:effectLst/>
+                <a:latin typeface="Rubik" pitchFamily="2" charset="-79"/>
+                <a:cs typeface="Rubik" pitchFamily="2" charset="-79"/>
+              </a:rPr>
+              <a:t>Реализовать</a:t>
+            </a:r>
+            <a:r>
+              <a:rPr lang="ru-RU" sz="1600" dirty="0">
+                <a:effectLst/>
+              </a:rPr>
+              <a:t> для дерева интервалов операции (добавление, удаление, проверка на перекрытие)</a:t>
+            </a:r>
+            <a:endParaRPr lang="ru-RU" sz="1600" i="1" dirty="0">
+              <a:latin typeface="Rubik" pitchFamily="2" charset="-79"/>
+              <a:cs typeface="Rubik" pitchFamily="2" charset="-79"/>
+            </a:endParaRPr>
+          </a:p>
+        </p:txBody>
+      </p:sp>
+      <p:sp>
+        <p:nvSpPr>
+          <p:cNvPr id="18" name="TextBox 17">
+            <a:extLst>
+              <a:ext uri="{FF2B5EF4-FFF2-40B4-BE49-F238E27FC236}">
+                <a16:creationId xmlns:a16="http://schemas.microsoft.com/office/drawing/2014/main" id="{48CB0EDD-50D8-F5DE-FEA4-B9D198256A9C}"/>
+              </a:ext>
+            </a:extLst>
+          </p:cNvPr>
+          <p:cNvSpPr txBox="1"/>
+          <p:nvPr/>
+        </p:nvSpPr>
+        <p:spPr>
+          <a:xfrm>
+            <a:off x="782244" y="1277275"/>
+            <a:ext cx="7738300" cy="338554"/>
+          </a:xfrm>
+          <a:prstGeom prst="rect">
+            <a:avLst/>
+          </a:prstGeom>
+          <a:noFill/>
+        </p:spPr>
+        <p:txBody>
+          <a:bodyPr wrap="square">
+            <a:spAutoFit/>
+          </a:bodyPr>
+          <a:lstStyle/>
+          <a:p>
+            <a:r>
+              <a:rPr lang="ru-RU" sz="1600" dirty="0">
+                <a:effectLst/>
+                <a:latin typeface="Rubik" pitchFamily="2" charset="-79"/>
+                <a:cs typeface="Rubik" pitchFamily="2" charset="-79"/>
+              </a:rPr>
+              <a:t>Изучить структуру данных “</a:t>
+            </a:r>
+            <a:r>
+              <a:rPr lang="ru-RU" sz="1600" i="1" dirty="0">
+                <a:effectLst/>
+                <a:latin typeface="Rubik" pitchFamily="2" charset="-79"/>
+                <a:cs typeface="Rubik" pitchFamily="2" charset="-79"/>
+              </a:rPr>
+              <a:t>Дерево интервалов</a:t>
+            </a:r>
+            <a:r>
+              <a:rPr lang="ru-RU" sz="1600" dirty="0">
+                <a:effectLst/>
+                <a:latin typeface="Rubik" pitchFamily="2" charset="-79"/>
+                <a:cs typeface="Rubik" pitchFamily="2" charset="-79"/>
+              </a:rPr>
+              <a:t>”</a:t>
+            </a:r>
+            <a:endParaRPr lang="ru-RU" sz="1600" dirty="0">
+              <a:latin typeface="Rubik" pitchFamily="2" charset="-79"/>
+              <a:cs typeface="Rubik" pitchFamily="2" charset="-79"/>
+            </a:endParaRPr>
+          </a:p>
+        </p:txBody>
+      </p:sp>
+      <p:sp>
+        <p:nvSpPr>
+          <p:cNvPr id="20" name="TextBox 19">
+            <a:extLst>
+              <a:ext uri="{FF2B5EF4-FFF2-40B4-BE49-F238E27FC236}">
+                <a16:creationId xmlns:a16="http://schemas.microsoft.com/office/drawing/2014/main" id="{3794BFF7-B269-B337-AAE4-B9E039F310BC}"/>
+              </a:ext>
+            </a:extLst>
+          </p:cNvPr>
+          <p:cNvSpPr txBox="1"/>
+          <p:nvPr/>
+        </p:nvSpPr>
+        <p:spPr>
+          <a:xfrm>
+            <a:off x="794513" y="1785480"/>
+            <a:ext cx="7738300" cy="338554"/>
+          </a:xfrm>
+          <a:prstGeom prst="rect">
+            <a:avLst/>
+          </a:prstGeom>
+          <a:noFill/>
+        </p:spPr>
+        <p:txBody>
+          <a:bodyPr wrap="square">
+            <a:spAutoFit/>
+          </a:bodyPr>
+          <a:lstStyle/>
+          <a:p>
+            <a:r>
+              <a:rPr lang="ru-RU" sz="1600" dirty="0">
+                <a:effectLst/>
+                <a:latin typeface="Rubik" pitchFamily="2" charset="-79"/>
+                <a:cs typeface="Rubik" pitchFamily="2" charset="-79"/>
+              </a:rPr>
+              <a:t>Выполнить исследование на </a:t>
+            </a:r>
+            <a:r>
+              <a:rPr lang="ru-RU" sz="1600" i="1" dirty="0">
+                <a:effectLst/>
+                <a:latin typeface="Rubik" pitchFamily="2" charset="-79"/>
+                <a:cs typeface="Rubik" pitchFamily="2" charset="-79"/>
+              </a:rPr>
+              <a:t>производительность</a:t>
+            </a:r>
+            <a:r>
+              <a:rPr lang="ru-RU" sz="1600" dirty="0">
+                <a:effectLst/>
+                <a:latin typeface="Rubik" pitchFamily="2" charset="-79"/>
+                <a:cs typeface="Rubik" pitchFamily="2" charset="-79"/>
+              </a:rPr>
+              <a:t> (время работы)</a:t>
+            </a:r>
+            <a:endParaRPr lang="ru-RU" sz="1600" dirty="0">
+              <a:latin typeface="Rubik" pitchFamily="2" charset="-79"/>
+              <a:cs typeface="Rubik" pitchFamily="2" charset="-79"/>
+            </a:endParaRPr>
+          </a:p>
+        </p:txBody>
+      </p:sp>
+      <p:sp>
+        <p:nvSpPr>
+          <p:cNvPr id="22" name="TextBox 21">
+            <a:extLst>
+              <a:ext uri="{FF2B5EF4-FFF2-40B4-BE49-F238E27FC236}">
+                <a16:creationId xmlns:a16="http://schemas.microsoft.com/office/drawing/2014/main" id="{6D375401-7186-DBF3-D1DC-B1413CDD702E}"/>
+              </a:ext>
+            </a:extLst>
+          </p:cNvPr>
+          <p:cNvSpPr txBox="1"/>
+          <p:nvPr/>
+        </p:nvSpPr>
+        <p:spPr>
+          <a:xfrm>
+            <a:off x="782245" y="3448767"/>
+            <a:ext cx="7750569" cy="584775"/>
+          </a:xfrm>
+          <a:prstGeom prst="rect">
+            <a:avLst/>
+          </a:prstGeom>
+          <a:noFill/>
+        </p:spPr>
+        <p:txBody>
+          <a:bodyPr wrap="square">
+            <a:spAutoFit/>
+          </a:bodyPr>
+          <a:lstStyle/>
+          <a:p>
+            <a:r>
+              <a:rPr lang="ru-RU" sz="1600" dirty="0">
+                <a:effectLst/>
+                <a:latin typeface="Rubik" pitchFamily="2" charset="-79"/>
+                <a:cs typeface="Rubik" pitchFamily="2" charset="-79"/>
+              </a:rPr>
+              <a:t>Ограничения:</a:t>
+            </a:r>
+            <a:br>
+              <a:rPr lang="ru-RU" sz="1600" dirty="0">
+                <a:effectLst/>
+                <a:latin typeface="Rubik" pitchFamily="2" charset="-79"/>
+                <a:cs typeface="Rubik" pitchFamily="2" charset="-79"/>
+              </a:rPr>
+            </a:br>
+            <a:r>
+              <a:rPr lang="ru-RU" sz="1600" dirty="0">
+                <a:effectLst/>
+                <a:latin typeface="Rubik" pitchFamily="2" charset="-79"/>
+                <a:cs typeface="Rubik" pitchFamily="2" charset="-79"/>
+              </a:rPr>
+              <a:t>На вход принимаются значения типа </a:t>
+            </a:r>
+            <a:r>
+              <a:rPr lang="ru-RU" sz="1600" i="1" dirty="0" err="1">
+                <a:effectLst/>
+                <a:latin typeface="Rubik" pitchFamily="2" charset="-79"/>
+                <a:cs typeface="Rubik" pitchFamily="2" charset="-79"/>
+              </a:rPr>
+              <a:t>double</a:t>
+            </a:r>
+            <a:endParaRPr lang="ru-RU" sz="1600" i="1" dirty="0">
+              <a:latin typeface="Rubik" pitchFamily="2" charset="-79"/>
+              <a:cs typeface="Rubik" pitchFamily="2" charset="-79"/>
+            </a:endParaRPr>
+          </a:p>
+        </p:txBody>
+      </p:sp>
+      <p:sp>
+        <p:nvSpPr>
+          <p:cNvPr id="24" name="TextBox 23">
+            <a:extLst>
+              <a:ext uri="{FF2B5EF4-FFF2-40B4-BE49-F238E27FC236}">
+                <a16:creationId xmlns:a16="http://schemas.microsoft.com/office/drawing/2014/main" id="{FFE09EA0-4CA3-65FC-D67B-BE74128C600F}"/>
+              </a:ext>
+            </a:extLst>
+          </p:cNvPr>
+          <p:cNvSpPr txBox="1"/>
+          <p:nvPr/>
+        </p:nvSpPr>
+        <p:spPr>
+          <a:xfrm>
+            <a:off x="782244" y="4199597"/>
+            <a:ext cx="7750569" cy="584775"/>
+          </a:xfrm>
+          <a:prstGeom prst="rect">
+            <a:avLst/>
+          </a:prstGeom>
+          <a:noFill/>
+        </p:spPr>
+        <p:txBody>
+          <a:bodyPr wrap="square">
+            <a:spAutoFit/>
+          </a:bodyPr>
+          <a:lstStyle/>
+          <a:p>
+            <a:r>
+              <a:rPr lang="ru-RU" sz="1600" dirty="0">
+                <a:effectLst/>
+                <a:latin typeface="Rubik" pitchFamily="2" charset="-79"/>
+                <a:cs typeface="Rubik" pitchFamily="2" charset="-79"/>
+              </a:rPr>
+              <a:t>Результаты проведенной работы выложить </a:t>
+            </a:r>
+            <a:r>
+              <a:rPr lang="ru-RU" sz="1600" i="1" dirty="0">
+                <a:effectLst/>
+                <a:latin typeface="Rubik" pitchFamily="2" charset="-79"/>
+                <a:cs typeface="Rubik" pitchFamily="2" charset="-79"/>
+              </a:rPr>
+              <a:t>в среде </a:t>
+            </a:r>
+            <a:r>
+              <a:rPr lang="ru-RU" sz="1600" i="1" dirty="0" err="1">
+                <a:effectLst/>
+                <a:latin typeface="Rubik" pitchFamily="2" charset="-79"/>
+                <a:cs typeface="Rubik" pitchFamily="2" charset="-79"/>
+              </a:rPr>
+              <a:t>Github</a:t>
+            </a:r>
+            <a:r>
+              <a:rPr lang="ru-RU" sz="1600" i="1" dirty="0">
+                <a:effectLst/>
+                <a:latin typeface="Rubik" pitchFamily="2" charset="-79"/>
+                <a:cs typeface="Rubik" pitchFamily="2" charset="-79"/>
+              </a:rPr>
+              <a:t> </a:t>
+            </a:r>
+            <a:r>
+              <a:rPr lang="ru-RU" sz="1600" dirty="0">
+                <a:effectLst/>
+                <a:latin typeface="Rubik" pitchFamily="2" charset="-79"/>
+                <a:cs typeface="Rubik" pitchFamily="2" charset="-79"/>
+              </a:rPr>
+              <a:t>(отчет, презентация, программный код, тесты, пакет </a:t>
+            </a:r>
+            <a:r>
+              <a:rPr lang="ru-RU" sz="1600" dirty="0" err="1">
+                <a:effectLst/>
+                <a:latin typeface="Rubik" pitchFamily="2" charset="-79"/>
+                <a:cs typeface="Rubik" pitchFamily="2" charset="-79"/>
+              </a:rPr>
+              <a:t>cats</a:t>
+            </a:r>
+            <a:r>
+              <a:rPr lang="ru-RU" sz="1600" dirty="0">
+                <a:effectLst/>
+                <a:latin typeface="Rubik" pitchFamily="2" charset="-79"/>
+                <a:cs typeface="Rubik" pitchFamily="2" charset="-79"/>
+              </a:rPr>
+              <a:t>)</a:t>
+            </a:r>
+            <a:endParaRPr lang="ru-RU" sz="1600" dirty="0">
+              <a:latin typeface="Rubik" pitchFamily="2" charset="-79"/>
+              <a:cs typeface="Rubik" pitchFamily="2" charset="-79"/>
+            </a:endParaRPr>
+          </a:p>
+        </p:txBody>
+      </p:sp>
+      <p:pic>
+        <p:nvPicPr>
+          <p:cNvPr id="28" name="Рисунок 27">
+            <a:extLst>
+              <a:ext uri="{FF2B5EF4-FFF2-40B4-BE49-F238E27FC236}">
+                <a16:creationId xmlns:a16="http://schemas.microsoft.com/office/drawing/2014/main" id="{EC26F490-41C3-86DD-66F3-83FB4FB628FF}"/>
+              </a:ext>
+            </a:extLst>
+          </p:cNvPr>
+          <p:cNvPicPr>
+            <a:picLocks noChangeAspect="1"/>
+          </p:cNvPicPr>
+          <p:nvPr/>
+        </p:nvPicPr>
+        <p:blipFill>
+          <a:blip r:embed="rId2">
+            <a:extLst>
+              <a:ext uri="{28A0092B-C50C-407E-A947-70E740481C1C}">
+                <a14:useLocalDpi xmlns:a14="http://schemas.microsoft.com/office/drawing/2010/main" val="0"/>
+              </a:ext>
+              <a:ext uri="{96DAC541-7B7A-43D3-8B79-37D633B846F1}">
+                <asvg:svgBlip xmlns:asvg="http://schemas.microsoft.com/office/drawing/2016/SVG/main" r:embed="rId3"/>
+              </a:ext>
+            </a:extLst>
+          </a:blip>
+          <a:stretch>
+            <a:fillRect/>
+          </a:stretch>
+        </p:blipFill>
+        <p:spPr>
+          <a:xfrm>
+            <a:off x="554036" y="1381134"/>
+            <a:ext cx="171057" cy="3235816"/>
+          </a:xfrm>
+          <a:prstGeom prst="rect">
+            <a:avLst/>
+          </a:prstGeom>
+        </p:spPr>
+      </p:pic>
+      <p:sp>
+        <p:nvSpPr>
+          <p:cNvPr id="29" name="TextBox 28">
+            <a:extLst>
+              <a:ext uri="{FF2B5EF4-FFF2-40B4-BE49-F238E27FC236}">
+                <a16:creationId xmlns:a16="http://schemas.microsoft.com/office/drawing/2014/main" id="{B0CE0294-F8C6-799D-38D8-398147E34ED6}"/>
+              </a:ext>
+            </a:extLst>
+          </p:cNvPr>
+          <p:cNvSpPr txBox="1"/>
+          <p:nvPr/>
+        </p:nvSpPr>
+        <p:spPr>
+          <a:xfrm>
+            <a:off x="794513" y="2999042"/>
+            <a:ext cx="7750569" cy="338554"/>
+          </a:xfrm>
+          <a:prstGeom prst="rect">
+            <a:avLst/>
+          </a:prstGeom>
+          <a:noFill/>
+        </p:spPr>
+        <p:txBody>
+          <a:bodyPr wrap="square">
+            <a:spAutoFit/>
+          </a:bodyPr>
+          <a:lstStyle/>
+          <a:p>
+            <a:r>
+              <a:rPr lang="ru-RU" sz="1600" dirty="0">
+                <a:effectLst/>
+                <a:latin typeface="Rubik" pitchFamily="2" charset="-79"/>
+                <a:cs typeface="Rubik" pitchFamily="2" charset="-79"/>
+              </a:rPr>
+              <a:t>Реализовать </a:t>
+            </a:r>
+            <a:r>
+              <a:rPr lang="ru-RU" sz="1600" i="1" dirty="0">
+                <a:effectLst/>
+                <a:latin typeface="Rubik" pitchFamily="2" charset="-79"/>
+                <a:cs typeface="Rubik" pitchFamily="2" charset="-79"/>
+              </a:rPr>
+              <a:t>систему автоматического тестирования</a:t>
+            </a:r>
+            <a:endParaRPr lang="ru-RU" sz="1600" i="1" dirty="0">
+              <a:latin typeface="Rubik" pitchFamily="2" charset="-79"/>
+              <a:cs typeface="Rubik" pitchFamily="2" charset="-79"/>
+            </a:endParaRPr>
+          </a:p>
+        </p:txBody>
+      </p:sp>
+      <p:sp>
+        <p:nvSpPr>
+          <p:cNvPr id="8" name="Прямоугольник: скругленные углы 7">
+            <a:extLst>
+              <a:ext uri="{FF2B5EF4-FFF2-40B4-BE49-F238E27FC236}">
+                <a16:creationId xmlns:a16="http://schemas.microsoft.com/office/drawing/2014/main" id="{9FE76F8D-693C-979A-59FF-5E5D4A99D47C}"/>
+              </a:ext>
+            </a:extLst>
+          </p:cNvPr>
+          <p:cNvSpPr/>
+          <p:nvPr/>
+        </p:nvSpPr>
+        <p:spPr>
+          <a:xfrm>
+            <a:off x="8532812" y="231774"/>
+            <a:ext cx="1005840" cy="600165"/>
+          </a:xfrm>
+          <a:prstGeom prst="roundRect">
+            <a:avLst/>
+          </a:prstGeom>
+          <a:gradFill>
+            <a:gsLst>
+              <a:gs pos="0">
+                <a:srgbClr val="F29E54"/>
+              </a:gs>
+              <a:gs pos="100000">
+                <a:srgbClr val="EE7C37"/>
+              </a:gs>
+            </a:gsLst>
+            <a:lin ang="3000000" scaled="0"/>
+          </a:gradFill>
+          <a:ln>
+            <a:noFill/>
+          </a:ln>
+        </p:spPr>
+        <p:style>
+          <a:lnRef idx="2">
+            <a:schemeClr val="accent1">
+              <a:shade val="50000"/>
+            </a:schemeClr>
+          </a:lnRef>
+          <a:fillRef idx="1">
+            <a:schemeClr val="accent1"/>
+          </a:fillRef>
+          <a:effectRef idx="0">
+            <a:schemeClr val="accent1"/>
+          </a:effectRef>
+          <a:fontRef idx="minor">
+            <a:schemeClr val="lt1"/>
+          </a:fontRef>
+        </p:style>
+        <p:txBody>
+          <a:bodyPr rtlCol="0" anchor="ctr"/>
+          <a:lstStyle/>
+          <a:p>
+            <a:pPr algn="ctr"/>
+            <a:endParaRPr lang="ru-RU"/>
+          </a:p>
+        </p:txBody>
+      </p:sp>
+      <p:sp>
+        <p:nvSpPr>
+          <p:cNvPr id="9" name="TextBox 8">
+            <a:extLst>
+              <a:ext uri="{FF2B5EF4-FFF2-40B4-BE49-F238E27FC236}">
+                <a16:creationId xmlns:a16="http://schemas.microsoft.com/office/drawing/2014/main" id="{5AB93C86-FA13-8649-3FAF-D5FEB559D003}"/>
+              </a:ext>
+            </a:extLst>
+          </p:cNvPr>
+          <p:cNvSpPr txBox="1"/>
+          <p:nvPr/>
+        </p:nvSpPr>
+        <p:spPr>
+          <a:xfrm flipH="1">
+            <a:off x="8653292" y="270246"/>
+            <a:ext cx="382440" cy="523220"/>
+          </a:xfrm>
+          <a:prstGeom prst="rect">
+            <a:avLst/>
+          </a:prstGeom>
+          <a:noFill/>
+        </p:spPr>
+        <p:txBody>
+          <a:bodyPr wrap="square" rtlCol="0">
+            <a:spAutoFit/>
+          </a:bodyPr>
+          <a:lstStyle/>
+          <a:p>
+            <a:r>
+              <a:rPr lang="ru-RU" sz="2800" dirty="0">
+                <a:solidFill>
+                  <a:schemeClr val="bg1"/>
+                </a:solidFill>
+              </a:rPr>
+              <a:t>2</a:t>
+            </a:r>
+          </a:p>
+        </p:txBody>
+      </p:sp>
+    </p:spTree>
+    <p:extLst>
+      <p:ext uri="{BB962C8B-B14F-4D97-AF65-F5344CB8AC3E}">
+        <p14:creationId xmlns:p14="http://schemas.microsoft.com/office/powerpoint/2010/main" val="2388223114"/>
       </p:ext>
     </p:extLst>
   </p:cSld>

--- a/Дерево интервалов.pptx
+++ b/Дерево интервалов.pptx
@@ -170,10 +170,10 @@
   <c:roundedCorners val="0"/>
   <mc:AlternateContent xmlns:mc="http://schemas.openxmlformats.org/markup-compatibility/2006">
     <mc:Choice xmlns:c14="http://schemas.microsoft.com/office/drawing/2007/8/2/chart" Requires="c14">
-      <c14:style val="102"/>
+      <c14:style val="104"/>
     </mc:Choice>
     <mc:Fallback>
-      <c:style val="2"/>
+      <c:style val="4"/>
     </mc:Fallback>
   </mc:AlternateContent>
   <c:chart>
@@ -184,9 +184,12 @@
           <a:lstStyle/>
           <a:p>
             <a:pPr>
-              <a:defRPr sz="2128" b="1" i="0" u="none" strike="noStrike" kern="1200" baseline="0">
+              <a:defRPr sz="1400" b="0" i="0" u="none" strike="noStrike" kern="1200" spc="0" baseline="0">
                 <a:solidFill>
-                  <a:schemeClr val="tx2"/>
+                  <a:schemeClr val="tx1">
+                    <a:lumMod val="65000"/>
+                    <a:lumOff val="35000"/>
+                  </a:schemeClr>
                 </a:solidFill>
                 <a:latin typeface="+mn-lt"/>
                 <a:ea typeface="+mn-ea"/>
@@ -194,20 +197,12 @@
               </a:defRPr>
             </a:pPr>
             <a:r>
-              <a:rPr lang="ru-RU" dirty="0"/>
-              <a:t>Эффективность по времени</a:t>
+              <a:rPr lang="ru-RU"/>
+              <a:t>Вставка</a:t>
             </a:r>
           </a:p>
         </c:rich>
       </c:tx>
-      <c:layout>
-        <c:manualLayout>
-          <c:xMode val="edge"/>
-          <c:yMode val="edge"/>
-          <c:x val="0.26015943448955725"/>
-          <c:y val="3.6574706718370438E-2"/>
-        </c:manualLayout>
-      </c:layout>
       <c:overlay val="0"/>
       <c:spPr>
         <a:noFill/>
@@ -221,9 +216,12 @@
         <a:lstStyle/>
         <a:p>
           <a:pPr>
-            <a:defRPr sz="2128" b="1" i="0" u="none" strike="noStrike" kern="1200" baseline="0">
+            <a:defRPr sz="1400" b="0" i="0" u="none" strike="noStrike" kern="1200" spc="0" baseline="0">
               <a:solidFill>
-                <a:schemeClr val="tx2"/>
+                <a:schemeClr val="tx1">
+                  <a:lumMod val="65000"/>
+                  <a:lumOff val="35000"/>
+                </a:schemeClr>
               </a:solidFill>
               <a:latin typeface="+mn-lt"/>
               <a:ea typeface="+mn-ea"/>
@@ -237,553 +235,165 @@
     <c:autoTitleDeleted val="0"/>
     <c:plotArea>
       <c:layout/>
-      <c:barChart>
-        <c:barDir val="col"/>
-        <c:grouping val="clustered"/>
+      <c:scatterChart>
+        <c:scatterStyle val="smoothMarker"/>
         <c:varyColors val="0"/>
         <c:ser>
-          <c:idx val="1"/>
-          <c:order val="1"/>
+          <c:idx val="0"/>
+          <c:order val="0"/>
           <c:spPr>
-            <a:gradFill rotWithShape="1">
-              <a:gsLst>
-                <a:gs pos="0">
-                  <a:schemeClr val="accent2">
-                    <a:satMod val="103000"/>
-                    <a:lumMod val="102000"/>
-                    <a:tint val="94000"/>
-                  </a:schemeClr>
-                </a:gs>
-                <a:gs pos="50000">
-                  <a:schemeClr val="accent2">
-                    <a:satMod val="110000"/>
-                    <a:lumMod val="100000"/>
-                    <a:shade val="100000"/>
-                  </a:schemeClr>
-                </a:gs>
-                <a:gs pos="100000">
-                  <a:schemeClr val="accent2">
-                    <a:lumMod val="99000"/>
-                    <a:satMod val="120000"/>
-                    <a:shade val="78000"/>
-                  </a:schemeClr>
-                </a:gs>
-              </a:gsLst>
-              <a:lin ang="5400000" scaled="0"/>
-            </a:gradFill>
-            <a:ln>
-              <a:noFill/>
+            <a:ln w="19050" cap="rnd">
+              <a:solidFill>
+                <a:schemeClr val="accent2"/>
+              </a:solidFill>
+              <a:round/>
             </a:ln>
             <a:effectLst/>
           </c:spPr>
-          <c:invertIfNegative val="0"/>
-          <c:dLbls>
+          <c:marker>
+            <c:symbol val="circle"/>
+            <c:size val="5"/>
             <c:spPr>
-              <a:noFill/>
-              <a:ln>
-                <a:noFill/>
+              <a:solidFill>
+                <a:schemeClr val="accent2"/>
+              </a:solidFill>
+              <a:ln w="9525">
+                <a:solidFill>
+                  <a:schemeClr val="accent2"/>
+                </a:solidFill>
               </a:ln>
               <a:effectLst/>
             </c:spPr>
-            <c:txPr>
-              <a:bodyPr rot="0" spcFirstLastPara="1" vertOverflow="ellipsis" vert="horz" wrap="square" lIns="38100" tIns="19050" rIns="38100" bIns="19050" anchor="ctr" anchorCtr="1">
-                <a:spAutoFit/>
-              </a:bodyPr>
-              <a:lstStyle/>
-              <a:p>
-                <a:pPr>
-                  <a:defRPr sz="1197" b="0" i="0" u="none" strike="noStrike" kern="1200" baseline="0">
-                    <a:solidFill>
-                      <a:schemeClr val="tx2"/>
-                    </a:solidFill>
-                    <a:latin typeface="+mn-lt"/>
-                    <a:ea typeface="+mn-ea"/>
-                    <a:cs typeface="+mn-cs"/>
-                  </a:defRPr>
-                </a:pPr>
-                <a:endParaRPr lang="ru-RU"/>
-              </a:p>
-            </c:txPr>
-            <c:dLblPos val="outEnd"/>
-            <c:showLegendKey val="0"/>
-            <c:showVal val="1"/>
-            <c:showCatName val="0"/>
-            <c:showSerName val="0"/>
-            <c:showPercent val="0"/>
-            <c:showBubbleSize val="0"/>
-            <c:showLeaderLines val="0"/>
-            <c:extLst>
-              <c:ext xmlns:c15="http://schemas.microsoft.com/office/drawing/2012/chart" uri="{CE6537A1-D6FC-4f65-9D91-7224C49458BB}">
-                <c15:showLeaderLines val="1"/>
-                <c15:leaderLines>
-                  <c:spPr>
-                    <a:ln w="9525">
-                      <a:solidFill>
-                        <a:schemeClr val="tx2">
-                          <a:lumMod val="35000"/>
-                          <a:lumOff val="65000"/>
-                        </a:schemeClr>
-                      </a:solidFill>
-                    </a:ln>
-                    <a:effectLst/>
-                  </c:spPr>
-                </c15:leaderLines>
-              </c:ext>
-            </c:extLst>
-          </c:dLbls>
-          <c:cat>
+          </c:marker>
+          <c:xVal>
             <c:numRef>
-              <c:f>Лист1!$A$2:$A$24</c:f>
+              <c:f>Лист1!$C$4:$C$15</c:f>
               <c:numCache>
                 <c:formatCode>General</c:formatCode>
-                <c:ptCount val="23"/>
+                <c:ptCount val="12"/>
                 <c:pt idx="0">
-                  <c:v>1</c:v>
+                  <c:v>100</c:v>
                 </c:pt>
                 <c:pt idx="1">
-                  <c:v>5</c:v>
+                  <c:v>500</c:v>
                 </c:pt>
                 <c:pt idx="2">
-                  <c:v>10</c:v>
+                  <c:v>1000</c:v>
                 </c:pt>
                 <c:pt idx="3">
-                  <c:v>15</c:v>
+                  <c:v>2000</c:v>
                 </c:pt>
                 <c:pt idx="4">
-                  <c:v>20</c:v>
+                  <c:v>5000</c:v>
                 </c:pt>
                 <c:pt idx="5">
-                  <c:v>25</c:v>
+                  <c:v>10000</c:v>
                 </c:pt>
                 <c:pt idx="6">
-                  <c:v>50</c:v>
+                  <c:v>50000</c:v>
                 </c:pt>
                 <c:pt idx="7">
-                  <c:v>75</c:v>
+                  <c:v>100000</c:v>
                 </c:pt>
                 <c:pt idx="8">
-                  <c:v>3000</c:v>
+                  <c:v>350000</c:v>
                 </c:pt>
                 <c:pt idx="9">
-                  <c:v>4000</c:v>
+                  <c:v>600000</c:v>
                 </c:pt>
                 <c:pt idx="10">
-                  <c:v>5000</c:v>
+                  <c:v>1000000</c:v>
                 </c:pt>
                 <c:pt idx="11">
-                  <c:v>6000</c:v>
-                </c:pt>
-                <c:pt idx="12">
-                  <c:v>7000</c:v>
-                </c:pt>
-                <c:pt idx="13">
-                  <c:v>8000</c:v>
-                </c:pt>
-                <c:pt idx="14">
-                  <c:v>9000</c:v>
-                </c:pt>
-                <c:pt idx="15">
-                  <c:v>10000</c:v>
-                </c:pt>
-                <c:pt idx="16">
-                  <c:v>100000</c:v>
-                </c:pt>
-                <c:pt idx="17">
-                  <c:v>125000</c:v>
-                </c:pt>
-                <c:pt idx="18">
-                  <c:v>150000</c:v>
-                </c:pt>
-                <c:pt idx="19">
-                  <c:v>200000</c:v>
-                </c:pt>
-                <c:pt idx="20">
-                  <c:v>250000</c:v>
-                </c:pt>
-                <c:pt idx="21">
-                  <c:v>500000</c:v>
-                </c:pt>
-                <c:pt idx="22">
-                  <c:v>1000000</c:v>
+                  <c:v>2000000</c:v>
                 </c:pt>
               </c:numCache>
             </c:numRef>
-          </c:cat>
-          <c:val>
+          </c:xVal>
+          <c:yVal>
             <c:numRef>
-              <c:f>Лист1!$B$2:$B$24</c:f>
+              <c:f>Лист1!$D$4:$D$15</c:f>
               <c:numCache>
                 <c:formatCode>General</c:formatCode>
-                <c:ptCount val="23"/>
+                <c:ptCount val="12"/>
                 <c:pt idx="0">
-                  <c:v>3</c:v>
+                  <c:v>0.121</c:v>
                 </c:pt>
                 <c:pt idx="1">
-                  <c:v>3</c:v>
+                  <c:v>0.21</c:v>
                 </c:pt>
                 <c:pt idx="2">
-                  <c:v>3</c:v>
+                  <c:v>1.46</c:v>
                 </c:pt>
                 <c:pt idx="3">
-                  <c:v>3</c:v>
+                  <c:v>3.2145999999999999</c:v>
                 </c:pt>
                 <c:pt idx="4">
-                  <c:v>3</c:v>
+                  <c:v>9.5802999999999994</c:v>
                 </c:pt>
                 <c:pt idx="5">
-                  <c:v>3</c:v>
+                  <c:v>20.7423</c:v>
                 </c:pt>
                 <c:pt idx="6">
-                  <c:v>3</c:v>
+                  <c:v>149.047</c:v>
                 </c:pt>
                 <c:pt idx="7">
-                  <c:v>3</c:v>
+                  <c:v>283</c:v>
                 </c:pt>
                 <c:pt idx="8">
-                  <c:v>3</c:v>
+                  <c:v>1370.86</c:v>
                 </c:pt>
                 <c:pt idx="9">
-                  <c:v>3</c:v>
+                  <c:v>2912</c:v>
                 </c:pt>
                 <c:pt idx="10">
-                  <c:v>3</c:v>
+                  <c:v>5398</c:v>
                 </c:pt>
                 <c:pt idx="11">
-                  <c:v>3</c:v>
-                </c:pt>
-                <c:pt idx="12">
-                  <c:v>3</c:v>
-                </c:pt>
-                <c:pt idx="13">
-                  <c:v>3</c:v>
-                </c:pt>
-                <c:pt idx="14">
-                  <c:v>3</c:v>
-                </c:pt>
-                <c:pt idx="15">
-                  <c:v>3</c:v>
-                </c:pt>
-                <c:pt idx="16">
-                  <c:v>3</c:v>
-                </c:pt>
-                <c:pt idx="17">
-                  <c:v>6</c:v>
-                </c:pt>
-                <c:pt idx="18">
-                  <c:v>6</c:v>
-                </c:pt>
-                <c:pt idx="19">
-                  <c:v>8</c:v>
-                </c:pt>
-                <c:pt idx="20">
-                  <c:v>18</c:v>
-                </c:pt>
-                <c:pt idx="21">
-                  <c:v>69</c:v>
-                </c:pt>
-                <c:pt idx="22">
-                  <c:v>167</c:v>
+                  <c:v>12284</c:v>
                 </c:pt>
               </c:numCache>
             </c:numRef>
-          </c:val>
+          </c:yVal>
+          <c:smooth val="1"/>
           <c:extLst>
             <c:ext xmlns:c16="http://schemas.microsoft.com/office/drawing/2014/chart" uri="{C3380CC4-5D6E-409C-BE32-E72D297353CC}">
-              <c16:uniqueId val="{00000000-7BC0-4D9D-B381-9E5DED389440}"/>
+              <c16:uniqueId val="{00000000-05AE-4565-ABE5-3F679CB0FAF1}"/>
             </c:ext>
           </c:extLst>
         </c:ser>
         <c:dLbls>
-          <c:dLblPos val="outEnd"/>
           <c:showLegendKey val="0"/>
-          <c:showVal val="1"/>
+          <c:showVal val="0"/>
           <c:showCatName val="0"/>
           <c:showSerName val="0"/>
           <c:showPercent val="0"/>
           <c:showBubbleSize val="0"/>
         </c:dLbls>
-        <c:gapWidth val="100"/>
-        <c:overlap val="-24"/>
-        <c:axId val="393415759"/>
-        <c:axId val="393416175"/>
-        <c:extLst>
-          <c:ext xmlns:c15="http://schemas.microsoft.com/office/drawing/2012/chart" uri="{02D57815-91ED-43cb-92C2-25804820EDAC}">
-            <c15:filteredBarSeries>
-              <c15:ser>
-                <c:idx val="0"/>
-                <c:order val="0"/>
-                <c:spPr>
-                  <a:gradFill rotWithShape="1">
-                    <a:gsLst>
-                      <a:gs pos="0">
-                        <a:schemeClr val="accent1">
-                          <a:satMod val="103000"/>
-                          <a:lumMod val="102000"/>
-                          <a:tint val="94000"/>
-                        </a:schemeClr>
-                      </a:gs>
-                      <a:gs pos="50000">
-                        <a:schemeClr val="accent1">
-                          <a:satMod val="110000"/>
-                          <a:lumMod val="100000"/>
-                          <a:shade val="100000"/>
-                        </a:schemeClr>
-                      </a:gs>
-                      <a:gs pos="100000">
-                        <a:schemeClr val="accent1">
-                          <a:lumMod val="99000"/>
-                          <a:satMod val="120000"/>
-                          <a:shade val="78000"/>
-                        </a:schemeClr>
-                      </a:gs>
-                    </a:gsLst>
-                    <a:lin ang="5400000" scaled="0"/>
-                  </a:gradFill>
-                  <a:ln>
-                    <a:noFill/>
-                  </a:ln>
-                  <a:effectLst/>
-                </c:spPr>
-                <c:invertIfNegative val="0"/>
-                <c:dLbls>
-                  <c:spPr>
-                    <a:noFill/>
-                    <a:ln>
-                      <a:noFill/>
-                    </a:ln>
-                    <a:effectLst/>
-                  </c:spPr>
-                  <c:txPr>
-                    <a:bodyPr rot="0" spcFirstLastPara="1" vertOverflow="ellipsis" vert="horz" wrap="square" lIns="38100" tIns="19050" rIns="38100" bIns="19050" anchor="ctr" anchorCtr="1">
-                      <a:spAutoFit/>
-                    </a:bodyPr>
-                    <a:lstStyle/>
-                    <a:p>
-                      <a:pPr>
-                        <a:defRPr sz="1197" b="0" i="0" u="none" strike="noStrike" kern="1200" baseline="0">
-                          <a:solidFill>
-                            <a:schemeClr val="tx2"/>
-                          </a:solidFill>
-                          <a:latin typeface="+mn-lt"/>
-                          <a:ea typeface="+mn-ea"/>
-                          <a:cs typeface="+mn-cs"/>
-                        </a:defRPr>
-                      </a:pPr>
-                      <a:endParaRPr lang="ru-RU"/>
-                    </a:p>
-                  </c:txPr>
-                  <c:dLblPos val="outEnd"/>
-                  <c:showLegendKey val="0"/>
-                  <c:showVal val="1"/>
-                  <c:showCatName val="0"/>
-                  <c:showSerName val="0"/>
-                  <c:showPercent val="0"/>
-                  <c:showBubbleSize val="0"/>
-                  <c:showLeaderLines val="0"/>
-                  <c:extLst>
-                    <c:ext uri="{CE6537A1-D6FC-4f65-9D91-7224C49458BB}">
-                      <c15:showLeaderLines val="1"/>
-                      <c15:leaderLines>
-                        <c:spPr>
-                          <a:ln w="9525">
-                            <a:solidFill>
-                              <a:schemeClr val="tx2">
-                                <a:lumMod val="35000"/>
-                                <a:lumOff val="65000"/>
-                              </a:schemeClr>
-                            </a:solidFill>
-                          </a:ln>
-                          <a:effectLst/>
-                        </c:spPr>
-                      </c15:leaderLines>
-                    </c:ext>
-                  </c:extLst>
-                </c:dLbls>
-                <c:cat>
-                  <c:numRef>
-                    <c:extLst>
-                      <c:ext uri="{02D57815-91ED-43cb-92C2-25804820EDAC}">
-                        <c15:formulaRef>
-                          <c15:sqref>Лист1!$A$2:$A$24</c15:sqref>
-                        </c15:formulaRef>
-                      </c:ext>
-                    </c:extLst>
-                    <c:numCache>
-                      <c:formatCode>General</c:formatCode>
-                      <c:ptCount val="23"/>
-                      <c:pt idx="0">
-                        <c:v>1</c:v>
-                      </c:pt>
-                      <c:pt idx="1">
-                        <c:v>5</c:v>
-                      </c:pt>
-                      <c:pt idx="2">
-                        <c:v>10</c:v>
-                      </c:pt>
-                      <c:pt idx="3">
-                        <c:v>15</c:v>
-                      </c:pt>
-                      <c:pt idx="4">
-                        <c:v>20</c:v>
-                      </c:pt>
-                      <c:pt idx="5">
-                        <c:v>25</c:v>
-                      </c:pt>
-                      <c:pt idx="6">
-                        <c:v>50</c:v>
-                      </c:pt>
-                      <c:pt idx="7">
-                        <c:v>75</c:v>
-                      </c:pt>
-                      <c:pt idx="8">
-                        <c:v>3000</c:v>
-                      </c:pt>
-                      <c:pt idx="9">
-                        <c:v>4000</c:v>
-                      </c:pt>
-                      <c:pt idx="10">
-                        <c:v>5000</c:v>
-                      </c:pt>
-                      <c:pt idx="11">
-                        <c:v>6000</c:v>
-                      </c:pt>
-                      <c:pt idx="12">
-                        <c:v>7000</c:v>
-                      </c:pt>
-                      <c:pt idx="13">
-                        <c:v>8000</c:v>
-                      </c:pt>
-                      <c:pt idx="14">
-                        <c:v>9000</c:v>
-                      </c:pt>
-                      <c:pt idx="15">
-                        <c:v>10000</c:v>
-                      </c:pt>
-                      <c:pt idx="16">
-                        <c:v>100000</c:v>
-                      </c:pt>
-                      <c:pt idx="17">
-                        <c:v>125000</c:v>
-                      </c:pt>
-                      <c:pt idx="18">
-                        <c:v>150000</c:v>
-                      </c:pt>
-                      <c:pt idx="19">
-                        <c:v>200000</c:v>
-                      </c:pt>
-                      <c:pt idx="20">
-                        <c:v>250000</c:v>
-                      </c:pt>
-                      <c:pt idx="21">
-                        <c:v>500000</c:v>
-                      </c:pt>
-                      <c:pt idx="22">
-                        <c:v>1000000</c:v>
-                      </c:pt>
-                    </c:numCache>
-                  </c:numRef>
-                </c:cat>
-                <c:val>
-                  <c:numRef>
-                    <c:extLst>
-                      <c:ext uri="{02D57815-91ED-43cb-92C2-25804820EDAC}">
-                        <c15:formulaRef>
-                          <c15:sqref>Лист1!$A$2:$A$24</c15:sqref>
-                        </c15:formulaRef>
-                      </c:ext>
-                    </c:extLst>
-                    <c:numCache>
-                      <c:formatCode>General</c:formatCode>
-                      <c:ptCount val="23"/>
-                      <c:pt idx="0">
-                        <c:v>1</c:v>
-                      </c:pt>
-                      <c:pt idx="1">
-                        <c:v>5</c:v>
-                      </c:pt>
-                      <c:pt idx="2">
-                        <c:v>10</c:v>
-                      </c:pt>
-                      <c:pt idx="3">
-                        <c:v>15</c:v>
-                      </c:pt>
-                      <c:pt idx="4">
-                        <c:v>20</c:v>
-                      </c:pt>
-                      <c:pt idx="5">
-                        <c:v>25</c:v>
-                      </c:pt>
-                      <c:pt idx="6">
-                        <c:v>50</c:v>
-                      </c:pt>
-                      <c:pt idx="7">
-                        <c:v>75</c:v>
-                      </c:pt>
-                      <c:pt idx="8">
-                        <c:v>3000</c:v>
-                      </c:pt>
-                      <c:pt idx="9">
-                        <c:v>4000</c:v>
-                      </c:pt>
-                      <c:pt idx="10">
-                        <c:v>5000</c:v>
-                      </c:pt>
-                      <c:pt idx="11">
-                        <c:v>6000</c:v>
-                      </c:pt>
-                      <c:pt idx="12">
-                        <c:v>7000</c:v>
-                      </c:pt>
-                      <c:pt idx="13">
-                        <c:v>8000</c:v>
-                      </c:pt>
-                      <c:pt idx="14">
-                        <c:v>9000</c:v>
-                      </c:pt>
-                      <c:pt idx="15">
-                        <c:v>10000</c:v>
-                      </c:pt>
-                      <c:pt idx="16">
-                        <c:v>100000</c:v>
-                      </c:pt>
-                      <c:pt idx="17">
-                        <c:v>125000</c:v>
-                      </c:pt>
-                      <c:pt idx="18">
-                        <c:v>150000</c:v>
-                      </c:pt>
-                      <c:pt idx="19">
-                        <c:v>200000</c:v>
-                      </c:pt>
-                      <c:pt idx="20">
-                        <c:v>250000</c:v>
-                      </c:pt>
-                      <c:pt idx="21">
-                        <c:v>500000</c:v>
-                      </c:pt>
-                      <c:pt idx="22">
-                        <c:v>1000000</c:v>
-                      </c:pt>
-                    </c:numCache>
-                  </c:numRef>
-                </c:val>
-                <c:extLst>
-                  <c:ext xmlns:c16="http://schemas.microsoft.com/office/drawing/2014/chart" uri="{C3380CC4-5D6E-409C-BE32-E72D297353CC}">
-                    <c16:uniqueId val="{00000001-7BC0-4D9D-B381-9E5DED389440}"/>
-                  </c:ext>
-                </c:extLst>
-              </c15:ser>
-            </c15:filteredBarSeries>
-          </c:ext>
-        </c:extLst>
-      </c:barChart>
-      <c:catAx>
-        <c:axId val="393415759"/>
+        <c:axId val="708788415"/>
+        <c:axId val="708790911"/>
+      </c:scatterChart>
+      <c:valAx>
+        <c:axId val="708788415"/>
         <c:scaling>
           <c:orientation val="minMax"/>
         </c:scaling>
         <c:delete val="0"/>
         <c:axPos val="b"/>
+        <c:majorGridlines>
+          <c:spPr>
+            <a:ln w="9525" cap="flat" cmpd="sng" algn="ctr">
+              <a:solidFill>
+                <a:schemeClr val="tx1">
+                  <a:lumMod val="15000"/>
+                  <a:lumOff val="85000"/>
+                </a:schemeClr>
+              </a:solidFill>
+              <a:round/>
+            </a:ln>
+            <a:effectLst/>
+          </c:spPr>
+        </c:majorGridlines>
         <c:title>
           <c:tx>
             <c:rich>
@@ -791,9 +401,12 @@
               <a:lstStyle/>
               <a:p>
                 <a:pPr>
-                  <a:defRPr sz="1197" b="1" i="0" u="none" strike="noStrike" kern="1200" baseline="0">
+                  <a:defRPr sz="1000" b="0" i="0" u="none" strike="noStrike" kern="1200" baseline="0">
                     <a:solidFill>
-                      <a:schemeClr val="tx2"/>
+                      <a:schemeClr val="tx1">
+                        <a:lumMod val="65000"/>
+                        <a:lumOff val="35000"/>
+                      </a:schemeClr>
                     </a:solidFill>
                     <a:latin typeface="+mn-lt"/>
                     <a:ea typeface="+mn-ea"/>
@@ -807,14 +420,6 @@
               </a:p>
             </c:rich>
           </c:tx>
-          <c:layout>
-            <c:manualLayout>
-              <c:xMode val="edge"/>
-              <c:yMode val="edge"/>
-              <c:x val="0.41089461356700291"/>
-              <c:y val="0.91584769562548252"/>
-            </c:manualLayout>
-          </c:layout>
           <c:overlay val="0"/>
           <c:spPr>
             <a:noFill/>
@@ -828,9 +433,12 @@
             <a:lstStyle/>
             <a:p>
               <a:pPr>
-                <a:defRPr sz="1197" b="1" i="0" u="none" strike="noStrike" kern="1200" baseline="0">
+                <a:defRPr sz="1000" b="0" i="0" u="none" strike="noStrike" kern="1200" baseline="0">
                   <a:solidFill>
-                    <a:schemeClr val="tx2"/>
+                    <a:schemeClr val="tx1">
+                      <a:lumMod val="65000"/>
+                      <a:lumOff val="35000"/>
+                    </a:schemeClr>
                   </a:solidFill>
                   <a:latin typeface="+mn-lt"/>
                   <a:ea typeface="+mn-ea"/>
@@ -849,9 +457,9 @@
           <a:noFill/>
           <a:ln w="9525" cap="flat" cmpd="sng" algn="ctr">
             <a:solidFill>
-              <a:schemeClr val="tx2">
-                <a:lumMod val="15000"/>
-                <a:lumOff val="85000"/>
+              <a:schemeClr val="tx1">
+                <a:lumMod val="25000"/>
+                <a:lumOff val="75000"/>
               </a:schemeClr>
             </a:solidFill>
             <a:round/>
@@ -863,9 +471,12 @@
           <a:lstStyle/>
           <a:p>
             <a:pPr>
-              <a:defRPr sz="1197" b="0" i="0" u="none" strike="noStrike" kern="1200" baseline="0">
+              <a:defRPr sz="900" b="0" i="0" u="none" strike="noStrike" kern="1200" baseline="0">
                 <a:solidFill>
-                  <a:schemeClr val="tx2"/>
+                  <a:schemeClr val="tx1">
+                    <a:lumMod val="65000"/>
+                    <a:lumOff val="35000"/>
+                  </a:schemeClr>
                 </a:solidFill>
                 <a:latin typeface="+mn-lt"/>
                 <a:ea typeface="+mn-ea"/>
@@ -875,19 +486,14 @@
             <a:endParaRPr lang="ru-RU"/>
           </a:p>
         </c:txPr>
-        <c:crossAx val="393416175"/>
+        <c:crossAx val="708790911"/>
         <c:crosses val="autoZero"/>
-        <c:auto val="1"/>
-        <c:lblAlgn val="ctr"/>
-        <c:lblOffset val="100"/>
-        <c:noMultiLvlLbl val="0"/>
-      </c:catAx>
+        <c:crossBetween val="midCat"/>
+      </c:valAx>
       <c:valAx>
-        <c:axId val="393416175"/>
+        <c:axId val="708790911"/>
         <c:scaling>
           <c:orientation val="minMax"/>
-          <c:max val="167"/>
-          <c:min val="0"/>
         </c:scaling>
         <c:delete val="0"/>
         <c:axPos val="l"/>
@@ -895,7 +501,7 @@
           <c:spPr>
             <a:ln w="9525" cap="flat" cmpd="sng" algn="ctr">
               <a:solidFill>
-                <a:schemeClr val="tx2">
+                <a:schemeClr val="tx1">
                   <a:lumMod val="15000"/>
                   <a:lumOff val="85000"/>
                 </a:schemeClr>
@@ -912,9 +518,12 @@
               <a:lstStyle/>
               <a:p>
                 <a:pPr>
-                  <a:defRPr sz="1197" b="1" i="0" u="none" strike="noStrike" kern="1200" baseline="0">
+                  <a:defRPr sz="1000" b="0" i="0" u="none" strike="noStrike" kern="1200" baseline="0">
                     <a:solidFill>
-                      <a:schemeClr val="tx2"/>
+                      <a:schemeClr val="tx1">
+                        <a:lumMod val="65000"/>
+                        <a:lumOff val="35000"/>
+                      </a:schemeClr>
                     </a:solidFill>
                     <a:latin typeface="+mn-lt"/>
                     <a:ea typeface="+mn-ea"/>
@@ -923,7 +532,7 @@
                 </a:pPr>
                 <a:r>
                   <a:rPr lang="ru-RU"/>
-                  <a:t>Время</a:t>
+                  <a:t>мс</a:t>
                 </a:r>
               </a:p>
             </c:rich>
@@ -941,9 +550,12 @@
             <a:lstStyle/>
             <a:p>
               <a:pPr>
-                <a:defRPr sz="1197" b="1" i="0" u="none" strike="noStrike" kern="1200" baseline="0">
+                <a:defRPr sz="1000" b="0" i="0" u="none" strike="noStrike" kern="1200" baseline="0">
                   <a:solidFill>
-                    <a:schemeClr val="tx2"/>
+                    <a:schemeClr val="tx1">
+                      <a:lumMod val="65000"/>
+                      <a:lumOff val="35000"/>
+                    </a:schemeClr>
                   </a:solidFill>
                   <a:latin typeface="+mn-lt"/>
                   <a:ea typeface="+mn-ea"/>
@@ -960,8 +572,14 @@
         <c:tickLblPos val="nextTo"/>
         <c:spPr>
           <a:noFill/>
-          <a:ln>
-            <a:noFill/>
+          <a:ln w="9525" cap="flat" cmpd="sng" algn="ctr">
+            <a:solidFill>
+              <a:schemeClr val="tx1">
+                <a:lumMod val="25000"/>
+                <a:lumOff val="75000"/>
+              </a:schemeClr>
+            </a:solidFill>
+            <a:round/>
           </a:ln>
           <a:effectLst/>
         </c:spPr>
@@ -970,9 +588,12 @@
           <a:lstStyle/>
           <a:p>
             <a:pPr>
-              <a:defRPr sz="1197" b="0" i="0" u="none" strike="noStrike" kern="1200" baseline="0">
+              <a:defRPr sz="900" b="0" i="0" u="none" strike="noStrike" kern="1200" baseline="0">
                 <a:solidFill>
-                  <a:schemeClr val="tx2"/>
+                  <a:schemeClr val="tx1">
+                    <a:lumMod val="65000"/>
+                    <a:lumOff val="35000"/>
+                  </a:schemeClr>
                 </a:solidFill>
                 <a:latin typeface="+mn-lt"/>
                 <a:ea typeface="+mn-ea"/>
@@ -982,9 +603,9 @@
             <a:endParaRPr lang="ru-RU"/>
           </a:p>
         </c:txPr>
-        <c:crossAx val="393415759"/>
+        <c:crossAx val="708788415"/>
         <c:crosses val="autoZero"/>
-        <c:crossBetween val="between"/>
+        <c:crossBetween val="midCat"/>
       </c:valAx>
       <c:spPr>
         <a:noFill/>
@@ -1035,10 +656,10 @@
   <c:roundedCorners val="0"/>
   <mc:AlternateContent xmlns:mc="http://schemas.openxmlformats.org/markup-compatibility/2006">
     <mc:Choice xmlns:c14="http://schemas.microsoft.com/office/drawing/2007/8/2/chart" Requires="c14">
-      <c14:style val="102"/>
+      <c14:style val="104"/>
     </mc:Choice>
     <mc:Fallback>
-      <c:style val="2"/>
+      <c:style val="4"/>
     </mc:Fallback>
   </mc:AlternateContent>
   <c:chart>
@@ -1049,9 +670,12 @@
           <a:lstStyle/>
           <a:p>
             <a:pPr>
-              <a:defRPr sz="1200" b="1" i="0" u="none" strike="noStrike" kern="1200" baseline="0">
+              <a:defRPr sz="1400" b="0" i="0" u="none" strike="noStrike" kern="1200" spc="0" baseline="0">
                 <a:solidFill>
-                  <a:schemeClr val="tx2"/>
+                  <a:schemeClr val="tx1">
+                    <a:lumMod val="65000"/>
+                    <a:lumOff val="35000"/>
+                  </a:schemeClr>
                 </a:solidFill>
                 <a:latin typeface="+mn-lt"/>
                 <a:ea typeface="+mn-ea"/>
@@ -1059,8 +683,8 @@
               </a:defRPr>
             </a:pPr>
             <a:r>
-              <a:rPr lang="ru-RU" sz="1200" dirty="0"/>
-              <a:t>Удаление (удаляемого узла нет в дереве)</a:t>
+              <a:rPr lang="ru-RU"/>
+              <a:t>Удаление</a:t>
             </a:r>
           </a:p>
         </c:rich>
@@ -1078,9 +702,12 @@
         <a:lstStyle/>
         <a:p>
           <a:pPr>
-            <a:defRPr sz="1200" b="1" i="0" u="none" strike="noStrike" kern="1200" baseline="0">
+            <a:defRPr sz="1400" b="0" i="0" u="none" strike="noStrike" kern="1200" spc="0" baseline="0">
               <a:solidFill>
-                <a:schemeClr val="tx2"/>
+                <a:schemeClr val="tx1">
+                  <a:lumMod val="65000"/>
+                  <a:lumOff val="35000"/>
+                </a:schemeClr>
               </a:solidFill>
               <a:latin typeface="+mn-lt"/>
               <a:ea typeface="+mn-ea"/>
@@ -1094,469 +721,165 @@
     <c:autoTitleDeleted val="0"/>
     <c:plotArea>
       <c:layout/>
-      <c:barChart>
-        <c:barDir val="col"/>
-        <c:grouping val="clustered"/>
+      <c:scatterChart>
+        <c:scatterStyle val="smoothMarker"/>
         <c:varyColors val="0"/>
         <c:ser>
-          <c:idx val="1"/>
-          <c:order val="1"/>
+          <c:idx val="0"/>
+          <c:order val="0"/>
           <c:spPr>
-            <a:gradFill rotWithShape="1">
-              <a:gsLst>
-                <a:gs pos="0">
-                  <a:schemeClr val="accent2">
-                    <a:satMod val="103000"/>
-                    <a:lumMod val="102000"/>
-                    <a:tint val="94000"/>
-                  </a:schemeClr>
-                </a:gs>
-                <a:gs pos="50000">
-                  <a:schemeClr val="accent2">
-                    <a:satMod val="110000"/>
-                    <a:lumMod val="100000"/>
-                    <a:shade val="100000"/>
-                  </a:schemeClr>
-                </a:gs>
-                <a:gs pos="100000">
-                  <a:schemeClr val="accent2">
-                    <a:lumMod val="99000"/>
-                    <a:satMod val="120000"/>
-                    <a:shade val="78000"/>
-                  </a:schemeClr>
-                </a:gs>
-              </a:gsLst>
-              <a:lin ang="5400000" scaled="0"/>
-            </a:gradFill>
-            <a:ln>
-              <a:noFill/>
+            <a:ln w="19050" cap="rnd">
+              <a:solidFill>
+                <a:schemeClr val="accent2"/>
+              </a:solidFill>
+              <a:round/>
             </a:ln>
             <a:effectLst/>
           </c:spPr>
-          <c:invertIfNegative val="0"/>
-          <c:dLbls>
+          <c:marker>
+            <c:symbol val="circle"/>
+            <c:size val="5"/>
             <c:spPr>
-              <a:noFill/>
-              <a:ln>
-                <a:noFill/>
+              <a:solidFill>
+                <a:schemeClr val="accent2"/>
+              </a:solidFill>
+              <a:ln w="9525">
+                <a:solidFill>
+                  <a:schemeClr val="accent2"/>
+                </a:solidFill>
               </a:ln>
               <a:effectLst/>
             </c:spPr>
-            <c:txPr>
-              <a:bodyPr rot="0" spcFirstLastPara="1" vertOverflow="ellipsis" vert="horz" wrap="square" lIns="38100" tIns="19050" rIns="38100" bIns="19050" anchor="ctr" anchorCtr="1">
-                <a:spAutoFit/>
-              </a:bodyPr>
-              <a:lstStyle/>
-              <a:p>
-                <a:pPr>
-                  <a:defRPr sz="1197" b="0" i="0" u="none" strike="noStrike" kern="1200" baseline="0">
-                    <a:solidFill>
-                      <a:schemeClr val="tx2"/>
-                    </a:solidFill>
-                    <a:latin typeface="+mn-lt"/>
-                    <a:ea typeface="+mn-ea"/>
-                    <a:cs typeface="+mn-cs"/>
-                  </a:defRPr>
-                </a:pPr>
-                <a:endParaRPr lang="ru-RU"/>
-              </a:p>
-            </c:txPr>
-            <c:dLblPos val="outEnd"/>
-            <c:showLegendKey val="0"/>
-            <c:showVal val="1"/>
-            <c:showCatName val="0"/>
-            <c:showSerName val="0"/>
-            <c:showPercent val="0"/>
-            <c:showBubbleSize val="0"/>
-            <c:showLeaderLines val="0"/>
-            <c:extLst>
-              <c:ext xmlns:c15="http://schemas.microsoft.com/office/drawing/2012/chart" uri="{CE6537A1-D6FC-4f65-9D91-7224C49458BB}">
-                <c15:showLeaderLines val="1"/>
-                <c15:leaderLines>
-                  <c:spPr>
-                    <a:ln w="9525">
-                      <a:solidFill>
-                        <a:schemeClr val="tx2">
-                          <a:lumMod val="35000"/>
-                          <a:lumOff val="65000"/>
-                        </a:schemeClr>
-                      </a:solidFill>
-                    </a:ln>
-                    <a:effectLst/>
-                  </c:spPr>
-                </c15:leaderLines>
-              </c:ext>
-            </c:extLst>
-          </c:dLbls>
-          <c:cat>
+          </c:marker>
+          <c:xVal>
             <c:numRef>
-              <c:f>Лист1!$A$28:$A$43</c:f>
+              <c:f>Лист1!$C$4:$C$15</c:f>
               <c:numCache>
                 <c:formatCode>General</c:formatCode>
-                <c:ptCount val="16"/>
+                <c:ptCount val="12"/>
                 <c:pt idx="0">
-                  <c:v>1</c:v>
+                  <c:v>100</c:v>
                 </c:pt>
                 <c:pt idx="1">
-                  <c:v>10</c:v>
+                  <c:v>500</c:v>
                 </c:pt>
                 <c:pt idx="2">
-                  <c:v>50</c:v>
+                  <c:v>1000</c:v>
                 </c:pt>
                 <c:pt idx="3">
-                  <c:v>100</c:v>
+                  <c:v>2000</c:v>
                 </c:pt>
                 <c:pt idx="4">
-                  <c:v>200</c:v>
+                  <c:v>5000</c:v>
                 </c:pt>
                 <c:pt idx="5">
-                  <c:v>400</c:v>
+                  <c:v>10000</c:v>
                 </c:pt>
                 <c:pt idx="6">
-                  <c:v>800</c:v>
+                  <c:v>50000</c:v>
                 </c:pt>
                 <c:pt idx="7">
-                  <c:v>1000</c:v>
+                  <c:v>100000</c:v>
                 </c:pt>
                 <c:pt idx="8">
-                  <c:v>5000</c:v>
+                  <c:v>350000</c:v>
                 </c:pt>
                 <c:pt idx="9">
-                  <c:v>10000</c:v>
+                  <c:v>600000</c:v>
                 </c:pt>
                 <c:pt idx="10">
-                  <c:v>100000</c:v>
+                  <c:v>1000000</c:v>
                 </c:pt>
                 <c:pt idx="11">
-                  <c:v>150000</c:v>
-                </c:pt>
-                <c:pt idx="12">
-                  <c:v>200000</c:v>
-                </c:pt>
-                <c:pt idx="13">
-                  <c:v>250000</c:v>
-                </c:pt>
-                <c:pt idx="14">
-                  <c:v>500000</c:v>
-                </c:pt>
-                <c:pt idx="15">
-                  <c:v>1000000</c:v>
+                  <c:v>2000000</c:v>
                 </c:pt>
               </c:numCache>
             </c:numRef>
-          </c:cat>
-          <c:val>
+          </c:xVal>
+          <c:yVal>
             <c:numRef>
-              <c:f>Лист1!$B$28:$B$43</c:f>
+              <c:f>Лист1!$F$4:$F$15</c:f>
               <c:numCache>
                 <c:formatCode>General</c:formatCode>
-                <c:ptCount val="16"/>
+                <c:ptCount val="12"/>
                 <c:pt idx="0">
-                  <c:v>5</c:v>
+                  <c:v>1.54E-2</c:v>
                 </c:pt>
                 <c:pt idx="1">
-                  <c:v>5</c:v>
+                  <c:v>2.3E-2</c:v>
                 </c:pt>
                 <c:pt idx="2">
-                  <c:v>5</c:v>
+                  <c:v>5.3999999999999999E-2</c:v>
                 </c:pt>
                 <c:pt idx="3">
-                  <c:v>5</c:v>
+                  <c:v>8.4699999999999998E-2</c:v>
                 </c:pt>
                 <c:pt idx="4">
-                  <c:v>5</c:v>
+                  <c:v>0.34300000000000003</c:v>
                 </c:pt>
                 <c:pt idx="5">
-                  <c:v>5</c:v>
+                  <c:v>0.68799999999999994</c:v>
                 </c:pt>
                 <c:pt idx="6">
-                  <c:v>5</c:v>
+                  <c:v>5.56</c:v>
                 </c:pt>
                 <c:pt idx="7">
-                  <c:v>5</c:v>
+                  <c:v>9.2799999999999994</c:v>
                 </c:pt>
                 <c:pt idx="8">
-                  <c:v>5</c:v>
+                  <c:v>64</c:v>
                 </c:pt>
                 <c:pt idx="9">
-                  <c:v>5</c:v>
+                  <c:v>170</c:v>
                 </c:pt>
                 <c:pt idx="10">
-                  <c:v>5</c:v>
+                  <c:v>201</c:v>
                 </c:pt>
                 <c:pt idx="11">
-                  <c:v>5</c:v>
-                </c:pt>
-                <c:pt idx="12">
-                  <c:v>5</c:v>
-                </c:pt>
-                <c:pt idx="13">
-                  <c:v>5</c:v>
-                </c:pt>
-                <c:pt idx="14">
-                  <c:v>5</c:v>
-                </c:pt>
-                <c:pt idx="15">
-                  <c:v>5</c:v>
+                  <c:v>260</c:v>
                 </c:pt>
               </c:numCache>
             </c:numRef>
-          </c:val>
+          </c:yVal>
+          <c:smooth val="1"/>
           <c:extLst>
             <c:ext xmlns:c16="http://schemas.microsoft.com/office/drawing/2014/chart" uri="{C3380CC4-5D6E-409C-BE32-E72D297353CC}">
-              <c16:uniqueId val="{00000000-790E-4A82-AB9D-D13D5F38DC98}"/>
+              <c16:uniqueId val="{00000000-4D27-4678-A4CA-1F8908A46263}"/>
             </c:ext>
           </c:extLst>
         </c:ser>
         <c:dLbls>
-          <c:dLblPos val="outEnd"/>
           <c:showLegendKey val="0"/>
-          <c:showVal val="1"/>
+          <c:showVal val="0"/>
           <c:showCatName val="0"/>
           <c:showSerName val="0"/>
           <c:showPercent val="0"/>
           <c:showBubbleSize val="0"/>
         </c:dLbls>
-        <c:gapWidth val="100"/>
-        <c:overlap val="-24"/>
-        <c:axId val="453502463"/>
-        <c:axId val="453492063"/>
-        <c:extLst>
-          <c:ext xmlns:c15="http://schemas.microsoft.com/office/drawing/2012/chart" uri="{02D57815-91ED-43cb-92C2-25804820EDAC}">
-            <c15:filteredBarSeries>
-              <c15:ser>
-                <c:idx val="0"/>
-                <c:order val="0"/>
-                <c:spPr>
-                  <a:gradFill rotWithShape="1">
-                    <a:gsLst>
-                      <a:gs pos="0">
-                        <a:schemeClr val="accent1">
-                          <a:satMod val="103000"/>
-                          <a:lumMod val="102000"/>
-                          <a:tint val="94000"/>
-                        </a:schemeClr>
-                      </a:gs>
-                      <a:gs pos="50000">
-                        <a:schemeClr val="accent1">
-                          <a:satMod val="110000"/>
-                          <a:lumMod val="100000"/>
-                          <a:shade val="100000"/>
-                        </a:schemeClr>
-                      </a:gs>
-                      <a:gs pos="100000">
-                        <a:schemeClr val="accent1">
-                          <a:lumMod val="99000"/>
-                          <a:satMod val="120000"/>
-                          <a:shade val="78000"/>
-                        </a:schemeClr>
-                      </a:gs>
-                    </a:gsLst>
-                    <a:lin ang="5400000" scaled="0"/>
-                  </a:gradFill>
-                  <a:ln>
-                    <a:noFill/>
-                  </a:ln>
-                  <a:effectLst/>
-                </c:spPr>
-                <c:invertIfNegative val="0"/>
-                <c:dLbls>
-                  <c:spPr>
-                    <a:noFill/>
-                    <a:ln>
-                      <a:noFill/>
-                    </a:ln>
-                    <a:effectLst/>
-                  </c:spPr>
-                  <c:txPr>
-                    <a:bodyPr rot="0" spcFirstLastPara="1" vertOverflow="ellipsis" vert="horz" wrap="square" lIns="38100" tIns="19050" rIns="38100" bIns="19050" anchor="ctr" anchorCtr="1">
-                      <a:spAutoFit/>
-                    </a:bodyPr>
-                    <a:lstStyle/>
-                    <a:p>
-                      <a:pPr>
-                        <a:defRPr sz="1197" b="0" i="0" u="none" strike="noStrike" kern="1200" baseline="0">
-                          <a:solidFill>
-                            <a:schemeClr val="tx2"/>
-                          </a:solidFill>
-                          <a:latin typeface="+mn-lt"/>
-                          <a:ea typeface="+mn-ea"/>
-                          <a:cs typeface="+mn-cs"/>
-                        </a:defRPr>
-                      </a:pPr>
-                      <a:endParaRPr lang="ru-RU"/>
-                    </a:p>
-                  </c:txPr>
-                  <c:dLblPos val="outEnd"/>
-                  <c:showLegendKey val="0"/>
-                  <c:showVal val="1"/>
-                  <c:showCatName val="0"/>
-                  <c:showSerName val="0"/>
-                  <c:showPercent val="0"/>
-                  <c:showBubbleSize val="0"/>
-                  <c:showLeaderLines val="0"/>
-                  <c:extLst>
-                    <c:ext uri="{CE6537A1-D6FC-4f65-9D91-7224C49458BB}">
-                      <c15:showLeaderLines val="1"/>
-                      <c15:leaderLines>
-                        <c:spPr>
-                          <a:ln w="9525">
-                            <a:solidFill>
-                              <a:schemeClr val="tx2">
-                                <a:lumMod val="35000"/>
-                                <a:lumOff val="65000"/>
-                              </a:schemeClr>
-                            </a:solidFill>
-                          </a:ln>
-                          <a:effectLst/>
-                        </c:spPr>
-                      </c15:leaderLines>
-                    </c:ext>
-                  </c:extLst>
-                </c:dLbls>
-                <c:cat>
-                  <c:numRef>
-                    <c:extLst>
-                      <c:ext uri="{02D57815-91ED-43cb-92C2-25804820EDAC}">
-                        <c15:formulaRef>
-                          <c15:sqref>Лист1!$A$28:$A$43</c15:sqref>
-                        </c15:formulaRef>
-                      </c:ext>
-                    </c:extLst>
-                    <c:numCache>
-                      <c:formatCode>General</c:formatCode>
-                      <c:ptCount val="16"/>
-                      <c:pt idx="0">
-                        <c:v>1</c:v>
-                      </c:pt>
-                      <c:pt idx="1">
-                        <c:v>10</c:v>
-                      </c:pt>
-                      <c:pt idx="2">
-                        <c:v>50</c:v>
-                      </c:pt>
-                      <c:pt idx="3">
-                        <c:v>100</c:v>
-                      </c:pt>
-                      <c:pt idx="4">
-                        <c:v>200</c:v>
-                      </c:pt>
-                      <c:pt idx="5">
-                        <c:v>400</c:v>
-                      </c:pt>
-                      <c:pt idx="6">
-                        <c:v>800</c:v>
-                      </c:pt>
-                      <c:pt idx="7">
-                        <c:v>1000</c:v>
-                      </c:pt>
-                      <c:pt idx="8">
-                        <c:v>5000</c:v>
-                      </c:pt>
-                      <c:pt idx="9">
-                        <c:v>10000</c:v>
-                      </c:pt>
-                      <c:pt idx="10">
-                        <c:v>100000</c:v>
-                      </c:pt>
-                      <c:pt idx="11">
-                        <c:v>150000</c:v>
-                      </c:pt>
-                      <c:pt idx="12">
-                        <c:v>200000</c:v>
-                      </c:pt>
-                      <c:pt idx="13">
-                        <c:v>250000</c:v>
-                      </c:pt>
-                      <c:pt idx="14">
-                        <c:v>500000</c:v>
-                      </c:pt>
-                      <c:pt idx="15">
-                        <c:v>1000000</c:v>
-                      </c:pt>
-                    </c:numCache>
-                  </c:numRef>
-                </c:cat>
-                <c:val>
-                  <c:numRef>
-                    <c:extLst>
-                      <c:ext uri="{02D57815-91ED-43cb-92C2-25804820EDAC}">
-                        <c15:formulaRef>
-                          <c15:sqref>Лист1!$A$28:$A$43</c15:sqref>
-                        </c15:formulaRef>
-                      </c:ext>
-                    </c:extLst>
-                    <c:numCache>
-                      <c:formatCode>General</c:formatCode>
-                      <c:ptCount val="16"/>
-                      <c:pt idx="0">
-                        <c:v>1</c:v>
-                      </c:pt>
-                      <c:pt idx="1">
-                        <c:v>10</c:v>
-                      </c:pt>
-                      <c:pt idx="2">
-                        <c:v>50</c:v>
-                      </c:pt>
-                      <c:pt idx="3">
-                        <c:v>100</c:v>
-                      </c:pt>
-                      <c:pt idx="4">
-                        <c:v>200</c:v>
-                      </c:pt>
-                      <c:pt idx="5">
-                        <c:v>400</c:v>
-                      </c:pt>
-                      <c:pt idx="6">
-                        <c:v>800</c:v>
-                      </c:pt>
-                      <c:pt idx="7">
-                        <c:v>1000</c:v>
-                      </c:pt>
-                      <c:pt idx="8">
-                        <c:v>5000</c:v>
-                      </c:pt>
-                      <c:pt idx="9">
-                        <c:v>10000</c:v>
-                      </c:pt>
-                      <c:pt idx="10">
-                        <c:v>100000</c:v>
-                      </c:pt>
-                      <c:pt idx="11">
-                        <c:v>150000</c:v>
-                      </c:pt>
-                      <c:pt idx="12">
-                        <c:v>200000</c:v>
-                      </c:pt>
-                      <c:pt idx="13">
-                        <c:v>250000</c:v>
-                      </c:pt>
-                      <c:pt idx="14">
-                        <c:v>500000</c:v>
-                      </c:pt>
-                      <c:pt idx="15">
-                        <c:v>1000000</c:v>
-                      </c:pt>
-                    </c:numCache>
-                  </c:numRef>
-                </c:val>
-                <c:extLst>
-                  <c:ext xmlns:c16="http://schemas.microsoft.com/office/drawing/2014/chart" uri="{C3380CC4-5D6E-409C-BE32-E72D297353CC}">
-                    <c16:uniqueId val="{00000001-790E-4A82-AB9D-D13D5F38DC98}"/>
-                  </c:ext>
-                </c:extLst>
-              </c15:ser>
-            </c15:filteredBarSeries>
-          </c:ext>
-        </c:extLst>
-      </c:barChart>
-      <c:catAx>
-        <c:axId val="453502463"/>
+        <c:axId val="426423535"/>
+        <c:axId val="426435183"/>
+      </c:scatterChart>
+      <c:valAx>
+        <c:axId val="426423535"/>
         <c:scaling>
           <c:orientation val="minMax"/>
         </c:scaling>
         <c:delete val="0"/>
         <c:axPos val="b"/>
+        <c:majorGridlines>
+          <c:spPr>
+            <a:ln w="9525" cap="flat" cmpd="sng" algn="ctr">
+              <a:solidFill>
+                <a:schemeClr val="tx1">
+                  <a:lumMod val="15000"/>
+                  <a:lumOff val="85000"/>
+                </a:schemeClr>
+              </a:solidFill>
+              <a:round/>
+            </a:ln>
+            <a:effectLst/>
+          </c:spPr>
+        </c:majorGridlines>
         <c:title>
           <c:tx>
             <c:rich>
@@ -1564,9 +887,12 @@
               <a:lstStyle/>
               <a:p>
                 <a:pPr>
-                  <a:defRPr sz="1197" b="1" i="0" u="none" strike="noStrike" kern="1200" baseline="0">
+                  <a:defRPr sz="1000" b="0" i="0" u="none" strike="noStrike" kern="1200" baseline="0">
                     <a:solidFill>
-                      <a:schemeClr val="tx2"/>
+                      <a:schemeClr val="tx1">
+                        <a:lumMod val="65000"/>
+                        <a:lumOff val="35000"/>
+                      </a:schemeClr>
                     </a:solidFill>
                     <a:latin typeface="+mn-lt"/>
                     <a:ea typeface="+mn-ea"/>
@@ -1575,7 +901,7 @@
                 </a:pPr>
                 <a:r>
                   <a:rPr lang="ru-RU"/>
-                  <a:t>Количество узлов </a:t>
+                  <a:t>Количество узлов</a:t>
                 </a:r>
               </a:p>
             </c:rich>
@@ -1593,9 +919,12 @@
             <a:lstStyle/>
             <a:p>
               <a:pPr>
-                <a:defRPr sz="1197" b="1" i="0" u="none" strike="noStrike" kern="1200" baseline="0">
+                <a:defRPr sz="1000" b="0" i="0" u="none" strike="noStrike" kern="1200" baseline="0">
                   <a:solidFill>
-                    <a:schemeClr val="tx2"/>
+                    <a:schemeClr val="tx1">
+                      <a:lumMod val="65000"/>
+                      <a:lumOff val="35000"/>
+                    </a:schemeClr>
                   </a:solidFill>
                   <a:latin typeface="+mn-lt"/>
                   <a:ea typeface="+mn-ea"/>
@@ -1614,9 +943,9 @@
           <a:noFill/>
           <a:ln w="9525" cap="flat" cmpd="sng" algn="ctr">
             <a:solidFill>
-              <a:schemeClr val="tx2">
-                <a:lumMod val="15000"/>
-                <a:lumOff val="85000"/>
+              <a:schemeClr val="tx1">
+                <a:lumMod val="25000"/>
+                <a:lumOff val="75000"/>
               </a:schemeClr>
             </a:solidFill>
             <a:round/>
@@ -1628,9 +957,12 @@
           <a:lstStyle/>
           <a:p>
             <a:pPr>
-              <a:defRPr sz="1197" b="0" i="0" u="none" strike="noStrike" kern="1200" baseline="0">
+              <a:defRPr sz="900" b="0" i="0" u="none" strike="noStrike" kern="1200" baseline="0">
                 <a:solidFill>
-                  <a:schemeClr val="tx2"/>
+                  <a:schemeClr val="tx1">
+                    <a:lumMod val="65000"/>
+                    <a:lumOff val="35000"/>
+                  </a:schemeClr>
                 </a:solidFill>
                 <a:latin typeface="+mn-lt"/>
                 <a:ea typeface="+mn-ea"/>
@@ -1640,19 +972,14 @@
             <a:endParaRPr lang="ru-RU"/>
           </a:p>
         </c:txPr>
-        <c:crossAx val="453492063"/>
+        <c:crossAx val="426435183"/>
         <c:crosses val="autoZero"/>
-        <c:auto val="1"/>
-        <c:lblAlgn val="ctr"/>
-        <c:lblOffset val="100"/>
-        <c:noMultiLvlLbl val="0"/>
-      </c:catAx>
+        <c:crossBetween val="midCat"/>
+      </c:valAx>
       <c:valAx>
-        <c:axId val="453492063"/>
+        <c:axId val="426435183"/>
         <c:scaling>
           <c:orientation val="minMax"/>
-          <c:max val="10"/>
-          <c:min val="0"/>
         </c:scaling>
         <c:delete val="0"/>
         <c:axPos val="l"/>
@@ -1660,7 +987,7 @@
           <c:spPr>
             <a:ln w="9525" cap="flat" cmpd="sng" algn="ctr">
               <a:solidFill>
-                <a:schemeClr val="tx2">
+                <a:schemeClr val="tx1">
                   <a:lumMod val="15000"/>
                   <a:lumOff val="85000"/>
                 </a:schemeClr>
@@ -1677,9 +1004,12 @@
               <a:lstStyle/>
               <a:p>
                 <a:pPr>
-                  <a:defRPr sz="1197" b="1" i="0" u="none" strike="noStrike" kern="1200" baseline="0">
+                  <a:defRPr sz="1000" b="0" i="0" u="none" strike="noStrike" kern="1200" baseline="0">
                     <a:solidFill>
-                      <a:schemeClr val="tx2"/>
+                      <a:schemeClr val="tx1">
+                        <a:lumMod val="65000"/>
+                        <a:lumOff val="35000"/>
+                      </a:schemeClr>
                     </a:solidFill>
                     <a:latin typeface="+mn-lt"/>
                     <a:ea typeface="+mn-ea"/>
@@ -1688,7 +1018,7 @@
                 </a:pPr>
                 <a:r>
                   <a:rPr lang="ru-RU"/>
-                  <a:t>Время</a:t>
+                  <a:t>мс</a:t>
                 </a:r>
               </a:p>
             </c:rich>
@@ -1706,9 +1036,12 @@
             <a:lstStyle/>
             <a:p>
               <a:pPr>
-                <a:defRPr sz="1197" b="1" i="0" u="none" strike="noStrike" kern="1200" baseline="0">
+                <a:defRPr sz="1000" b="0" i="0" u="none" strike="noStrike" kern="1200" baseline="0">
                   <a:solidFill>
-                    <a:schemeClr val="tx2"/>
+                    <a:schemeClr val="tx1">
+                      <a:lumMod val="65000"/>
+                      <a:lumOff val="35000"/>
+                    </a:schemeClr>
                   </a:solidFill>
                   <a:latin typeface="+mn-lt"/>
                   <a:ea typeface="+mn-ea"/>
@@ -1725,8 +1058,14 @@
         <c:tickLblPos val="nextTo"/>
         <c:spPr>
           <a:noFill/>
-          <a:ln>
-            <a:noFill/>
+          <a:ln w="9525" cap="flat" cmpd="sng" algn="ctr">
+            <a:solidFill>
+              <a:schemeClr val="tx1">
+                <a:lumMod val="25000"/>
+                <a:lumOff val="75000"/>
+              </a:schemeClr>
+            </a:solidFill>
+            <a:round/>
           </a:ln>
           <a:effectLst/>
         </c:spPr>
@@ -1735,9 +1074,12 @@
           <a:lstStyle/>
           <a:p>
             <a:pPr>
-              <a:defRPr sz="1197" b="0" i="0" u="none" strike="noStrike" kern="1200" baseline="0">
+              <a:defRPr sz="900" b="0" i="0" u="none" strike="noStrike" kern="1200" baseline="0">
                 <a:solidFill>
-                  <a:schemeClr val="tx2"/>
+                  <a:schemeClr val="tx1">
+                    <a:lumMod val="65000"/>
+                    <a:lumOff val="35000"/>
+                  </a:schemeClr>
                 </a:solidFill>
                 <a:latin typeface="+mn-lt"/>
                 <a:ea typeface="+mn-ea"/>
@@ -1747,9 +1089,9 @@
             <a:endParaRPr lang="ru-RU"/>
           </a:p>
         </c:txPr>
-        <c:crossAx val="453502463"/>
+        <c:crossAx val="426423535"/>
         <c:crosses val="autoZero"/>
-        <c:crossBetween val="between"/>
+        <c:crossBetween val="midCat"/>
       </c:valAx>
       <c:spPr>
         <a:noFill/>
@@ -1800,10 +1142,10 @@
   <c:roundedCorners val="0"/>
   <mc:AlternateContent xmlns:mc="http://schemas.openxmlformats.org/markup-compatibility/2006">
     <mc:Choice xmlns:c14="http://schemas.microsoft.com/office/drawing/2007/8/2/chart" Requires="c14">
-      <c14:style val="102"/>
+      <c14:style val="104"/>
     </mc:Choice>
     <mc:Fallback>
-      <c:style val="2"/>
+      <c:style val="4"/>
     </mc:Fallback>
   </mc:AlternateContent>
   <c:chart>
@@ -1814,9 +1156,12 @@
           <a:lstStyle/>
           <a:p>
             <a:pPr>
-              <a:defRPr sz="1200" b="1" i="0" u="none" strike="noStrike" kern="1200" baseline="0">
+              <a:defRPr sz="1400" b="0" i="0" u="none" strike="noStrike" kern="1200" spc="0" baseline="0">
                 <a:solidFill>
-                  <a:schemeClr val="tx2"/>
+                  <a:schemeClr val="tx1">
+                    <a:lumMod val="65000"/>
+                    <a:lumOff val="35000"/>
+                  </a:schemeClr>
                 </a:solidFill>
                 <a:latin typeface="+mn-lt"/>
                 <a:ea typeface="+mn-ea"/>
@@ -1824,8 +1169,8 @@
               </a:defRPr>
             </a:pPr>
             <a:r>
-              <a:rPr lang="ru-RU" sz="1200"/>
-              <a:t>Удаление (удаляемый узел есть в дереве)</a:t>
+              <a:rPr lang="ru-RU"/>
+              <a:t>Проверка на перекрытие</a:t>
             </a:r>
           </a:p>
         </c:rich>
@@ -1843,9 +1188,12 @@
         <a:lstStyle/>
         <a:p>
           <a:pPr>
-            <a:defRPr sz="1200" b="1" i="0" u="none" strike="noStrike" kern="1200" baseline="0">
+            <a:defRPr sz="1400" b="0" i="0" u="none" strike="noStrike" kern="1200" spc="0" baseline="0">
               <a:solidFill>
-                <a:schemeClr val="tx2"/>
+                <a:schemeClr val="tx1">
+                  <a:lumMod val="65000"/>
+                  <a:lumOff val="35000"/>
+                </a:schemeClr>
               </a:solidFill>
               <a:latin typeface="+mn-lt"/>
               <a:ea typeface="+mn-ea"/>
@@ -1859,163 +1207,130 @@
     <c:autoTitleDeleted val="0"/>
     <c:plotArea>
       <c:layout/>
-      <c:barChart>
-        <c:barDir val="col"/>
-        <c:grouping val="clustered"/>
+      <c:scatterChart>
+        <c:scatterStyle val="smoothMarker"/>
         <c:varyColors val="0"/>
         <c:ser>
-          <c:idx val="1"/>
-          <c:order val="1"/>
+          <c:idx val="0"/>
+          <c:order val="0"/>
           <c:spPr>
-            <a:gradFill rotWithShape="1">
-              <a:gsLst>
-                <a:gs pos="0">
-                  <a:schemeClr val="accent2">
-                    <a:satMod val="103000"/>
-                    <a:lumMod val="102000"/>
-                    <a:tint val="94000"/>
-                  </a:schemeClr>
-                </a:gs>
-                <a:gs pos="50000">
-                  <a:schemeClr val="accent2">
-                    <a:satMod val="110000"/>
-                    <a:lumMod val="100000"/>
-                    <a:shade val="100000"/>
-                  </a:schemeClr>
-                </a:gs>
-                <a:gs pos="100000">
-                  <a:schemeClr val="accent2">
-                    <a:lumMod val="99000"/>
-                    <a:satMod val="120000"/>
-                    <a:shade val="78000"/>
-                  </a:schemeClr>
-                </a:gs>
-              </a:gsLst>
-              <a:lin ang="5400000" scaled="0"/>
-            </a:gradFill>
-            <a:ln>
-              <a:noFill/>
+            <a:ln w="19050" cap="rnd">
+              <a:solidFill>
+                <a:schemeClr val="accent2"/>
+              </a:solidFill>
+              <a:round/>
             </a:ln>
             <a:effectLst/>
           </c:spPr>
-          <c:invertIfNegative val="0"/>
-          <c:cat>
+          <c:marker>
+            <c:symbol val="circle"/>
+            <c:size val="5"/>
+            <c:spPr>
+              <a:solidFill>
+                <a:schemeClr val="accent2"/>
+              </a:solidFill>
+              <a:ln w="9525">
+                <a:solidFill>
+                  <a:schemeClr val="accent2"/>
+                </a:solidFill>
+              </a:ln>
+              <a:effectLst/>
+            </c:spPr>
+          </c:marker>
+          <c:xVal>
             <c:numRef>
-              <c:f>Лист1!$P$28:$P$43</c:f>
+              <c:f>Лист1!$C$4:$C$15</c:f>
               <c:numCache>
                 <c:formatCode>General</c:formatCode>
-                <c:ptCount val="16"/>
+                <c:ptCount val="12"/>
                 <c:pt idx="0">
-                  <c:v>1</c:v>
+                  <c:v>100</c:v>
                 </c:pt>
                 <c:pt idx="1">
-                  <c:v>10</c:v>
+                  <c:v>500</c:v>
                 </c:pt>
                 <c:pt idx="2">
-                  <c:v>50</c:v>
+                  <c:v>1000</c:v>
                 </c:pt>
                 <c:pt idx="3">
-                  <c:v>100</c:v>
+                  <c:v>2000</c:v>
                 </c:pt>
                 <c:pt idx="4">
-                  <c:v>200</c:v>
+                  <c:v>5000</c:v>
                 </c:pt>
                 <c:pt idx="5">
-                  <c:v>400</c:v>
+                  <c:v>10000</c:v>
                 </c:pt>
                 <c:pt idx="6">
-                  <c:v>800</c:v>
+                  <c:v>50000</c:v>
                 </c:pt>
                 <c:pt idx="7">
-                  <c:v>1000</c:v>
+                  <c:v>100000</c:v>
                 </c:pt>
                 <c:pt idx="8">
-                  <c:v>5000</c:v>
+                  <c:v>350000</c:v>
                 </c:pt>
                 <c:pt idx="9">
-                  <c:v>10000</c:v>
+                  <c:v>600000</c:v>
                 </c:pt>
                 <c:pt idx="10">
-                  <c:v>100000</c:v>
+                  <c:v>1000000</c:v>
                 </c:pt>
                 <c:pt idx="11">
-                  <c:v>150000</c:v>
-                </c:pt>
-                <c:pt idx="12">
-                  <c:v>200000</c:v>
-                </c:pt>
-                <c:pt idx="13">
-                  <c:v>250000</c:v>
-                </c:pt>
-                <c:pt idx="14">
-                  <c:v>500000</c:v>
-                </c:pt>
-                <c:pt idx="15">
-                  <c:v>1000000</c:v>
+                  <c:v>2000000</c:v>
                 </c:pt>
               </c:numCache>
             </c:numRef>
-          </c:cat>
-          <c:val>
+          </c:xVal>
+          <c:yVal>
             <c:numRef>
-              <c:f>Лист1!$Q$28:$Q$43</c:f>
+              <c:f>Лист1!$H$4:$H$15</c:f>
               <c:numCache>
                 <c:formatCode>General</c:formatCode>
-                <c:ptCount val="16"/>
+                <c:ptCount val="12"/>
                 <c:pt idx="0">
+                  <c:v>5.5999999999999999E-3</c:v>
+                </c:pt>
+                <c:pt idx="1">
+                  <c:v>1.4999999999999999E-2</c:v>
+                </c:pt>
+                <c:pt idx="2">
+                  <c:v>2.9000000000000001E-2</c:v>
+                </c:pt>
+                <c:pt idx="3">
+                  <c:v>0.05</c:v>
+                </c:pt>
+                <c:pt idx="4">
+                  <c:v>0.3</c:v>
+                </c:pt>
+                <c:pt idx="5">
+                  <c:v>1</c:v>
+                </c:pt>
+                <c:pt idx="6">
                   <c:v>3</c:v>
                 </c:pt>
-                <c:pt idx="1">
-                  <c:v>4</c:v>
-                </c:pt>
-                <c:pt idx="2">
-                  <c:v>4</c:v>
-                </c:pt>
-                <c:pt idx="3">
-                  <c:v>4</c:v>
-                </c:pt>
-                <c:pt idx="4">
-                  <c:v>4</c:v>
-                </c:pt>
-                <c:pt idx="5">
-                  <c:v>4</c:v>
-                </c:pt>
-                <c:pt idx="6">
-                  <c:v>4</c:v>
-                </c:pt>
                 <c:pt idx="7">
-                  <c:v>4</c:v>
+                  <c:v>8.6</c:v>
                 </c:pt>
                 <c:pt idx="8">
-                  <c:v>5</c:v>
+                  <c:v>33</c:v>
                 </c:pt>
                 <c:pt idx="9">
-                  <c:v>5</c:v>
+                  <c:v>48</c:v>
                 </c:pt>
                 <c:pt idx="10">
-                  <c:v>3</c:v>
+                  <c:v>93</c:v>
                 </c:pt>
                 <c:pt idx="11">
-                  <c:v>3</c:v>
-                </c:pt>
-                <c:pt idx="12">
-                  <c:v>5</c:v>
-                </c:pt>
-                <c:pt idx="13">
-                  <c:v>5</c:v>
-                </c:pt>
-                <c:pt idx="14">
-                  <c:v>5</c:v>
-                </c:pt>
-                <c:pt idx="15">
-                  <c:v>5</c:v>
+                  <c:v>188</c:v>
                 </c:pt>
               </c:numCache>
             </c:numRef>
-          </c:val>
+          </c:yVal>
+          <c:smooth val="1"/>
           <c:extLst>
             <c:ext xmlns:c16="http://schemas.microsoft.com/office/drawing/2014/chart" uri="{C3380CC4-5D6E-409C-BE32-E72D297353CC}">
-              <c16:uniqueId val="{00000000-D2DF-468A-8BC3-193B98E3CF1C}"/>
+              <c16:uniqueId val="{00000000-C496-4A47-842D-DE9D210BE8A3}"/>
             </c:ext>
           </c:extLst>
         </c:ser>
@@ -2027,192 +1342,30 @@
           <c:showPercent val="0"/>
           <c:showBubbleSize val="0"/>
         </c:dLbls>
-        <c:gapWidth val="100"/>
-        <c:overlap val="-24"/>
-        <c:axId val="2132019040"/>
-        <c:axId val="2132036096"/>
-        <c:extLst>
-          <c:ext xmlns:c15="http://schemas.microsoft.com/office/drawing/2012/chart" uri="{02D57815-91ED-43cb-92C2-25804820EDAC}">
-            <c15:filteredBarSeries>
-              <c15:ser>
-                <c:idx val="0"/>
-                <c:order val="0"/>
-                <c:spPr>
-                  <a:gradFill rotWithShape="1">
-                    <a:gsLst>
-                      <a:gs pos="0">
-                        <a:schemeClr val="accent1">
-                          <a:satMod val="103000"/>
-                          <a:lumMod val="102000"/>
-                          <a:tint val="94000"/>
-                        </a:schemeClr>
-                      </a:gs>
-                      <a:gs pos="50000">
-                        <a:schemeClr val="accent1">
-                          <a:satMod val="110000"/>
-                          <a:lumMod val="100000"/>
-                          <a:shade val="100000"/>
-                        </a:schemeClr>
-                      </a:gs>
-                      <a:gs pos="100000">
-                        <a:schemeClr val="accent1">
-                          <a:lumMod val="99000"/>
-                          <a:satMod val="120000"/>
-                          <a:shade val="78000"/>
-                        </a:schemeClr>
-                      </a:gs>
-                    </a:gsLst>
-                    <a:lin ang="5400000" scaled="0"/>
-                  </a:gradFill>
-                  <a:ln>
-                    <a:noFill/>
-                  </a:ln>
-                  <a:effectLst/>
-                </c:spPr>
-                <c:invertIfNegative val="0"/>
-                <c:cat>
-                  <c:numRef>
-                    <c:extLst>
-                      <c:ext uri="{02D57815-91ED-43cb-92C2-25804820EDAC}">
-                        <c15:formulaRef>
-                          <c15:sqref>Лист1!$P$28:$P$43</c15:sqref>
-                        </c15:formulaRef>
-                      </c:ext>
-                    </c:extLst>
-                    <c:numCache>
-                      <c:formatCode>General</c:formatCode>
-                      <c:ptCount val="16"/>
-                      <c:pt idx="0">
-                        <c:v>1</c:v>
-                      </c:pt>
-                      <c:pt idx="1">
-                        <c:v>10</c:v>
-                      </c:pt>
-                      <c:pt idx="2">
-                        <c:v>50</c:v>
-                      </c:pt>
-                      <c:pt idx="3">
-                        <c:v>100</c:v>
-                      </c:pt>
-                      <c:pt idx="4">
-                        <c:v>200</c:v>
-                      </c:pt>
-                      <c:pt idx="5">
-                        <c:v>400</c:v>
-                      </c:pt>
-                      <c:pt idx="6">
-                        <c:v>800</c:v>
-                      </c:pt>
-                      <c:pt idx="7">
-                        <c:v>1000</c:v>
-                      </c:pt>
-                      <c:pt idx="8">
-                        <c:v>5000</c:v>
-                      </c:pt>
-                      <c:pt idx="9">
-                        <c:v>10000</c:v>
-                      </c:pt>
-                      <c:pt idx="10">
-                        <c:v>100000</c:v>
-                      </c:pt>
-                      <c:pt idx="11">
-                        <c:v>150000</c:v>
-                      </c:pt>
-                      <c:pt idx="12">
-                        <c:v>200000</c:v>
-                      </c:pt>
-                      <c:pt idx="13">
-                        <c:v>250000</c:v>
-                      </c:pt>
-                      <c:pt idx="14">
-                        <c:v>500000</c:v>
-                      </c:pt>
-                      <c:pt idx="15">
-                        <c:v>1000000</c:v>
-                      </c:pt>
-                    </c:numCache>
-                  </c:numRef>
-                </c:cat>
-                <c:val>
-                  <c:numRef>
-                    <c:extLst>
-                      <c:ext uri="{02D57815-91ED-43cb-92C2-25804820EDAC}">
-                        <c15:formulaRef>
-                          <c15:sqref>Лист1!$P$28:$P$43</c15:sqref>
-                        </c15:formulaRef>
-                      </c:ext>
-                    </c:extLst>
-                    <c:numCache>
-                      <c:formatCode>General</c:formatCode>
-                      <c:ptCount val="16"/>
-                      <c:pt idx="0">
-                        <c:v>1</c:v>
-                      </c:pt>
-                      <c:pt idx="1">
-                        <c:v>10</c:v>
-                      </c:pt>
-                      <c:pt idx="2">
-                        <c:v>50</c:v>
-                      </c:pt>
-                      <c:pt idx="3">
-                        <c:v>100</c:v>
-                      </c:pt>
-                      <c:pt idx="4">
-                        <c:v>200</c:v>
-                      </c:pt>
-                      <c:pt idx="5">
-                        <c:v>400</c:v>
-                      </c:pt>
-                      <c:pt idx="6">
-                        <c:v>800</c:v>
-                      </c:pt>
-                      <c:pt idx="7">
-                        <c:v>1000</c:v>
-                      </c:pt>
-                      <c:pt idx="8">
-                        <c:v>5000</c:v>
-                      </c:pt>
-                      <c:pt idx="9">
-                        <c:v>10000</c:v>
-                      </c:pt>
-                      <c:pt idx="10">
-                        <c:v>100000</c:v>
-                      </c:pt>
-                      <c:pt idx="11">
-                        <c:v>150000</c:v>
-                      </c:pt>
-                      <c:pt idx="12">
-                        <c:v>200000</c:v>
-                      </c:pt>
-                      <c:pt idx="13">
-                        <c:v>250000</c:v>
-                      </c:pt>
-                      <c:pt idx="14">
-                        <c:v>500000</c:v>
-                      </c:pt>
-                      <c:pt idx="15">
-                        <c:v>1000000</c:v>
-                      </c:pt>
-                    </c:numCache>
-                  </c:numRef>
-                </c:val>
-                <c:extLst>
-                  <c:ext xmlns:c16="http://schemas.microsoft.com/office/drawing/2014/chart" uri="{C3380CC4-5D6E-409C-BE32-E72D297353CC}">
-                    <c16:uniqueId val="{00000001-D2DF-468A-8BC3-193B98E3CF1C}"/>
-                  </c:ext>
-                </c:extLst>
-              </c15:ser>
-            </c15:filteredBarSeries>
-          </c:ext>
-        </c:extLst>
-      </c:barChart>
-      <c:catAx>
-        <c:axId val="2132019040"/>
+        <c:axId val="422468975"/>
+        <c:axId val="422466063"/>
+      </c:scatterChart>
+      <c:valAx>
+        <c:axId val="422468975"/>
         <c:scaling>
           <c:orientation val="minMax"/>
         </c:scaling>
         <c:delete val="0"/>
         <c:axPos val="b"/>
+        <c:majorGridlines>
+          <c:spPr>
+            <a:ln w="9525" cap="flat" cmpd="sng" algn="ctr">
+              <a:solidFill>
+                <a:schemeClr val="tx1">
+                  <a:lumMod val="15000"/>
+                  <a:lumOff val="85000"/>
+                </a:schemeClr>
+              </a:solidFill>
+              <a:round/>
+            </a:ln>
+            <a:effectLst/>
+          </c:spPr>
+        </c:majorGridlines>
         <c:title>
           <c:tx>
             <c:rich>
@@ -2220,9 +1373,12 @@
               <a:lstStyle/>
               <a:p>
                 <a:pPr>
-                  <a:defRPr sz="1197" b="1" i="0" u="none" strike="noStrike" kern="1200" baseline="0">
+                  <a:defRPr sz="1000" b="0" i="0" u="none" strike="noStrike" kern="1200" baseline="0">
                     <a:solidFill>
-                      <a:schemeClr val="tx2"/>
+                      <a:schemeClr val="tx1">
+                        <a:lumMod val="65000"/>
+                        <a:lumOff val="35000"/>
+                      </a:schemeClr>
                     </a:solidFill>
                     <a:latin typeface="+mn-lt"/>
                     <a:ea typeface="+mn-ea"/>
@@ -2249,9 +1405,12 @@
             <a:lstStyle/>
             <a:p>
               <a:pPr>
-                <a:defRPr sz="1197" b="1" i="0" u="none" strike="noStrike" kern="1200" baseline="0">
+                <a:defRPr sz="1000" b="0" i="0" u="none" strike="noStrike" kern="1200" baseline="0">
                   <a:solidFill>
-                    <a:schemeClr val="tx2"/>
+                    <a:schemeClr val="tx1">
+                      <a:lumMod val="65000"/>
+                      <a:lumOff val="35000"/>
+                    </a:schemeClr>
                   </a:solidFill>
                   <a:latin typeface="+mn-lt"/>
                   <a:ea typeface="+mn-ea"/>
@@ -2270,9 +1429,9 @@
           <a:noFill/>
           <a:ln w="9525" cap="flat" cmpd="sng" algn="ctr">
             <a:solidFill>
-              <a:schemeClr val="tx2">
-                <a:lumMod val="15000"/>
-                <a:lumOff val="85000"/>
+              <a:schemeClr val="tx1">
+                <a:lumMod val="25000"/>
+                <a:lumOff val="75000"/>
               </a:schemeClr>
             </a:solidFill>
             <a:round/>
@@ -2284,9 +1443,12 @@
           <a:lstStyle/>
           <a:p>
             <a:pPr>
-              <a:defRPr sz="1197" b="0" i="0" u="none" strike="noStrike" kern="1200" baseline="0">
+              <a:defRPr sz="900" b="0" i="0" u="none" strike="noStrike" kern="1200" baseline="0">
                 <a:solidFill>
-                  <a:schemeClr val="tx2"/>
+                  <a:schemeClr val="tx1">
+                    <a:lumMod val="65000"/>
+                    <a:lumOff val="35000"/>
+                  </a:schemeClr>
                 </a:solidFill>
                 <a:latin typeface="+mn-lt"/>
                 <a:ea typeface="+mn-ea"/>
@@ -2296,15 +1458,12 @@
             <a:endParaRPr lang="ru-RU"/>
           </a:p>
         </c:txPr>
-        <c:crossAx val="2132036096"/>
+        <c:crossAx val="422466063"/>
         <c:crosses val="autoZero"/>
-        <c:auto val="1"/>
-        <c:lblAlgn val="ctr"/>
-        <c:lblOffset val="100"/>
-        <c:noMultiLvlLbl val="0"/>
-      </c:catAx>
+        <c:crossBetween val="midCat"/>
+      </c:valAx>
       <c:valAx>
-        <c:axId val="2132036096"/>
+        <c:axId val="422466063"/>
         <c:scaling>
           <c:orientation val="minMax"/>
         </c:scaling>
@@ -2314,7 +1473,7 @@
           <c:spPr>
             <a:ln w="9525" cap="flat" cmpd="sng" algn="ctr">
               <a:solidFill>
-                <a:schemeClr val="tx2">
+                <a:schemeClr val="tx1">
                   <a:lumMod val="15000"/>
                   <a:lumOff val="85000"/>
                 </a:schemeClr>
@@ -2331,9 +1490,12 @@
               <a:lstStyle/>
               <a:p>
                 <a:pPr>
-                  <a:defRPr sz="1197" b="1" i="0" u="none" strike="noStrike" kern="1200" baseline="0">
+                  <a:defRPr sz="1000" b="0" i="0" u="none" strike="noStrike" kern="1200" baseline="0">
                     <a:solidFill>
-                      <a:schemeClr val="tx2"/>
+                      <a:schemeClr val="tx1">
+                        <a:lumMod val="65000"/>
+                        <a:lumOff val="35000"/>
+                      </a:schemeClr>
                     </a:solidFill>
                     <a:latin typeface="+mn-lt"/>
                     <a:ea typeface="+mn-ea"/>
@@ -2342,7 +1504,7 @@
                 </a:pPr>
                 <a:r>
                   <a:rPr lang="ru-RU"/>
-                  <a:t>Время</a:t>
+                  <a:t>мс</a:t>
                 </a:r>
               </a:p>
             </c:rich>
@@ -2360,572 +1522,12 @@
             <a:lstStyle/>
             <a:p>
               <a:pPr>
-                <a:defRPr sz="1197" b="1" i="0" u="none" strike="noStrike" kern="1200" baseline="0">
+                <a:defRPr sz="1000" b="0" i="0" u="none" strike="noStrike" kern="1200" baseline="0">
                   <a:solidFill>
-                    <a:schemeClr val="tx2"/>
-                  </a:solidFill>
-                  <a:latin typeface="+mn-lt"/>
-                  <a:ea typeface="+mn-ea"/>
-                  <a:cs typeface="+mn-cs"/>
-                </a:defRPr>
-              </a:pPr>
-              <a:endParaRPr lang="ru-RU"/>
-            </a:p>
-          </c:txPr>
-        </c:title>
-        <c:numFmt formatCode="General" sourceLinked="1"/>
-        <c:majorTickMark val="none"/>
-        <c:minorTickMark val="none"/>
-        <c:tickLblPos val="nextTo"/>
-        <c:spPr>
-          <a:noFill/>
-          <a:ln>
-            <a:noFill/>
-          </a:ln>
-          <a:effectLst/>
-        </c:spPr>
-        <c:txPr>
-          <a:bodyPr rot="-60000000" spcFirstLastPara="1" vertOverflow="ellipsis" vert="horz" wrap="square" anchor="ctr" anchorCtr="1"/>
-          <a:lstStyle/>
-          <a:p>
-            <a:pPr>
-              <a:defRPr sz="1197" b="0" i="0" u="none" strike="noStrike" kern="1200" baseline="0">
-                <a:solidFill>
-                  <a:schemeClr val="tx2"/>
-                </a:solidFill>
-                <a:latin typeface="+mn-lt"/>
-                <a:ea typeface="+mn-ea"/>
-                <a:cs typeface="+mn-cs"/>
-              </a:defRPr>
-            </a:pPr>
-            <a:endParaRPr lang="ru-RU"/>
-          </a:p>
-        </c:txPr>
-        <c:crossAx val="2132019040"/>
-        <c:crosses val="autoZero"/>
-        <c:crossBetween val="between"/>
-      </c:valAx>
-      <c:spPr>
-        <a:noFill/>
-        <a:ln>
-          <a:noFill/>
-        </a:ln>
-        <a:effectLst/>
-      </c:spPr>
-    </c:plotArea>
-    <c:plotVisOnly val="1"/>
-    <c:dispBlanksAs val="gap"/>
-    <c:extLst>
-      <c:ext xmlns:c16r3="http://schemas.microsoft.com/office/drawing/2017/03/chart" uri="{56B9EC1D-385E-4148-901F-78D8002777C0}">
-        <c16r3:dataDisplayOptions16>
-          <c16r3:dispNaAsBlank val="1"/>
-        </c16r3:dataDisplayOptions16>
-      </c:ext>
-    </c:extLst>
-    <c:showDLblsOverMax val="0"/>
-  </c:chart>
-  <c:spPr>
-    <a:noFill/>
-    <a:ln>
-      <a:noFill/>
-    </a:ln>
-    <a:effectLst/>
-  </c:spPr>
-  <c:txPr>
-    <a:bodyPr/>
-    <a:lstStyle/>
-    <a:p>
-      <a:pPr>
-        <a:defRPr/>
-      </a:pPr>
-      <a:endParaRPr lang="ru-RU"/>
-    </a:p>
-  </c:txPr>
-  <c:externalData r:id="rId3">
-    <c:autoUpdate val="0"/>
-  </c:externalData>
-</c:chartSpace>
-</file>
-
-<file path=ppt/charts/chart4.xml><?xml version="1.0" encoding="utf-8"?>
-<c:chartSpace xmlns:c="http://schemas.openxmlformats.org/drawingml/2006/chart" xmlns:a="http://schemas.openxmlformats.org/drawingml/2006/main" xmlns:r="http://schemas.openxmlformats.org/officeDocument/2006/relationships" xmlns:c16r2="http://schemas.microsoft.com/office/drawing/2015/06/chart">
-  <c:date1904 val="0"/>
-  <c:lang val="ru-RU"/>
-  <c:roundedCorners val="0"/>
-  <mc:AlternateContent xmlns:mc="http://schemas.openxmlformats.org/markup-compatibility/2006">
-    <mc:Choice xmlns:c14="http://schemas.microsoft.com/office/drawing/2007/8/2/chart" Requires="c14">
-      <c14:style val="102"/>
-    </mc:Choice>
-    <mc:Fallback>
-      <c:style val="2"/>
-    </mc:Fallback>
-  </mc:AlternateContent>
-  <c:chart>
-    <c:title>
-      <c:tx>
-        <c:rich>
-          <a:bodyPr rot="0" spcFirstLastPara="1" vertOverflow="ellipsis" vert="horz" wrap="square" anchor="ctr" anchorCtr="1"/>
-          <a:lstStyle/>
-          <a:p>
-            <a:pPr>
-              <a:defRPr sz="2128" b="1" i="0" u="none" strike="noStrike" kern="1200" baseline="0">
-                <a:solidFill>
-                  <a:schemeClr val="tx2"/>
-                </a:solidFill>
-                <a:latin typeface="+mn-lt"/>
-                <a:ea typeface="+mn-ea"/>
-                <a:cs typeface="+mn-cs"/>
-              </a:defRPr>
-            </a:pPr>
-            <a:r>
-              <a:rPr lang="ru-RU"/>
-              <a:t>Перекрытие</a:t>
-            </a:r>
-          </a:p>
-        </c:rich>
-      </c:tx>
-      <c:overlay val="0"/>
-      <c:spPr>
-        <a:noFill/>
-        <a:ln>
-          <a:noFill/>
-        </a:ln>
-        <a:effectLst/>
-      </c:spPr>
-      <c:txPr>
-        <a:bodyPr rot="0" spcFirstLastPara="1" vertOverflow="ellipsis" vert="horz" wrap="square" anchor="ctr" anchorCtr="1"/>
-        <a:lstStyle/>
-        <a:p>
-          <a:pPr>
-            <a:defRPr sz="2128" b="1" i="0" u="none" strike="noStrike" kern="1200" baseline="0">
-              <a:solidFill>
-                <a:schemeClr val="tx2"/>
-              </a:solidFill>
-              <a:latin typeface="+mn-lt"/>
-              <a:ea typeface="+mn-ea"/>
-              <a:cs typeface="+mn-cs"/>
-            </a:defRPr>
-          </a:pPr>
-          <a:endParaRPr lang="ru-RU"/>
-        </a:p>
-      </c:txPr>
-    </c:title>
-    <c:autoTitleDeleted val="0"/>
-    <c:plotArea>
-      <c:layout/>
-      <c:barChart>
-        <c:barDir val="col"/>
-        <c:grouping val="clustered"/>
-        <c:varyColors val="0"/>
-        <c:ser>
-          <c:idx val="1"/>
-          <c:order val="1"/>
-          <c:spPr>
-            <a:gradFill rotWithShape="1">
-              <a:gsLst>
-                <a:gs pos="0">
-                  <a:schemeClr val="accent2">
-                    <a:satMod val="103000"/>
-                    <a:lumMod val="102000"/>
-                    <a:tint val="94000"/>
-                  </a:schemeClr>
-                </a:gs>
-                <a:gs pos="50000">
-                  <a:schemeClr val="accent2">
-                    <a:satMod val="110000"/>
-                    <a:lumMod val="100000"/>
-                    <a:shade val="100000"/>
-                  </a:schemeClr>
-                </a:gs>
-                <a:gs pos="100000">
-                  <a:schemeClr val="accent2">
-                    <a:lumMod val="99000"/>
-                    <a:satMod val="120000"/>
-                    <a:shade val="78000"/>
-                  </a:schemeClr>
-                </a:gs>
-              </a:gsLst>
-              <a:lin ang="5400000" scaled="0"/>
-            </a:gradFill>
-            <a:ln>
-              <a:noFill/>
-            </a:ln>
-            <a:effectLst/>
-          </c:spPr>
-          <c:invertIfNegative val="0"/>
-          <c:cat>
-            <c:numRef>
-              <c:f>Лист1!$A$49:$A$65</c:f>
-              <c:numCache>
-                <c:formatCode>General</c:formatCode>
-                <c:ptCount val="17"/>
-                <c:pt idx="0">
-                  <c:v>1</c:v>
-                </c:pt>
-                <c:pt idx="1">
-                  <c:v>10</c:v>
-                </c:pt>
-                <c:pt idx="2">
-                  <c:v>20</c:v>
-                </c:pt>
-                <c:pt idx="3">
-                  <c:v>40</c:v>
-                </c:pt>
-                <c:pt idx="4">
-                  <c:v>80</c:v>
-                </c:pt>
-                <c:pt idx="5">
-                  <c:v>100</c:v>
-                </c:pt>
-                <c:pt idx="6">
-                  <c:v>200</c:v>
-                </c:pt>
-                <c:pt idx="7">
-                  <c:v>400</c:v>
-                </c:pt>
-                <c:pt idx="8">
-                  <c:v>800</c:v>
-                </c:pt>
-                <c:pt idx="9">
-                  <c:v>1000</c:v>
-                </c:pt>
-                <c:pt idx="10">
-                  <c:v>5000</c:v>
-                </c:pt>
-                <c:pt idx="11">
-                  <c:v>10000</c:v>
-                </c:pt>
-                <c:pt idx="12">
-                  <c:v>100000</c:v>
-                </c:pt>
-                <c:pt idx="13">
-                  <c:v>150000</c:v>
-                </c:pt>
-                <c:pt idx="14">
-                  <c:v>200000</c:v>
-                </c:pt>
-                <c:pt idx="15">
-                  <c:v>500000</c:v>
-                </c:pt>
-                <c:pt idx="16">
-                  <c:v>1000000</c:v>
-                </c:pt>
-              </c:numCache>
-            </c:numRef>
-          </c:cat>
-          <c:val>
-            <c:numRef>
-              <c:f>Лист1!$B$49:$B$65</c:f>
-              <c:numCache>
-                <c:formatCode>General</c:formatCode>
-                <c:ptCount val="17"/>
-                <c:pt idx="0">
-                  <c:v>6</c:v>
-                </c:pt>
-                <c:pt idx="1">
-                  <c:v>6</c:v>
-                </c:pt>
-                <c:pt idx="2">
-                  <c:v>6</c:v>
-                </c:pt>
-                <c:pt idx="3">
-                  <c:v>9</c:v>
-                </c:pt>
-                <c:pt idx="4">
-                  <c:v>20</c:v>
-                </c:pt>
-                <c:pt idx="5">
-                  <c:v>26</c:v>
-                </c:pt>
-                <c:pt idx="6">
-                  <c:v>56</c:v>
-                </c:pt>
-                <c:pt idx="7">
-                  <c:v>113</c:v>
-                </c:pt>
-                <c:pt idx="8">
-                  <c:v>224</c:v>
-                </c:pt>
-                <c:pt idx="9">
-                  <c:v>271</c:v>
-                </c:pt>
-                <c:pt idx="10">
-                  <c:v>350</c:v>
-                </c:pt>
-                <c:pt idx="11">
-                  <c:v>451</c:v>
-                </c:pt>
-                <c:pt idx="12">
-                  <c:v>581</c:v>
-                </c:pt>
-                <c:pt idx="13">
-                  <c:v>613</c:v>
-                </c:pt>
-                <c:pt idx="14">
-                  <c:v>818</c:v>
-                </c:pt>
-                <c:pt idx="15">
-                  <c:v>767</c:v>
-                </c:pt>
-                <c:pt idx="16">
-                  <c:v>667</c:v>
-                </c:pt>
-              </c:numCache>
-            </c:numRef>
-          </c:val>
-          <c:extLst>
-            <c:ext xmlns:c16="http://schemas.microsoft.com/office/drawing/2014/chart" uri="{C3380CC4-5D6E-409C-BE32-E72D297353CC}">
-              <c16:uniqueId val="{00000000-4C8D-451E-8162-B4CF73E72902}"/>
-            </c:ext>
-          </c:extLst>
-        </c:ser>
-        <c:dLbls>
-          <c:showLegendKey val="0"/>
-          <c:showVal val="0"/>
-          <c:showCatName val="0"/>
-          <c:showSerName val="0"/>
-          <c:showPercent val="0"/>
-          <c:showBubbleSize val="0"/>
-        </c:dLbls>
-        <c:gapWidth val="100"/>
-        <c:overlap val="-24"/>
-        <c:axId val="453502463"/>
-        <c:axId val="453492063"/>
-        <c:extLst>
-          <c:ext xmlns:c15="http://schemas.microsoft.com/office/drawing/2012/chart" uri="{02D57815-91ED-43cb-92C2-25804820EDAC}">
-            <c15:filteredBarSeries>
-              <c15:ser>
-                <c:idx val="0"/>
-                <c:order val="0"/>
-                <c:spPr>
-                  <a:gradFill rotWithShape="1">
-                    <a:gsLst>
-                      <a:gs pos="0">
-                        <a:schemeClr val="accent1">
-                          <a:satMod val="103000"/>
-                          <a:lumMod val="102000"/>
-                          <a:tint val="94000"/>
-                        </a:schemeClr>
-                      </a:gs>
-                      <a:gs pos="50000">
-                        <a:schemeClr val="accent1">
-                          <a:satMod val="110000"/>
-                          <a:lumMod val="100000"/>
-                          <a:shade val="100000"/>
-                        </a:schemeClr>
-                      </a:gs>
-                      <a:gs pos="100000">
-                        <a:schemeClr val="accent1">
-                          <a:lumMod val="99000"/>
-                          <a:satMod val="120000"/>
-                          <a:shade val="78000"/>
-                        </a:schemeClr>
-                      </a:gs>
-                    </a:gsLst>
-                    <a:lin ang="5400000" scaled="0"/>
-                  </a:gradFill>
-                  <a:ln>
-                    <a:noFill/>
-                  </a:ln>
-                  <a:effectLst/>
-                </c:spPr>
-                <c:invertIfNegative val="0"/>
-                <c:cat>
-                  <c:numRef>
-                    <c:extLst>
-                      <c:ext uri="{02D57815-91ED-43cb-92C2-25804820EDAC}">
-                        <c15:formulaRef>
-                          <c15:sqref>Лист1!$A$49:$A$65</c15:sqref>
-                        </c15:formulaRef>
-                      </c:ext>
-                    </c:extLst>
-                    <c:numCache>
-                      <c:formatCode>General</c:formatCode>
-                      <c:ptCount val="17"/>
-                      <c:pt idx="0">
-                        <c:v>1</c:v>
-                      </c:pt>
-                      <c:pt idx="1">
-                        <c:v>10</c:v>
-                      </c:pt>
-                      <c:pt idx="2">
-                        <c:v>20</c:v>
-                      </c:pt>
-                      <c:pt idx="3">
-                        <c:v>40</c:v>
-                      </c:pt>
-                      <c:pt idx="4">
-                        <c:v>80</c:v>
-                      </c:pt>
-                      <c:pt idx="5">
-                        <c:v>100</c:v>
-                      </c:pt>
-                      <c:pt idx="6">
-                        <c:v>200</c:v>
-                      </c:pt>
-                      <c:pt idx="7">
-                        <c:v>400</c:v>
-                      </c:pt>
-                      <c:pt idx="8">
-                        <c:v>800</c:v>
-                      </c:pt>
-                      <c:pt idx="9">
-                        <c:v>1000</c:v>
-                      </c:pt>
-                      <c:pt idx="10">
-                        <c:v>5000</c:v>
-                      </c:pt>
-                      <c:pt idx="11">
-                        <c:v>10000</c:v>
-                      </c:pt>
-                      <c:pt idx="12">
-                        <c:v>100000</c:v>
-                      </c:pt>
-                      <c:pt idx="13">
-                        <c:v>150000</c:v>
-                      </c:pt>
-                      <c:pt idx="14">
-                        <c:v>200000</c:v>
-                      </c:pt>
-                      <c:pt idx="15">
-                        <c:v>500000</c:v>
-                      </c:pt>
-                      <c:pt idx="16">
-                        <c:v>1000000</c:v>
-                      </c:pt>
-                    </c:numCache>
-                  </c:numRef>
-                </c:cat>
-                <c:val>
-                  <c:numRef>
-                    <c:extLst>
-                      <c:ext uri="{02D57815-91ED-43cb-92C2-25804820EDAC}">
-                        <c15:formulaRef>
-                          <c15:sqref>Лист1!$A$49:$A$65</c15:sqref>
-                        </c15:formulaRef>
-                      </c:ext>
-                    </c:extLst>
-                    <c:numCache>
-                      <c:formatCode>General</c:formatCode>
-                      <c:ptCount val="17"/>
-                      <c:pt idx="0">
-                        <c:v>1</c:v>
-                      </c:pt>
-                      <c:pt idx="1">
-                        <c:v>10</c:v>
-                      </c:pt>
-                      <c:pt idx="2">
-                        <c:v>20</c:v>
-                      </c:pt>
-                      <c:pt idx="3">
-                        <c:v>40</c:v>
-                      </c:pt>
-                      <c:pt idx="4">
-                        <c:v>80</c:v>
-                      </c:pt>
-                      <c:pt idx="5">
-                        <c:v>100</c:v>
-                      </c:pt>
-                      <c:pt idx="6">
-                        <c:v>200</c:v>
-                      </c:pt>
-                      <c:pt idx="7">
-                        <c:v>400</c:v>
-                      </c:pt>
-                      <c:pt idx="8">
-                        <c:v>800</c:v>
-                      </c:pt>
-                      <c:pt idx="9">
-                        <c:v>1000</c:v>
-                      </c:pt>
-                      <c:pt idx="10">
-                        <c:v>5000</c:v>
-                      </c:pt>
-                      <c:pt idx="11">
-                        <c:v>10000</c:v>
-                      </c:pt>
-                      <c:pt idx="12">
-                        <c:v>100000</c:v>
-                      </c:pt>
-                      <c:pt idx="13">
-                        <c:v>150000</c:v>
-                      </c:pt>
-                      <c:pt idx="14">
-                        <c:v>200000</c:v>
-                      </c:pt>
-                      <c:pt idx="15">
-                        <c:v>500000</c:v>
-                      </c:pt>
-                      <c:pt idx="16">
-                        <c:v>1000000</c:v>
-                      </c:pt>
-                    </c:numCache>
-                  </c:numRef>
-                </c:val>
-                <c:extLst>
-                  <c:ext xmlns:c16="http://schemas.microsoft.com/office/drawing/2014/chart" uri="{C3380CC4-5D6E-409C-BE32-E72D297353CC}">
-                    <c16:uniqueId val="{00000001-4C8D-451E-8162-B4CF73E72902}"/>
-                  </c:ext>
-                </c:extLst>
-              </c15:ser>
-            </c15:filteredBarSeries>
-          </c:ext>
-        </c:extLst>
-      </c:barChart>
-      <c:catAx>
-        <c:axId val="453502463"/>
-        <c:scaling>
-          <c:orientation val="minMax"/>
-        </c:scaling>
-        <c:delete val="0"/>
-        <c:axPos val="b"/>
-        <c:title>
-          <c:tx>
-            <c:rich>
-              <a:bodyPr rot="0" spcFirstLastPara="1" vertOverflow="ellipsis" vert="horz" wrap="square" anchor="ctr" anchorCtr="1"/>
-              <a:lstStyle/>
-              <a:p>
-                <a:pPr>
-                  <a:defRPr sz="1197" b="1" i="0" u="none" strike="noStrike" kern="1200" baseline="0">
-                    <a:solidFill>
-                      <a:schemeClr val="tx2"/>
-                    </a:solidFill>
-                    <a:latin typeface="+mn-lt"/>
-                    <a:ea typeface="+mn-ea"/>
-                    <a:cs typeface="+mn-cs"/>
-                  </a:defRPr>
-                </a:pPr>
-                <a:r>
-                  <a:rPr lang="ru-RU"/>
-                  <a:t>Количество узлов </a:t>
-                </a:r>
-              </a:p>
-            </c:rich>
-          </c:tx>
-          <c:layout>
-            <c:manualLayout>
-              <c:xMode val="edge"/>
-              <c:yMode val="edge"/>
-              <c:x val="0.41205375268923539"/>
-              <c:y val="0.92297235184881687"/>
-            </c:manualLayout>
-          </c:layout>
-          <c:overlay val="0"/>
-          <c:spPr>
-            <a:noFill/>
-            <a:ln>
-              <a:noFill/>
-            </a:ln>
-            <a:effectLst/>
-          </c:spPr>
-          <c:txPr>
-            <a:bodyPr rot="0" spcFirstLastPara="1" vertOverflow="ellipsis" vert="horz" wrap="square" anchor="ctr" anchorCtr="1"/>
-            <a:lstStyle/>
-            <a:p>
-              <a:pPr>
-                <a:defRPr sz="1197" b="1" i="0" u="none" strike="noStrike" kern="1200" baseline="0">
-                  <a:solidFill>
-                    <a:schemeClr val="tx2"/>
+                    <a:schemeClr val="tx1">
+                      <a:lumMod val="65000"/>
+                      <a:lumOff val="35000"/>
+                    </a:schemeClr>
                   </a:solidFill>
                   <a:latin typeface="+mn-lt"/>
                   <a:ea typeface="+mn-ea"/>
@@ -2944,9 +1546,9 @@
           <a:noFill/>
           <a:ln w="9525" cap="flat" cmpd="sng" algn="ctr">
             <a:solidFill>
-              <a:schemeClr val="tx2">
-                <a:lumMod val="15000"/>
-                <a:lumOff val="85000"/>
+              <a:schemeClr val="tx1">
+                <a:lumMod val="25000"/>
+                <a:lumOff val="75000"/>
               </a:schemeClr>
             </a:solidFill>
             <a:round/>
@@ -2958,9 +1560,12 @@
           <a:lstStyle/>
           <a:p>
             <a:pPr>
-              <a:defRPr sz="1197" b="0" i="0" u="none" strike="noStrike" kern="1200" baseline="0">
+              <a:defRPr sz="900" b="0" i="0" u="none" strike="noStrike" kern="1200" baseline="0">
                 <a:solidFill>
-                  <a:schemeClr val="tx2"/>
+                  <a:schemeClr val="tx1">
+                    <a:lumMod val="65000"/>
+                    <a:lumOff val="35000"/>
+                  </a:schemeClr>
                 </a:solidFill>
                 <a:latin typeface="+mn-lt"/>
                 <a:ea typeface="+mn-ea"/>
@@ -2970,116 +1575,9 @@
             <a:endParaRPr lang="ru-RU"/>
           </a:p>
         </c:txPr>
-        <c:crossAx val="453492063"/>
+        <c:crossAx val="422468975"/>
         <c:crosses val="autoZero"/>
-        <c:auto val="1"/>
-        <c:lblAlgn val="ctr"/>
-        <c:lblOffset val="100"/>
-        <c:noMultiLvlLbl val="0"/>
-      </c:catAx>
-      <c:valAx>
-        <c:axId val="453492063"/>
-        <c:scaling>
-          <c:orientation val="minMax"/>
-          <c:max val="850"/>
-          <c:min val="0"/>
-        </c:scaling>
-        <c:delete val="0"/>
-        <c:axPos val="l"/>
-        <c:majorGridlines>
-          <c:spPr>
-            <a:ln w="9525" cap="flat" cmpd="sng" algn="ctr">
-              <a:solidFill>
-                <a:schemeClr val="tx2">
-                  <a:lumMod val="15000"/>
-                  <a:lumOff val="85000"/>
-                </a:schemeClr>
-              </a:solidFill>
-              <a:round/>
-            </a:ln>
-            <a:effectLst/>
-          </c:spPr>
-        </c:majorGridlines>
-        <c:title>
-          <c:tx>
-            <c:rich>
-              <a:bodyPr rot="-5400000" spcFirstLastPara="1" vertOverflow="ellipsis" vert="horz" wrap="square" anchor="ctr" anchorCtr="1"/>
-              <a:lstStyle/>
-              <a:p>
-                <a:pPr>
-                  <a:defRPr sz="1197" b="1" i="0" u="none" strike="noStrike" kern="1200" baseline="0">
-                    <a:solidFill>
-                      <a:schemeClr val="tx2"/>
-                    </a:solidFill>
-                    <a:latin typeface="+mn-lt"/>
-                    <a:ea typeface="+mn-ea"/>
-                    <a:cs typeface="+mn-cs"/>
-                  </a:defRPr>
-                </a:pPr>
-                <a:r>
-                  <a:rPr lang="ru-RU"/>
-                  <a:t>Время</a:t>
-                </a:r>
-              </a:p>
-            </c:rich>
-          </c:tx>
-          <c:overlay val="0"/>
-          <c:spPr>
-            <a:noFill/>
-            <a:ln>
-              <a:noFill/>
-            </a:ln>
-            <a:effectLst/>
-          </c:spPr>
-          <c:txPr>
-            <a:bodyPr rot="-5400000" spcFirstLastPara="1" vertOverflow="ellipsis" vert="horz" wrap="square" anchor="ctr" anchorCtr="1"/>
-            <a:lstStyle/>
-            <a:p>
-              <a:pPr>
-                <a:defRPr sz="1197" b="1" i="0" u="none" strike="noStrike" kern="1200" baseline="0">
-                  <a:solidFill>
-                    <a:schemeClr val="tx2"/>
-                  </a:solidFill>
-                  <a:latin typeface="+mn-lt"/>
-                  <a:ea typeface="+mn-ea"/>
-                  <a:cs typeface="+mn-cs"/>
-                </a:defRPr>
-              </a:pPr>
-              <a:endParaRPr lang="ru-RU"/>
-            </a:p>
-          </c:txPr>
-        </c:title>
-        <c:numFmt formatCode="General" sourceLinked="1"/>
-        <c:majorTickMark val="none"/>
-        <c:minorTickMark val="none"/>
-        <c:tickLblPos val="nextTo"/>
-        <c:spPr>
-          <a:noFill/>
-          <a:ln>
-            <a:noFill/>
-          </a:ln>
-          <a:effectLst/>
-        </c:spPr>
-        <c:txPr>
-          <a:bodyPr rot="-60000000" spcFirstLastPara="1" vertOverflow="ellipsis" vert="horz" wrap="square" anchor="ctr" anchorCtr="1"/>
-          <a:lstStyle/>
-          <a:p>
-            <a:pPr>
-              <a:defRPr sz="1197" b="0" i="0" u="none" strike="noStrike" kern="1200" baseline="0">
-                <a:solidFill>
-                  <a:schemeClr val="tx2"/>
-                </a:solidFill>
-                <a:latin typeface="+mn-lt"/>
-                <a:ea typeface="+mn-ea"/>
-                <a:cs typeface="+mn-cs"/>
-              </a:defRPr>
-            </a:pPr>
-            <a:endParaRPr lang="ru-RU"/>
-          </a:p>
-        </c:txPr>
-        <c:crossAx val="453502463"/>
-        <c:crosses val="autoZero"/>
-        <c:crossBetween val="between"/>
+        <c:crossBetween val="midCat"/>
       </c:valAx>
       <c:spPr>
         <a:noFill/>
@@ -3124,187 +1622,74 @@
 </file>
 
 <file path=ppt/charts/colors1.xml><?xml version="1.0" encoding="utf-8"?>
-<cs:colorStyle xmlns:cs="http://schemas.microsoft.com/office/drawing/2012/chartStyle" xmlns:a="http://schemas.openxmlformats.org/drawingml/2006/main" meth="cycle" id="10">
-  <a:schemeClr val="accent1"/>
+<cs:colorStyle xmlns:cs="http://schemas.microsoft.com/office/drawing/2012/chartStyle" xmlns:a="http://schemas.openxmlformats.org/drawingml/2006/main" meth="withinLinear" id="15">
   <a:schemeClr val="accent2"/>
-  <a:schemeClr val="accent3"/>
-  <a:schemeClr val="accent4"/>
-  <a:schemeClr val="accent5"/>
-  <a:schemeClr val="accent6"/>
-  <cs:variation/>
-  <cs:variation>
-    <a:lumMod val="60000"/>
-  </cs:variation>
-  <cs:variation>
-    <a:lumMod val="80000"/>
-    <a:lumOff val="20000"/>
-  </cs:variation>
-  <cs:variation>
-    <a:lumMod val="80000"/>
-  </cs:variation>
-  <cs:variation>
-    <a:lumMod val="60000"/>
-    <a:lumOff val="40000"/>
-  </cs:variation>
-  <cs:variation>
-    <a:lumMod val="50000"/>
-  </cs:variation>
-  <cs:variation>
-    <a:lumMod val="70000"/>
-    <a:lumOff val="30000"/>
-  </cs:variation>
-  <cs:variation>
-    <a:lumMod val="70000"/>
-  </cs:variation>
-  <cs:variation>
-    <a:lumMod val="50000"/>
-    <a:lumOff val="50000"/>
-  </cs:variation>
 </cs:colorStyle>
 </file>
 
 <file path=ppt/charts/colors2.xml><?xml version="1.0" encoding="utf-8"?>
-<cs:colorStyle xmlns:cs="http://schemas.microsoft.com/office/drawing/2012/chartStyle" xmlns:a="http://schemas.openxmlformats.org/drawingml/2006/main" meth="cycle" id="10">
-  <a:schemeClr val="accent1"/>
+<cs:colorStyle xmlns:cs="http://schemas.microsoft.com/office/drawing/2012/chartStyle" xmlns:a="http://schemas.openxmlformats.org/drawingml/2006/main" meth="withinLinear" id="15">
   <a:schemeClr val="accent2"/>
-  <a:schemeClr val="accent3"/>
-  <a:schemeClr val="accent4"/>
-  <a:schemeClr val="accent5"/>
-  <a:schemeClr val="accent6"/>
-  <cs:variation/>
-  <cs:variation>
-    <a:lumMod val="60000"/>
-  </cs:variation>
-  <cs:variation>
-    <a:lumMod val="80000"/>
-    <a:lumOff val="20000"/>
-  </cs:variation>
-  <cs:variation>
-    <a:lumMod val="80000"/>
-  </cs:variation>
-  <cs:variation>
-    <a:lumMod val="60000"/>
-    <a:lumOff val="40000"/>
-  </cs:variation>
-  <cs:variation>
-    <a:lumMod val="50000"/>
-  </cs:variation>
-  <cs:variation>
-    <a:lumMod val="70000"/>
-    <a:lumOff val="30000"/>
-  </cs:variation>
-  <cs:variation>
-    <a:lumMod val="70000"/>
-  </cs:variation>
-  <cs:variation>
-    <a:lumMod val="50000"/>
-    <a:lumOff val="50000"/>
-  </cs:variation>
 </cs:colorStyle>
 </file>
 
 <file path=ppt/charts/colors3.xml><?xml version="1.0" encoding="utf-8"?>
-<cs:colorStyle xmlns:cs="http://schemas.microsoft.com/office/drawing/2012/chartStyle" xmlns:a="http://schemas.openxmlformats.org/drawingml/2006/main" meth="cycle" id="10">
-  <a:schemeClr val="accent1"/>
+<cs:colorStyle xmlns:cs="http://schemas.microsoft.com/office/drawing/2012/chartStyle" xmlns:a="http://schemas.openxmlformats.org/drawingml/2006/main" meth="withinLinear" id="15">
   <a:schemeClr val="accent2"/>
-  <a:schemeClr val="accent3"/>
-  <a:schemeClr val="accent4"/>
-  <a:schemeClr val="accent5"/>
-  <a:schemeClr val="accent6"/>
-  <cs:variation/>
-  <cs:variation>
-    <a:lumMod val="60000"/>
-  </cs:variation>
-  <cs:variation>
-    <a:lumMod val="80000"/>
-    <a:lumOff val="20000"/>
-  </cs:variation>
-  <cs:variation>
-    <a:lumMod val="80000"/>
-  </cs:variation>
-  <cs:variation>
-    <a:lumMod val="60000"/>
-    <a:lumOff val="40000"/>
-  </cs:variation>
-  <cs:variation>
-    <a:lumMod val="50000"/>
-  </cs:variation>
-  <cs:variation>
-    <a:lumMod val="70000"/>
-    <a:lumOff val="30000"/>
-  </cs:variation>
-  <cs:variation>
-    <a:lumMod val="70000"/>
-  </cs:variation>
-  <cs:variation>
-    <a:lumMod val="50000"/>
-    <a:lumOff val="50000"/>
-  </cs:variation>
-</cs:colorStyle>
-</file>
-
-<file path=ppt/charts/colors4.xml><?xml version="1.0" encoding="utf-8"?>
-<cs:colorStyle xmlns:cs="http://schemas.microsoft.com/office/drawing/2012/chartStyle" xmlns:a="http://schemas.openxmlformats.org/drawingml/2006/main" meth="cycle" id="10">
-  <a:schemeClr val="accent1"/>
-  <a:schemeClr val="accent2"/>
-  <a:schemeClr val="accent3"/>
-  <a:schemeClr val="accent4"/>
-  <a:schemeClr val="accent5"/>
-  <a:schemeClr val="accent6"/>
-  <cs:variation/>
-  <cs:variation>
-    <a:lumMod val="60000"/>
-  </cs:variation>
-  <cs:variation>
-    <a:lumMod val="80000"/>
-    <a:lumOff val="20000"/>
-  </cs:variation>
-  <cs:variation>
-    <a:lumMod val="80000"/>
-  </cs:variation>
-  <cs:variation>
-    <a:lumMod val="60000"/>
-    <a:lumOff val="40000"/>
-  </cs:variation>
-  <cs:variation>
-    <a:lumMod val="50000"/>
-  </cs:variation>
-  <cs:variation>
-    <a:lumMod val="70000"/>
-    <a:lumOff val="30000"/>
-  </cs:variation>
-  <cs:variation>
-    <a:lumMod val="70000"/>
-  </cs:variation>
-  <cs:variation>
-    <a:lumMod val="50000"/>
-    <a:lumOff val="50000"/>
-  </cs:variation>
 </cs:colorStyle>
 </file>
 
 <file path=ppt/charts/style1.xml><?xml version="1.0" encoding="utf-8"?>
-<cs:chartStyle xmlns:cs="http://schemas.microsoft.com/office/drawing/2012/chartStyle" xmlns:a="http://schemas.openxmlformats.org/drawingml/2006/main" id="207">
+<cs:chartStyle xmlns:cs="http://schemas.microsoft.com/office/drawing/2012/chartStyle" xmlns:a="http://schemas.openxmlformats.org/drawingml/2006/main" id="240">
   <cs:axisTitle>
     <cs:lnRef idx="0"/>
     <cs:fillRef idx="0"/>
     <cs:effectRef idx="0"/>
     <cs:fontRef idx="minor">
-      <a:schemeClr val="tx2"/>
+      <a:schemeClr val="tx1">
+        <a:lumMod val="65000"/>
+        <a:lumOff val="35000"/>
+      </a:schemeClr>
     </cs:fontRef>
-    <cs:defRPr sz="1197" b="1" kern="1200"/>
+    <cs:defRPr sz="1000" kern="1200"/>
   </cs:axisTitle>
   <cs:categoryAxis>
     <cs:lnRef idx="0"/>
     <cs:fillRef idx="0"/>
     <cs:effectRef idx="0"/>
     <cs:fontRef idx="minor">
-      <a:schemeClr val="tx2"/>
+      <a:schemeClr val="tx1">
+        <a:lumMod val="65000"/>
+        <a:lumOff val="35000"/>
+      </a:schemeClr>
     </cs:fontRef>
     <cs:spPr>
       <a:ln w="9525" cap="flat" cmpd="sng" algn="ctr">
         <a:solidFill>
-          <a:schemeClr val="tx2">
+          <a:schemeClr val="tx1">
+            <a:lumMod val="25000"/>
+            <a:lumOff val="75000"/>
+          </a:schemeClr>
+        </a:solidFill>
+        <a:round/>
+      </a:ln>
+    </cs:spPr>
+    <cs:defRPr sz="900" kern="1200"/>
+  </cs:categoryAxis>
+  <cs:chartArea mods="allowNoFillOverride allowNoLineOverride">
+    <cs:lnRef idx="0"/>
+    <cs:fillRef idx="0"/>
+    <cs:effectRef idx="0"/>
+    <cs:fontRef idx="minor">
+      <a:schemeClr val="tx1"/>
+    </cs:fontRef>
+    <cs:spPr>
+      <a:solidFill>
+        <a:schemeClr val="bg1"/>
+      </a:solidFill>
+      <a:ln w="9525" cap="flat" cmpd="sng" algn="ctr">
+        <a:solidFill>
+          <a:schemeClr val="tx1">
             <a:lumMod val="15000"/>
             <a:lumOff val="85000"/>
           </a:schemeClr>
@@ -3312,47 +1697,28 @@
         <a:round/>
       </a:ln>
     </cs:spPr>
-    <cs:defRPr sz="1197" kern="1200"/>
-  </cs:categoryAxis>
-  <cs:chartArea mods="allowNoFillOverride allowNoLineOverride">
-    <cs:lnRef idx="0"/>
-    <cs:fillRef idx="0"/>
-    <cs:effectRef idx="0"/>
-    <cs:fontRef idx="minor">
-      <a:schemeClr val="tx2"/>
-    </cs:fontRef>
-    <cs:spPr>
-      <a:solidFill>
-        <a:schemeClr val="bg1"/>
-      </a:solidFill>
-      <a:ln w="9525" cap="flat" cmpd="sng" algn="ctr">
-        <a:solidFill>
-          <a:schemeClr val="tx2">
-            <a:lumMod val="15000"/>
-            <a:lumOff val="85000"/>
-          </a:schemeClr>
-        </a:solidFill>
-        <a:round/>
-      </a:ln>
-    </cs:spPr>
-    <cs:defRPr sz="1197" kern="1200"/>
+    <cs:defRPr sz="1000" kern="1200"/>
   </cs:chartArea>
   <cs:dataLabel>
     <cs:lnRef idx="0"/>
     <cs:fillRef idx="0"/>
     <cs:effectRef idx="0"/>
     <cs:fontRef idx="minor">
-      <a:schemeClr val="tx2"/>
+      <a:schemeClr val="tx1">
+        <a:lumMod val="75000"/>
+        <a:lumOff val="25000"/>
+      </a:schemeClr>
     </cs:fontRef>
-    <cs:defRPr sz="1197" kern="1200"/>
+    <cs:defRPr sz="900" kern="1200"/>
   </cs:dataLabel>
   <cs:dataLabelCallout>
     <cs:lnRef idx="0"/>
     <cs:fillRef idx="0"/>
     <cs:effectRef idx="0"/>
     <cs:fontRef idx="minor">
-      <a:schemeClr val="dk2">
-        <a:lumMod val="75000"/>
+      <a:schemeClr val="dk1">
+        <a:lumMod val="65000"/>
+        <a:lumOff val="35000"/>
       </a:schemeClr>
     </cs:fontRef>
     <cs:spPr>
@@ -3368,42 +1734,42 @@
         </a:solidFill>
       </a:ln>
     </cs:spPr>
-    <cs:defRPr sz="1197" kern="1200"/>
+    <cs:defRPr sz="900" kern="1200"/>
     <cs:bodyPr rot="0" spcFirstLastPara="1" vertOverflow="clip" horzOverflow="clip" vert="horz" wrap="square" lIns="36576" tIns="18288" rIns="36576" bIns="18288" anchor="ctr" anchorCtr="1">
       <a:spAutoFit/>
     </cs:bodyPr>
   </cs:dataLabelCallout>
   <cs:dataPoint>
     <cs:lnRef idx="0"/>
-    <cs:fillRef idx="3">
+    <cs:fillRef idx="1">
       <cs:styleClr val="auto"/>
     </cs:fillRef>
-    <cs:effectRef idx="2"/>
+    <cs:effectRef idx="0"/>
     <cs:fontRef idx="minor">
-      <a:schemeClr val="tx2"/>
+      <a:schemeClr val="tx1"/>
     </cs:fontRef>
   </cs:dataPoint>
   <cs:dataPoint3D>
     <cs:lnRef idx="0"/>
-    <cs:fillRef idx="3">
+    <cs:fillRef idx="1">
       <cs:styleClr val="auto"/>
     </cs:fillRef>
-    <cs:effectRef idx="2"/>
+    <cs:effectRef idx="0"/>
     <cs:fontRef idx="minor">
-      <a:schemeClr val="tx2"/>
+      <a:schemeClr val="tx1"/>
     </cs:fontRef>
   </cs:dataPoint3D>
   <cs:dataPointLine>
     <cs:lnRef idx="0">
       <cs:styleClr val="auto"/>
     </cs:lnRef>
-    <cs:fillRef idx="3"/>
-    <cs:effectRef idx="2"/>
+    <cs:fillRef idx="1"/>
+    <cs:effectRef idx="0"/>
     <cs:fontRef idx="minor">
-      <a:schemeClr val="tx2"/>
+      <a:schemeClr val="tx1"/>
     </cs:fontRef>
     <cs:spPr>
-      <a:ln w="31750" cap="rnd">
+      <a:ln w="19050" cap="rnd">
         <a:solidFill>
           <a:schemeClr val="phClr"/>
         </a:solidFill>
@@ -3412,32 +1778,33 @@
     </cs:spPr>
   </cs:dataPointLine>
   <cs:dataPointMarker>
-    <cs:lnRef idx="0"/>
-    <cs:fillRef idx="3">
+    <cs:lnRef idx="0">
+      <cs:styleClr val="auto"/>
+    </cs:lnRef>
+    <cs:fillRef idx="1">
       <cs:styleClr val="auto"/>
     </cs:fillRef>
-    <cs:effectRef idx="2"/>
+    <cs:effectRef idx="0"/>
     <cs:fontRef idx="minor">
-      <a:schemeClr val="tx2"/>
+      <a:schemeClr val="tx1"/>
     </cs:fontRef>
     <cs:spPr>
-      <a:ln w="12700">
+      <a:ln w="9525">
         <a:solidFill>
-          <a:schemeClr val="lt2"/>
+          <a:schemeClr val="phClr"/>
         </a:solidFill>
-        <a:round/>
       </a:ln>
     </cs:spPr>
   </cs:dataPointMarker>
-  <cs:dataPointMarkerLayout symbol="circle" size="6"/>
+  <cs:dataPointMarkerLayout symbol="circle" size="5"/>
   <cs:dataPointWireframe>
     <cs:lnRef idx="0">
       <cs:styleClr val="auto"/>
     </cs:lnRef>
-    <cs:fillRef idx="3"/>
-    <cs:effectRef idx="2"/>
+    <cs:fillRef idx="0"/>
+    <cs:effectRef idx="0"/>
     <cs:fontRef idx="minor">
-      <a:schemeClr val="tx2"/>
+      <a:schemeClr val="dk1"/>
     </cs:fontRef>
     <cs:spPr>
       <a:ln w="9525" cap="rnd">
@@ -3453,41 +1820,47 @@
     <cs:fillRef idx="0"/>
     <cs:effectRef idx="0"/>
     <cs:fontRef idx="minor">
-      <a:schemeClr val="tx2"/>
+      <a:schemeClr val="tx1">
+        <a:lumMod val="65000"/>
+        <a:lumOff val="35000"/>
+      </a:schemeClr>
     </cs:fontRef>
     <cs:spPr>
-      <a:ln w="9525">
+      <a:noFill/>
+      <a:ln w="9525" cap="flat" cmpd="sng" algn="ctr">
         <a:solidFill>
-          <a:schemeClr val="tx2">
+          <a:schemeClr val="tx1">
             <a:lumMod val="15000"/>
             <a:lumOff val="85000"/>
           </a:schemeClr>
         </a:solidFill>
+        <a:round/>
       </a:ln>
     </cs:spPr>
-    <cs:defRPr sz="1197" kern="1200"/>
+    <cs:defRPr sz="900" kern="1200"/>
   </cs:dataTable>
   <cs:downBar>
     <cs:lnRef idx="0"/>
     <cs:fillRef idx="0"/>
     <cs:effectRef idx="0"/>
     <cs:fontRef idx="minor">
-      <a:schemeClr val="dk1"/>
+      <a:schemeClr val="tx1"/>
     </cs:fontRef>
     <cs:spPr>
       <a:solidFill>
         <a:schemeClr val="dk1">
-          <a:lumMod val="65000"/>
-          <a:lumOff val="35000"/>
+          <a:lumMod val="75000"/>
+          <a:lumOff val="25000"/>
         </a:schemeClr>
       </a:solidFill>
-      <a:ln w="9525">
+      <a:ln w="9525" cap="flat" cmpd="sng" algn="ctr">
         <a:solidFill>
           <a:schemeClr val="tx1">
             <a:lumMod val="65000"/>
             <a:lumOff val="35000"/>
           </a:schemeClr>
         </a:solidFill>
+        <a:round/>
       </a:ln>
     </cs:spPr>
   </cs:downBar>
@@ -3496,17 +1869,17 @@
     <cs:fillRef idx="0"/>
     <cs:effectRef idx="0"/>
     <cs:fontRef idx="minor">
-      <a:schemeClr val="tx2"/>
+      <a:schemeClr val="tx1"/>
     </cs:fontRef>
     <cs:spPr>
-      <a:ln w="9525">
+      <a:ln w="9525" cap="flat" cmpd="sng" algn="ctr">
         <a:solidFill>
-          <a:schemeClr val="tx2">
-            <a:lumMod val="60000"/>
-            <a:lumOff val="40000"/>
+          <a:schemeClr val="tx1">
+            <a:lumMod val="35000"/>
+            <a:lumOff val="65000"/>
           </a:schemeClr>
         </a:solidFill>
-        <a:prstDash val="dash"/>
+        <a:round/>
       </a:ln>
     </cs:spPr>
   </cs:dropLine>
@@ -3515,14 +1888,14 @@
     <cs:fillRef idx="0"/>
     <cs:effectRef idx="0"/>
     <cs:fontRef idx="minor">
-      <a:schemeClr val="tx2"/>
+      <a:schemeClr val="tx1"/>
     </cs:fontRef>
     <cs:spPr>
-      <a:ln w="9525">
+      <a:ln w="9525" cap="flat" cmpd="sng" algn="ctr">
         <a:solidFill>
-          <a:schemeClr val="tx2">
-            <a:lumMod val="75000"/>
-            <a:lumOff val="25000"/>
+          <a:schemeClr val="tx1">
+            <a:lumMod val="65000"/>
+            <a:lumOff val="35000"/>
           </a:schemeClr>
         </a:solidFill>
         <a:round/>
@@ -3534,20 +1907,26 @@
     <cs:fillRef idx="0"/>
     <cs:effectRef idx="0"/>
     <cs:fontRef idx="minor">
-      <a:schemeClr val="tx2"/>
+      <a:schemeClr val="tx1"/>
     </cs:fontRef>
+    <cs:spPr>
+      <a:noFill/>
+      <a:ln>
+        <a:noFill/>
+      </a:ln>
+    </cs:spPr>
   </cs:floor>
   <cs:gridlineMajor>
     <cs:lnRef idx="0"/>
     <cs:fillRef idx="0"/>
     <cs:effectRef idx="0"/>
     <cs:fontRef idx="minor">
-      <a:schemeClr val="tx2"/>
+      <a:schemeClr val="tx1"/>
     </cs:fontRef>
     <cs:spPr>
       <a:ln w="9525" cap="flat" cmpd="sng" algn="ctr">
         <a:solidFill>
-          <a:schemeClr val="tx2">
+          <a:schemeClr val="tx1">
             <a:lumMod val="15000"/>
             <a:lumOff val="85000"/>
           </a:schemeClr>
@@ -3561,16 +1940,17 @@
     <cs:fillRef idx="0"/>
     <cs:effectRef idx="0"/>
     <cs:fontRef idx="minor">
-      <a:schemeClr val="tx2"/>
+      <a:schemeClr val="tx1"/>
     </cs:fontRef>
     <cs:spPr>
-      <a:ln>
+      <a:ln w="9525" cap="flat" cmpd="sng" algn="ctr">
         <a:solidFill>
-          <a:schemeClr val="tx2">
+          <a:schemeClr val="tx1">
             <a:lumMod val="5000"/>
             <a:lumOff val="95000"/>
           </a:schemeClr>
         </a:solidFill>
+        <a:round/>
       </a:ln>
     </cs:spPr>
   </cs:gridlineMinor>
@@ -3579,17 +1959,17 @@
     <cs:fillRef idx="0"/>
     <cs:effectRef idx="0"/>
     <cs:fontRef idx="minor">
-      <a:schemeClr val="tx2"/>
+      <a:schemeClr val="tx1"/>
     </cs:fontRef>
     <cs:spPr>
-      <a:ln w="9525">
+      <a:ln w="9525" cap="flat" cmpd="sng" algn="ctr">
         <a:solidFill>
-          <a:schemeClr val="tx2">
-            <a:lumMod val="60000"/>
-            <a:lumOff val="40000"/>
+          <a:schemeClr val="tx1">
+            <a:lumMod val="50000"/>
+            <a:lumOff val="50000"/>
           </a:schemeClr>
         </a:solidFill>
-        <a:prstDash val="dash"/>
+        <a:round/>
       </a:ln>
     </cs:spPr>
   </cs:hiLoLine>
@@ -3598,16 +1978,17 @@
     <cs:fillRef idx="0"/>
     <cs:effectRef idx="0"/>
     <cs:fontRef idx="minor">
-      <a:schemeClr val="tx2"/>
+      <a:schemeClr val="tx1"/>
     </cs:fontRef>
     <cs:spPr>
-      <a:ln w="9525">
+      <a:ln w="9525" cap="flat" cmpd="sng" algn="ctr">
         <a:solidFill>
-          <a:schemeClr val="tx2">
+          <a:schemeClr val="tx1">
             <a:lumMod val="35000"/>
             <a:lumOff val="65000"/>
           </a:schemeClr>
         </a:solidFill>
+        <a:round/>
       </a:ln>
     </cs:spPr>
   </cs:leaderLine>
@@ -3616,24 +1997,27 @@
     <cs:fillRef idx="0"/>
     <cs:effectRef idx="0"/>
     <cs:fontRef idx="minor">
-      <a:schemeClr val="tx2"/>
+      <a:schemeClr val="tx1">
+        <a:lumMod val="65000"/>
+        <a:lumOff val="35000"/>
+      </a:schemeClr>
     </cs:fontRef>
-    <cs:defRPr sz="1197" kern="1200"/>
+    <cs:defRPr sz="900" kern="1200"/>
   </cs:legend>
-  <cs:plotArea>
+  <cs:plotArea mods="allowNoFillOverride allowNoLineOverride">
     <cs:lnRef idx="0"/>
     <cs:fillRef idx="0"/>
     <cs:effectRef idx="0"/>
     <cs:fontRef idx="minor">
-      <a:schemeClr val="tx2"/>
+      <a:schemeClr val="tx1"/>
     </cs:fontRef>
   </cs:plotArea>
-  <cs:plotArea3D>
+  <cs:plotArea3D mods="allowNoFillOverride allowNoLineOverride">
     <cs:lnRef idx="0"/>
     <cs:fillRef idx="0"/>
     <cs:effectRef idx="0"/>
     <cs:fontRef idx="minor">
-      <a:schemeClr val="tx2"/>
+      <a:schemeClr val="tx1"/>
     </cs:fontRef>
   </cs:plotArea3D>
   <cs:seriesAxis>
@@ -3641,37 +2025,29 @@
     <cs:fillRef idx="0"/>
     <cs:effectRef idx="0"/>
     <cs:fontRef idx="minor">
-      <a:schemeClr val="tx2"/>
+      <a:schemeClr val="tx1">
+        <a:lumMod val="65000"/>
+        <a:lumOff val="35000"/>
+      </a:schemeClr>
     </cs:fontRef>
-    <cs:spPr>
-      <a:ln w="9525" cap="flat" cmpd="sng" algn="ctr">
-        <a:solidFill>
-          <a:schemeClr val="tx2">
-            <a:lumMod val="15000"/>
-            <a:lumOff val="85000"/>
-          </a:schemeClr>
-        </a:solidFill>
-        <a:round/>
-      </a:ln>
-    </cs:spPr>
-    <cs:defRPr sz="1197" kern="1200"/>
+    <cs:defRPr sz="900" kern="1200"/>
   </cs:seriesAxis>
   <cs:seriesLine>
     <cs:lnRef idx="0"/>
     <cs:fillRef idx="0"/>
     <cs:effectRef idx="0"/>
     <cs:fontRef idx="minor">
-      <a:schemeClr val="tx2"/>
+      <a:schemeClr val="tx1"/>
     </cs:fontRef>
     <cs:spPr>
-      <a:ln w="9525">
+      <a:ln w="9525" cap="flat" cmpd="sng" algn="ctr">
         <a:solidFill>
-          <a:schemeClr val="tx2">
-            <a:lumMod val="60000"/>
-            <a:lumOff val="40000"/>
+          <a:schemeClr val="tx1">
+            <a:lumMod val="35000"/>
+            <a:lumOff val="65000"/>
           </a:schemeClr>
         </a:solidFill>
-        <a:prstDash val="dash"/>
+        <a:round/>
       </a:ln>
     </cs:spPr>
   </cs:seriesLine>
@@ -3680,9 +2056,12 @@
     <cs:fillRef idx="0"/>
     <cs:effectRef idx="0"/>
     <cs:fontRef idx="minor">
-      <a:schemeClr val="tx2"/>
+      <a:schemeClr val="tx1">
+        <a:lumMod val="65000"/>
+        <a:lumOff val="35000"/>
+      </a:schemeClr>
     </cs:fontRef>
-    <cs:defRPr sz="2128" b="1" kern="1200"/>
+    <cs:defRPr sz="1400" b="0" kern="1200" spc="0" baseline="0"/>
   </cs:title>
   <cs:trendline>
     <cs:lnRef idx="0">
@@ -3691,14 +2070,14 @@
     <cs:fillRef idx="0"/>
     <cs:effectRef idx="0"/>
     <cs:fontRef idx="minor">
-      <a:schemeClr val="tx2"/>
+      <a:schemeClr val="tx1"/>
     </cs:fontRef>
     <cs:spPr>
       <a:ln w="19050" cap="rnd">
         <a:solidFill>
           <a:schemeClr val="phClr"/>
         </a:solidFill>
-        <a:prstDash val="sysDash"/>
+        <a:prstDash val="sysDot"/>
       </a:ln>
     </cs:spPr>
   </cs:trendline>
@@ -3707,28 +2086,32 @@
     <cs:fillRef idx="0"/>
     <cs:effectRef idx="0"/>
     <cs:fontRef idx="minor">
-      <a:schemeClr val="tx2"/>
+      <a:schemeClr val="tx1">
+        <a:lumMod val="65000"/>
+        <a:lumOff val="35000"/>
+      </a:schemeClr>
     </cs:fontRef>
-    <cs:defRPr sz="1197" kern="1200"/>
+    <cs:defRPr sz="900" kern="1200"/>
   </cs:trendlineLabel>
   <cs:upBar>
     <cs:lnRef idx="0"/>
     <cs:fillRef idx="0"/>
     <cs:effectRef idx="0"/>
     <cs:fontRef idx="minor">
-      <a:schemeClr val="tx2"/>
+      <a:schemeClr val="tx1"/>
     </cs:fontRef>
     <cs:spPr>
       <a:solidFill>
         <a:schemeClr val="lt1"/>
       </a:solidFill>
-      <a:ln w="9525">
+      <a:ln w="9525" cap="flat" cmpd="sng" algn="ctr">
         <a:solidFill>
           <a:schemeClr val="tx1">
-            <a:lumMod val="15000"/>
-            <a:lumOff val="85000"/>
+            <a:lumMod val="65000"/>
+            <a:lumOff val="35000"/>
           </a:schemeClr>
         </a:solidFill>
+        <a:round/>
       </a:ln>
     </cs:spPr>
   </cs:upBar>
@@ -3737,43 +2120,92 @@
     <cs:fillRef idx="0"/>
     <cs:effectRef idx="0"/>
     <cs:fontRef idx="minor">
-      <a:schemeClr val="tx2"/>
+      <a:schemeClr val="tx1">
+        <a:lumMod val="65000"/>
+        <a:lumOff val="35000"/>
+      </a:schemeClr>
     </cs:fontRef>
-    <cs:defRPr sz="1197" kern="1200"/>
+    <cs:spPr>
+      <a:ln w="9525" cap="flat" cmpd="sng" algn="ctr">
+        <a:solidFill>
+          <a:schemeClr val="tx1">
+            <a:lumMod val="25000"/>
+            <a:lumOff val="75000"/>
+          </a:schemeClr>
+        </a:solidFill>
+        <a:round/>
+      </a:ln>
+    </cs:spPr>
+    <cs:defRPr sz="900" kern="1200"/>
   </cs:valueAxis>
   <cs:wall>
     <cs:lnRef idx="0"/>
     <cs:fillRef idx="0"/>
     <cs:effectRef idx="0"/>
     <cs:fontRef idx="minor">
-      <a:schemeClr val="tx2"/>
+      <a:schemeClr val="tx1"/>
     </cs:fontRef>
+    <cs:spPr>
+      <a:noFill/>
+      <a:ln>
+        <a:noFill/>
+      </a:ln>
+    </cs:spPr>
   </cs:wall>
 </cs:chartStyle>
 </file>
 
 <file path=ppt/charts/style2.xml><?xml version="1.0" encoding="utf-8"?>
-<cs:chartStyle xmlns:cs="http://schemas.microsoft.com/office/drawing/2012/chartStyle" xmlns:a="http://schemas.openxmlformats.org/drawingml/2006/main" id="207">
+<cs:chartStyle xmlns:cs="http://schemas.microsoft.com/office/drawing/2012/chartStyle" xmlns:a="http://schemas.openxmlformats.org/drawingml/2006/main" id="240">
   <cs:axisTitle>
     <cs:lnRef idx="0"/>
     <cs:fillRef idx="0"/>
     <cs:effectRef idx="0"/>
     <cs:fontRef idx="minor">
-      <a:schemeClr val="tx2"/>
+      <a:schemeClr val="tx1">
+        <a:lumMod val="65000"/>
+        <a:lumOff val="35000"/>
+      </a:schemeClr>
     </cs:fontRef>
-    <cs:defRPr sz="1197" b="1" kern="1200"/>
+    <cs:defRPr sz="1000" kern="1200"/>
   </cs:axisTitle>
   <cs:categoryAxis>
     <cs:lnRef idx="0"/>
     <cs:fillRef idx="0"/>
     <cs:effectRef idx="0"/>
     <cs:fontRef idx="minor">
-      <a:schemeClr val="tx2"/>
+      <a:schemeClr val="tx1">
+        <a:lumMod val="65000"/>
+        <a:lumOff val="35000"/>
+      </a:schemeClr>
     </cs:fontRef>
     <cs:spPr>
       <a:ln w="9525" cap="flat" cmpd="sng" algn="ctr">
         <a:solidFill>
-          <a:schemeClr val="tx2">
+          <a:schemeClr val="tx1">
+            <a:lumMod val="25000"/>
+            <a:lumOff val="75000"/>
+          </a:schemeClr>
+        </a:solidFill>
+        <a:round/>
+      </a:ln>
+    </cs:spPr>
+    <cs:defRPr sz="900" kern="1200"/>
+  </cs:categoryAxis>
+  <cs:chartArea mods="allowNoFillOverride allowNoLineOverride">
+    <cs:lnRef idx="0"/>
+    <cs:fillRef idx="0"/>
+    <cs:effectRef idx="0"/>
+    <cs:fontRef idx="minor">
+      <a:schemeClr val="tx1"/>
+    </cs:fontRef>
+    <cs:spPr>
+      <a:solidFill>
+        <a:schemeClr val="bg1"/>
+      </a:solidFill>
+      <a:ln w="9525" cap="flat" cmpd="sng" algn="ctr">
+        <a:solidFill>
+          <a:schemeClr val="tx1">
             <a:lumMod val="15000"/>
             <a:lumOff val="85000"/>
           </a:schemeClr>
@@ -3781,47 +2213,28 @@
         <a:round/>
       </a:ln>
     </cs:spPr>
-    <cs:defRPr sz="1197" kern="1200"/>
-  </cs:categoryAxis>
-  <cs:chartArea mods="allowNoFillOverride allowNoLineOverride">
-    <cs:lnRef idx="0"/>
-    <cs:fillRef idx="0"/>
-    <cs:effectRef idx="0"/>
-    <cs:fontRef idx="minor">
-      <a:schemeClr val="tx2"/>
-    </cs:fontRef>
-    <cs:spPr>
-      <a:solidFill>
-        <a:schemeClr val="bg1"/>
-      </a:solidFill>
-      <a:ln w="9525" cap="flat" cmpd="sng" algn="ctr">
-        <a:solidFill>
-          <a:schemeClr val="tx2">
-            <a:lumMod val="15000"/>
-            <a:lumOff val="85000"/>
-          </a:schemeClr>
-        </a:solidFill>
-        <a:round/>
-      </a:ln>
-    </cs:spPr>
-    <cs:defRPr sz="1197" kern="1200"/>
+    <cs:defRPr sz="1000" kern="1200"/>
   </cs:chartArea>
   <cs:dataLabel>
     <cs:lnRef idx="0"/>
     <cs:fillRef idx="0"/>
     <cs:effectRef idx="0"/>
     <cs:fontRef idx="minor">
-      <a:schemeClr val="tx2"/>
+      <a:schemeClr val="tx1">
+        <a:lumMod val="75000"/>
+        <a:lumOff val="25000"/>
+      </a:schemeClr>
     </cs:fontRef>
-    <cs:defRPr sz="1197" kern="1200"/>
+    <cs:defRPr sz="900" kern="1200"/>
   </cs:dataLabel>
   <cs:dataLabelCallout>
     <cs:lnRef idx="0"/>
     <cs:fillRef idx="0"/>
     <cs:effectRef idx="0"/>
     <cs:fontRef idx="minor">
-      <a:schemeClr val="dk2">
-        <a:lumMod val="75000"/>
+      <a:schemeClr val="dk1">
+        <a:lumMod val="65000"/>
+        <a:lumOff val="35000"/>
       </a:schemeClr>
     </cs:fontRef>
     <cs:spPr>
@@ -3837,42 +2250,42 @@
         </a:solidFill>
       </a:ln>
     </cs:spPr>
-    <cs:defRPr sz="1197" kern="1200"/>
+    <cs:defRPr sz="900" kern="1200"/>
     <cs:bodyPr rot="0" spcFirstLastPara="1" vertOverflow="clip" horzOverflow="clip" vert="horz" wrap="square" lIns="36576" tIns="18288" rIns="36576" bIns="18288" anchor="ctr" anchorCtr="1">
       <a:spAutoFit/>
     </cs:bodyPr>
   </cs:dataLabelCallout>
   <cs:dataPoint>
     <cs:lnRef idx="0"/>
-    <cs:fillRef idx="3">
+    <cs:fillRef idx="1">
       <cs:styleClr val="auto"/>
     </cs:fillRef>
-    <cs:effectRef idx="2"/>
+    <cs:effectRef idx="0"/>
     <cs:fontRef idx="minor">
-      <a:schemeClr val="tx2"/>
+      <a:schemeClr val="tx1"/>
     </cs:fontRef>
   </cs:dataPoint>
   <cs:dataPoint3D>
     <cs:lnRef idx="0"/>
-    <cs:fillRef idx="3">
+    <cs:fillRef idx="1">
       <cs:styleClr val="auto"/>
     </cs:fillRef>
-    <cs:effectRef idx="2"/>
+    <cs:effectRef idx="0"/>
     <cs:fontRef idx="minor">
-      <a:schemeClr val="tx2"/>
+      <a:schemeClr val="tx1"/>
     </cs:fontRef>
   </cs:dataPoint3D>
   <cs:dataPointLine>
     <cs:lnRef idx="0">
       <cs:styleClr val="auto"/>
     </cs:lnRef>
-    <cs:fillRef idx="3"/>
-    <cs:effectRef idx="2"/>
+    <cs:fillRef idx="1"/>
+    <cs:effectRef idx="0"/>
     <cs:fontRef idx="minor">
-      <a:schemeClr val="tx2"/>
+      <a:schemeClr val="tx1"/>
     </cs:fontRef>
     <cs:spPr>
-      <a:ln w="31750" cap="rnd">
+      <a:ln w="19050" cap="rnd">
         <a:solidFill>
           <a:schemeClr val="phClr"/>
         </a:solidFill>
@@ -3881,32 +2294,33 @@
     </cs:spPr>
   </cs:dataPointLine>
   <cs:dataPointMarker>
-    <cs:lnRef idx="0"/>
-    <cs:fillRef idx="3">
+    <cs:lnRef idx="0">
+      <cs:styleClr val="auto"/>
+    </cs:lnRef>
+    <cs:fillRef idx="1">
       <cs:styleClr val="auto"/>
     </cs:fillRef>
-    <cs:effectRef idx="2"/>
+    <cs:effectRef idx="0"/>
     <cs:fontRef idx="minor">
-      <a:schemeClr val="tx2"/>
+      <a:schemeClr val="tx1"/>
     </cs:fontRef>
     <cs:spPr>
-      <a:ln w="12700">
+      <a:ln w="9525">
         <a:solidFill>
-          <a:schemeClr val="lt2"/>
+          <a:schemeClr val="phClr"/>
         </a:solidFill>
-        <a:round/>
       </a:ln>
     </cs:spPr>
   </cs:dataPointMarker>
-  <cs:dataPointMarkerLayout symbol="circle" size="6"/>
+  <cs:dataPointMarkerLayout symbol="circle" size="5"/>
   <cs:dataPointWireframe>
     <cs:lnRef idx="0">
       <cs:styleClr val="auto"/>
     </cs:lnRef>
-    <cs:fillRef idx="3"/>
-    <cs:effectRef idx="2"/>
+    <cs:fillRef idx="0"/>
+    <cs:effectRef idx="0"/>
     <cs:fontRef idx="minor">
-      <a:schemeClr val="tx2"/>
+      <a:schemeClr val="dk1"/>
     </cs:fontRef>
     <cs:spPr>
       <a:ln w="9525" cap="rnd">
@@ -3922,41 +2336,47 @@
     <cs:fillRef idx="0"/>
     <cs:effectRef idx="0"/>
     <cs:fontRef idx="minor">
-      <a:schemeClr val="tx2"/>
+      <a:schemeClr val="tx1">
+        <a:lumMod val="65000"/>
+        <a:lumOff val="35000"/>
+      </a:schemeClr>
     </cs:fontRef>
     <cs:spPr>
-      <a:ln w="9525">
+      <a:noFill/>
+      <a:ln w="9525" cap="flat" cmpd="sng" algn="ctr">
         <a:solidFill>
-          <a:schemeClr val="tx2">
+          <a:schemeClr val="tx1">
             <a:lumMod val="15000"/>
             <a:lumOff val="85000"/>
           </a:schemeClr>
         </a:solidFill>
+        <a:round/>
       </a:ln>
     </cs:spPr>
-    <cs:defRPr sz="1197" kern="1200"/>
+    <cs:defRPr sz="900" kern="1200"/>
   </cs:dataTable>
   <cs:downBar>
     <cs:lnRef idx="0"/>
     <cs:fillRef idx="0"/>
     <cs:effectRef idx="0"/>
     <cs:fontRef idx="minor">
-      <a:schemeClr val="dk1"/>
+      <a:schemeClr val="tx1"/>
     </cs:fontRef>
     <cs:spPr>
       <a:solidFill>
         <a:schemeClr val="dk1">
-          <a:lumMod val="65000"/>
-          <a:lumOff val="35000"/>
+          <a:lumMod val="75000"/>
+          <a:lumOff val="25000"/>
         </a:schemeClr>
       </a:solidFill>
-      <a:ln w="9525">
+      <a:ln w="9525" cap="flat" cmpd="sng" algn="ctr">
         <a:solidFill>
           <a:schemeClr val="tx1">
             <a:lumMod val="65000"/>
             <a:lumOff val="35000"/>
           </a:schemeClr>
         </a:solidFill>
+        <a:round/>
       </a:ln>
     </cs:spPr>
   </cs:downBar>
@@ -3965,17 +2385,17 @@
     <cs:fillRef idx="0"/>
     <cs:effectRef idx="0"/>
     <cs:fontRef idx="minor">
-      <a:schemeClr val="tx2"/>
+      <a:schemeClr val="tx1"/>
     </cs:fontRef>
     <cs:spPr>
-      <a:ln w="9525">
+      <a:ln w="9525" cap="flat" cmpd="sng" algn="ctr">
         <a:solidFill>
-          <a:schemeClr val="tx2">
-            <a:lumMod val="60000"/>
-            <a:lumOff val="40000"/>
+          <a:schemeClr val="tx1">
+            <a:lumMod val="35000"/>
+            <a:lumOff val="65000"/>
           </a:schemeClr>
         </a:solidFill>
-        <a:prstDash val="dash"/>
+        <a:round/>
       </a:ln>
     </cs:spPr>
   </cs:dropLine>
@@ -3984,14 +2404,14 @@
     <cs:fillRef idx="0"/>
     <cs:effectRef idx="0"/>
     <cs:fontRef idx="minor">
-      <a:schemeClr val="tx2"/>
+      <a:schemeClr val="tx1"/>
     </cs:fontRef>
     <cs:spPr>
-      <a:ln w="9525">
+      <a:ln w="9525" cap="flat" cmpd="sng" algn="ctr">
         <a:solidFill>
-          <a:schemeClr val="tx2">
-            <a:lumMod val="75000"/>
-            <a:lumOff val="25000"/>
+          <a:schemeClr val="tx1">
+            <a:lumMod val="65000"/>
+            <a:lumOff val="35000"/>
           </a:schemeClr>
         </a:solidFill>
         <a:round/>
@@ -4003,20 +2423,26 @@
     <cs:fillRef idx="0"/>
     <cs:effectRef idx="0"/>
     <cs:fontRef idx="minor">
-      <a:schemeClr val="tx2"/>
+      <a:schemeClr val="tx1"/>
     </cs:fontRef>
+    <cs:spPr>
+      <a:noFill/>
+      <a:ln>
+        <a:noFill/>
+      </a:ln>
+    </cs:spPr>
   </cs:floor>
   <cs:gridlineMajor>
     <cs:lnRef idx="0"/>
     <cs:fillRef idx="0"/>
     <cs:effectRef idx="0"/>
     <cs:fontRef idx="minor">
-      <a:schemeClr val="tx2"/>
+      <a:schemeClr val="tx1"/>
     </cs:fontRef>
     <cs:spPr>
       <a:ln w="9525" cap="flat" cmpd="sng" algn="ctr">
         <a:solidFill>
-          <a:schemeClr val="tx2">
+          <a:schemeClr val="tx1">
             <a:lumMod val="15000"/>
             <a:lumOff val="85000"/>
           </a:schemeClr>
@@ -4030,16 +2456,17 @@
     <cs:fillRef idx="0"/>
     <cs:effectRef idx="0"/>
     <cs:fontRef idx="minor">
-      <a:schemeClr val="tx2"/>
+      <a:schemeClr val="tx1"/>
     </cs:fontRef>
     <cs:spPr>
-      <a:ln>
+      <a:ln w="9525" cap="flat" cmpd="sng" algn="ctr">
         <a:solidFill>
-          <a:schemeClr val="tx2">
+          <a:schemeClr val="tx1">
             <a:lumMod val="5000"/>
             <a:lumOff val="95000"/>
           </a:schemeClr>
         </a:solidFill>
+        <a:round/>
       </a:ln>
     </cs:spPr>
   </cs:gridlineMinor>
@@ -4048,17 +2475,17 @@
     <cs:fillRef idx="0"/>
     <cs:effectRef idx="0"/>
     <cs:fontRef idx="minor">
-      <a:schemeClr val="tx2"/>
+      <a:schemeClr val="tx1"/>
     </cs:fontRef>
     <cs:spPr>
-      <a:ln w="9525">
+      <a:ln w="9525" cap="flat" cmpd="sng" algn="ctr">
         <a:solidFill>
-          <a:schemeClr val="tx2">
-            <a:lumMod val="60000"/>
-            <a:lumOff val="40000"/>
+          <a:schemeClr val="tx1">
+            <a:lumMod val="50000"/>
+            <a:lumOff val="50000"/>
           </a:schemeClr>
         </a:solidFill>
-        <a:prstDash val="dash"/>
+        <a:round/>
       </a:ln>
     </cs:spPr>
   </cs:hiLoLine>
@@ -4067,16 +2494,17 @@
     <cs:fillRef idx="0"/>
     <cs:effectRef idx="0"/>
     <cs:fontRef idx="minor">
-      <a:schemeClr val="tx2"/>
+      <a:schemeClr val="tx1"/>
     </cs:fontRef>
     <cs:spPr>
-      <a:ln w="9525">
+      <a:ln w="9525" cap="flat" cmpd="sng" algn="ctr">
         <a:solidFill>
-          <a:schemeClr val="tx2">
+          <a:schemeClr val="tx1">
             <a:lumMod val="35000"/>
             <a:lumOff val="65000"/>
           </a:schemeClr>
         </a:solidFill>
+        <a:round/>
       </a:ln>
     </cs:spPr>
   </cs:leaderLine>
@@ -4085,24 +2513,27 @@
     <cs:fillRef idx="0"/>
     <cs:effectRef idx="0"/>
     <cs:fontRef idx="minor">
-      <a:schemeClr val="tx2"/>
+      <a:schemeClr val="tx1">
+        <a:lumMod val="65000"/>
+        <a:lumOff val="35000"/>
+      </a:schemeClr>
     </cs:fontRef>
-    <cs:defRPr sz="1197" kern="1200"/>
+    <cs:defRPr sz="900" kern="1200"/>
   </cs:legend>
-  <cs:plotArea>
+  <cs:plotArea mods="allowNoFillOverride allowNoLineOverride">
     <cs:lnRef idx="0"/>
     <cs:fillRef idx="0"/>
     <cs:effectRef idx="0"/>
     <cs:fontRef idx="minor">
-      <a:schemeClr val="tx2"/>
+      <a:schemeClr val="tx1"/>
     </cs:fontRef>
   </cs:plotArea>
-  <cs:plotArea3D>
+  <cs:plotArea3D mods="allowNoFillOverride allowNoLineOverride">
     <cs:lnRef idx="0"/>
     <cs:fillRef idx="0"/>
     <cs:effectRef idx="0"/>
     <cs:fontRef idx="minor">
-      <a:schemeClr val="tx2"/>
+      <a:schemeClr val="tx1"/>
     </cs:fontRef>
   </cs:plotArea3D>
   <cs:seriesAxis>
@@ -4110,37 +2541,29 @@
     <cs:fillRef idx="0"/>
     <cs:effectRef idx="0"/>
     <cs:fontRef idx="minor">
-      <a:schemeClr val="tx2"/>
+      <a:schemeClr val="tx1">
+        <a:lumMod val="65000"/>
+        <a:lumOff val="35000"/>
+      </a:schemeClr>
     </cs:fontRef>
-    <cs:spPr>
-      <a:ln w="9525" cap="flat" cmpd="sng" algn="ctr">
-        <a:solidFill>
-          <a:schemeClr val="tx2">
-            <a:lumMod val="15000"/>
-            <a:lumOff val="85000"/>
-          </a:schemeClr>
-        </a:solidFill>
-        <a:round/>
-      </a:ln>
-    </cs:spPr>
-    <cs:defRPr sz="1197" kern="1200"/>
+    <cs:defRPr sz="900" kern="1200"/>
   </cs:seriesAxis>
   <cs:seriesLine>
     <cs:lnRef idx="0"/>
     <cs:fillRef idx="0"/>
     <cs:effectRef idx="0"/>
     <cs:fontRef idx="minor">
-      <a:schemeClr val="tx2"/>
+      <a:schemeClr val="tx1"/>
     </cs:fontRef>
     <cs:spPr>
-      <a:ln w="9525">
+      <a:ln w="9525" cap="flat" cmpd="sng" algn="ctr">
         <a:solidFill>
-          <a:schemeClr val="tx2">
-            <a:lumMod val="60000"/>
-            <a:lumOff val="40000"/>
+          <a:schemeClr val="tx1">
+            <a:lumMod val="35000"/>
+            <a:lumOff val="65000"/>
           </a:schemeClr>
         </a:solidFill>
-        <a:prstDash val="dash"/>
+        <a:round/>
       </a:ln>
     </cs:spPr>
   </cs:seriesLine>
@@ -4149,9 +2572,12 @@
     <cs:fillRef idx="0"/>
     <cs:effectRef idx="0"/>
     <cs:fontRef idx="minor">
-      <a:schemeClr val="tx2"/>
+      <a:schemeClr val="tx1">
+        <a:lumMod val="65000"/>
+        <a:lumOff val="35000"/>
+      </a:schemeClr>
     </cs:fontRef>
-    <cs:defRPr sz="2128" b="1" kern="1200"/>
+    <cs:defRPr sz="1400" b="0" kern="1200" spc="0" baseline="0"/>
   </cs:title>
   <cs:trendline>
     <cs:lnRef idx="0">
@@ -4160,14 +2586,14 @@
     <cs:fillRef idx="0"/>
     <cs:effectRef idx="0"/>
     <cs:fontRef idx="minor">
-      <a:schemeClr val="tx2"/>
+      <a:schemeClr val="tx1"/>
     </cs:fontRef>
     <cs:spPr>
       <a:ln w="19050" cap="rnd">
         <a:solidFill>
           <a:schemeClr val="phClr"/>
         </a:solidFill>
-        <a:prstDash val="sysDash"/>
+        <a:prstDash val="sysDot"/>
       </a:ln>
     </cs:spPr>
   </cs:trendline>
@@ -4176,28 +2602,32 @@
     <cs:fillRef idx="0"/>
     <cs:effectRef idx="0"/>
     <cs:fontRef idx="minor">
-      <a:schemeClr val="tx2"/>
+      <a:schemeClr val="tx1">
+        <a:lumMod val="65000"/>
+        <a:lumOff val="35000"/>
+      </a:schemeClr>
     </cs:fontRef>
-    <cs:defRPr sz="1197" kern="1200"/>
+    <cs:defRPr sz="900" kern="1200"/>
   </cs:trendlineLabel>
   <cs:upBar>
     <cs:lnRef idx="0"/>
     <cs:fillRef idx="0"/>
     <cs:effectRef idx="0"/>
     <cs:fontRef idx="minor">
-      <a:schemeClr val="tx2"/>
+      <a:schemeClr val="tx1"/>
     </cs:fontRef>
     <cs:spPr>
       <a:solidFill>
         <a:schemeClr val="lt1"/>
       </a:solidFill>
-      <a:ln w="9525">
+      <a:ln w="9525" cap="flat" cmpd="sng" algn="ctr">
         <a:solidFill>
           <a:schemeClr val="tx1">
-            <a:lumMod val="15000"/>
-            <a:lumOff val="85000"/>
+            <a:lumMod val="65000"/>
+            <a:lumOff val="35000"/>
           </a:schemeClr>
         </a:solidFill>
+        <a:round/>
       </a:ln>
     </cs:spPr>
   </cs:upBar>
@@ -4206,43 +2636,92 @@
     <cs:fillRef idx="0"/>
     <cs:effectRef idx="0"/>
     <cs:fontRef idx="minor">
-      <a:schemeClr val="tx2"/>
+      <a:schemeClr val="tx1">
+        <a:lumMod val="65000"/>
+        <a:lumOff val="35000"/>
+      </a:schemeClr>
     </cs:fontRef>
-    <cs:defRPr sz="1197" kern="1200"/>
+    <cs:spPr>
+      <a:ln w="9525" cap="flat" cmpd="sng" algn="ctr">
+        <a:solidFill>
+          <a:schemeClr val="tx1">
+            <a:lumMod val="25000"/>
+            <a:lumOff val="75000"/>
+          </a:schemeClr>
+        </a:solidFill>
+        <a:round/>
+      </a:ln>
+    </cs:spPr>
+    <cs:defRPr sz="900" kern="1200"/>
   </cs:valueAxis>
   <cs:wall>
     <cs:lnRef idx="0"/>
     <cs:fillRef idx="0"/>
     <cs:effectRef idx="0"/>
     <cs:fontRef idx="minor">
-      <a:schemeClr val="tx2"/>
+      <a:schemeClr val="tx1"/>
     </cs:fontRef>
+    <cs:spPr>
+      <a:noFill/>
+      <a:ln>
+        <a:noFill/>
+      </a:ln>
+    </cs:spPr>
   </cs:wall>
 </cs:chartStyle>
 </file>
 
 <file path=ppt/charts/style3.xml><?xml version="1.0" encoding="utf-8"?>
-<cs:chartStyle xmlns:cs="http://schemas.microsoft.com/office/drawing/2012/chartStyle" xmlns:a="http://schemas.openxmlformats.org/drawingml/2006/main" id="207">
+<cs:chartStyle xmlns:cs="http://schemas.microsoft.com/office/drawing/2012/chartStyle" xmlns:a="http://schemas.openxmlformats.org/drawingml/2006/main" id="240">
   <cs:axisTitle>
     <cs:lnRef idx="0"/>
     <cs:fillRef idx="0"/>
     <cs:effectRef idx="0"/>
     <cs:fontRef idx="minor">
-      <a:schemeClr val="tx2"/>
+      <a:schemeClr val="tx1">
+        <a:lumMod val="65000"/>
+        <a:lumOff val="35000"/>
+      </a:schemeClr>
     </cs:fontRef>
-    <cs:defRPr sz="1197" b="1" kern="1200"/>
+    <cs:defRPr sz="1000" kern="1200"/>
   </cs:axisTitle>
   <cs:categoryAxis>
     <cs:lnRef idx="0"/>
     <cs:fillRef idx="0"/>
     <cs:effectRef idx="0"/>
     <cs:fontRef idx="minor">
-      <a:schemeClr val="tx2"/>
+      <a:schemeClr val="tx1">
+        <a:lumMod val="65000"/>
+        <a:lumOff val="35000"/>
+      </a:schemeClr>
     </cs:fontRef>
     <cs:spPr>
       <a:ln w="9525" cap="flat" cmpd="sng" algn="ctr">
         <a:solidFill>
-          <a:schemeClr val="tx2">
+          <a:schemeClr val="tx1">
+            <a:lumMod val="25000"/>
+            <a:lumOff val="75000"/>
+          </a:schemeClr>
+        </a:solidFill>
+        <a:round/>
+      </a:ln>
+    </cs:spPr>
+    <cs:defRPr sz="900" kern="1200"/>
+  </cs:categoryAxis>
+  <cs:chartArea mods="allowNoFillOverride allowNoLineOverride">
+    <cs:lnRef idx="0"/>
+    <cs:fillRef idx="0"/>
+    <cs:effectRef idx="0"/>
+    <cs:fontRef idx="minor">
+      <a:schemeClr val="tx1"/>
+    </cs:fontRef>
+    <cs:spPr>
+      <a:solidFill>
+        <a:schemeClr val="bg1"/>
+      </a:solidFill>
+      <a:ln w="9525" cap="flat" cmpd="sng" algn="ctr">
+        <a:solidFill>
+          <a:schemeClr val="tx1">
             <a:lumMod val="15000"/>
             <a:lumOff val="85000"/>
           </a:schemeClr>
@@ -4250,47 +2729,28 @@
         <a:round/>
       </a:ln>
     </cs:spPr>
-    <cs:defRPr sz="1197" kern="1200"/>
-  </cs:categoryAxis>
-  <cs:chartArea mods="allowNoFillOverride allowNoLineOverride">
-    <cs:lnRef idx="0"/>
-    <cs:fillRef idx="0"/>
-    <cs:effectRef idx="0"/>
-    <cs:fontRef idx="minor">
-      <a:schemeClr val="tx2"/>
-    </cs:fontRef>
-    <cs:spPr>
-      <a:solidFill>
-        <a:schemeClr val="bg1"/>
-      </a:solidFill>
-      <a:ln w="9525" cap="flat" cmpd="sng" algn="ctr">
-        <a:solidFill>
-          <a:schemeClr val="tx2">
-            <a:lumMod val="15000"/>
-            <a:lumOff val="85000"/>
-          </a:schemeClr>
-        </a:solidFill>
-        <a:round/>
-      </a:ln>
-    </cs:spPr>
-    <cs:defRPr sz="1197" kern="1200"/>
+    <cs:defRPr sz="1000" kern="1200"/>
   </cs:chartArea>
   <cs:dataLabel>
     <cs:lnRef idx="0"/>
     <cs:fillRef idx="0"/>
     <cs:effectRef idx="0"/>
     <cs:fontRef idx="minor">
-      <a:schemeClr val="tx2"/>
+      <a:schemeClr val="tx1">
+        <a:lumMod val="75000"/>
+        <a:lumOff val="25000"/>
+      </a:schemeClr>
     </cs:fontRef>
-    <cs:defRPr sz="1197" kern="1200"/>
+    <cs:defRPr sz="900" kern="1200"/>
   </cs:dataLabel>
   <cs:dataLabelCallout>
     <cs:lnRef idx="0"/>
     <cs:fillRef idx="0"/>
     <cs:effectRef idx="0"/>
     <cs:fontRef idx="minor">
-      <a:schemeClr val="dk2">
-        <a:lumMod val="75000"/>
+      <a:schemeClr val="dk1">
+        <a:lumMod val="65000"/>
+        <a:lumOff val="35000"/>
       </a:schemeClr>
     </cs:fontRef>
     <cs:spPr>
@@ -4306,42 +2766,42 @@
         </a:solidFill>
       </a:ln>
     </cs:spPr>
-    <cs:defRPr sz="1197" kern="1200"/>
+    <cs:defRPr sz="900" kern="1200"/>
     <cs:bodyPr rot="0" spcFirstLastPara="1" vertOverflow="clip" horzOverflow="clip" vert="horz" wrap="square" lIns="36576" tIns="18288" rIns="36576" bIns="18288" anchor="ctr" anchorCtr="1">
       <a:spAutoFit/>
     </cs:bodyPr>
   </cs:dataLabelCallout>
   <cs:dataPoint>
     <cs:lnRef idx="0"/>
-    <cs:fillRef idx="3">
+    <cs:fillRef idx="1">
       <cs:styleClr val="auto"/>
     </cs:fillRef>
-    <cs:effectRef idx="2"/>
+    <cs:effectRef idx="0"/>
     <cs:fontRef idx="minor">
-      <a:schemeClr val="tx2"/>
+      <a:schemeClr val="tx1"/>
     </cs:fontRef>
   </cs:dataPoint>
   <cs:dataPoint3D>
     <cs:lnRef idx="0"/>
-    <cs:fillRef idx="3">
+    <cs:fillRef idx="1">
       <cs:styleClr val="auto"/>
     </cs:fillRef>
-    <cs:effectRef idx="2"/>
+    <cs:effectRef idx="0"/>
     <cs:fontRef idx="minor">
-      <a:schemeClr val="tx2"/>
+      <a:schemeClr val="tx1"/>
     </cs:fontRef>
   </cs:dataPoint3D>
   <cs:dataPointLine>
     <cs:lnRef idx="0">
       <cs:styleClr val="auto"/>
     </cs:lnRef>
-    <cs:fillRef idx="3"/>
-    <cs:effectRef idx="2"/>
+    <cs:fillRef idx="1"/>
+    <cs:effectRef idx="0"/>
     <cs:fontRef idx="minor">
-      <a:schemeClr val="tx2"/>
+      <a:schemeClr val="tx1"/>
     </cs:fontRef>
     <cs:spPr>
-      <a:ln w="31750" cap="rnd">
+      <a:ln w="19050" cap="rnd">
         <a:solidFill>
           <a:schemeClr val="phClr"/>
         </a:solidFill>
@@ -4350,32 +2810,33 @@
     </cs:spPr>
   </cs:dataPointLine>
   <cs:dataPointMarker>
-    <cs:lnRef idx="0"/>
-    <cs:fillRef idx="3">
+    <cs:lnRef idx="0">
+      <cs:styleClr val="auto"/>
+    </cs:lnRef>
+    <cs:fillRef idx="1">
       <cs:styleClr val="auto"/>
     </cs:fillRef>
-    <cs:effectRef idx="2"/>
+    <cs:effectRef idx="0"/>
     <cs:fontRef idx="minor">
-      <a:schemeClr val="tx2"/>
+      <a:schemeClr val="tx1"/>
     </cs:fontRef>
     <cs:spPr>
-      <a:ln w="12700">
+      <a:ln w="9525">
         <a:solidFill>
-          <a:schemeClr val="lt2"/>
+          <a:schemeClr val="phClr"/>
         </a:solidFill>
-        <a:round/>
       </a:ln>
     </cs:spPr>
   </cs:dataPointMarker>
-  <cs:dataPointMarkerLayout symbol="circle" size="6"/>
+  <cs:dataPointMarkerLayout symbol="circle" size="5"/>
   <cs:dataPointWireframe>
     <cs:lnRef idx="0">
       <cs:styleClr val="auto"/>
     </cs:lnRef>
-    <cs:fillRef idx="3"/>
-    <cs:effectRef idx="2"/>
+    <cs:fillRef idx="0"/>
+    <cs:effectRef idx="0"/>
     <cs:fontRef idx="minor">
-      <a:schemeClr val="tx2"/>
+      <a:schemeClr val="dk1"/>
     </cs:fontRef>
     <cs:spPr>
       <a:ln w="9525" cap="rnd">
@@ -4391,41 +2852,47 @@
     <cs:fillRef idx="0"/>
     <cs:effectRef idx="0"/>
     <cs:fontRef idx="minor">
-      <a:schemeClr val="tx2"/>
+      <a:schemeClr val="tx1">
+        <a:lumMod val="65000"/>
+        <a:lumOff val="35000"/>
+      </a:schemeClr>
     </cs:fontRef>
     <cs:spPr>
-      <a:ln w="9525">
+      <a:noFill/>
+      <a:ln w="9525" cap="flat" cmpd="sng" algn="ctr">
         <a:solidFill>
-          <a:schemeClr val="tx2">
+          <a:schemeClr val="tx1">
             <a:lumMod val="15000"/>
             <a:lumOff val="85000"/>
           </a:schemeClr>
         </a:solidFill>
+        <a:round/>
       </a:ln>
     </cs:spPr>
-    <cs:defRPr sz="1197" kern="1200"/>
+    <cs:defRPr sz="900" kern="1200"/>
   </cs:dataTable>
   <cs:downBar>
     <cs:lnRef idx="0"/>
     <cs:fillRef idx="0"/>
     <cs:effectRef idx="0"/>
     <cs:fontRef idx="minor">
-      <a:schemeClr val="dk1"/>
+      <a:schemeClr val="tx1"/>
     </cs:fontRef>
     <cs:spPr>
       <a:solidFill>
         <a:schemeClr val="dk1">
-          <a:lumMod val="65000"/>
-          <a:lumOff val="35000"/>
+          <a:lumMod val="75000"/>
+          <a:lumOff val="25000"/>
         </a:schemeClr>
       </a:solidFill>
-      <a:ln w="9525">
+      <a:ln w="9525" cap="flat" cmpd="sng" algn="ctr">
         <a:solidFill>
           <a:schemeClr val="tx1">
             <a:lumMod val="65000"/>
             <a:lumOff val="35000"/>
           </a:schemeClr>
         </a:solidFill>
+        <a:round/>
       </a:ln>
     </cs:spPr>
   </cs:downBar>
@@ -4434,17 +2901,17 @@
     <cs:fillRef idx="0"/>
     <cs:effectRef idx="0"/>
     <cs:fontRef idx="minor">
-      <a:schemeClr val="tx2"/>
+      <a:schemeClr val="tx1"/>
     </cs:fontRef>
     <cs:spPr>
-      <a:ln w="9525">
+      <a:ln w="9525" cap="flat" cmpd="sng" algn="ctr">
         <a:solidFill>
-          <a:schemeClr val="tx2">
-            <a:lumMod val="60000"/>
-            <a:lumOff val="40000"/>
+          <a:schemeClr val="tx1">
+            <a:lumMod val="35000"/>
+            <a:lumOff val="65000"/>
           </a:schemeClr>
         </a:solidFill>
-        <a:prstDash val="dash"/>
+        <a:round/>
       </a:ln>
     </cs:spPr>
   </cs:dropLine>
@@ -4453,14 +2920,14 @@
     <cs:fillRef idx="0"/>
     <cs:effectRef idx="0"/>
     <cs:fontRef idx="minor">
-      <a:schemeClr val="tx2"/>
+      <a:schemeClr val="tx1"/>
     </cs:fontRef>
     <cs:spPr>
-      <a:ln w="9525">
+      <a:ln w="9525" cap="flat" cmpd="sng" algn="ctr">
         <a:solidFill>
-          <a:schemeClr val="tx2">
-            <a:lumMod val="75000"/>
-            <a:lumOff val="25000"/>
+          <a:schemeClr val="tx1">
+            <a:lumMod val="65000"/>
+            <a:lumOff val="35000"/>
           </a:schemeClr>
         </a:solidFill>
         <a:round/>
@@ -4472,20 +2939,26 @@
     <cs:fillRef idx="0"/>
     <cs:effectRef idx="0"/>
     <cs:fontRef idx="minor">
-      <a:schemeClr val="tx2"/>
+      <a:schemeClr val="tx1"/>
     </cs:fontRef>
+    <cs:spPr>
+      <a:noFill/>
+      <a:ln>
+        <a:noFill/>
+      </a:ln>
+    </cs:spPr>
   </cs:floor>
   <cs:gridlineMajor>
     <cs:lnRef idx="0"/>
     <cs:fillRef idx="0"/>
     <cs:effectRef idx="0"/>
     <cs:fontRef idx="minor">
-      <a:schemeClr val="tx2"/>
+      <a:schemeClr val="tx1"/>
     </cs:fontRef>
     <cs:spPr>
       <a:ln w="9525" cap="flat" cmpd="sng" algn="ctr">
         <a:solidFill>
-          <a:schemeClr val="tx2">
+          <a:schemeClr val="tx1">
             <a:lumMod val="15000"/>
             <a:lumOff val="85000"/>
           </a:schemeClr>
@@ -4499,16 +2972,17 @@
     <cs:fillRef idx="0"/>
     <cs:effectRef idx="0"/>
     <cs:fontRef idx="minor">
-      <a:schemeClr val="tx2"/>
+      <a:schemeClr val="tx1"/>
     </cs:fontRef>
     <cs:spPr>
-      <a:ln>
+      <a:ln w="9525" cap="flat" cmpd="sng" algn="ctr">
         <a:solidFill>
-          <a:schemeClr val="tx2">
+          <a:schemeClr val="tx1">
             <a:lumMod val="5000"/>
             <a:lumOff val="95000"/>
           </a:schemeClr>
         </a:solidFill>
+        <a:round/>
       </a:ln>
     </cs:spPr>
   </cs:gridlineMinor>
@@ -4517,17 +2991,17 @@
     <cs:fillRef idx="0"/>
     <cs:effectRef idx="0"/>
     <cs:fontRef idx="minor">
-      <a:schemeClr val="tx2"/>
+      <a:schemeClr val="tx1"/>
     </cs:fontRef>
     <cs:spPr>
-      <a:ln w="9525">
+      <a:ln w="9525" cap="flat" cmpd="sng" algn="ctr">
         <a:solidFill>
-          <a:schemeClr val="tx2">
-            <a:lumMod val="60000"/>
-            <a:lumOff val="40000"/>
+          <a:schemeClr val="tx1">
+            <a:lumMod val="50000"/>
+            <a:lumOff val="50000"/>
           </a:schemeClr>
         </a:solidFill>
-        <a:prstDash val="dash"/>
+        <a:round/>
       </a:ln>
     </cs:spPr>
   </cs:hiLoLine>
@@ -4536,16 +3010,17 @@
     <cs:fillRef idx="0"/>
     <cs:effectRef idx="0"/>
     <cs:fontRef idx="minor">
-      <a:schemeClr val="tx2"/>
+      <a:schemeClr val="tx1"/>
     </cs:fontRef>
     <cs:spPr>
-      <a:ln w="9525">
+      <a:ln w="9525" cap="flat" cmpd="sng" algn="ctr">
         <a:solidFill>
-          <a:schemeClr val="tx2">
+          <a:schemeClr val="tx1">
             <a:lumMod val="35000"/>
             <a:lumOff val="65000"/>
           </a:schemeClr>
         </a:solidFill>
+        <a:round/>
       </a:ln>
     </cs:spPr>
   </cs:leaderLine>
@@ -4554,24 +3029,27 @@
     <cs:fillRef idx="0"/>
     <cs:effectRef idx="0"/>
     <cs:fontRef idx="minor">
-      <a:schemeClr val="tx2"/>
+      <a:schemeClr val="tx1">
+        <a:lumMod val="65000"/>
+        <a:lumOff val="35000"/>
+      </a:schemeClr>
     </cs:fontRef>
-    <cs:defRPr sz="1197" kern="1200"/>
+    <cs:defRPr sz="900" kern="1200"/>
   </cs:legend>
-  <cs:plotArea>
+  <cs:plotArea mods="allowNoFillOverride allowNoLineOverride">
     <cs:lnRef idx="0"/>
     <cs:fillRef idx="0"/>
     <cs:effectRef idx="0"/>
     <cs:fontRef idx="minor">
-      <a:schemeClr val="tx2"/>
+      <a:schemeClr val="tx1"/>
     </cs:fontRef>
   </cs:plotArea>
-  <cs:plotArea3D>
+  <cs:plotArea3D mods="allowNoFillOverride allowNoLineOverride">
     <cs:lnRef idx="0"/>
     <cs:fillRef idx="0"/>
     <cs:effectRef idx="0"/>
     <cs:fontRef idx="minor">
-      <a:schemeClr val="tx2"/>
+      <a:schemeClr val="tx1"/>
     </cs:fontRef>
   </cs:plotArea3D>
   <cs:seriesAxis>
@@ -4579,37 +3057,29 @@
     <cs:fillRef idx="0"/>
     <cs:effectRef idx="0"/>
     <cs:fontRef idx="minor">
-      <a:schemeClr val="tx2"/>
+      <a:schemeClr val="tx1">
+        <a:lumMod val="65000"/>
+        <a:lumOff val="35000"/>
+      </a:schemeClr>
     </cs:fontRef>
-    <cs:spPr>
-      <a:ln w="9525" cap="flat" cmpd="sng" algn="ctr">
-        <a:solidFill>
-          <a:schemeClr val="tx2">
-            <a:lumMod val="15000"/>
-            <a:lumOff val="85000"/>
-          </a:schemeClr>
-        </a:solidFill>
-        <a:round/>
-      </a:ln>
-    </cs:spPr>
-    <cs:defRPr sz="1197" kern="1200"/>
+    <cs:defRPr sz="900" kern="1200"/>
   </cs:seriesAxis>
   <cs:seriesLine>
     <cs:lnRef idx="0"/>
     <cs:fillRef idx="0"/>
     <cs:effectRef idx="0"/>
     <cs:fontRef idx="minor">
-      <a:schemeClr val="tx2"/>
+      <a:schemeClr val="tx1"/>
     </cs:fontRef>
     <cs:spPr>
-      <a:ln w="9525">
+      <a:ln w="9525" cap="flat" cmpd="sng" algn="ctr">
         <a:solidFill>
-          <a:schemeClr val="tx2">
-            <a:lumMod val="60000"/>
-            <a:lumOff val="40000"/>
+          <a:schemeClr val="tx1">
+            <a:lumMod val="35000"/>
+            <a:lumOff val="65000"/>
           </a:schemeClr>
         </a:solidFill>
-        <a:prstDash val="dash"/>
+        <a:round/>
       </a:ln>
     </cs:spPr>
   </cs:seriesLine>
@@ -4618,9 +3088,12 @@
     <cs:fillRef idx="0"/>
     <cs:effectRef idx="0"/>
     <cs:fontRef idx="minor">
-      <a:schemeClr val="tx2"/>
+      <a:schemeClr val="tx1">
+        <a:lumMod val="65000"/>
+        <a:lumOff val="35000"/>
+      </a:schemeClr>
     </cs:fontRef>
-    <cs:defRPr sz="2128" b="1" kern="1200"/>
+    <cs:defRPr sz="1400" b="0" kern="1200" spc="0" baseline="0"/>
   </cs:title>
   <cs:trendline>
     <cs:lnRef idx="0">
@@ -4629,14 +3102,14 @@
     <cs:fillRef idx="0"/>
     <cs:effectRef idx="0"/>
     <cs:fontRef idx="minor">
-      <a:schemeClr val="tx2"/>
+      <a:schemeClr val="tx1"/>
     </cs:fontRef>
     <cs:spPr>
       <a:ln w="19050" cap="rnd">
         <a:solidFill>
           <a:schemeClr val="phClr"/>
         </a:solidFill>
-        <a:prstDash val="sysDash"/>
+        <a:prstDash val="sysDot"/>
       </a:ln>
     </cs:spPr>
   </cs:trendline>
@@ -4645,28 +3118,32 @@
     <cs:fillRef idx="0"/>
     <cs:effectRef idx="0"/>
     <cs:fontRef idx="minor">
-      <a:schemeClr val="tx2"/>
+      <a:schemeClr val="tx1">
+        <a:lumMod val="65000"/>
+        <a:lumOff val="35000"/>
+      </a:schemeClr>
     </cs:fontRef>
-    <cs:defRPr sz="1197" kern="1200"/>
+    <cs:defRPr sz="900" kern="1200"/>
   </cs:trendlineLabel>
   <cs:upBar>
     <cs:lnRef idx="0"/>
     <cs:fillRef idx="0"/>
     <cs:effectRef idx="0"/>
     <cs:fontRef idx="minor">
-      <a:schemeClr val="tx2"/>
+      <a:schemeClr val="tx1"/>
     </cs:fontRef>
     <cs:spPr>
       <a:solidFill>
         <a:schemeClr val="lt1"/>
       </a:solidFill>
-      <a:ln w="9525">
+      <a:ln w="9525" cap="flat" cmpd="sng" algn="ctr">
         <a:solidFill>
           <a:schemeClr val="tx1">
-            <a:lumMod val="15000"/>
-            <a:lumOff val="85000"/>
+            <a:lumMod val="65000"/>
+            <a:lumOff val="35000"/>
           </a:schemeClr>
         </a:solidFill>
+        <a:round/>
       </a:ln>
     </cs:spPr>
   </cs:upBar>
@@ -4675,486 +3152,37 @@
     <cs:fillRef idx="0"/>
     <cs:effectRef idx="0"/>
     <cs:fontRef idx="minor">
-      <a:schemeClr val="tx2"/>
+      <a:schemeClr val="tx1">
+        <a:lumMod val="65000"/>
+        <a:lumOff val="35000"/>
+      </a:schemeClr>
     </cs:fontRef>
-    <cs:defRPr sz="1197" kern="1200"/>
+    <cs:spPr>
+      <a:ln w="9525" cap="flat" cmpd="sng" algn="ctr">
+        <a:solidFill>
+          <a:schemeClr val="tx1">
+            <a:lumMod val="25000"/>
+            <a:lumOff val="75000"/>
+          </a:schemeClr>
+        </a:solidFill>
+        <a:round/>
+      </a:ln>
+    </cs:spPr>
+    <cs:defRPr sz="900" kern="1200"/>
   </cs:valueAxis>
   <cs:wall>
     <cs:lnRef idx="0"/>
     <cs:fillRef idx="0"/>
     <cs:effectRef idx="0"/>
     <cs:fontRef idx="minor">
-      <a:schemeClr val="tx2"/>
-    </cs:fontRef>
-  </cs:wall>
-</cs:chartStyle>
-</file>
-
-<file path=ppt/charts/style4.xml><?xml version="1.0" encoding="utf-8"?>
-<cs:chartStyle xmlns:cs="http://schemas.microsoft.com/office/drawing/2012/chartStyle" xmlns:a="http://schemas.openxmlformats.org/drawingml/2006/main" id="207">
-  <cs:axisTitle>
-    <cs:lnRef idx="0"/>
-    <cs:fillRef idx="0"/>
-    <cs:effectRef idx="0"/>
-    <cs:fontRef idx="minor">
-      <a:schemeClr val="tx2"/>
-    </cs:fontRef>
-    <cs:defRPr sz="1197" b="1" kern="1200"/>
-  </cs:axisTitle>
-  <cs:categoryAxis>
-    <cs:lnRef idx="0"/>
-    <cs:fillRef idx="0"/>
-    <cs:effectRef idx="0"/>
-    <cs:fontRef idx="minor">
-      <a:schemeClr val="tx2"/>
+      <a:schemeClr val="tx1"/>
     </cs:fontRef>
     <cs:spPr>
-      <a:ln w="9525" cap="flat" cmpd="sng" algn="ctr">
-        <a:solidFill>
-          <a:schemeClr val="tx2">
-            <a:lumMod val="15000"/>
-            <a:lumOff val="85000"/>
-          </a:schemeClr>
-        </a:solidFill>
-        <a:round/>
+      <a:noFill/>
+      <a:ln>
+        <a:noFill/>
       </a:ln>
     </cs:spPr>
-    <cs:defRPr sz="1197" kern="1200"/>
-  </cs:categoryAxis>
-  <cs:chartArea mods="allowNoFillOverride allowNoLineOverride">
-    <cs:lnRef idx="0"/>
-    <cs:fillRef idx="0"/>
-    <cs:effectRef idx="0"/>
-    <cs:fontRef idx="minor">
-      <a:schemeClr val="tx2"/>
-    </cs:fontRef>
-    <cs:spPr>
-      <a:solidFill>
-        <a:schemeClr val="bg1"/>
-      </a:solidFill>
-      <a:ln w="9525" cap="flat" cmpd="sng" algn="ctr">
-        <a:solidFill>
-          <a:schemeClr val="tx2">
-            <a:lumMod val="15000"/>
-            <a:lumOff val="85000"/>
-          </a:schemeClr>
-        </a:solidFill>
-        <a:round/>
-      </a:ln>
-    </cs:spPr>
-    <cs:defRPr sz="1197" kern="1200"/>
-  </cs:chartArea>
-  <cs:dataLabel>
-    <cs:lnRef idx="0"/>
-    <cs:fillRef idx="0"/>
-    <cs:effectRef idx="0"/>
-    <cs:fontRef idx="minor">
-      <a:schemeClr val="tx2"/>
-    </cs:fontRef>
-    <cs:defRPr sz="1197" kern="1200"/>
-  </cs:dataLabel>
-  <cs:dataLabelCallout>
-    <cs:lnRef idx="0"/>
-    <cs:fillRef idx="0"/>
-    <cs:effectRef idx="0"/>
-    <cs:fontRef idx="minor">
-      <a:schemeClr val="dk2">
-        <a:lumMod val="75000"/>
-      </a:schemeClr>
-    </cs:fontRef>
-    <cs:spPr>
-      <a:solidFill>
-        <a:schemeClr val="lt1"/>
-      </a:solidFill>
-      <a:ln>
-        <a:solidFill>
-          <a:schemeClr val="dk1">
-            <a:lumMod val="25000"/>
-            <a:lumOff val="75000"/>
-          </a:schemeClr>
-        </a:solidFill>
-      </a:ln>
-    </cs:spPr>
-    <cs:defRPr sz="1197" kern="1200"/>
-    <cs:bodyPr rot="0" spcFirstLastPara="1" vertOverflow="clip" horzOverflow="clip" vert="horz" wrap="square" lIns="36576" tIns="18288" rIns="36576" bIns="18288" anchor="ctr" anchorCtr="1">
-      <a:spAutoFit/>
-    </cs:bodyPr>
-  </cs:dataLabelCallout>
-  <cs:dataPoint>
-    <cs:lnRef idx="0"/>
-    <cs:fillRef idx="3">
-      <cs:styleClr val="auto"/>
-    </cs:fillRef>
-    <cs:effectRef idx="2"/>
-    <cs:fontRef idx="minor">
-      <a:schemeClr val="tx2"/>
-    </cs:fontRef>
-  </cs:dataPoint>
-  <cs:dataPoint3D>
-    <cs:lnRef idx="0"/>
-    <cs:fillRef idx="3">
-      <cs:styleClr val="auto"/>
-    </cs:fillRef>
-    <cs:effectRef idx="2"/>
-    <cs:fontRef idx="minor">
-      <a:schemeClr val="tx2"/>
-    </cs:fontRef>
-  </cs:dataPoint3D>
-  <cs:dataPointLine>
-    <cs:lnRef idx="0">
-      <cs:styleClr val="auto"/>
-    </cs:lnRef>
-    <cs:fillRef idx="3"/>
-    <cs:effectRef idx="2"/>
-    <cs:fontRef idx="minor">
-      <a:schemeClr val="tx2"/>
-    </cs:fontRef>
-    <cs:spPr>
-      <a:ln w="31750" cap="rnd">
-        <a:solidFill>
-          <a:schemeClr val="phClr"/>
-        </a:solidFill>
-        <a:round/>
-      </a:ln>
-    </cs:spPr>
-  </cs:dataPointLine>
-  <cs:dataPointMarker>
-    <cs:lnRef idx="0"/>
-    <cs:fillRef idx="3">
-      <cs:styleClr val="auto"/>
-    </cs:fillRef>
-    <cs:effectRef idx="2"/>
-    <cs:fontRef idx="minor">
-      <a:schemeClr val="tx2"/>
-    </cs:fontRef>
-    <cs:spPr>
-      <a:ln w="12700">
-        <a:solidFill>
-          <a:schemeClr val="lt2"/>
-        </a:solidFill>
-        <a:round/>
-      </a:ln>
-    </cs:spPr>
-  </cs:dataPointMarker>
-  <cs:dataPointMarkerLayout symbol="circle" size="6"/>
-  <cs:dataPointWireframe>
-    <cs:lnRef idx="0">
-      <cs:styleClr val="auto"/>
-    </cs:lnRef>
-    <cs:fillRef idx="3"/>
-    <cs:effectRef idx="2"/>
-    <cs:fontRef idx="minor">
-      <a:schemeClr val="tx2"/>
-    </cs:fontRef>
-    <cs:spPr>
-      <a:ln w="9525" cap="rnd">
-        <a:solidFill>
-          <a:schemeClr val="phClr"/>
-        </a:solidFill>
-        <a:round/>
-      </a:ln>
-    </cs:spPr>
-  </cs:dataPointWireframe>
-  <cs:dataTable>
-    <cs:lnRef idx="0"/>
-    <cs:fillRef idx="0"/>
-    <cs:effectRef idx="0"/>
-    <cs:fontRef idx="minor">
-      <a:schemeClr val="tx2"/>
-    </cs:fontRef>
-    <cs:spPr>
-      <a:ln w="9525">
-        <a:solidFill>
-          <a:schemeClr val="tx2">
-            <a:lumMod val="15000"/>
-            <a:lumOff val="85000"/>
-          </a:schemeClr>
-        </a:solidFill>
-      </a:ln>
-    </cs:spPr>
-    <cs:defRPr sz="1197" kern="1200"/>
-  </cs:dataTable>
-  <cs:downBar>
-    <cs:lnRef idx="0"/>
-    <cs:fillRef idx="0"/>
-    <cs:effectRef idx="0"/>
-    <cs:fontRef idx="minor">
-      <a:schemeClr val="dk1"/>
-    </cs:fontRef>
-    <cs:spPr>
-      <a:solidFill>
-        <a:schemeClr val="dk1">
-          <a:lumMod val="65000"/>
-          <a:lumOff val="35000"/>
-        </a:schemeClr>
-      </a:solidFill>
-      <a:ln w="9525">
-        <a:solidFill>
-          <a:schemeClr val="tx1">
-            <a:lumMod val="65000"/>
-            <a:lumOff val="35000"/>
-          </a:schemeClr>
-        </a:solidFill>
-      </a:ln>
-    </cs:spPr>
-  </cs:downBar>
-  <cs:dropLine>
-    <cs:lnRef idx="0"/>
-    <cs:fillRef idx="0"/>
-    <cs:effectRef idx="0"/>
-    <cs:fontRef idx="minor">
-      <a:schemeClr val="tx2"/>
-    </cs:fontRef>
-    <cs:spPr>
-      <a:ln w="9525">
-        <a:solidFill>
-          <a:schemeClr val="tx2">
-            <a:lumMod val="60000"/>
-            <a:lumOff val="40000"/>
-          </a:schemeClr>
-        </a:solidFill>
-        <a:prstDash val="dash"/>
-      </a:ln>
-    </cs:spPr>
-  </cs:dropLine>
-  <cs:errorBar>
-    <cs:lnRef idx="0"/>
-    <cs:fillRef idx="0"/>
-    <cs:effectRef idx="0"/>
-    <cs:fontRef idx="minor">
-      <a:schemeClr val="tx2"/>
-    </cs:fontRef>
-    <cs:spPr>
-      <a:ln w="9525">
-        <a:solidFill>
-          <a:schemeClr val="tx2">
-            <a:lumMod val="75000"/>
-            <a:lumOff val="25000"/>
-          </a:schemeClr>
-        </a:solidFill>
-        <a:round/>
-      </a:ln>
-    </cs:spPr>
-  </cs:errorBar>
-  <cs:floor>
-    <cs:lnRef idx="0"/>
-    <cs:fillRef idx="0"/>
-    <cs:effectRef idx="0"/>
-    <cs:fontRef idx="minor">
-      <a:schemeClr val="tx2"/>
-    </cs:fontRef>
-  </cs:floor>
-  <cs:gridlineMajor>
-    <cs:lnRef idx="0"/>
-    <cs:fillRef idx="0"/>
-    <cs:effectRef idx="0"/>
-    <cs:fontRef idx="minor">
-      <a:schemeClr val="tx2"/>
-    </cs:fontRef>
-    <cs:spPr>
-      <a:ln w="9525" cap="flat" cmpd="sng" algn="ctr">
-        <a:solidFill>
-          <a:schemeClr val="tx2">
-            <a:lumMod val="15000"/>
-            <a:lumOff val="85000"/>
-          </a:schemeClr>
-        </a:solidFill>
-        <a:round/>
-      </a:ln>
-    </cs:spPr>
-  </cs:gridlineMajor>
-  <cs:gridlineMinor>
-    <cs:lnRef idx="0"/>
-    <cs:fillRef idx="0"/>
-    <cs:effectRef idx="0"/>
-    <cs:fontRef idx="minor">
-      <a:schemeClr val="tx2"/>
-    </cs:fontRef>
-    <cs:spPr>
-      <a:ln>
-        <a:solidFill>
-          <a:schemeClr val="tx2">
-            <a:lumMod val="5000"/>
-            <a:lumOff val="95000"/>
-          </a:schemeClr>
-        </a:solidFill>
-      </a:ln>
-    </cs:spPr>
-  </cs:gridlineMinor>
-  <cs:hiLoLine>
-    <cs:lnRef idx="0"/>
-    <cs:fillRef idx="0"/>
-    <cs:effectRef idx="0"/>
-    <cs:fontRef idx="minor">
-      <a:schemeClr val="tx2"/>
-    </cs:fontRef>
-    <cs:spPr>
-      <a:ln w="9525">
-        <a:solidFill>
-          <a:schemeClr val="tx2">
-            <a:lumMod val="60000"/>
-            <a:lumOff val="40000"/>
-          </a:schemeClr>
-        </a:solidFill>
-        <a:prstDash val="dash"/>
-      </a:ln>
-    </cs:spPr>
-  </cs:hiLoLine>
-  <cs:leaderLine>
-    <cs:lnRef idx="0"/>
-    <cs:fillRef idx="0"/>
-    <cs:effectRef idx="0"/>
-    <cs:fontRef idx="minor">
-      <a:schemeClr val="tx2"/>
-    </cs:fontRef>
-    <cs:spPr>
-      <a:ln w="9525">
-        <a:solidFill>
-          <a:schemeClr val="tx2">
-            <a:lumMod val="35000"/>
-            <a:lumOff val="65000"/>
-          </a:schemeClr>
-        </a:solidFill>
-      </a:ln>
-    </cs:spPr>
-  </cs:leaderLine>
-  <cs:legend>
-    <cs:lnRef idx="0"/>
-    <cs:fillRef idx="0"/>
-    <cs:effectRef idx="0"/>
-    <cs:fontRef idx="minor">
-      <a:schemeClr val="tx2"/>
-    </cs:fontRef>
-    <cs:defRPr sz="1197" kern="1200"/>
-  </cs:legend>
-  <cs:plotArea>
-    <cs:lnRef idx="0"/>
-    <cs:fillRef idx="0"/>
-    <cs:effectRef idx="0"/>
-    <cs:fontRef idx="minor">
-      <a:schemeClr val="tx2"/>
-    </cs:fontRef>
-  </cs:plotArea>
-  <cs:plotArea3D>
-    <cs:lnRef idx="0"/>
-    <cs:fillRef idx="0"/>
-    <cs:effectRef idx="0"/>
-    <cs:fontRef idx="minor">
-      <a:schemeClr val="tx2"/>
-    </cs:fontRef>
-  </cs:plotArea3D>
-  <cs:seriesAxis>
-    <cs:lnRef idx="0"/>
-    <cs:fillRef idx="0"/>
-    <cs:effectRef idx="0"/>
-    <cs:fontRef idx="minor">
-      <a:schemeClr val="tx2"/>
-    </cs:fontRef>
-    <cs:spPr>
-      <a:ln w="9525" cap="flat" cmpd="sng" algn="ctr">
-        <a:solidFill>
-          <a:schemeClr val="tx2">
-            <a:lumMod val="15000"/>
-            <a:lumOff val="85000"/>
-          </a:schemeClr>
-        </a:solidFill>
-        <a:round/>
-      </a:ln>
-    </cs:spPr>
-    <cs:defRPr sz="1197" kern="1200"/>
-  </cs:seriesAxis>
-  <cs:seriesLine>
-    <cs:lnRef idx="0"/>
-    <cs:fillRef idx="0"/>
-    <cs:effectRef idx="0"/>
-    <cs:fontRef idx="minor">
-      <a:schemeClr val="tx2"/>
-    </cs:fontRef>
-    <cs:spPr>
-      <a:ln w="9525">
-        <a:solidFill>
-          <a:schemeClr val="tx2">
-            <a:lumMod val="60000"/>
-            <a:lumOff val="40000"/>
-          </a:schemeClr>
-        </a:solidFill>
-        <a:prstDash val="dash"/>
-      </a:ln>
-    </cs:spPr>
-  </cs:seriesLine>
-  <cs:title>
-    <cs:lnRef idx="0"/>
-    <cs:fillRef idx="0"/>
-    <cs:effectRef idx="0"/>
-    <cs:fontRef idx="minor">
-      <a:schemeClr val="tx2"/>
-    </cs:fontRef>
-    <cs:defRPr sz="2128" b="1" kern="1200"/>
-  </cs:title>
-  <cs:trendline>
-    <cs:lnRef idx="0">
-      <cs:styleClr val="auto"/>
-    </cs:lnRef>
-    <cs:fillRef idx="0"/>
-    <cs:effectRef idx="0"/>
-    <cs:fontRef idx="minor">
-      <a:schemeClr val="tx2"/>
-    </cs:fontRef>
-    <cs:spPr>
-      <a:ln w="19050" cap="rnd">
-        <a:solidFill>
-          <a:schemeClr val="phClr"/>
-        </a:solidFill>
-        <a:prstDash val="sysDash"/>
-      </a:ln>
-    </cs:spPr>
-  </cs:trendline>
-  <cs:trendlineLabel>
-    <cs:lnRef idx="0"/>
-    <cs:fillRef idx="0"/>
-    <cs:effectRef idx="0"/>
-    <cs:fontRef idx="minor">
-      <a:schemeClr val="tx2"/>
-    </cs:fontRef>
-    <cs:defRPr sz="1197" kern="1200"/>
-  </cs:trendlineLabel>
-  <cs:upBar>
-    <cs:lnRef idx="0"/>
-    <cs:fillRef idx="0"/>
-    <cs:effectRef idx="0"/>
-    <cs:fontRef idx="minor">
-      <a:schemeClr val="tx2"/>
-    </cs:fontRef>
-    <cs:spPr>
-      <a:solidFill>
-        <a:schemeClr val="lt1"/>
-      </a:solidFill>
-      <a:ln w="9525">
-        <a:solidFill>
-          <a:schemeClr val="tx1">
-            <a:lumMod val="15000"/>
-            <a:lumOff val="85000"/>
-          </a:schemeClr>
-        </a:solidFill>
-      </a:ln>
-    </cs:spPr>
-  </cs:upBar>
-  <cs:valueAxis>
-    <cs:lnRef idx="0"/>
-    <cs:fillRef idx="0"/>
-    <cs:effectRef idx="0"/>
-    <cs:fontRef idx="minor">
-      <a:schemeClr val="tx2"/>
-    </cs:fontRef>
-    <cs:defRPr sz="1197" kern="1200"/>
-  </cs:valueAxis>
-  <cs:wall>
-    <cs:lnRef idx="0"/>
-    <cs:fillRef idx="0"/>
-    <cs:effectRef idx="0"/>
-    <cs:fontRef idx="minor">
-      <a:schemeClr val="tx2"/>
-    </cs:fontRef>
   </cs:wall>
 </cs:chartStyle>
 </file>
@@ -5241,7 +3269,7 @@
           <a:p>
             <a:fld id="{5E6EF83D-6BC1-45AB-BB38-7AC10106CD99}" type="datetimeFigureOut">
               <a:rPr lang="ru-RU" smtClean="0"/>
-              <a:t>24.01.2023</a:t>
+              <a:t>25.01.2023</a:t>
             </a:fld>
             <a:endParaRPr lang="ru-RU"/>
           </a:p>
@@ -5639,7 +3667,7 @@
           <a:p>
             <a:fld id="{CB08DC8E-4640-488D-B1B6-83F28F1FDD21}" type="datetime1">
               <a:rPr lang="ru-RU" smtClean="0"/>
-              <a:t>24.01.2023</a:t>
+              <a:t>25.01.2023</a:t>
             </a:fld>
             <a:endParaRPr lang="ru-RU"/>
           </a:p>
@@ -5809,7 +3837,7 @@
           <a:p>
             <a:fld id="{5A610DD2-F775-4697-82F2-E02E860AB71E}" type="datetime1">
               <a:rPr lang="ru-RU" smtClean="0"/>
-              <a:t>24.01.2023</a:t>
+              <a:t>25.01.2023</a:t>
             </a:fld>
             <a:endParaRPr lang="ru-RU"/>
           </a:p>
@@ -5989,7 +4017,7 @@
           <a:p>
             <a:fld id="{03B9CCB0-0EBE-4C2E-8727-91DA3DE36683}" type="datetime1">
               <a:rPr lang="ru-RU" smtClean="0"/>
-              <a:t>24.01.2023</a:t>
+              <a:t>25.01.2023</a:t>
             </a:fld>
             <a:endParaRPr lang="ru-RU"/>
           </a:p>
@@ -6159,7 +4187,7 @@
           <a:p>
             <a:fld id="{E9C79B4B-112B-45ED-8A93-DEC054AB2950}" type="datetime1">
               <a:rPr lang="ru-RU" smtClean="0"/>
-              <a:t>24.01.2023</a:t>
+              <a:t>25.01.2023</a:t>
             </a:fld>
             <a:endParaRPr lang="ru-RU"/>
           </a:p>
@@ -6405,7 +4433,7 @@
           <a:p>
             <a:fld id="{B985C757-C107-46F2-849C-4A1E818FDD01}" type="datetime1">
               <a:rPr lang="ru-RU" smtClean="0"/>
-              <a:t>24.01.2023</a:t>
+              <a:t>25.01.2023</a:t>
             </a:fld>
             <a:endParaRPr lang="ru-RU"/>
           </a:p>
@@ -6637,7 +4665,7 @@
           <a:p>
             <a:fld id="{D0149EBC-0C93-4DB8-A456-2321A158E730}" type="datetime1">
               <a:rPr lang="ru-RU" smtClean="0"/>
-              <a:t>24.01.2023</a:t>
+              <a:t>25.01.2023</a:t>
             </a:fld>
             <a:endParaRPr lang="ru-RU"/>
           </a:p>
@@ -7004,7 +5032,7 @@
           <a:p>
             <a:fld id="{E1CD0E30-33F0-42D3-9D59-D54983B90C31}" type="datetime1">
               <a:rPr lang="ru-RU" smtClean="0"/>
-              <a:t>24.01.2023</a:t>
+              <a:t>25.01.2023</a:t>
             </a:fld>
             <a:endParaRPr lang="ru-RU"/>
           </a:p>
@@ -7122,7 +5150,7 @@
           <a:p>
             <a:fld id="{01526A73-21D1-4D26-9400-2506123BD22E}" type="datetime1">
               <a:rPr lang="ru-RU" smtClean="0"/>
-              <a:t>24.01.2023</a:t>
+              <a:t>25.01.2023</a:t>
             </a:fld>
             <a:endParaRPr lang="ru-RU"/>
           </a:p>
@@ -7217,7 +5245,7 @@
           <a:p>
             <a:fld id="{F4F5F325-762E-4EC5-8E64-EF9616445EA7}" type="datetime1">
               <a:rPr lang="ru-RU" smtClean="0"/>
-              <a:t>24.01.2023</a:t>
+              <a:t>25.01.2023</a:t>
             </a:fld>
             <a:endParaRPr lang="ru-RU"/>
           </a:p>
@@ -7494,7 +5522,7 @@
           <a:p>
             <a:fld id="{D5496A59-C952-4C1B-9C7F-CD1C8FB515CF}" type="datetime1">
               <a:rPr lang="ru-RU" smtClean="0"/>
-              <a:t>24.01.2023</a:t>
+              <a:t>25.01.2023</a:t>
             </a:fld>
             <a:endParaRPr lang="ru-RU"/>
           </a:p>
@@ -7751,7 +5779,7 @@
           <a:p>
             <a:fld id="{18A5F2C4-F47D-4C06-9CD0-462F0A6E6C3A}" type="datetime1">
               <a:rPr lang="ru-RU" smtClean="0"/>
-              <a:t>24.01.2023</a:t>
+              <a:t>25.01.2023</a:t>
             </a:fld>
             <a:endParaRPr lang="ru-RU"/>
           </a:p>
@@ -7964,7 +5992,7 @@
           <a:p>
             <a:fld id="{CE32A494-4286-4E45-82FF-AA40DAE6BA7A}" type="datetime1">
               <a:rPr lang="ru-RU" smtClean="0"/>
-              <a:t>24.01.2023</a:t>
+              <a:t>25.01.2023</a:t>
             </a:fld>
             <a:endParaRPr lang="ru-RU"/>
           </a:p>
@@ -10784,36 +8812,6 @@
           </a:p>
         </p:txBody>
       </p:sp>
-      <p:graphicFrame>
-        <p:nvGraphicFramePr>
-          <p:cNvPr id="2" name="Диаграмма 1">
-            <a:extLst>
-              <a:ext uri="{FF2B5EF4-FFF2-40B4-BE49-F238E27FC236}">
-                <a16:creationId xmlns:a16="http://schemas.microsoft.com/office/drawing/2014/main" id="{3F49463E-2371-6DB7-3106-FA921BD50966}"/>
-              </a:ext>
-            </a:extLst>
-          </p:cNvPr>
-          <p:cNvGraphicFramePr>
-            <a:graphicFrameLocks/>
-          </p:cNvGraphicFramePr>
-          <p:nvPr>
-            <p:extLst>
-              <p:ext uri="{D42A27DB-BD31-4B8C-83A1-F6EECF244321}">
-                <p14:modId xmlns:p14="http://schemas.microsoft.com/office/powerpoint/2010/main" val="3734165373"/>
-              </p:ext>
-            </p:extLst>
-          </p:nvPr>
-        </p:nvGraphicFramePr>
-        <p:xfrm>
-          <a:off x="1088563" y="976686"/>
-          <a:ext cx="6966874" cy="4166814"/>
-        </p:xfrm>
-        <a:graphic>
-          <a:graphicData uri="http://schemas.openxmlformats.org/drawingml/2006/chart">
-            <c:chart xmlns:c="http://schemas.openxmlformats.org/drawingml/2006/chart" xmlns:r="http://schemas.openxmlformats.org/officeDocument/2006/relationships" r:id="rId2"/>
-          </a:graphicData>
-        </a:graphic>
-      </p:graphicFrame>
       <p:sp>
         <p:nvSpPr>
           <p:cNvPr id="4" name="Прямоугольник: скругленные углы 3">
@@ -10926,6 +8924,36 @@
           </a:p>
         </p:txBody>
       </p:sp>
+      <p:graphicFrame>
+        <p:nvGraphicFramePr>
+          <p:cNvPr id="7" name="Диаграмма 6">
+            <a:extLst>
+              <a:ext uri="{FF2B5EF4-FFF2-40B4-BE49-F238E27FC236}">
+                <a16:creationId xmlns:a16="http://schemas.microsoft.com/office/drawing/2014/main" id="{B6559761-F6C0-A230-60F8-FECE7213221A}"/>
+              </a:ext>
+            </a:extLst>
+          </p:cNvPr>
+          <p:cNvGraphicFramePr>
+            <a:graphicFrameLocks/>
+          </p:cNvGraphicFramePr>
+          <p:nvPr>
+            <p:extLst>
+              <p:ext uri="{D42A27DB-BD31-4B8C-83A1-F6EECF244321}">
+                <p14:modId xmlns:p14="http://schemas.microsoft.com/office/powerpoint/2010/main" val="1614857919"/>
+              </p:ext>
+            </p:extLst>
+          </p:nvPr>
+        </p:nvGraphicFramePr>
+        <p:xfrm>
+          <a:off x="1529402" y="1260565"/>
+          <a:ext cx="5969766" cy="3544933"/>
+        </p:xfrm>
+        <a:graphic>
+          <a:graphicData uri="http://schemas.openxmlformats.org/drawingml/2006/chart">
+            <c:chart xmlns:c="http://schemas.openxmlformats.org/drawingml/2006/chart" xmlns:r="http://schemas.openxmlformats.org/officeDocument/2006/relationships" r:id="rId2"/>
+          </a:graphicData>
+        </a:graphic>
+      </p:graphicFrame>
     </p:spTree>
     <p:extLst>
       <p:ext uri="{BB962C8B-B14F-4D97-AF65-F5344CB8AC3E}">
@@ -11046,66 +9074,6 @@
           </a:p>
         </p:txBody>
       </p:sp>
-      <p:graphicFrame>
-        <p:nvGraphicFramePr>
-          <p:cNvPr id="2" name="Диаграмма 1">
-            <a:extLst>
-              <a:ext uri="{FF2B5EF4-FFF2-40B4-BE49-F238E27FC236}">
-                <a16:creationId xmlns:a16="http://schemas.microsoft.com/office/drawing/2014/main" id="{40653D11-EC25-E61E-C1E7-452EEA41562F}"/>
-              </a:ext>
-            </a:extLst>
-          </p:cNvPr>
-          <p:cNvGraphicFramePr>
-            <a:graphicFrameLocks/>
-          </p:cNvGraphicFramePr>
-          <p:nvPr>
-            <p:extLst>
-              <p:ext uri="{D42A27DB-BD31-4B8C-83A1-F6EECF244321}">
-                <p14:modId xmlns:p14="http://schemas.microsoft.com/office/powerpoint/2010/main" val="1139539072"/>
-              </p:ext>
-            </p:extLst>
-          </p:nvPr>
-        </p:nvGraphicFramePr>
-        <p:xfrm>
-          <a:off x="408994" y="1395412"/>
-          <a:ext cx="4163006" cy="2931997"/>
-        </p:xfrm>
-        <a:graphic>
-          <a:graphicData uri="http://schemas.openxmlformats.org/drawingml/2006/chart">
-            <c:chart xmlns:c="http://schemas.openxmlformats.org/drawingml/2006/chart" xmlns:r="http://schemas.openxmlformats.org/officeDocument/2006/relationships" r:id="rId2"/>
-          </a:graphicData>
-        </a:graphic>
-      </p:graphicFrame>
-      <p:graphicFrame>
-        <p:nvGraphicFramePr>
-          <p:cNvPr id="3" name="Диаграмма 2">
-            <a:extLst>
-              <a:ext uri="{FF2B5EF4-FFF2-40B4-BE49-F238E27FC236}">
-                <a16:creationId xmlns:a16="http://schemas.microsoft.com/office/drawing/2014/main" id="{C6198535-1798-D86A-710E-5A5BE7AEF63E}"/>
-              </a:ext>
-            </a:extLst>
-          </p:cNvPr>
-          <p:cNvGraphicFramePr>
-            <a:graphicFrameLocks/>
-          </p:cNvGraphicFramePr>
-          <p:nvPr>
-            <p:extLst>
-              <p:ext uri="{D42A27DB-BD31-4B8C-83A1-F6EECF244321}">
-                <p14:modId xmlns:p14="http://schemas.microsoft.com/office/powerpoint/2010/main" val="1455262529"/>
-              </p:ext>
-            </p:extLst>
-          </p:nvPr>
-        </p:nvGraphicFramePr>
-        <p:xfrm>
-          <a:off x="4572000" y="1395412"/>
-          <a:ext cx="4147391" cy="2921000"/>
-        </p:xfrm>
-        <a:graphic>
-          <a:graphicData uri="http://schemas.openxmlformats.org/drawingml/2006/chart">
-            <c:chart xmlns:c="http://schemas.openxmlformats.org/drawingml/2006/chart" xmlns:r="http://schemas.openxmlformats.org/officeDocument/2006/relationships" r:id="rId3"/>
-          </a:graphicData>
-        </a:graphic>
-      </p:graphicFrame>
       <p:sp>
         <p:nvSpPr>
           <p:cNvPr id="5" name="Прямоугольник: скругленные углы 4">
@@ -11218,6 +9186,36 @@
           </a:p>
         </p:txBody>
       </p:sp>
+      <p:graphicFrame>
+        <p:nvGraphicFramePr>
+          <p:cNvPr id="8" name="Диаграмма 7">
+            <a:extLst>
+              <a:ext uri="{FF2B5EF4-FFF2-40B4-BE49-F238E27FC236}">
+                <a16:creationId xmlns:a16="http://schemas.microsoft.com/office/drawing/2014/main" id="{41B2380E-78BB-BB8C-A10E-0884619BCD42}"/>
+              </a:ext>
+            </a:extLst>
+          </p:cNvPr>
+          <p:cNvGraphicFramePr>
+            <a:graphicFrameLocks/>
+          </p:cNvGraphicFramePr>
+          <p:nvPr>
+            <p:extLst>
+              <p:ext uri="{D42A27DB-BD31-4B8C-83A1-F6EECF244321}">
+                <p14:modId xmlns:p14="http://schemas.microsoft.com/office/powerpoint/2010/main" val="680234752"/>
+              </p:ext>
+            </p:extLst>
+          </p:nvPr>
+        </p:nvGraphicFramePr>
+        <p:xfrm>
+          <a:off x="1469570" y="951956"/>
+          <a:ext cx="6414407" cy="3848644"/>
+        </p:xfrm>
+        <a:graphic>
+          <a:graphicData uri="http://schemas.openxmlformats.org/drawingml/2006/chart">
+            <c:chart xmlns:c="http://schemas.openxmlformats.org/drawingml/2006/chart" xmlns:r="http://schemas.openxmlformats.org/officeDocument/2006/relationships" r:id="rId2"/>
+          </a:graphicData>
+        </a:graphic>
+      </p:graphicFrame>
     </p:spTree>
     <p:extLst>
       <p:ext uri="{BB962C8B-B14F-4D97-AF65-F5344CB8AC3E}">
@@ -11338,36 +9336,6 @@
           </a:p>
         </p:txBody>
       </p:sp>
-      <p:graphicFrame>
-        <p:nvGraphicFramePr>
-          <p:cNvPr id="2" name="Диаграмма 1">
-            <a:extLst>
-              <a:ext uri="{FF2B5EF4-FFF2-40B4-BE49-F238E27FC236}">
-                <a16:creationId xmlns:a16="http://schemas.microsoft.com/office/drawing/2014/main" id="{2F8D70DA-0326-B834-3980-B07F739AF473}"/>
-              </a:ext>
-            </a:extLst>
-          </p:cNvPr>
-          <p:cNvGraphicFramePr>
-            <a:graphicFrameLocks/>
-          </p:cNvGraphicFramePr>
-          <p:nvPr>
-            <p:extLst>
-              <p:ext uri="{D42A27DB-BD31-4B8C-83A1-F6EECF244321}">
-                <p14:modId xmlns:p14="http://schemas.microsoft.com/office/powerpoint/2010/main" val="2247087481"/>
-              </p:ext>
-            </p:extLst>
-          </p:nvPr>
-        </p:nvGraphicFramePr>
-        <p:xfrm>
-          <a:off x="1042651" y="942975"/>
-          <a:ext cx="7058698" cy="4057595"/>
-        </p:xfrm>
-        <a:graphic>
-          <a:graphicData uri="http://schemas.openxmlformats.org/drawingml/2006/chart">
-            <c:chart xmlns:c="http://schemas.openxmlformats.org/drawingml/2006/chart" xmlns:r="http://schemas.openxmlformats.org/officeDocument/2006/relationships" r:id="rId2"/>
-          </a:graphicData>
-        </a:graphic>
-      </p:graphicFrame>
       <p:sp>
         <p:nvSpPr>
           <p:cNvPr id="4" name="Прямоугольник: скругленные углы 3">
@@ -11480,6 +9448,36 @@
           </a:p>
         </p:txBody>
       </p:sp>
+      <p:graphicFrame>
+        <p:nvGraphicFramePr>
+          <p:cNvPr id="3" name="Диаграмма 2">
+            <a:extLst>
+              <a:ext uri="{FF2B5EF4-FFF2-40B4-BE49-F238E27FC236}">
+                <a16:creationId xmlns:a16="http://schemas.microsoft.com/office/drawing/2014/main" id="{FB405C3B-DE0B-FC6E-4AB4-23DC2731EFA8}"/>
+              </a:ext>
+            </a:extLst>
+          </p:cNvPr>
+          <p:cNvGraphicFramePr>
+            <a:graphicFrameLocks/>
+          </p:cNvGraphicFramePr>
+          <p:nvPr>
+            <p:extLst>
+              <p:ext uri="{D42A27DB-BD31-4B8C-83A1-F6EECF244321}">
+                <p14:modId xmlns:p14="http://schemas.microsoft.com/office/powerpoint/2010/main" val="3835271258"/>
+              </p:ext>
+            </p:extLst>
+          </p:nvPr>
+        </p:nvGraphicFramePr>
+        <p:xfrm>
+          <a:off x="1368834" y="1077006"/>
+          <a:ext cx="6246812" cy="3748087"/>
+        </p:xfrm>
+        <a:graphic>
+          <a:graphicData uri="http://schemas.openxmlformats.org/drawingml/2006/chart">
+            <c:chart xmlns:c="http://schemas.openxmlformats.org/drawingml/2006/chart" xmlns:r="http://schemas.openxmlformats.org/officeDocument/2006/relationships" r:id="rId2"/>
+          </a:graphicData>
+        </a:graphic>
+      </p:graphicFrame>
     </p:spTree>
     <p:extLst>
       <p:ext uri="{BB962C8B-B14F-4D97-AF65-F5344CB8AC3E}">
@@ -12288,8 +10286,8 @@
             </p:nvSpPr>
             <p:spPr>
               <a:xfrm>
-                <a:off x="611186" y="1829016"/>
-                <a:ext cx="7921626" cy="1782796"/>
+                <a:off x="611188" y="1448639"/>
+                <a:ext cx="7921626" cy="877869"/>
               </a:xfrm>
               <a:prstGeom prst="rect">
                 <a:avLst/>
@@ -12514,16 +10512,92 @@
                     <a:ea typeface="Times New Roman" panose="02020603050405020304" pitchFamily="18" charset="0"/>
                     <a:cs typeface="Rubik" pitchFamily="2" charset="-79"/>
                   </a:rPr>
-                  <a:t> и множество запросов. Каждый запрос характеризуется </a:t>
+                  <a:t> и множество запросов. </a:t>
                 </a:r>
+              </a:p>
+            </p:txBody>
+          </p:sp>
+        </mc:Choice>
+        <mc:Fallback>
+          <p:sp>
+            <p:nvSpPr>
+              <p:cNvPr id="10" name="TextBox 9">
+                <a:extLst>
+                  <a:ext uri="{FF2B5EF4-FFF2-40B4-BE49-F238E27FC236}">
+                    <a16:creationId xmlns:a16="http://schemas.microsoft.com/office/drawing/2014/main" id="{F8B590C5-EFF4-4815-4F66-15F78D4D3836}"/>
+                  </a:ext>
+                </a:extLst>
+              </p:cNvPr>
+              <p:cNvSpPr txBox="1">
+                <a:spLocks noRot="1" noChangeAspect="1" noMove="1" noResize="1" noEditPoints="1" noAdjustHandles="1" noChangeArrowheads="1" noChangeShapeType="1" noTextEdit="1"/>
+              </p:cNvSpPr>
+              <p:nvPr/>
+            </p:nvSpPr>
+            <p:spPr>
+              <a:xfrm>
+                <a:off x="611188" y="1448639"/>
+                <a:ext cx="7921626" cy="877869"/>
+              </a:xfrm>
+              <a:prstGeom prst="rect">
+                <a:avLst/>
+              </a:prstGeom>
+              <a:blipFill>
+                <a:blip r:embed="rId2"/>
+                <a:stretch>
+                  <a:fillRect l="-615" r="-615" b="-10417"/>
+                </a:stretch>
+              </a:blipFill>
+            </p:spPr>
+            <p:txBody>
+              <a:bodyPr/>
+              <a:lstStyle/>
+              <a:p>
                 <a:r>
-                  <a:rPr lang="ru-RU" dirty="0">
-                    <a:latin typeface="Rubik" pitchFamily="2" charset="-79"/>
-                    <a:ea typeface="Times New Roman" panose="02020603050405020304" pitchFamily="18" charset="0"/>
-                    <a:cs typeface="Rubik" pitchFamily="2" charset="-79"/>
+                  <a:rPr lang="ru-RU">
+                    <a:noFill/>
                   </a:rPr>
-                  <a:t>интервалом</a:t>
+                  <a:t> </a:t>
                 </a:r>
+              </a:p>
+            </p:txBody>
+          </p:sp>
+        </mc:Fallback>
+      </mc:AlternateContent>
+      <mc:AlternateContent xmlns:mc="http://schemas.openxmlformats.org/markup-compatibility/2006">
+        <mc:Choice xmlns:a14="http://schemas.microsoft.com/office/drawing/2010/main" Requires="a14">
+          <p:sp>
+            <p:nvSpPr>
+              <p:cNvPr id="2" name="TextBox 1">
+                <a:extLst>
+                  <a:ext uri="{FF2B5EF4-FFF2-40B4-BE49-F238E27FC236}">
+                    <a16:creationId xmlns:a16="http://schemas.microsoft.com/office/drawing/2014/main" id="{9A6CD74C-1A69-4272-A552-B5D8E41AD0EB}"/>
+                  </a:ext>
+                </a:extLst>
+              </p:cNvPr>
+              <p:cNvSpPr txBox="1"/>
+              <p:nvPr/>
+            </p:nvSpPr>
+            <p:spPr>
+              <a:xfrm>
+                <a:off x="611188" y="3170712"/>
+                <a:ext cx="7921626" cy="918906"/>
+              </a:xfrm>
+              <a:prstGeom prst="rect">
+                <a:avLst/>
+              </a:prstGeom>
+              <a:noFill/>
+            </p:spPr>
+            <p:txBody>
+              <a:bodyPr wrap="square">
+                <a:spAutoFit/>
+              </a:bodyPr>
+              <a:lstStyle/>
+              <a:p>
+                <a:pPr algn="just">
+                  <a:lnSpc>
+                    <a:spcPct val="150000"/>
+                  </a:lnSpc>
+                </a:pPr>
                 <a:r>
                   <a:rPr lang="ru-RU" sz="1800" dirty="0">
                     <a:effectLst/>
@@ -12531,106 +10605,7 @@
                     <a:ea typeface="Times New Roman" panose="02020603050405020304" pitchFamily="18" charset="0"/>
                     <a:cs typeface="Rubik" pitchFamily="2" charset="-79"/>
                   </a:rPr>
-                  <a:t> </a:t>
-                </a:r>
-                <a14:m>
-                  <m:oMath xmlns:m="http://schemas.openxmlformats.org/officeDocument/2006/math">
-                    <m:r>
-                      <a:rPr lang="en-US" sz="1800" b="0" i="0" smtClean="0">
-                        <a:effectLst/>
-                        <a:latin typeface="Cambria Math" panose="02040503050406030204" pitchFamily="18" charset="0"/>
-                        <a:ea typeface="Times New Roman" panose="02020603050405020304" pitchFamily="18" charset="0"/>
-                      </a:rPr>
-                      <m:t>[</m:t>
-                    </m:r>
-                    <m:sSub>
-                      <m:sSubPr>
-                        <m:ctrlPr>
-                          <a:rPr lang="ru-RU" sz="1800" i="1">
-                            <a:effectLst/>
-                            <a:latin typeface="Cambria Math" panose="02040503050406030204" pitchFamily="18" charset="0"/>
-                            <a:ea typeface="Times New Roman" panose="02020603050405020304" pitchFamily="18" charset="0"/>
-                          </a:rPr>
-                        </m:ctrlPr>
-                      </m:sSubPr>
-                      <m:e>
-                        <m:r>
-                          <a:rPr lang="ru-RU" sz="1800" i="1">
-                            <a:effectLst/>
-                            <a:latin typeface="Cambria Math" panose="02040503050406030204" pitchFamily="18" charset="0"/>
-                            <a:ea typeface="Times New Roman" panose="02020603050405020304" pitchFamily="18" charset="0"/>
-                          </a:rPr>
-                          <m:t>𝑞</m:t>
-                        </m:r>
-                      </m:e>
-                      <m:sub>
-                        <m:r>
-                          <a:rPr lang="ru-RU" sz="1800" i="1">
-                            <a:effectLst/>
-                            <a:latin typeface="Cambria Math" panose="02040503050406030204" pitchFamily="18" charset="0"/>
-                            <a:ea typeface="Times New Roman" panose="02020603050405020304" pitchFamily="18" charset="0"/>
-                          </a:rPr>
-                          <m:t>𝑥</m:t>
-                        </m:r>
-                      </m:sub>
-                    </m:sSub>
-                    <m:r>
-                      <a:rPr lang="en-US" sz="1800" b="0" i="1" smtClean="0">
-                        <a:effectLst/>
-                        <a:latin typeface="Cambria Math" panose="02040503050406030204" pitchFamily="18" charset="0"/>
-                        <a:ea typeface="Times New Roman" panose="02020603050405020304" pitchFamily="18" charset="0"/>
-                      </a:rPr>
-                      <m:t>,</m:t>
-                    </m:r>
-                    <m:sSub>
-                      <m:sSubPr>
-                        <m:ctrlPr>
-                          <a:rPr lang="en-US" sz="1800" b="0" i="1" smtClean="0">
-                            <a:effectLst/>
-                            <a:latin typeface="Cambria Math" panose="02040503050406030204" pitchFamily="18" charset="0"/>
-                            <a:ea typeface="Times New Roman" panose="02020603050405020304" pitchFamily="18" charset="0"/>
-                          </a:rPr>
-                        </m:ctrlPr>
-                      </m:sSubPr>
-                      <m:e>
-                        <m:r>
-                          <a:rPr lang="en-US" sz="1800" b="0" i="1" smtClean="0">
-                            <a:effectLst/>
-                            <a:latin typeface="Cambria Math" panose="02040503050406030204" pitchFamily="18" charset="0"/>
-                            <a:ea typeface="Times New Roman" panose="02020603050405020304" pitchFamily="18" charset="0"/>
-                          </a:rPr>
-                          <m:t>𝑞</m:t>
-                        </m:r>
-                      </m:e>
-                      <m:sub>
-                        <m:r>
-                          <a:rPr lang="en-US" sz="1800" b="0" i="1" smtClean="0">
-                            <a:effectLst/>
-                            <a:latin typeface="Cambria Math" panose="02040503050406030204" pitchFamily="18" charset="0"/>
-                            <a:ea typeface="Times New Roman" panose="02020603050405020304" pitchFamily="18" charset="0"/>
-                          </a:rPr>
-                          <m:t>𝑦</m:t>
-                        </m:r>
-                      </m:sub>
-                    </m:sSub>
-                    <m:r>
-                      <a:rPr lang="en-US" sz="1800" b="0" i="1" smtClean="0">
-                        <a:effectLst/>
-                        <a:latin typeface="Cambria Math" panose="02040503050406030204" pitchFamily="18" charset="0"/>
-                        <a:ea typeface="Times New Roman" panose="02020603050405020304" pitchFamily="18" charset="0"/>
-                      </a:rPr>
-                      <m:t>]</m:t>
-                    </m:r>
-                  </m:oMath>
-                </a14:m>
-                <a:r>
-                  <a:rPr lang="ru-RU" sz="1800" dirty="0">
-                    <a:effectLst/>
-                    <a:latin typeface="Rubik" pitchFamily="2" charset="-79"/>
-                    <a:ea typeface="Times New Roman" panose="02020603050405020304" pitchFamily="18" charset="0"/>
-                    <a:cs typeface="Rubik" pitchFamily="2" charset="-79"/>
-                  </a:rPr>
-                  <a:t>. Для каждого запроса необходимо определить </a:t>
+                  <a:t>Для каждого запроса необходимо определить </a:t>
                 </a:r>
                 <a:r>
                   <a:rPr lang="ru-RU" dirty="0">
@@ -12792,10 +10767,10 @@
         <mc:Fallback>
           <p:sp>
             <p:nvSpPr>
-              <p:cNvPr id="10" name="TextBox 9">
+              <p:cNvPr id="2" name="TextBox 1">
                 <a:extLst>
                   <a:ext uri="{FF2B5EF4-FFF2-40B4-BE49-F238E27FC236}">
-                    <a16:creationId xmlns:a16="http://schemas.microsoft.com/office/drawing/2014/main" id="{F8B590C5-EFF4-4815-4F66-15F78D4D3836}"/>
+                    <a16:creationId xmlns:a16="http://schemas.microsoft.com/office/drawing/2014/main" id="{9A6CD74C-1A69-4272-A552-B5D8E41AD0EB}"/>
                   </a:ext>
                 </a:extLst>
               </p:cNvPr>
@@ -12806,16 +10781,197 @@
             </p:nvSpPr>
             <p:spPr>
               <a:xfrm>
-                <a:off x="611186" y="1829016"/>
-                <a:ext cx="7921626" cy="1782796"/>
+                <a:off x="611188" y="3170712"/>
+                <a:ext cx="7921626" cy="918906"/>
               </a:xfrm>
               <a:prstGeom prst="rect">
                 <a:avLst/>
               </a:prstGeom>
               <a:blipFill>
-                <a:blip r:embed="rId2"/>
+                <a:blip r:embed="rId3"/>
                 <a:stretch>
-                  <a:fillRect l="-615" r="-615" b="-3767"/>
+                  <a:fillRect l="-615" r="-615" b="-7285"/>
+                </a:stretch>
+              </a:blipFill>
+            </p:spPr>
+            <p:txBody>
+              <a:bodyPr/>
+              <a:lstStyle/>
+              <a:p>
+                <a:r>
+                  <a:rPr lang="ru-RU">
+                    <a:noFill/>
+                  </a:rPr>
+                  <a:t> </a:t>
+                </a:r>
+              </a:p>
+            </p:txBody>
+          </p:sp>
+        </mc:Fallback>
+      </mc:AlternateContent>
+      <mc:AlternateContent xmlns:mc="http://schemas.openxmlformats.org/markup-compatibility/2006">
+        <mc:Choice xmlns:a14="http://schemas.microsoft.com/office/drawing/2010/main" Requires="a14">
+          <p:sp>
+            <p:nvSpPr>
+              <p:cNvPr id="3" name="TextBox 2">
+                <a:extLst>
+                  <a:ext uri="{FF2B5EF4-FFF2-40B4-BE49-F238E27FC236}">
+                    <a16:creationId xmlns:a16="http://schemas.microsoft.com/office/drawing/2014/main" id="{87146962-8949-AB3B-C760-D478E9A8938A}"/>
+                  </a:ext>
+                </a:extLst>
+              </p:cNvPr>
+              <p:cNvSpPr txBox="1"/>
+              <p:nvPr/>
+            </p:nvSpPr>
+            <p:spPr>
+              <a:xfrm>
+                <a:off x="611188" y="2440865"/>
+                <a:ext cx="7921626" cy="615490"/>
+              </a:xfrm>
+              <a:prstGeom prst="rect">
+                <a:avLst/>
+              </a:prstGeom>
+              <a:noFill/>
+            </p:spPr>
+            <p:txBody>
+              <a:bodyPr wrap="square">
+                <a:spAutoFit/>
+              </a:bodyPr>
+              <a:lstStyle/>
+              <a:p>
+                <a:pPr algn="just">
+                  <a:lnSpc>
+                    <a:spcPct val="200000"/>
+                  </a:lnSpc>
+                </a:pPr>
+                <a:r>
+                  <a:rPr lang="ru-RU" dirty="0">
+                    <a:latin typeface="Rubik" pitchFamily="2" charset="-79"/>
+                    <a:ea typeface="Times New Roman" panose="02020603050405020304" pitchFamily="18" charset="0"/>
+                    <a:cs typeface="Rubik" pitchFamily="2" charset="-79"/>
+                  </a:rPr>
+                  <a:t>Каждый запрос характеризуется интервалом </a:t>
+                </a:r>
+                <a14:m>
+                  <m:oMath xmlns:m="http://schemas.openxmlformats.org/officeDocument/2006/math">
+                    <m:r>
+                      <a:rPr lang="en-US">
+                        <a:latin typeface="Cambria Math" panose="02040503050406030204" pitchFamily="18" charset="0"/>
+                        <a:ea typeface="Times New Roman" panose="02020603050405020304" pitchFamily="18" charset="0"/>
+                      </a:rPr>
+                      <m:t>[</m:t>
+                    </m:r>
+                    <m:sSub>
+                      <m:sSubPr>
+                        <m:ctrlPr>
+                          <a:rPr lang="ru-RU" i="1">
+                            <a:latin typeface="Cambria Math" panose="02040503050406030204" pitchFamily="18" charset="0"/>
+                            <a:ea typeface="Times New Roman" panose="02020603050405020304" pitchFamily="18" charset="0"/>
+                          </a:rPr>
+                        </m:ctrlPr>
+                      </m:sSubPr>
+                      <m:e>
+                        <m:r>
+                          <a:rPr lang="ru-RU" i="1">
+                            <a:latin typeface="Cambria Math" panose="02040503050406030204" pitchFamily="18" charset="0"/>
+                            <a:ea typeface="Times New Roman" panose="02020603050405020304" pitchFamily="18" charset="0"/>
+                          </a:rPr>
+                          <m:t>𝑞</m:t>
+                        </m:r>
+                      </m:e>
+                      <m:sub>
+                        <m:r>
+                          <a:rPr lang="ru-RU" i="1">
+                            <a:latin typeface="Cambria Math" panose="02040503050406030204" pitchFamily="18" charset="0"/>
+                            <a:ea typeface="Times New Roman" panose="02020603050405020304" pitchFamily="18" charset="0"/>
+                          </a:rPr>
+                          <m:t>𝑥</m:t>
+                        </m:r>
+                      </m:sub>
+                    </m:sSub>
+                    <m:r>
+                      <a:rPr lang="en-US" i="1">
+                        <a:latin typeface="Cambria Math" panose="02040503050406030204" pitchFamily="18" charset="0"/>
+                        <a:ea typeface="Times New Roman" panose="02020603050405020304" pitchFamily="18" charset="0"/>
+                      </a:rPr>
+                      <m:t>,</m:t>
+                    </m:r>
+                    <m:sSub>
+                      <m:sSubPr>
+                        <m:ctrlPr>
+                          <a:rPr lang="en-US" i="1">
+                            <a:latin typeface="Cambria Math" panose="02040503050406030204" pitchFamily="18" charset="0"/>
+                            <a:ea typeface="Times New Roman" panose="02020603050405020304" pitchFamily="18" charset="0"/>
+                          </a:rPr>
+                        </m:ctrlPr>
+                      </m:sSubPr>
+                      <m:e>
+                        <m:r>
+                          <a:rPr lang="en-US" i="1">
+                            <a:latin typeface="Cambria Math" panose="02040503050406030204" pitchFamily="18" charset="0"/>
+                            <a:ea typeface="Times New Roman" panose="02020603050405020304" pitchFamily="18" charset="0"/>
+                          </a:rPr>
+                          <m:t>𝑞</m:t>
+                        </m:r>
+                      </m:e>
+                      <m:sub>
+                        <m:r>
+                          <a:rPr lang="en-US" i="1">
+                            <a:latin typeface="Cambria Math" panose="02040503050406030204" pitchFamily="18" charset="0"/>
+                            <a:ea typeface="Times New Roman" panose="02020603050405020304" pitchFamily="18" charset="0"/>
+                          </a:rPr>
+                          <m:t>𝑦</m:t>
+                        </m:r>
+                      </m:sub>
+                    </m:sSub>
+                    <m:r>
+                      <a:rPr lang="en-US" i="1">
+                        <a:latin typeface="Cambria Math" panose="02040503050406030204" pitchFamily="18" charset="0"/>
+                        <a:ea typeface="Times New Roman" panose="02020603050405020304" pitchFamily="18" charset="0"/>
+                      </a:rPr>
+                      <m:t>]</m:t>
+                    </m:r>
+                  </m:oMath>
+                </a14:m>
+                <a:r>
+                  <a:rPr lang="ru-RU" dirty="0">
+                    <a:latin typeface="Rubik" pitchFamily="2" charset="-79"/>
+                    <a:ea typeface="Times New Roman" panose="02020603050405020304" pitchFamily="18" charset="0"/>
+                    <a:cs typeface="Rubik" pitchFamily="2" charset="-79"/>
+                  </a:rPr>
+                  <a:t>. </a:t>
+                </a:r>
+              </a:p>
+            </p:txBody>
+          </p:sp>
+        </mc:Choice>
+        <mc:Fallback>
+          <p:sp>
+            <p:nvSpPr>
+              <p:cNvPr id="3" name="TextBox 2">
+                <a:extLst>
+                  <a:ext uri="{FF2B5EF4-FFF2-40B4-BE49-F238E27FC236}">
+                    <a16:creationId xmlns:a16="http://schemas.microsoft.com/office/drawing/2014/main" id="{87146962-8949-AB3B-C760-D478E9A8938A}"/>
+                  </a:ext>
+                </a:extLst>
+              </p:cNvPr>
+              <p:cNvSpPr txBox="1">
+                <a:spLocks noRot="1" noChangeAspect="1" noMove="1" noResize="1" noEditPoints="1" noAdjustHandles="1" noChangeArrowheads="1" noChangeShapeType="1" noTextEdit="1"/>
+              </p:cNvSpPr>
+              <p:nvPr/>
+            </p:nvSpPr>
+            <p:spPr>
+              <a:xfrm>
+                <a:off x="611188" y="2440865"/>
+                <a:ext cx="7921626" cy="615490"/>
+              </a:xfrm>
+              <a:prstGeom prst="rect">
+                <a:avLst/>
+              </a:prstGeom>
+              <a:blipFill>
+                <a:blip r:embed="rId4"/>
+                <a:stretch>
+                  <a:fillRect l="-615" b="-11881"/>
                 </a:stretch>
               </a:blipFill>
             </p:spPr>
@@ -12897,7 +11053,7 @@
                 <a:latin typeface="Rubik" pitchFamily="2" charset="-79"/>
                 <a:cs typeface="Rubik" pitchFamily="2" charset="-79"/>
               </a:rPr>
-              <a:t>Характеристика</a:t>
+              <a:t>Характеристики</a:t>
             </a:r>
           </a:p>
         </p:txBody>
@@ -13074,8 +11230,8 @@
             </p:nvSpPr>
             <p:spPr>
               <a:xfrm>
-                <a:off x="548637" y="1925162"/>
-                <a:ext cx="8487095" cy="1708673"/>
+                <a:off x="548637" y="2020022"/>
+                <a:ext cx="8487095" cy="877676"/>
               </a:xfrm>
               <a:prstGeom prst="rect">
                 <a:avLst/>
@@ -13087,94 +11243,6 @@
                 <a:spAutoFit/>
               </a:bodyPr>
               <a:lstStyle/>
-              <a:p>
-                <a:pPr algn="just">
-                  <a:lnSpc>
-                    <a:spcPct val="150000"/>
-                  </a:lnSpc>
-                </a:pPr>
-                <a:r>
-                  <a:rPr lang="ru-RU" sz="1800" dirty="0">
-                    <a:effectLst/>
-                    <a:latin typeface="Rubik" pitchFamily="2" charset="-79"/>
-                    <a:ea typeface="Times New Roman" panose="02020603050405020304" pitchFamily="18" charset="0"/>
-                    <a:cs typeface="Rubik" pitchFamily="2" charset="-79"/>
-                  </a:rPr>
-                  <a:t>Построение дерева интервалов занимает время </a:t>
-                </a:r>
-                <a14:m>
-                  <m:oMath xmlns:m="http://schemas.openxmlformats.org/officeDocument/2006/math">
-                    <m:r>
-                      <a:rPr lang="ru-RU" sz="1800" i="1">
-                        <a:effectLst/>
-                        <a:latin typeface="Cambria Math" panose="02040503050406030204" pitchFamily="18" charset="0"/>
-                        <a:ea typeface="Times New Roman" panose="02020603050405020304" pitchFamily="18" charset="0"/>
-                      </a:rPr>
-                      <m:t>𝑂</m:t>
-                    </m:r>
-                    <m:d>
-                      <m:dPr>
-                        <m:ctrlPr>
-                          <a:rPr lang="ru-RU" sz="1800" i="1">
-                            <a:effectLst/>
-                            <a:latin typeface="Cambria Math" panose="02040503050406030204" pitchFamily="18" charset="0"/>
-                            <a:ea typeface="Times New Roman" panose="02020603050405020304" pitchFamily="18" charset="0"/>
-                          </a:rPr>
-                        </m:ctrlPr>
-                      </m:dPr>
-                      <m:e>
-                        <m:r>
-                          <a:rPr lang="ru-RU" sz="1800" i="1">
-                            <a:effectLst/>
-                            <a:latin typeface="Cambria Math" panose="02040503050406030204" pitchFamily="18" charset="0"/>
-                            <a:ea typeface="Times New Roman" panose="02020603050405020304" pitchFamily="18" charset="0"/>
-                          </a:rPr>
-                          <m:t>𝑛</m:t>
-                        </m:r>
-                        <m:func>
-                          <m:funcPr>
-                            <m:ctrlPr>
-                              <a:rPr lang="ru-RU" sz="1800" i="1">
-                                <a:effectLst/>
-                                <a:latin typeface="Cambria Math" panose="02040503050406030204" pitchFamily="18" charset="0"/>
-                                <a:ea typeface="Times New Roman" panose="02020603050405020304" pitchFamily="18" charset="0"/>
-                              </a:rPr>
-                            </m:ctrlPr>
-                          </m:funcPr>
-                          <m:fName>
-                            <m:r>
-                              <m:rPr>
-                                <m:sty m:val="p"/>
-                              </m:rPr>
-                              <a:rPr lang="ru-RU" sz="1800">
-                                <a:effectLst/>
-                                <a:latin typeface="Cambria Math" panose="02040503050406030204" pitchFamily="18" charset="0"/>
-                                <a:ea typeface="Times New Roman" panose="02020603050405020304" pitchFamily="18" charset="0"/>
-                              </a:rPr>
-                              <m:t>log</m:t>
-                            </m:r>
-                          </m:fName>
-                          <m:e>
-                            <m:r>
-                              <a:rPr lang="ru-RU" sz="1800" i="1">
-                                <a:effectLst/>
-                                <a:latin typeface="Cambria Math" panose="02040503050406030204" pitchFamily="18" charset="0"/>
-                                <a:ea typeface="Times New Roman" panose="02020603050405020304" pitchFamily="18" charset="0"/>
-                              </a:rPr>
-                              <m:t>𝑛</m:t>
-                            </m:r>
-                          </m:e>
-                        </m:func>
-                      </m:e>
-                    </m:d>
-                  </m:oMath>
-                </a14:m>
-                <a:endParaRPr lang="ru-RU" sz="1800" dirty="0">
-                  <a:effectLst/>
-                  <a:latin typeface="Rubik" pitchFamily="2" charset="-79"/>
-                  <a:ea typeface="Times New Roman" panose="02020603050405020304" pitchFamily="18" charset="0"/>
-                </a:endParaRPr>
-              </a:p>
               <a:p>
                 <a:pPr algn="just">
                   <a:lnSpc>
@@ -13299,6 +11367,239 @@
                   <a:t> – размер ответа на запрос.</a:t>
                 </a:r>
               </a:p>
+            </p:txBody>
+          </p:sp>
+        </mc:Choice>
+        <mc:Fallback>
+          <p:sp>
+            <p:nvSpPr>
+              <p:cNvPr id="10" name="TextBox 9">
+                <a:extLst>
+                  <a:ext uri="{FF2B5EF4-FFF2-40B4-BE49-F238E27FC236}">
+                    <a16:creationId xmlns:a16="http://schemas.microsoft.com/office/drawing/2014/main" id="{F8B590C5-EFF4-4815-4F66-15F78D4D3836}"/>
+                  </a:ext>
+                </a:extLst>
+              </p:cNvPr>
+              <p:cNvSpPr txBox="1">
+                <a:spLocks noRot="1" noChangeAspect="1" noMove="1" noResize="1" noEditPoints="1" noAdjustHandles="1" noChangeArrowheads="1" noChangeShapeType="1" noTextEdit="1"/>
+              </p:cNvSpPr>
+              <p:nvPr/>
+            </p:nvSpPr>
+            <p:spPr>
+              <a:xfrm>
+                <a:off x="548637" y="2020022"/>
+                <a:ext cx="8487095" cy="877676"/>
+              </a:xfrm>
+              <a:prstGeom prst="rect">
+                <a:avLst/>
+              </a:prstGeom>
+              <a:blipFill>
+                <a:blip r:embed="rId2"/>
+                <a:stretch>
+                  <a:fillRect l="-575" r="-575" b="-10417"/>
+                </a:stretch>
+              </a:blipFill>
+            </p:spPr>
+            <p:txBody>
+              <a:bodyPr/>
+              <a:lstStyle/>
+              <a:p>
+                <a:r>
+                  <a:rPr lang="ru-RU">
+                    <a:noFill/>
+                  </a:rPr>
+                  <a:t> </a:t>
+                </a:r>
+              </a:p>
+            </p:txBody>
+          </p:sp>
+        </mc:Fallback>
+      </mc:AlternateContent>
+      <mc:AlternateContent xmlns:mc="http://schemas.openxmlformats.org/markup-compatibility/2006">
+        <mc:Choice xmlns:a14="http://schemas.microsoft.com/office/drawing/2010/main" Requires="a14">
+          <p:sp>
+            <p:nvSpPr>
+              <p:cNvPr id="3" name="TextBox 2">
+                <a:extLst>
+                  <a:ext uri="{FF2B5EF4-FFF2-40B4-BE49-F238E27FC236}">
+                    <a16:creationId xmlns:a16="http://schemas.microsoft.com/office/drawing/2014/main" id="{8254BD6D-1569-2B3A-3DF3-5B34CA962467}"/>
+                  </a:ext>
+                </a:extLst>
+              </p:cNvPr>
+              <p:cNvSpPr txBox="1"/>
+              <p:nvPr/>
+            </p:nvSpPr>
+            <p:spPr>
+              <a:xfrm>
+                <a:off x="548637" y="1500759"/>
+                <a:ext cx="7315203" cy="369332"/>
+              </a:xfrm>
+              <a:prstGeom prst="rect">
+                <a:avLst/>
+              </a:prstGeom>
+              <a:noFill/>
+            </p:spPr>
+            <p:txBody>
+              <a:bodyPr wrap="square">
+                <a:spAutoFit/>
+              </a:bodyPr>
+              <a:lstStyle/>
+              <a:p>
+                <a:r>
+                  <a:rPr lang="ru-RU" sz="1800" dirty="0">
+                    <a:effectLst/>
+                    <a:latin typeface="Rubik" pitchFamily="2" charset="-79"/>
+                    <a:ea typeface="Times New Roman" panose="02020603050405020304" pitchFamily="18" charset="0"/>
+                    <a:cs typeface="Rubik" pitchFamily="2" charset="-79"/>
+                  </a:rPr>
+                  <a:t>Построение дерева интервалов занимает время </a:t>
+                </a:r>
+                <a14:m>
+                  <m:oMath xmlns:m="http://schemas.openxmlformats.org/officeDocument/2006/math">
+                    <m:r>
+                      <a:rPr lang="ru-RU" sz="1800" i="1">
+                        <a:effectLst/>
+                        <a:latin typeface="Cambria Math" panose="02040503050406030204" pitchFamily="18" charset="0"/>
+                        <a:ea typeface="Times New Roman" panose="02020603050405020304" pitchFamily="18" charset="0"/>
+                      </a:rPr>
+                      <m:t>𝑂</m:t>
+                    </m:r>
+                    <m:d>
+                      <m:dPr>
+                        <m:ctrlPr>
+                          <a:rPr lang="ru-RU" sz="1800" i="1">
+                            <a:effectLst/>
+                            <a:latin typeface="Cambria Math" panose="02040503050406030204" pitchFamily="18" charset="0"/>
+                            <a:ea typeface="Times New Roman" panose="02020603050405020304" pitchFamily="18" charset="0"/>
+                          </a:rPr>
+                        </m:ctrlPr>
+                      </m:dPr>
+                      <m:e>
+                        <m:r>
+                          <a:rPr lang="ru-RU" sz="1800" i="1">
+                            <a:effectLst/>
+                            <a:latin typeface="Cambria Math" panose="02040503050406030204" pitchFamily="18" charset="0"/>
+                            <a:ea typeface="Times New Roman" panose="02020603050405020304" pitchFamily="18" charset="0"/>
+                          </a:rPr>
+                          <m:t>𝑛</m:t>
+                        </m:r>
+                        <m:func>
+                          <m:funcPr>
+                            <m:ctrlPr>
+                              <a:rPr lang="ru-RU" sz="1800" i="1">
+                                <a:effectLst/>
+                                <a:latin typeface="Cambria Math" panose="02040503050406030204" pitchFamily="18" charset="0"/>
+                                <a:ea typeface="Times New Roman" panose="02020603050405020304" pitchFamily="18" charset="0"/>
+                              </a:rPr>
+                            </m:ctrlPr>
+                          </m:funcPr>
+                          <m:fName>
+                            <m:r>
+                              <m:rPr>
+                                <m:sty m:val="p"/>
+                              </m:rPr>
+                              <a:rPr lang="ru-RU" sz="1800">
+                                <a:effectLst/>
+                                <a:latin typeface="Cambria Math" panose="02040503050406030204" pitchFamily="18" charset="0"/>
+                                <a:ea typeface="Times New Roman" panose="02020603050405020304" pitchFamily="18" charset="0"/>
+                              </a:rPr>
+                              <m:t>log</m:t>
+                            </m:r>
+                          </m:fName>
+                          <m:e>
+                            <m:r>
+                              <a:rPr lang="ru-RU" sz="1800" i="1">
+                                <a:effectLst/>
+                                <a:latin typeface="Cambria Math" panose="02040503050406030204" pitchFamily="18" charset="0"/>
+                                <a:ea typeface="Times New Roman" panose="02020603050405020304" pitchFamily="18" charset="0"/>
+                              </a:rPr>
+                              <m:t>𝑛</m:t>
+                            </m:r>
+                          </m:e>
+                        </m:func>
+                      </m:e>
+                    </m:d>
+                  </m:oMath>
+                </a14:m>
+                <a:endParaRPr lang="ru-RU" dirty="0"/>
+              </a:p>
+            </p:txBody>
+          </p:sp>
+        </mc:Choice>
+        <mc:Fallback>
+          <p:sp>
+            <p:nvSpPr>
+              <p:cNvPr id="3" name="TextBox 2">
+                <a:extLst>
+                  <a:ext uri="{FF2B5EF4-FFF2-40B4-BE49-F238E27FC236}">
+                    <a16:creationId xmlns:a16="http://schemas.microsoft.com/office/drawing/2014/main" id="{8254BD6D-1569-2B3A-3DF3-5B34CA962467}"/>
+                  </a:ext>
+                </a:extLst>
+              </p:cNvPr>
+              <p:cNvSpPr txBox="1">
+                <a:spLocks noRot="1" noChangeAspect="1" noMove="1" noResize="1" noEditPoints="1" noAdjustHandles="1" noChangeArrowheads="1" noChangeShapeType="1" noTextEdit="1"/>
+              </p:cNvSpPr>
+              <p:nvPr/>
+            </p:nvSpPr>
+            <p:spPr>
+              <a:xfrm>
+                <a:off x="548637" y="1500759"/>
+                <a:ext cx="7315203" cy="369332"/>
+              </a:xfrm>
+              <a:prstGeom prst="rect">
+                <a:avLst/>
+              </a:prstGeom>
+              <a:blipFill>
+                <a:blip r:embed="rId3"/>
+                <a:stretch>
+                  <a:fillRect l="-667" t="-8197" b="-24590"/>
+                </a:stretch>
+              </a:blipFill>
+            </p:spPr>
+            <p:txBody>
+              <a:bodyPr/>
+              <a:lstStyle/>
+              <a:p>
+                <a:r>
+                  <a:rPr lang="ru-RU">
+                    <a:noFill/>
+                  </a:rPr>
+                  <a:t> </a:t>
+                </a:r>
+              </a:p>
+            </p:txBody>
+          </p:sp>
+        </mc:Fallback>
+      </mc:AlternateContent>
+      <mc:AlternateContent xmlns:mc="http://schemas.openxmlformats.org/markup-compatibility/2006">
+        <mc:Choice xmlns:a14="http://schemas.microsoft.com/office/drawing/2010/main" Requires="a14">
+          <p:sp>
+            <p:nvSpPr>
+              <p:cNvPr id="9" name="TextBox 8">
+                <a:extLst>
+                  <a:ext uri="{FF2B5EF4-FFF2-40B4-BE49-F238E27FC236}">
+                    <a16:creationId xmlns:a16="http://schemas.microsoft.com/office/drawing/2014/main" id="{8FB4753F-0590-5652-7963-0EF1D9C2A7AC}"/>
+                  </a:ext>
+                </a:extLst>
+              </p:cNvPr>
+              <p:cNvSpPr txBox="1"/>
+              <p:nvPr/>
+            </p:nvSpPr>
+            <p:spPr>
+              <a:xfrm>
+                <a:off x="548637" y="3047628"/>
+                <a:ext cx="4767942" cy="462178"/>
+              </a:xfrm>
+              <a:prstGeom prst="rect">
+                <a:avLst/>
+              </a:prstGeom>
+              <a:noFill/>
+            </p:spPr>
+            <p:txBody>
+              <a:bodyPr wrap="square">
+                <a:spAutoFit/>
+              </a:bodyPr>
+              <a:lstStyle/>
               <a:p>
                 <a:pPr algn="just">
                   <a:lnSpc>
@@ -13362,10 +11663,10 @@
         <mc:Fallback>
           <p:sp>
             <p:nvSpPr>
-              <p:cNvPr id="10" name="TextBox 9">
+              <p:cNvPr id="9" name="TextBox 8">
                 <a:extLst>
                   <a:ext uri="{FF2B5EF4-FFF2-40B4-BE49-F238E27FC236}">
-                    <a16:creationId xmlns:a16="http://schemas.microsoft.com/office/drawing/2014/main" id="{F8B590C5-EFF4-4815-4F66-15F78D4D3836}"/>
+                    <a16:creationId xmlns:a16="http://schemas.microsoft.com/office/drawing/2014/main" id="{8FB4753F-0590-5652-7963-0EF1D9C2A7AC}"/>
                   </a:ext>
                 </a:extLst>
               </p:cNvPr>
@@ -13376,16 +11677,16 @@
             </p:nvSpPr>
             <p:spPr>
               <a:xfrm>
-                <a:off x="548637" y="1925162"/>
-                <a:ext cx="8487095" cy="1708673"/>
+                <a:off x="548637" y="3047628"/>
+                <a:ext cx="4767942" cy="462178"/>
               </a:xfrm>
               <a:prstGeom prst="rect">
                 <a:avLst/>
               </a:prstGeom>
               <a:blipFill>
-                <a:blip r:embed="rId2"/>
+                <a:blip r:embed="rId4"/>
                 <a:stretch>
-                  <a:fillRect l="-575" r="-575" b="-5000"/>
+                  <a:fillRect l="-1023" b="-21053"/>
                 </a:stretch>
               </a:blipFill>
             </p:spPr>

--- a/Дерево интервалов.pptx
+++ b/Дерево интервалов.pptx
@@ -241,10 +241,15 @@
         <c:ser>
           <c:idx val="0"/>
           <c:order val="0"/>
+          <c:tx>
+            <c:v>int</c:v>
+          </c:tx>
           <c:spPr>
             <a:ln w="19050" cap="rnd">
               <a:solidFill>
-                <a:schemeClr val="accent2"/>
+                <a:schemeClr val="accent2">
+                  <a:shade val="76000"/>
+                </a:schemeClr>
               </a:solidFill>
               <a:round/>
             </a:ln>
@@ -255,11 +260,15 @@
             <c:size val="5"/>
             <c:spPr>
               <a:solidFill>
-                <a:schemeClr val="accent2"/>
+                <a:schemeClr val="accent2">
+                  <a:shade val="76000"/>
+                </a:schemeClr>
               </a:solidFill>
               <a:ln w="9525">
                 <a:solidFill>
-                  <a:schemeClr val="accent2"/>
+                  <a:schemeClr val="accent2">
+                    <a:shade val="76000"/>
+                  </a:schemeClr>
                 </a:solidFill>
               </a:ln>
               <a:effectLst/>
@@ -267,10 +276,10 @@
           </c:marker>
           <c:xVal>
             <c:numRef>
-              <c:f>Лист1!$C$4:$C$15</c:f>
+              <c:f>Лист1!$C$4:$C$20</c:f>
               <c:numCache>
                 <c:formatCode>General</c:formatCode>
-                <c:ptCount val="12"/>
+                <c:ptCount val="17"/>
                 <c:pt idx="0">
                   <c:v>100</c:v>
                 </c:pt>
@@ -281,76 +290,106 @@
                   <c:v>1000</c:v>
                 </c:pt>
                 <c:pt idx="3">
-                  <c:v>2000</c:v>
+                  <c:v>10000</c:v>
                 </c:pt>
                 <c:pt idx="4">
-                  <c:v>5000</c:v>
+                  <c:v>50000</c:v>
                 </c:pt>
                 <c:pt idx="5">
-                  <c:v>10000</c:v>
+                  <c:v>100000</c:v>
                 </c:pt>
                 <c:pt idx="6">
-                  <c:v>50000</c:v>
+                  <c:v>200000</c:v>
                 </c:pt>
                 <c:pt idx="7">
-                  <c:v>100000</c:v>
+                  <c:v>250000</c:v>
                 </c:pt>
                 <c:pt idx="8">
                   <c:v>350000</c:v>
                 </c:pt>
                 <c:pt idx="9">
-                  <c:v>600000</c:v>
+                  <c:v>500000</c:v>
                 </c:pt>
                 <c:pt idx="10">
+                  <c:v>750000</c:v>
+                </c:pt>
+                <c:pt idx="11">
                   <c:v>1000000</c:v>
                 </c:pt>
-                <c:pt idx="11">
-                  <c:v>2000000</c:v>
+                <c:pt idx="12">
+                  <c:v>1500000</c:v>
+                </c:pt>
+                <c:pt idx="13">
+                  <c:v>2500000</c:v>
+                </c:pt>
+                <c:pt idx="14">
+                  <c:v>3500000</c:v>
+                </c:pt>
+                <c:pt idx="15">
+                  <c:v>5000000</c:v>
+                </c:pt>
+                <c:pt idx="16">
+                  <c:v>7000000</c:v>
                 </c:pt>
               </c:numCache>
             </c:numRef>
           </c:xVal>
           <c:yVal>
             <c:numRef>
-              <c:f>Лист1!$D$4:$D$15</c:f>
+              <c:f>Лист1!$D$4:$D$20</c:f>
               <c:numCache>
                 <c:formatCode>General</c:formatCode>
-                <c:ptCount val="12"/>
+                <c:ptCount val="17"/>
                 <c:pt idx="0">
-                  <c:v>0.121</c:v>
+                  <c:v>0.21609999999999999</c:v>
                 </c:pt>
                 <c:pt idx="1">
-                  <c:v>0.21</c:v>
+                  <c:v>1.3166</c:v>
                 </c:pt>
                 <c:pt idx="2">
-                  <c:v>1.46</c:v>
+                  <c:v>4.18</c:v>
                 </c:pt>
                 <c:pt idx="3">
-                  <c:v>3.2145999999999999</c:v>
+                  <c:v>43.71</c:v>
                 </c:pt>
                 <c:pt idx="4">
-                  <c:v>9.5802999999999994</c:v>
+                  <c:v>249.41</c:v>
                 </c:pt>
                 <c:pt idx="5">
-                  <c:v>20.7423</c:v>
+                  <c:v>480.24</c:v>
                 </c:pt>
                 <c:pt idx="6">
-                  <c:v>149.047</c:v>
+                  <c:v>1099.75</c:v>
                 </c:pt>
                 <c:pt idx="7">
-                  <c:v>283</c:v>
+                  <c:v>1583.48</c:v>
                 </c:pt>
                 <c:pt idx="8">
-                  <c:v>1370.86</c:v>
+                  <c:v>2022.53</c:v>
                 </c:pt>
                 <c:pt idx="9">
-                  <c:v>2912</c:v>
+                  <c:v>3247.7759999999998</c:v>
                 </c:pt>
                 <c:pt idx="10">
-                  <c:v>5398</c:v>
+                  <c:v>4713.6750000000002</c:v>
                 </c:pt>
                 <c:pt idx="11">
-                  <c:v>12284</c:v>
+                  <c:v>5384.3380999999999</c:v>
+                </c:pt>
+                <c:pt idx="12">
+                  <c:v>9130.7733000000007</c:v>
+                </c:pt>
+                <c:pt idx="13">
+                  <c:v>16975.587100000001</c:v>
+                </c:pt>
+                <c:pt idx="14">
+                  <c:v>24353.172399999999</c:v>
+                </c:pt>
+                <c:pt idx="15">
+                  <c:v>38268.494899999998</c:v>
+                </c:pt>
+                <c:pt idx="16">
+                  <c:v>55495.102899999998</c:v>
                 </c:pt>
               </c:numCache>
             </c:numRef>
@@ -358,7 +397,164 @@
           <c:smooth val="1"/>
           <c:extLst>
             <c:ext xmlns:c16="http://schemas.microsoft.com/office/drawing/2014/chart" uri="{C3380CC4-5D6E-409C-BE32-E72D297353CC}">
-              <c16:uniqueId val="{00000000-05AE-4565-ABE5-3F679CB0FAF1}"/>
+              <c16:uniqueId val="{00000000-65E1-46B8-B2B8-012038300B3D}"/>
+            </c:ext>
+          </c:extLst>
+        </c:ser>
+        <c:ser>
+          <c:idx val="1"/>
+          <c:order val="1"/>
+          <c:tx>
+            <c:v>double</c:v>
+          </c:tx>
+          <c:spPr>
+            <a:ln w="19050" cap="rnd">
+              <a:solidFill>
+                <a:schemeClr val="accent1"/>
+              </a:solidFill>
+              <a:round/>
+            </a:ln>
+            <a:effectLst/>
+          </c:spPr>
+          <c:marker>
+            <c:symbol val="circle"/>
+            <c:size val="5"/>
+            <c:spPr>
+              <a:solidFill>
+                <a:schemeClr val="accent1"/>
+              </a:solidFill>
+              <a:ln w="9525">
+                <a:solidFill>
+                  <a:schemeClr val="accent1"/>
+                </a:solidFill>
+              </a:ln>
+              <a:effectLst/>
+            </c:spPr>
+          </c:marker>
+          <c:xVal>
+            <c:numRef>
+              <c:f>Лист1!$C$4:$C$20</c:f>
+              <c:numCache>
+                <c:formatCode>General</c:formatCode>
+                <c:ptCount val="17"/>
+                <c:pt idx="0">
+                  <c:v>100</c:v>
+                </c:pt>
+                <c:pt idx="1">
+                  <c:v>500</c:v>
+                </c:pt>
+                <c:pt idx="2">
+                  <c:v>1000</c:v>
+                </c:pt>
+                <c:pt idx="3">
+                  <c:v>10000</c:v>
+                </c:pt>
+                <c:pt idx="4">
+                  <c:v>50000</c:v>
+                </c:pt>
+                <c:pt idx="5">
+                  <c:v>100000</c:v>
+                </c:pt>
+                <c:pt idx="6">
+                  <c:v>200000</c:v>
+                </c:pt>
+                <c:pt idx="7">
+                  <c:v>250000</c:v>
+                </c:pt>
+                <c:pt idx="8">
+                  <c:v>350000</c:v>
+                </c:pt>
+                <c:pt idx="9">
+                  <c:v>500000</c:v>
+                </c:pt>
+                <c:pt idx="10">
+                  <c:v>750000</c:v>
+                </c:pt>
+                <c:pt idx="11">
+                  <c:v>1000000</c:v>
+                </c:pt>
+                <c:pt idx="12">
+                  <c:v>1500000</c:v>
+                </c:pt>
+                <c:pt idx="13">
+                  <c:v>2500000</c:v>
+                </c:pt>
+                <c:pt idx="14">
+                  <c:v>3500000</c:v>
+                </c:pt>
+                <c:pt idx="15">
+                  <c:v>5000000</c:v>
+                </c:pt>
+                <c:pt idx="16">
+                  <c:v>7000000</c:v>
+                </c:pt>
+              </c:numCache>
+            </c:numRef>
+          </c:xVal>
+          <c:yVal>
+            <c:numRef>
+              <c:f>Лист1!$E$4:$E$20</c:f>
+              <c:numCache>
+                <c:formatCode>General</c:formatCode>
+                <c:ptCount val="17"/>
+                <c:pt idx="0">
+                  <c:v>8.2199999999999995E-2</c:v>
+                </c:pt>
+                <c:pt idx="1">
+                  <c:v>0.93489999999999995</c:v>
+                </c:pt>
+                <c:pt idx="2">
+                  <c:v>1.4662999999999999</c:v>
+                </c:pt>
+                <c:pt idx="3">
+                  <c:v>31.857399999999998</c:v>
+                </c:pt>
+                <c:pt idx="4">
+                  <c:v>143.5984</c:v>
+                </c:pt>
+                <c:pt idx="5">
+                  <c:v>311.42239999999998</c:v>
+                </c:pt>
+                <c:pt idx="6">
+                  <c:v>704.62649999999996</c:v>
+                </c:pt>
+                <c:pt idx="7">
+                  <c:v>970.94179999999994</c:v>
+                </c:pt>
+                <c:pt idx="8">
+                  <c:v>1410.7563</c:v>
+                </c:pt>
+                <c:pt idx="9">
+                  <c:v>2336.3679000000002</c:v>
+                </c:pt>
+                <c:pt idx="10">
+                  <c:v>3916.6091000000001</c:v>
+                </c:pt>
+                <c:pt idx="11">
+                  <c:v>5608.2394000000004</c:v>
+                </c:pt>
+                <c:pt idx="12">
+                  <c:v>9157.1735000000008</c:v>
+                </c:pt>
+                <c:pt idx="13">
+                  <c:v>17141.902699999999</c:v>
+                </c:pt>
+                <c:pt idx="14">
+                  <c:v>25450.0867</c:v>
+                </c:pt>
+                <c:pt idx="15">
+                  <c:v>38759.564100000003</c:v>
+                </c:pt>
+                <c:pt idx="16">
+                  <c:v>56622.488599999997</c:v>
+                </c:pt>
+              </c:numCache>
+            </c:numRef>
+          </c:yVal>
+          <c:smooth val="1"/>
+          <c:extLst>
+            <c:ext xmlns:c16="http://schemas.microsoft.com/office/drawing/2014/chart" uri="{C3380CC4-5D6E-409C-BE32-E72D297353CC}">
+              <c16:uniqueId val="{00000001-65E1-46B8-B2B8-012038300B3D}"/>
             </c:ext>
           </c:extLst>
         </c:ser>
@@ -370,11 +566,11 @@
           <c:showPercent val="0"/>
           <c:showBubbleSize val="0"/>
         </c:dLbls>
-        <c:axId val="708788415"/>
-        <c:axId val="708790911"/>
+        <c:axId val="1676966544"/>
+        <c:axId val="1676963632"/>
       </c:scatterChart>
       <c:valAx>
-        <c:axId val="708788415"/>
+        <c:axId val="1676966544"/>
         <c:scaling>
           <c:orientation val="minMax"/>
         </c:scaling>
@@ -394,61 +590,6 @@
             <a:effectLst/>
           </c:spPr>
         </c:majorGridlines>
-        <c:title>
-          <c:tx>
-            <c:rich>
-              <a:bodyPr rot="0" spcFirstLastPara="1" vertOverflow="ellipsis" vert="horz" wrap="square" anchor="ctr" anchorCtr="1"/>
-              <a:lstStyle/>
-              <a:p>
-                <a:pPr>
-                  <a:defRPr sz="1000" b="0" i="0" u="none" strike="noStrike" kern="1200" baseline="0">
-                    <a:solidFill>
-                      <a:schemeClr val="tx1">
-                        <a:lumMod val="65000"/>
-                        <a:lumOff val="35000"/>
-                      </a:schemeClr>
-                    </a:solidFill>
-                    <a:latin typeface="+mn-lt"/>
-                    <a:ea typeface="+mn-ea"/>
-                    <a:cs typeface="+mn-cs"/>
-                  </a:defRPr>
-                </a:pPr>
-                <a:r>
-                  <a:rPr lang="ru-RU"/>
-                  <a:t>Количество узлов</a:t>
-                </a:r>
-              </a:p>
-            </c:rich>
-          </c:tx>
-          <c:overlay val="0"/>
-          <c:spPr>
-            <a:noFill/>
-            <a:ln>
-              <a:noFill/>
-            </a:ln>
-            <a:effectLst/>
-          </c:spPr>
-          <c:txPr>
-            <a:bodyPr rot="0" spcFirstLastPara="1" vertOverflow="ellipsis" vert="horz" wrap="square" anchor="ctr" anchorCtr="1"/>
-            <a:lstStyle/>
-            <a:p>
-              <a:pPr>
-                <a:defRPr sz="1000" b="0" i="0" u="none" strike="noStrike" kern="1200" baseline="0">
-                  <a:solidFill>
-                    <a:schemeClr val="tx1">
-                      <a:lumMod val="65000"/>
-                      <a:lumOff val="35000"/>
-                    </a:schemeClr>
-                  </a:solidFill>
-                  <a:latin typeface="+mn-lt"/>
-                  <a:ea typeface="+mn-ea"/>
-                  <a:cs typeface="+mn-cs"/>
-                </a:defRPr>
-              </a:pPr>
-              <a:endParaRPr lang="ru-RU"/>
-            </a:p>
-          </c:txPr>
-        </c:title>
         <c:numFmt formatCode="General" sourceLinked="1"/>
         <c:majorTickMark val="none"/>
         <c:minorTickMark val="none"/>
@@ -486,12 +627,12 @@
             <a:endParaRPr lang="ru-RU"/>
           </a:p>
         </c:txPr>
-        <c:crossAx val="708790911"/>
+        <c:crossAx val="1676963632"/>
         <c:crosses val="autoZero"/>
         <c:crossBetween val="midCat"/>
       </c:valAx>
       <c:valAx>
-        <c:axId val="708790911"/>
+        <c:axId val="1676963632"/>
         <c:scaling>
           <c:orientation val="minMax"/>
         </c:scaling>
@@ -511,61 +652,6 @@
             <a:effectLst/>
           </c:spPr>
         </c:majorGridlines>
-        <c:title>
-          <c:tx>
-            <c:rich>
-              <a:bodyPr rot="-5400000" spcFirstLastPara="1" vertOverflow="ellipsis" vert="horz" wrap="square" anchor="ctr" anchorCtr="1"/>
-              <a:lstStyle/>
-              <a:p>
-                <a:pPr>
-                  <a:defRPr sz="1000" b="0" i="0" u="none" strike="noStrike" kern="1200" baseline="0">
-                    <a:solidFill>
-                      <a:schemeClr val="tx1">
-                        <a:lumMod val="65000"/>
-                        <a:lumOff val="35000"/>
-                      </a:schemeClr>
-                    </a:solidFill>
-                    <a:latin typeface="+mn-lt"/>
-                    <a:ea typeface="+mn-ea"/>
-                    <a:cs typeface="+mn-cs"/>
-                  </a:defRPr>
-                </a:pPr>
-                <a:r>
-                  <a:rPr lang="ru-RU"/>
-                  <a:t>мс</a:t>
-                </a:r>
-              </a:p>
-            </c:rich>
-          </c:tx>
-          <c:overlay val="0"/>
-          <c:spPr>
-            <a:noFill/>
-            <a:ln>
-              <a:noFill/>
-            </a:ln>
-            <a:effectLst/>
-          </c:spPr>
-          <c:txPr>
-            <a:bodyPr rot="-5400000" spcFirstLastPara="1" vertOverflow="ellipsis" vert="horz" wrap="square" anchor="ctr" anchorCtr="1"/>
-            <a:lstStyle/>
-            <a:p>
-              <a:pPr>
-                <a:defRPr sz="1000" b="0" i="0" u="none" strike="noStrike" kern="1200" baseline="0">
-                  <a:solidFill>
-                    <a:schemeClr val="tx1">
-                      <a:lumMod val="65000"/>
-                      <a:lumOff val="35000"/>
-                    </a:schemeClr>
-                  </a:solidFill>
-                  <a:latin typeface="+mn-lt"/>
-                  <a:ea typeface="+mn-ea"/>
-                  <a:cs typeface="+mn-cs"/>
-                </a:defRPr>
-              </a:pPr>
-              <a:endParaRPr lang="ru-RU"/>
-            </a:p>
-          </c:txPr>
-        </c:title>
         <c:numFmt formatCode="General" sourceLinked="1"/>
         <c:majorTickMark val="none"/>
         <c:minorTickMark val="none"/>
@@ -603,7 +689,7 @@
             <a:endParaRPr lang="ru-RU"/>
           </a:p>
         </c:txPr>
-        <c:crossAx val="708788415"/>
+        <c:crossAx val="1676966544"/>
         <c:crosses val="autoZero"/>
         <c:crossBetween val="midCat"/>
       </c:valAx>
@@ -615,6 +701,37 @@
         <a:effectLst/>
       </c:spPr>
     </c:plotArea>
+    <c:legend>
+      <c:legendPos val="r"/>
+      <c:overlay val="0"/>
+      <c:spPr>
+        <a:noFill/>
+        <a:ln>
+          <a:noFill/>
+        </a:ln>
+        <a:effectLst/>
+      </c:spPr>
+      <c:txPr>
+        <a:bodyPr rot="0" spcFirstLastPara="1" vertOverflow="ellipsis" vert="horz" wrap="square" anchor="ctr" anchorCtr="1"/>
+        <a:lstStyle/>
+        <a:p>
+          <a:pPr>
+            <a:defRPr sz="900" b="0" i="0" u="none" strike="noStrike" kern="1200" baseline="0">
+              <a:solidFill>
+                <a:schemeClr val="tx1">
+                  <a:lumMod val="65000"/>
+                  <a:lumOff val="35000"/>
+                </a:schemeClr>
+              </a:solidFill>
+              <a:latin typeface="+mn-lt"/>
+              <a:ea typeface="+mn-ea"/>
+              <a:cs typeface="+mn-cs"/>
+            </a:defRPr>
+          </a:pPr>
+          <a:endParaRPr lang="ru-RU"/>
+        </a:p>
+      </c:txPr>
+    </c:legend>
     <c:plotVisOnly val="1"/>
     <c:dispBlanksAs val="gap"/>
     <c:extLst>
@@ -727,10 +844,15 @@
         <c:ser>
           <c:idx val="0"/>
           <c:order val="0"/>
+          <c:tx>
+            <c:v>int</c:v>
+          </c:tx>
           <c:spPr>
             <a:ln w="19050" cap="rnd">
               <a:solidFill>
-                <a:schemeClr val="accent2"/>
+                <a:schemeClr val="accent2">
+                  <a:shade val="76000"/>
+                </a:schemeClr>
               </a:solidFill>
               <a:round/>
             </a:ln>
@@ -753,10 +875,10 @@
           </c:marker>
           <c:xVal>
             <c:numRef>
-              <c:f>Лист1!$C$4:$C$15</c:f>
+              <c:f>Лист1!$C$4:$C$20</c:f>
               <c:numCache>
                 <c:formatCode>General</c:formatCode>
-                <c:ptCount val="12"/>
+                <c:ptCount val="17"/>
                 <c:pt idx="0">
                   <c:v>100</c:v>
                 </c:pt>
@@ -767,76 +889,106 @@
                   <c:v>1000</c:v>
                 </c:pt>
                 <c:pt idx="3">
-                  <c:v>2000</c:v>
+                  <c:v>10000</c:v>
                 </c:pt>
                 <c:pt idx="4">
-                  <c:v>5000</c:v>
+                  <c:v>50000</c:v>
                 </c:pt>
                 <c:pt idx="5">
-                  <c:v>10000</c:v>
+                  <c:v>100000</c:v>
                 </c:pt>
                 <c:pt idx="6">
-                  <c:v>50000</c:v>
+                  <c:v>200000</c:v>
                 </c:pt>
                 <c:pt idx="7">
-                  <c:v>100000</c:v>
+                  <c:v>250000</c:v>
                 </c:pt>
                 <c:pt idx="8">
                   <c:v>350000</c:v>
                 </c:pt>
                 <c:pt idx="9">
-                  <c:v>600000</c:v>
+                  <c:v>500000</c:v>
                 </c:pt>
                 <c:pt idx="10">
+                  <c:v>750000</c:v>
+                </c:pt>
+                <c:pt idx="11">
                   <c:v>1000000</c:v>
                 </c:pt>
-                <c:pt idx="11">
-                  <c:v>2000000</c:v>
+                <c:pt idx="12">
+                  <c:v>1500000</c:v>
+                </c:pt>
+                <c:pt idx="13">
+                  <c:v>2500000</c:v>
+                </c:pt>
+                <c:pt idx="14">
+                  <c:v>3500000</c:v>
+                </c:pt>
+                <c:pt idx="15">
+                  <c:v>5000000</c:v>
+                </c:pt>
+                <c:pt idx="16">
+                  <c:v>7000000</c:v>
                 </c:pt>
               </c:numCache>
             </c:numRef>
           </c:xVal>
           <c:yVal>
             <c:numRef>
-              <c:f>Лист1!$F$4:$F$15</c:f>
+              <c:f>Лист1!$F$4:$F$20</c:f>
               <c:numCache>
                 <c:formatCode>General</c:formatCode>
-                <c:ptCount val="12"/>
+                <c:ptCount val="17"/>
                 <c:pt idx="0">
-                  <c:v>1.54E-2</c:v>
+                  <c:v>1.4E-2</c:v>
                 </c:pt>
                 <c:pt idx="1">
-                  <c:v>2.3E-2</c:v>
+                  <c:v>3.9899999999999998E-2</c:v>
                 </c:pt>
                 <c:pt idx="2">
-                  <c:v>5.3999999999999999E-2</c:v>
+                  <c:v>6.5299999999999997E-2</c:v>
                 </c:pt>
                 <c:pt idx="3">
-                  <c:v>8.4699999999999998E-2</c:v>
+                  <c:v>0.75790000000000002</c:v>
                 </c:pt>
                 <c:pt idx="4">
-                  <c:v>0.34300000000000003</c:v>
+                  <c:v>2.1385999999999998</c:v>
                 </c:pt>
                 <c:pt idx="5">
-                  <c:v>0.68799999999999994</c:v>
+                  <c:v>5.7363999999999997</c:v>
                 </c:pt>
                 <c:pt idx="6">
-                  <c:v>5.56</c:v>
+                  <c:v>23.73</c:v>
                 </c:pt>
                 <c:pt idx="7">
-                  <c:v>9.2799999999999994</c:v>
+                  <c:v>21.110900000000001</c:v>
                 </c:pt>
                 <c:pt idx="8">
-                  <c:v>64</c:v>
+                  <c:v>32.857100000000003</c:v>
                 </c:pt>
                 <c:pt idx="9">
-                  <c:v>170</c:v>
+                  <c:v>49.354300000000002</c:v>
                 </c:pt>
                 <c:pt idx="10">
-                  <c:v>201</c:v>
+                  <c:v>67.403499999999994</c:v>
                 </c:pt>
                 <c:pt idx="11">
-                  <c:v>260</c:v>
+                  <c:v>91.429199999999994</c:v>
+                </c:pt>
+                <c:pt idx="12">
+                  <c:v>139.87620000000001</c:v>
+                </c:pt>
+                <c:pt idx="13">
+                  <c:v>243.12049999999999</c:v>
+                </c:pt>
+                <c:pt idx="14">
+                  <c:v>350.1961</c:v>
+                </c:pt>
+                <c:pt idx="15">
+                  <c:v>505.83550000000002</c:v>
+                </c:pt>
+                <c:pt idx="16">
+                  <c:v>721.81650000000002</c:v>
                 </c:pt>
               </c:numCache>
             </c:numRef>
@@ -844,7 +996,164 @@
           <c:smooth val="1"/>
           <c:extLst>
             <c:ext xmlns:c16="http://schemas.microsoft.com/office/drawing/2014/chart" uri="{C3380CC4-5D6E-409C-BE32-E72D297353CC}">
-              <c16:uniqueId val="{00000000-4D27-4678-A4CA-1F8908A46263}"/>
+              <c16:uniqueId val="{00000000-F745-4C45-B8E7-206DA3103BE9}"/>
+            </c:ext>
+          </c:extLst>
+        </c:ser>
+        <c:ser>
+          <c:idx val="1"/>
+          <c:order val="1"/>
+          <c:tx>
+            <c:v>double</c:v>
+          </c:tx>
+          <c:spPr>
+            <a:ln w="19050" cap="rnd">
+              <a:solidFill>
+                <a:schemeClr val="accent1"/>
+              </a:solidFill>
+              <a:round/>
+            </a:ln>
+            <a:effectLst/>
+          </c:spPr>
+          <c:marker>
+            <c:symbol val="circle"/>
+            <c:size val="5"/>
+            <c:spPr>
+              <a:solidFill>
+                <a:schemeClr val="accent1"/>
+              </a:solidFill>
+              <a:ln w="9525">
+                <a:solidFill>
+                  <a:schemeClr val="accent1"/>
+                </a:solidFill>
+              </a:ln>
+              <a:effectLst/>
+            </c:spPr>
+          </c:marker>
+          <c:xVal>
+            <c:numRef>
+              <c:f>Лист1!$C$4:$C$20</c:f>
+              <c:numCache>
+                <c:formatCode>General</c:formatCode>
+                <c:ptCount val="17"/>
+                <c:pt idx="0">
+                  <c:v>100</c:v>
+                </c:pt>
+                <c:pt idx="1">
+                  <c:v>500</c:v>
+                </c:pt>
+                <c:pt idx="2">
+                  <c:v>1000</c:v>
+                </c:pt>
+                <c:pt idx="3">
+                  <c:v>10000</c:v>
+                </c:pt>
+                <c:pt idx="4">
+                  <c:v>50000</c:v>
+                </c:pt>
+                <c:pt idx="5">
+                  <c:v>100000</c:v>
+                </c:pt>
+                <c:pt idx="6">
+                  <c:v>200000</c:v>
+                </c:pt>
+                <c:pt idx="7">
+                  <c:v>250000</c:v>
+                </c:pt>
+                <c:pt idx="8">
+                  <c:v>350000</c:v>
+                </c:pt>
+                <c:pt idx="9">
+                  <c:v>500000</c:v>
+                </c:pt>
+                <c:pt idx="10">
+                  <c:v>750000</c:v>
+                </c:pt>
+                <c:pt idx="11">
+                  <c:v>1000000</c:v>
+                </c:pt>
+                <c:pt idx="12">
+                  <c:v>1500000</c:v>
+                </c:pt>
+                <c:pt idx="13">
+                  <c:v>2500000</c:v>
+                </c:pt>
+                <c:pt idx="14">
+                  <c:v>3500000</c:v>
+                </c:pt>
+                <c:pt idx="15">
+                  <c:v>5000000</c:v>
+                </c:pt>
+                <c:pt idx="16">
+                  <c:v>7000000</c:v>
+                </c:pt>
+              </c:numCache>
+            </c:numRef>
+          </c:xVal>
+          <c:yVal>
+            <c:numRef>
+              <c:f>Лист1!$G$4:$G$20</c:f>
+              <c:numCache>
+                <c:formatCode>General</c:formatCode>
+                <c:ptCount val="17"/>
+                <c:pt idx="0">
+                  <c:v>5.1999999999999998E-3</c:v>
+                </c:pt>
+                <c:pt idx="1">
+                  <c:v>1.7899999999999999E-2</c:v>
+                </c:pt>
+                <c:pt idx="2">
+                  <c:v>2.86E-2</c:v>
+                </c:pt>
+                <c:pt idx="3">
+                  <c:v>0.24690000000000001</c:v>
+                </c:pt>
+                <c:pt idx="4">
+                  <c:v>1.4965999999999999</c:v>
+                </c:pt>
+                <c:pt idx="5">
+                  <c:v>2.8178999999999998</c:v>
+                </c:pt>
+                <c:pt idx="6">
+                  <c:v>9.0006000000000004</c:v>
+                </c:pt>
+                <c:pt idx="7">
+                  <c:v>20.5778</c:v>
+                </c:pt>
+                <c:pt idx="8">
+                  <c:v>28.7789</c:v>
+                </c:pt>
+                <c:pt idx="9">
+                  <c:v>43.075099999999999</c:v>
+                </c:pt>
+                <c:pt idx="10">
+                  <c:v>69.006699999999995</c:v>
+                </c:pt>
+                <c:pt idx="11">
+                  <c:v>89.380200000000002</c:v>
+                </c:pt>
+                <c:pt idx="12">
+                  <c:v>140.89830000000001</c:v>
+                </c:pt>
+                <c:pt idx="13">
+                  <c:v>243.37350000000001</c:v>
+                </c:pt>
+                <c:pt idx="14">
+                  <c:v>351.9049</c:v>
+                </c:pt>
+                <c:pt idx="15">
+                  <c:v>507.55410000000001</c:v>
+                </c:pt>
+                <c:pt idx="16">
+                  <c:v>728.28579999999999</c:v>
+                </c:pt>
+              </c:numCache>
+            </c:numRef>
+          </c:yVal>
+          <c:smooth val="1"/>
+          <c:extLst>
+            <c:ext xmlns:c16="http://schemas.microsoft.com/office/drawing/2014/chart" uri="{C3380CC4-5D6E-409C-BE32-E72D297353CC}">
+              <c16:uniqueId val="{00000001-F745-4C45-B8E7-206DA3103BE9}"/>
             </c:ext>
           </c:extLst>
         </c:ser>
@@ -1101,6 +1410,37 @@
         <a:effectLst/>
       </c:spPr>
     </c:plotArea>
+    <c:legend>
+      <c:legendPos val="r"/>
+      <c:overlay val="0"/>
+      <c:spPr>
+        <a:noFill/>
+        <a:ln>
+          <a:noFill/>
+        </a:ln>
+        <a:effectLst/>
+      </c:spPr>
+      <c:txPr>
+        <a:bodyPr rot="0" spcFirstLastPara="1" vertOverflow="ellipsis" vert="horz" wrap="square" anchor="ctr" anchorCtr="1"/>
+        <a:lstStyle/>
+        <a:p>
+          <a:pPr>
+            <a:defRPr sz="900" b="0" i="0" u="none" strike="noStrike" kern="1200" baseline="0">
+              <a:solidFill>
+                <a:schemeClr val="tx1">
+                  <a:lumMod val="65000"/>
+                  <a:lumOff val="35000"/>
+                </a:schemeClr>
+              </a:solidFill>
+              <a:latin typeface="+mn-lt"/>
+              <a:ea typeface="+mn-ea"/>
+              <a:cs typeface="+mn-cs"/>
+            </a:defRPr>
+          </a:pPr>
+          <a:endParaRPr lang="ru-RU"/>
+        </a:p>
+      </c:txPr>
+    </c:legend>
     <c:plotVisOnly val="1"/>
     <c:dispBlanksAs val="gap"/>
     <c:extLst>
@@ -1170,8 +1510,13 @@
             </a:pPr>
             <a:r>
               <a:rPr lang="ru-RU"/>
-              <a:t>Проверка на перекрытие</a:t>
-            </a:r>
+              <a:t>Проверка</a:t>
+            </a:r>
+            <a:r>
+              <a:rPr lang="ru-RU" baseline="0"/>
+              <a:t> на перекрытие</a:t>
+            </a:r>
+            <a:endParaRPr lang="ru-RU"/>
           </a:p>
         </c:rich>
       </c:tx>
@@ -1213,10 +1558,15 @@
         <c:ser>
           <c:idx val="0"/>
           <c:order val="0"/>
+          <c:tx>
+            <c:v>int</c:v>
+          </c:tx>
           <c:spPr>
             <a:ln w="19050" cap="rnd">
               <a:solidFill>
-                <a:schemeClr val="accent2"/>
+                <a:schemeClr val="accent2">
+                  <a:shade val="76000"/>
+                </a:schemeClr>
               </a:solidFill>
               <a:round/>
             </a:ln>
@@ -1239,10 +1589,10 @@
           </c:marker>
           <c:xVal>
             <c:numRef>
-              <c:f>Лист1!$C$4:$C$15</c:f>
+              <c:f>Лист1!$C$4:$C$20</c:f>
               <c:numCache>
                 <c:formatCode>General</c:formatCode>
-                <c:ptCount val="12"/>
+                <c:ptCount val="17"/>
                 <c:pt idx="0">
                   <c:v>100</c:v>
                 </c:pt>
@@ -1253,76 +1603,106 @@
                   <c:v>1000</c:v>
                 </c:pt>
                 <c:pt idx="3">
-                  <c:v>2000</c:v>
+                  <c:v>10000</c:v>
                 </c:pt>
                 <c:pt idx="4">
-                  <c:v>5000</c:v>
+                  <c:v>50000</c:v>
                 </c:pt>
                 <c:pt idx="5">
-                  <c:v>10000</c:v>
+                  <c:v>100000</c:v>
                 </c:pt>
                 <c:pt idx="6">
-                  <c:v>50000</c:v>
+                  <c:v>200000</c:v>
                 </c:pt>
                 <c:pt idx="7">
-                  <c:v>100000</c:v>
+                  <c:v>250000</c:v>
                 </c:pt>
                 <c:pt idx="8">
                   <c:v>350000</c:v>
                 </c:pt>
                 <c:pt idx="9">
-                  <c:v>600000</c:v>
+                  <c:v>500000</c:v>
                 </c:pt>
                 <c:pt idx="10">
+                  <c:v>750000</c:v>
+                </c:pt>
+                <c:pt idx="11">
                   <c:v>1000000</c:v>
                 </c:pt>
-                <c:pt idx="11">
-                  <c:v>2000000</c:v>
+                <c:pt idx="12">
+                  <c:v>1500000</c:v>
+                </c:pt>
+                <c:pt idx="13">
+                  <c:v>2500000</c:v>
+                </c:pt>
+                <c:pt idx="14">
+                  <c:v>3500000</c:v>
+                </c:pt>
+                <c:pt idx="15">
+                  <c:v>5000000</c:v>
+                </c:pt>
+                <c:pt idx="16">
+                  <c:v>7000000</c:v>
                 </c:pt>
               </c:numCache>
             </c:numRef>
           </c:xVal>
           <c:yVal>
             <c:numRef>
-              <c:f>Лист1!$H$4:$H$15</c:f>
+              <c:f>Лист1!$H$4:$H$20</c:f>
               <c:numCache>
                 <c:formatCode>General</c:formatCode>
-                <c:ptCount val="12"/>
+                <c:ptCount val="17"/>
                 <c:pt idx="0">
-                  <c:v>5.5999999999999999E-3</c:v>
+                  <c:v>3.7000000000000002E-3</c:v>
                 </c:pt>
                 <c:pt idx="1">
-                  <c:v>1.4999999999999999E-2</c:v>
+                  <c:v>1.6899999999999998E-2</c:v>
                 </c:pt>
                 <c:pt idx="2">
-                  <c:v>2.9000000000000001E-2</c:v>
+                  <c:v>3.4799999999999998E-2</c:v>
                 </c:pt>
                 <c:pt idx="3">
-                  <c:v>0.05</c:v>
+                  <c:v>0.3503</c:v>
                 </c:pt>
                 <c:pt idx="4">
-                  <c:v>0.3</c:v>
+                  <c:v>1.5206</c:v>
                 </c:pt>
                 <c:pt idx="5">
-                  <c:v>1</c:v>
+                  <c:v>4.2096</c:v>
                 </c:pt>
                 <c:pt idx="6">
-                  <c:v>3</c:v>
+                  <c:v>21.253499999999999</c:v>
                 </c:pt>
                 <c:pt idx="7">
-                  <c:v>8.6</c:v>
+                  <c:v>16.286200000000001</c:v>
                 </c:pt>
                 <c:pt idx="8">
-                  <c:v>33</c:v>
+                  <c:v>30.086400000000001</c:v>
                 </c:pt>
                 <c:pt idx="9">
-                  <c:v>48</c:v>
+                  <c:v>44.511200000000002</c:v>
                 </c:pt>
                 <c:pt idx="10">
-                  <c:v>93</c:v>
+                  <c:v>58.168399999999998</c:v>
                 </c:pt>
                 <c:pt idx="11">
-                  <c:v>188</c:v>
+                  <c:v>79.576599999999999</c:v>
+                </c:pt>
+                <c:pt idx="12">
+                  <c:v>125.6112</c:v>
+                </c:pt>
+                <c:pt idx="13">
+                  <c:v>212.06270000000001</c:v>
+                </c:pt>
+                <c:pt idx="14">
+                  <c:v>313.61680000000001</c:v>
+                </c:pt>
+                <c:pt idx="15">
+                  <c:v>463.54989999999998</c:v>
+                </c:pt>
+                <c:pt idx="16">
+                  <c:v>627.33140000000003</c:v>
                 </c:pt>
               </c:numCache>
             </c:numRef>
@@ -1330,7 +1710,164 @@
           <c:smooth val="1"/>
           <c:extLst>
             <c:ext xmlns:c16="http://schemas.microsoft.com/office/drawing/2014/chart" uri="{C3380CC4-5D6E-409C-BE32-E72D297353CC}">
-              <c16:uniqueId val="{00000000-C496-4A47-842D-DE9D210BE8A3}"/>
+              <c16:uniqueId val="{00000000-EC47-4ED1-AE7C-18F05A24DC50}"/>
+            </c:ext>
+          </c:extLst>
+        </c:ser>
+        <c:ser>
+          <c:idx val="1"/>
+          <c:order val="1"/>
+          <c:tx>
+            <c:v>double</c:v>
+          </c:tx>
+          <c:spPr>
+            <a:ln w="19050" cap="rnd">
+              <a:solidFill>
+                <a:schemeClr val="accent1"/>
+              </a:solidFill>
+              <a:round/>
+            </a:ln>
+            <a:effectLst/>
+          </c:spPr>
+          <c:marker>
+            <c:symbol val="circle"/>
+            <c:size val="5"/>
+            <c:spPr>
+              <a:solidFill>
+                <a:schemeClr val="accent1"/>
+              </a:solidFill>
+              <a:ln w="9525">
+                <a:solidFill>
+                  <a:schemeClr val="accent1"/>
+                </a:solidFill>
+              </a:ln>
+              <a:effectLst/>
+            </c:spPr>
+          </c:marker>
+          <c:xVal>
+            <c:numRef>
+              <c:f>Лист1!$C$4:$C$20</c:f>
+              <c:numCache>
+                <c:formatCode>General</c:formatCode>
+                <c:ptCount val="17"/>
+                <c:pt idx="0">
+                  <c:v>100</c:v>
+                </c:pt>
+                <c:pt idx="1">
+                  <c:v>500</c:v>
+                </c:pt>
+                <c:pt idx="2">
+                  <c:v>1000</c:v>
+                </c:pt>
+                <c:pt idx="3">
+                  <c:v>10000</c:v>
+                </c:pt>
+                <c:pt idx="4">
+                  <c:v>50000</c:v>
+                </c:pt>
+                <c:pt idx="5">
+                  <c:v>100000</c:v>
+                </c:pt>
+                <c:pt idx="6">
+                  <c:v>200000</c:v>
+                </c:pt>
+                <c:pt idx="7">
+                  <c:v>250000</c:v>
+                </c:pt>
+                <c:pt idx="8">
+                  <c:v>350000</c:v>
+                </c:pt>
+                <c:pt idx="9">
+                  <c:v>500000</c:v>
+                </c:pt>
+                <c:pt idx="10">
+                  <c:v>750000</c:v>
+                </c:pt>
+                <c:pt idx="11">
+                  <c:v>1000000</c:v>
+                </c:pt>
+                <c:pt idx="12">
+                  <c:v>1500000</c:v>
+                </c:pt>
+                <c:pt idx="13">
+                  <c:v>2500000</c:v>
+                </c:pt>
+                <c:pt idx="14">
+                  <c:v>3500000</c:v>
+                </c:pt>
+                <c:pt idx="15">
+                  <c:v>5000000</c:v>
+                </c:pt>
+                <c:pt idx="16">
+                  <c:v>7000000</c:v>
+                </c:pt>
+              </c:numCache>
+            </c:numRef>
+          </c:xVal>
+          <c:yVal>
+            <c:numRef>
+              <c:f>Лист1!$I$4:$I$20</c:f>
+              <c:numCache>
+                <c:formatCode>General</c:formatCode>
+                <c:ptCount val="17"/>
+                <c:pt idx="0">
+                  <c:v>2.2000000000000001E-3</c:v>
+                </c:pt>
+                <c:pt idx="1">
+                  <c:v>8.6E-3</c:v>
+                </c:pt>
+                <c:pt idx="2">
+                  <c:v>1.6400000000000001E-2</c:v>
+                </c:pt>
+                <c:pt idx="3">
+                  <c:v>0.2036</c:v>
+                </c:pt>
+                <c:pt idx="4">
+                  <c:v>1.179</c:v>
+                </c:pt>
+                <c:pt idx="5">
+                  <c:v>2.0596999999999999</c:v>
+                </c:pt>
+                <c:pt idx="6">
+                  <c:v>7.0522</c:v>
+                </c:pt>
+                <c:pt idx="7">
+                  <c:v>19.658300000000001</c:v>
+                </c:pt>
+                <c:pt idx="8">
+                  <c:v>24.126100000000001</c:v>
+                </c:pt>
+                <c:pt idx="9">
+                  <c:v>38.8277</c:v>
+                </c:pt>
+                <c:pt idx="10">
+                  <c:v>61.1629</c:v>
+                </c:pt>
+                <c:pt idx="11">
+                  <c:v>81.323899999999995</c:v>
+                </c:pt>
+                <c:pt idx="12">
+                  <c:v>125.8056</c:v>
+                </c:pt>
+                <c:pt idx="13">
+                  <c:v>214.55350000000001</c:v>
+                </c:pt>
+                <c:pt idx="14">
+                  <c:v>311.86770000000001</c:v>
+                </c:pt>
+                <c:pt idx="15">
+                  <c:v>452.0043</c:v>
+                </c:pt>
+                <c:pt idx="16">
+                  <c:v>641.01520000000005</c:v>
+                </c:pt>
+              </c:numCache>
+            </c:numRef>
+          </c:yVal>
+          <c:smooth val="1"/>
+          <c:extLst>
+            <c:ext xmlns:c16="http://schemas.microsoft.com/office/drawing/2014/chart" uri="{C3380CC4-5D6E-409C-BE32-E72D297353CC}">
+              <c16:uniqueId val="{00000001-EC47-4ED1-AE7C-18F05A24DC50}"/>
             </c:ext>
           </c:extLst>
         </c:ser>
@@ -1587,6 +2124,37 @@
         <a:effectLst/>
       </c:spPr>
     </c:plotArea>
+    <c:legend>
+      <c:legendPos val="r"/>
+      <c:overlay val="0"/>
+      <c:spPr>
+        <a:noFill/>
+        <a:ln>
+          <a:noFill/>
+        </a:ln>
+        <a:effectLst/>
+      </c:spPr>
+      <c:txPr>
+        <a:bodyPr rot="0" spcFirstLastPara="1" vertOverflow="ellipsis" vert="horz" wrap="square" anchor="ctr" anchorCtr="1"/>
+        <a:lstStyle/>
+        <a:p>
+          <a:pPr>
+            <a:defRPr sz="900" b="0" i="0" u="none" strike="noStrike" kern="1200" baseline="0">
+              <a:solidFill>
+                <a:schemeClr val="tx1">
+                  <a:lumMod val="65000"/>
+                  <a:lumOff val="35000"/>
+                </a:schemeClr>
+              </a:solidFill>
+              <a:latin typeface="+mn-lt"/>
+              <a:ea typeface="+mn-ea"/>
+              <a:cs typeface="+mn-cs"/>
+            </a:defRPr>
+          </a:pPr>
+          <a:endParaRPr lang="ru-RU"/>
+        </a:p>
+      </c:txPr>
+    </c:legend>
     <c:plotVisOnly val="1"/>
     <c:dispBlanksAs val="gap"/>
     <c:extLst>
@@ -3269,7 +3837,7 @@
           <a:p>
             <a:fld id="{5E6EF83D-6BC1-45AB-BB38-7AC10106CD99}" type="datetimeFigureOut">
               <a:rPr lang="ru-RU" smtClean="0"/>
-              <a:t>25.01.2023</a:t>
+              <a:t>27.01.2023</a:t>
             </a:fld>
             <a:endParaRPr lang="ru-RU"/>
           </a:p>
@@ -3667,7 +4235,7 @@
           <a:p>
             <a:fld id="{CB08DC8E-4640-488D-B1B6-83F28F1FDD21}" type="datetime1">
               <a:rPr lang="ru-RU" smtClean="0"/>
-              <a:t>25.01.2023</a:t>
+              <a:t>27.01.2023</a:t>
             </a:fld>
             <a:endParaRPr lang="ru-RU"/>
           </a:p>
@@ -3837,7 +4405,7 @@
           <a:p>
             <a:fld id="{5A610DD2-F775-4697-82F2-E02E860AB71E}" type="datetime1">
               <a:rPr lang="ru-RU" smtClean="0"/>
-              <a:t>25.01.2023</a:t>
+              <a:t>27.01.2023</a:t>
             </a:fld>
             <a:endParaRPr lang="ru-RU"/>
           </a:p>
@@ -4017,7 +4585,7 @@
           <a:p>
             <a:fld id="{03B9CCB0-0EBE-4C2E-8727-91DA3DE36683}" type="datetime1">
               <a:rPr lang="ru-RU" smtClean="0"/>
-              <a:t>25.01.2023</a:t>
+              <a:t>27.01.2023</a:t>
             </a:fld>
             <a:endParaRPr lang="ru-RU"/>
           </a:p>
@@ -4187,7 +4755,7 @@
           <a:p>
             <a:fld id="{E9C79B4B-112B-45ED-8A93-DEC054AB2950}" type="datetime1">
               <a:rPr lang="ru-RU" smtClean="0"/>
-              <a:t>25.01.2023</a:t>
+              <a:t>27.01.2023</a:t>
             </a:fld>
             <a:endParaRPr lang="ru-RU"/>
           </a:p>
@@ -4433,7 +5001,7 @@
           <a:p>
             <a:fld id="{B985C757-C107-46F2-849C-4A1E818FDD01}" type="datetime1">
               <a:rPr lang="ru-RU" smtClean="0"/>
-              <a:t>25.01.2023</a:t>
+              <a:t>27.01.2023</a:t>
             </a:fld>
             <a:endParaRPr lang="ru-RU"/>
           </a:p>
@@ -4665,7 +5233,7 @@
           <a:p>
             <a:fld id="{D0149EBC-0C93-4DB8-A456-2321A158E730}" type="datetime1">
               <a:rPr lang="ru-RU" smtClean="0"/>
-              <a:t>25.01.2023</a:t>
+              <a:t>27.01.2023</a:t>
             </a:fld>
             <a:endParaRPr lang="ru-RU"/>
           </a:p>
@@ -5032,7 +5600,7 @@
           <a:p>
             <a:fld id="{E1CD0E30-33F0-42D3-9D59-D54983B90C31}" type="datetime1">
               <a:rPr lang="ru-RU" smtClean="0"/>
-              <a:t>25.01.2023</a:t>
+              <a:t>27.01.2023</a:t>
             </a:fld>
             <a:endParaRPr lang="ru-RU"/>
           </a:p>
@@ -5150,7 +5718,7 @@
           <a:p>
             <a:fld id="{01526A73-21D1-4D26-9400-2506123BD22E}" type="datetime1">
               <a:rPr lang="ru-RU" smtClean="0"/>
-              <a:t>25.01.2023</a:t>
+              <a:t>27.01.2023</a:t>
             </a:fld>
             <a:endParaRPr lang="ru-RU"/>
           </a:p>
@@ -5245,7 +5813,7 @@
           <a:p>
             <a:fld id="{F4F5F325-762E-4EC5-8E64-EF9616445EA7}" type="datetime1">
               <a:rPr lang="ru-RU" smtClean="0"/>
-              <a:t>25.01.2023</a:t>
+              <a:t>27.01.2023</a:t>
             </a:fld>
             <a:endParaRPr lang="ru-RU"/>
           </a:p>
@@ -5522,7 +6090,7 @@
           <a:p>
             <a:fld id="{D5496A59-C952-4C1B-9C7F-CD1C8FB515CF}" type="datetime1">
               <a:rPr lang="ru-RU" smtClean="0"/>
-              <a:t>25.01.2023</a:t>
+              <a:t>27.01.2023</a:t>
             </a:fld>
             <a:endParaRPr lang="ru-RU"/>
           </a:p>
@@ -5779,7 +6347,7 @@
           <a:p>
             <a:fld id="{18A5F2C4-F47D-4C06-9CD0-462F0A6E6C3A}" type="datetime1">
               <a:rPr lang="ru-RU" smtClean="0"/>
-              <a:t>25.01.2023</a:t>
+              <a:t>27.01.2023</a:t>
             </a:fld>
             <a:endParaRPr lang="ru-RU"/>
           </a:p>
@@ -5992,7 +6560,7 @@
           <a:p>
             <a:fld id="{CE32A494-4286-4E45-82FF-AA40DAE6BA7A}" type="datetime1">
               <a:rPr lang="ru-RU" smtClean="0"/>
-              <a:t>25.01.2023</a:t>
+              <a:t>27.01.2023</a:t>
             </a:fld>
             <a:endParaRPr lang="ru-RU"/>
           </a:p>
@@ -8926,10 +9494,10 @@
       </p:sp>
       <p:graphicFrame>
         <p:nvGraphicFramePr>
-          <p:cNvPr id="7" name="Диаграмма 6">
+          <p:cNvPr id="2" name="Диаграмма 1">
             <a:extLst>
               <a:ext uri="{FF2B5EF4-FFF2-40B4-BE49-F238E27FC236}">
-                <a16:creationId xmlns:a16="http://schemas.microsoft.com/office/drawing/2014/main" id="{B6559761-F6C0-A230-60F8-FECE7213221A}"/>
+                <a16:creationId xmlns:a16="http://schemas.microsoft.com/office/drawing/2014/main" id="{B6B6AFF6-A1DE-C50C-DA46-8CF769197966}"/>
               </a:ext>
             </a:extLst>
           </p:cNvPr>
@@ -8939,14 +9507,14 @@
           <p:nvPr>
             <p:extLst>
               <p:ext uri="{D42A27DB-BD31-4B8C-83A1-F6EECF244321}">
-                <p14:modId xmlns:p14="http://schemas.microsoft.com/office/powerpoint/2010/main" val="1614857919"/>
+                <p14:modId xmlns:p14="http://schemas.microsoft.com/office/powerpoint/2010/main" val="1802610188"/>
               </p:ext>
             </p:extLst>
           </p:nvPr>
         </p:nvGraphicFramePr>
         <p:xfrm>
-          <a:off x="1529402" y="1260565"/>
-          <a:ext cx="5969766" cy="3544933"/>
+          <a:off x="1274363" y="1029720"/>
+          <a:ext cx="6595274" cy="3647591"/>
         </p:xfrm>
         <a:graphic>
           <a:graphicData uri="http://schemas.openxmlformats.org/drawingml/2006/chart">
@@ -9188,7 +9756,7 @@
       </p:sp>
       <p:graphicFrame>
         <p:nvGraphicFramePr>
-          <p:cNvPr id="8" name="Диаграмма 7">
+          <p:cNvPr id="2" name="Диаграмма 1">
             <a:extLst>
               <a:ext uri="{FF2B5EF4-FFF2-40B4-BE49-F238E27FC236}">
                 <a16:creationId xmlns:a16="http://schemas.microsoft.com/office/drawing/2014/main" id="{41B2380E-78BB-BB8C-A10E-0884619BCD42}"/>
@@ -9201,14 +9769,14 @@
           <p:nvPr>
             <p:extLst>
               <p:ext uri="{D42A27DB-BD31-4B8C-83A1-F6EECF244321}">
-                <p14:modId xmlns:p14="http://schemas.microsoft.com/office/powerpoint/2010/main" val="680234752"/>
+                <p14:modId xmlns:p14="http://schemas.microsoft.com/office/powerpoint/2010/main" val="3691453753"/>
               </p:ext>
             </p:extLst>
           </p:nvPr>
         </p:nvGraphicFramePr>
         <p:xfrm>
-          <a:off x="1469570" y="951956"/>
-          <a:ext cx="6414407" cy="3848644"/>
+          <a:off x="1120440" y="925217"/>
+          <a:ext cx="6725979" cy="3783943"/>
         </p:xfrm>
         <a:graphic>
           <a:graphicData uri="http://schemas.openxmlformats.org/drawingml/2006/chart">
@@ -9450,7 +10018,7 @@
       </p:sp>
       <p:graphicFrame>
         <p:nvGraphicFramePr>
-          <p:cNvPr id="3" name="Диаграмма 2">
+          <p:cNvPr id="2" name="Диаграмма 1">
             <a:extLst>
               <a:ext uri="{FF2B5EF4-FFF2-40B4-BE49-F238E27FC236}">
                 <a16:creationId xmlns:a16="http://schemas.microsoft.com/office/drawing/2014/main" id="{FB405C3B-DE0B-FC6E-4AB4-23DC2731EFA8}"/>
@@ -9463,14 +10031,14 @@
           <p:nvPr>
             <p:extLst>
               <p:ext uri="{D42A27DB-BD31-4B8C-83A1-F6EECF244321}">
-                <p14:modId xmlns:p14="http://schemas.microsoft.com/office/powerpoint/2010/main" val="3835271258"/>
+                <p14:modId xmlns:p14="http://schemas.microsoft.com/office/powerpoint/2010/main" val="481052018"/>
               </p:ext>
             </p:extLst>
           </p:nvPr>
         </p:nvGraphicFramePr>
         <p:xfrm>
-          <a:off x="1368834" y="1077006"/>
-          <a:ext cx="6246812" cy="3748087"/>
+          <a:off x="1360369" y="1086802"/>
+          <a:ext cx="6423262" cy="3779112"/>
         </p:xfrm>
         <a:graphic>
           <a:graphicData uri="http://schemas.openxmlformats.org/drawingml/2006/chart">
@@ -10270,8 +10838,8 @@
           </a:p>
         </p:txBody>
       </p:sp>
-      <mc:AlternateContent xmlns:mc="http://schemas.openxmlformats.org/markup-compatibility/2006">
-        <mc:Choice xmlns:a14="http://schemas.microsoft.com/office/drawing/2010/main" Requires="a14">
+      <mc:AlternateContent xmlns:mc="http://schemas.openxmlformats.org/markup-compatibility/2006" xmlns:a14="http://schemas.microsoft.com/office/drawing/2010/main">
+        <mc:Choice Requires="a14">
           <p:sp>
             <p:nvSpPr>
               <p:cNvPr id="10" name="TextBox 9">
@@ -10518,7 +11086,7 @@
             </p:txBody>
           </p:sp>
         </mc:Choice>
-        <mc:Fallback>
+        <mc:Fallback xmlns="">
           <p:sp>
             <p:nvSpPr>
               <p:cNvPr id="10" name="TextBox 9">
@@ -10563,8 +11131,8 @@
           </p:sp>
         </mc:Fallback>
       </mc:AlternateContent>
-      <mc:AlternateContent xmlns:mc="http://schemas.openxmlformats.org/markup-compatibility/2006">
-        <mc:Choice xmlns:a14="http://schemas.microsoft.com/office/drawing/2010/main" Requires="a14">
+      <mc:AlternateContent xmlns:mc="http://schemas.openxmlformats.org/markup-compatibility/2006" xmlns:a14="http://schemas.microsoft.com/office/drawing/2010/main">
+        <mc:Choice Requires="a14">
           <p:sp>
             <p:nvSpPr>
               <p:cNvPr id="2" name="TextBox 1">
@@ -10764,7 +11332,7 @@
             </p:txBody>
           </p:sp>
         </mc:Choice>
-        <mc:Fallback>
+        <mc:Fallback xmlns="">
           <p:sp>
             <p:nvSpPr>
               <p:cNvPr id="2" name="TextBox 1">
@@ -10809,8 +11377,8 @@
           </p:sp>
         </mc:Fallback>
       </mc:AlternateContent>
-      <mc:AlternateContent xmlns:mc="http://schemas.openxmlformats.org/markup-compatibility/2006">
-        <mc:Choice xmlns:a14="http://schemas.microsoft.com/office/drawing/2010/main" Requires="a14">
+      <mc:AlternateContent xmlns:mc="http://schemas.openxmlformats.org/markup-compatibility/2006" xmlns:a14="http://schemas.microsoft.com/office/drawing/2010/main">
+        <mc:Choice Requires="a14">
           <p:sp>
             <p:nvSpPr>
               <p:cNvPr id="3" name="TextBox 2">
@@ -10945,7 +11513,7 @@
             </p:txBody>
           </p:sp>
         </mc:Choice>
-        <mc:Fallback>
+        <mc:Fallback xmlns="">
           <p:sp>
             <p:nvSpPr>
               <p:cNvPr id="3" name="TextBox 2">
@@ -11214,8 +11782,8 @@
           </a:p>
         </p:txBody>
       </p:sp>
-      <mc:AlternateContent xmlns:mc="http://schemas.openxmlformats.org/markup-compatibility/2006">
-        <mc:Choice xmlns:a14="http://schemas.microsoft.com/office/drawing/2010/main" Requires="a14">
+      <mc:AlternateContent xmlns:mc="http://schemas.openxmlformats.org/markup-compatibility/2006" xmlns:a14="http://schemas.microsoft.com/office/drawing/2010/main">
+        <mc:Choice Requires="a14">
           <p:sp>
             <p:nvSpPr>
               <p:cNvPr id="10" name="TextBox 9">
@@ -11370,7 +11938,7 @@
             </p:txBody>
           </p:sp>
         </mc:Choice>
-        <mc:Fallback>
+        <mc:Fallback xmlns="">
           <p:sp>
             <p:nvSpPr>
               <p:cNvPr id="10" name="TextBox 9">
@@ -11415,8 +11983,8 @@
           </p:sp>
         </mc:Fallback>
       </mc:AlternateContent>
-      <mc:AlternateContent xmlns:mc="http://schemas.openxmlformats.org/markup-compatibility/2006">
-        <mc:Choice xmlns:a14="http://schemas.microsoft.com/office/drawing/2010/main" Requires="a14">
+      <mc:AlternateContent xmlns:mc="http://schemas.openxmlformats.org/markup-compatibility/2006" xmlns:a14="http://schemas.microsoft.com/office/drawing/2010/main">
+        <mc:Choice Requires="a14">
           <p:sp>
             <p:nvSpPr>
               <p:cNvPr id="3" name="TextBox 2">
@@ -11526,7 +12094,7 @@
             </p:txBody>
           </p:sp>
         </mc:Choice>
-        <mc:Fallback>
+        <mc:Fallback xmlns="">
           <p:sp>
             <p:nvSpPr>
               <p:cNvPr id="3" name="TextBox 2">
@@ -11571,8 +12139,8 @@
           </p:sp>
         </mc:Fallback>
       </mc:AlternateContent>
-      <mc:AlternateContent xmlns:mc="http://schemas.openxmlformats.org/markup-compatibility/2006">
-        <mc:Choice xmlns:a14="http://schemas.microsoft.com/office/drawing/2010/main" Requires="a14">
+      <mc:AlternateContent xmlns:mc="http://schemas.openxmlformats.org/markup-compatibility/2006" xmlns:a14="http://schemas.microsoft.com/office/drawing/2010/main">
+        <mc:Choice Requires="a14">
           <p:sp>
             <p:nvSpPr>
               <p:cNvPr id="9" name="TextBox 8">
@@ -11660,7 +12228,7 @@
             </p:txBody>
           </p:sp>
         </mc:Choice>
-        <mc:Fallback>
+        <mc:Fallback xmlns="">
           <p:sp>
             <p:nvSpPr>
               <p:cNvPr id="9" name="TextBox 8">
